--- a/doc/项目架构.pptx
+++ b/doc/项目架构.pptx
@@ -2,10 +2,14 @@
 <file path=ppt/presentation.xml><?xml version="1.0" encoding="utf-8"?>
 <p:presentation xmlns:a="http://schemas.openxmlformats.org/drawingml/2006/main" xmlns:r="http://schemas.openxmlformats.org/officeDocument/2006/relationships" xmlns:p="http://schemas.openxmlformats.org/presentationml/2006/main" saveSubsetFonts="1">
   <p:sldMasterIdLst>
-    <p:sldMasterId id="2147483648" r:id="rId1"/>
+    <p:sldMasterId id="2147483672" r:id="rId1"/>
+    <p:sldMasterId id="2147483684" r:id="rId2"/>
   </p:sldMasterIdLst>
   <p:sldIdLst>
-    <p:sldId id="256" r:id="rId2"/>
+    <p:sldId id="256" r:id="rId3"/>
+    <p:sldId id="259" r:id="rId4"/>
+    <p:sldId id="258" r:id="rId5"/>
+    <p:sldId id="257" r:id="rId6"/>
   </p:sldIdLst>
   <p:sldSz cx="9144000" cy="6858000" type="screen4x3"/>
   <p:notesSz cx="6858000" cy="9144000"/>
@@ -104,11 +108,25 @@
       </a:defRPr>
     </a:lvl9pPr>
   </p:defaultTextStyle>
+  <p:extLst>
+    <p:ext uri="{521415D9-36F7-43E2-AB2F-B90AF26B5E84}">
+      <p14:sectionLst xmlns:p14="http://schemas.microsoft.com/office/powerpoint/2010/main">
+        <p14:section name="默认节" id="{88CEFDB8-2F6B-4F6D-A9EC-B792BBD65269}">
+          <p14:sldIdLst>
+            <p14:sldId id="256"/>
+            <p14:sldId id="259"/>
+            <p14:sldId id="258"/>
+            <p14:sldId id="257"/>
+          </p14:sldIdLst>
+        </p14:section>
+      </p14:sectionLst>
+    </p:ext>
+  </p:extLst>
 </p:presentation>
 </file>
 
 <file path=ppt/slideLayouts/slideLayout1.xml><?xml version="1.0" encoding="utf-8"?>
-<p:sldLayout xmlns:a="http://schemas.openxmlformats.org/drawingml/2006/main" xmlns:r="http://schemas.openxmlformats.org/officeDocument/2006/relationships" xmlns:p="http://schemas.openxmlformats.org/presentationml/2006/main" type="title" preserve="1">
+<p:sldLayout xmlns:a="http://schemas.openxmlformats.org/drawingml/2006/main" xmlns:r="http://schemas.openxmlformats.org/officeDocument/2006/relationships" xmlns:p="http://schemas.openxmlformats.org/presentationml/2006/main" showMasterSp="0" type="title" preserve="1">
   <p:cSld name="标题幻灯片">
     <p:spTree>
       <p:nvGrpSpPr>
@@ -126,35 +144,565 @@
       </p:grpSpPr>
       <p:sp>
         <p:nvSpPr>
-          <p:cNvPr id="2" name="标题 1"/>
-          <p:cNvSpPr>
-            <a:spLocks noGrp="1"/>
-          </p:cNvSpPr>
-          <p:nvPr>
-            <p:ph type="ctrTitle"/>
-          </p:nvPr>
+          <p:cNvPr id="23" name="矩形 22"/>
+          <p:cNvSpPr/>
+          <p:nvPr/>
+        </p:nvSpPr>
+        <p:spPr>
+          <a:xfrm flipV="1">
+            <a:off x="5410182" y="3810000"/>
+            <a:ext cx="3733819" cy="91087"/>
+          </a:xfrm>
+          <a:prstGeom prst="rect">
+            <a:avLst/>
+          </a:prstGeom>
+          <a:solidFill>
+            <a:schemeClr val="accent2">
+              <a:alpha val="100000"/>
+            </a:schemeClr>
+          </a:solidFill>
+          <a:ln w="50800" cap="rnd" cmpd="thickThin" algn="ctr">
+            <a:noFill/>
+            <a:prstDash val="solid"/>
+          </a:ln>
+          <a:effectLst/>
+        </p:spPr>
+        <p:style>
+          <a:lnRef idx="3">
+            <a:schemeClr val="lt1"/>
+          </a:lnRef>
+          <a:fillRef idx="1">
+            <a:schemeClr val="accent1"/>
+          </a:fillRef>
+          <a:effectRef idx="1">
+            <a:schemeClr val="accent1"/>
+          </a:effectRef>
+          <a:fontRef idx="minor">
+            <a:schemeClr val="lt1"/>
+          </a:fontRef>
+        </p:style>
+        <p:txBody>
+          <a:bodyPr anchor="ctr"/>
+          <a:lstStyle/>
+          <a:p>
+            <a:pPr algn="ctr" eaLnBrk="1" latinLnBrk="0" hangingPunct="1"/>
+            <a:endParaRPr kumimoji="0" lang="en-US"/>
+          </a:p>
+        </p:txBody>
+      </p:sp>
+      <p:sp>
+        <p:nvSpPr>
+          <p:cNvPr id="24" name="矩形 23"/>
+          <p:cNvSpPr/>
+          <p:nvPr/>
+        </p:nvSpPr>
+        <p:spPr>
+          <a:xfrm flipV="1">
+            <a:off x="5410200" y="3897010"/>
+            <a:ext cx="3733801" cy="192024"/>
+          </a:xfrm>
+          <a:prstGeom prst="rect">
+            <a:avLst/>
+          </a:prstGeom>
+          <a:solidFill>
+            <a:schemeClr val="accent2">
+              <a:alpha val="50000"/>
+            </a:schemeClr>
+          </a:solidFill>
+          <a:ln w="50800" cap="rnd" cmpd="thickThin" algn="ctr">
+            <a:noFill/>
+            <a:prstDash val="solid"/>
+          </a:ln>
+          <a:effectLst/>
+        </p:spPr>
+        <p:style>
+          <a:lnRef idx="3">
+            <a:schemeClr val="lt1"/>
+          </a:lnRef>
+          <a:fillRef idx="1">
+            <a:schemeClr val="accent1"/>
+          </a:fillRef>
+          <a:effectRef idx="1">
+            <a:schemeClr val="accent1"/>
+          </a:effectRef>
+          <a:fontRef idx="minor">
+            <a:schemeClr val="lt1"/>
+          </a:fontRef>
+        </p:style>
+        <p:txBody>
+          <a:bodyPr anchor="ctr"/>
+          <a:lstStyle/>
+          <a:p>
+            <a:pPr algn="ctr" eaLnBrk="1" latinLnBrk="0" hangingPunct="1"/>
+            <a:endParaRPr kumimoji="0" lang="en-US"/>
+          </a:p>
+        </p:txBody>
+      </p:sp>
+      <p:sp>
+        <p:nvSpPr>
+          <p:cNvPr id="25" name="矩形 24"/>
+          <p:cNvSpPr/>
+          <p:nvPr/>
+        </p:nvSpPr>
+        <p:spPr>
+          <a:xfrm flipV="1">
+            <a:off x="5410200" y="4115167"/>
+            <a:ext cx="3733801" cy="9144"/>
+          </a:xfrm>
+          <a:prstGeom prst="rect">
+            <a:avLst/>
+          </a:prstGeom>
+          <a:solidFill>
+            <a:schemeClr val="accent2">
+              <a:alpha val="65000"/>
+            </a:schemeClr>
+          </a:solidFill>
+          <a:ln w="50800" cap="rnd" cmpd="thickThin" algn="ctr">
+            <a:noFill/>
+            <a:prstDash val="solid"/>
+          </a:ln>
+          <a:effectLst/>
+        </p:spPr>
+        <p:style>
+          <a:lnRef idx="3">
+            <a:schemeClr val="lt1"/>
+          </a:lnRef>
+          <a:fillRef idx="1">
+            <a:schemeClr val="accent1"/>
+          </a:fillRef>
+          <a:effectRef idx="1">
+            <a:schemeClr val="accent1"/>
+          </a:effectRef>
+          <a:fontRef idx="minor">
+            <a:schemeClr val="lt1"/>
+          </a:fontRef>
+        </p:style>
+        <p:txBody>
+          <a:bodyPr anchor="ctr"/>
+          <a:lstStyle/>
+          <a:p>
+            <a:pPr algn="ctr" eaLnBrk="1" latinLnBrk="0" hangingPunct="1"/>
+            <a:endParaRPr kumimoji="0" lang="en-US"/>
+          </a:p>
+        </p:txBody>
+      </p:sp>
+      <p:sp>
+        <p:nvSpPr>
+          <p:cNvPr id="26" name="矩形 25"/>
+          <p:cNvSpPr/>
+          <p:nvPr/>
+        </p:nvSpPr>
+        <p:spPr>
+          <a:xfrm flipV="1">
+            <a:off x="5410200" y="4164403"/>
+            <a:ext cx="1965960" cy="18288"/>
+          </a:xfrm>
+          <a:prstGeom prst="rect">
+            <a:avLst/>
+          </a:prstGeom>
+          <a:solidFill>
+            <a:schemeClr val="accent2">
+              <a:alpha val="60000"/>
+            </a:schemeClr>
+          </a:solidFill>
+          <a:ln w="50800" cap="rnd" cmpd="thickThin" algn="ctr">
+            <a:noFill/>
+            <a:prstDash val="solid"/>
+          </a:ln>
+          <a:effectLst/>
+        </p:spPr>
+        <p:style>
+          <a:lnRef idx="3">
+            <a:schemeClr val="lt1"/>
+          </a:lnRef>
+          <a:fillRef idx="1">
+            <a:schemeClr val="accent1"/>
+          </a:fillRef>
+          <a:effectRef idx="1">
+            <a:schemeClr val="accent1"/>
+          </a:effectRef>
+          <a:fontRef idx="minor">
+            <a:schemeClr val="lt1"/>
+          </a:fontRef>
+        </p:style>
+        <p:txBody>
+          <a:bodyPr anchor="ctr"/>
+          <a:lstStyle/>
+          <a:p>
+            <a:pPr algn="ctr" eaLnBrk="1" latinLnBrk="0" hangingPunct="1"/>
+            <a:endParaRPr kumimoji="0" lang="en-US"/>
+          </a:p>
+        </p:txBody>
+      </p:sp>
+      <p:sp>
+        <p:nvSpPr>
+          <p:cNvPr id="27" name="矩形 26"/>
+          <p:cNvSpPr/>
+          <p:nvPr/>
+        </p:nvSpPr>
+        <p:spPr>
+          <a:xfrm flipV="1">
+            <a:off x="5410200" y="4199572"/>
+            <a:ext cx="1965960" cy="9144"/>
+          </a:xfrm>
+          <a:prstGeom prst="rect">
+            <a:avLst/>
+          </a:prstGeom>
+          <a:solidFill>
+            <a:schemeClr val="accent2">
+              <a:alpha val="65000"/>
+            </a:schemeClr>
+          </a:solidFill>
+          <a:ln w="50800" cap="rnd" cmpd="thickThin" algn="ctr">
+            <a:noFill/>
+            <a:prstDash val="solid"/>
+          </a:ln>
+          <a:effectLst/>
+        </p:spPr>
+        <p:style>
+          <a:lnRef idx="3">
+            <a:schemeClr val="lt1"/>
+          </a:lnRef>
+          <a:fillRef idx="1">
+            <a:schemeClr val="accent1"/>
+          </a:fillRef>
+          <a:effectRef idx="1">
+            <a:schemeClr val="accent1"/>
+          </a:effectRef>
+          <a:fontRef idx="minor">
+            <a:schemeClr val="lt1"/>
+          </a:fontRef>
+        </p:style>
+        <p:txBody>
+          <a:bodyPr anchor="ctr"/>
+          <a:lstStyle/>
+          <a:p>
+            <a:pPr algn="ctr" eaLnBrk="1" latinLnBrk="0" hangingPunct="1"/>
+            <a:endParaRPr kumimoji="0" lang="en-US"/>
+          </a:p>
+        </p:txBody>
+      </p:sp>
+      <p:sp useBgFill="1">
+        <p:nvSpPr>
+          <p:cNvPr id="30" name="圆角矩形 29"/>
+          <p:cNvSpPr/>
+          <p:nvPr/>
+        </p:nvSpPr>
+        <p:spPr bwMode="white">
+          <a:xfrm>
+            <a:off x="5410200" y="3962400"/>
+            <a:ext cx="3063240" cy="27432"/>
+          </a:xfrm>
+          <a:prstGeom prst="roundRect">
+            <a:avLst>
+              <a:gd name="adj" fmla="val 16667"/>
+            </a:avLst>
+          </a:prstGeom>
+          <a:ln w="50800" cap="rnd" cmpd="thickThin" algn="ctr">
+            <a:noFill/>
+            <a:prstDash val="solid"/>
+          </a:ln>
+          <a:effectLst/>
+        </p:spPr>
+        <p:style>
+          <a:lnRef idx="3">
+            <a:schemeClr val="lt1"/>
+          </a:lnRef>
+          <a:fillRef idx="1">
+            <a:schemeClr val="accent1"/>
+          </a:fillRef>
+          <a:effectRef idx="1">
+            <a:schemeClr val="accent1"/>
+          </a:effectRef>
+          <a:fontRef idx="minor">
+            <a:schemeClr val="lt1"/>
+          </a:fontRef>
+        </p:style>
+        <p:txBody>
+          <a:bodyPr anchor="ctr"/>
+          <a:lstStyle/>
+          <a:p>
+            <a:pPr algn="ctr" eaLnBrk="1" latinLnBrk="0" hangingPunct="1"/>
+            <a:endParaRPr kumimoji="0" lang="en-US"/>
+          </a:p>
+        </p:txBody>
+      </p:sp>
+      <p:sp useBgFill="1">
+        <p:nvSpPr>
+          <p:cNvPr id="31" name="圆角矩形 30"/>
+          <p:cNvSpPr/>
+          <p:nvPr/>
+        </p:nvSpPr>
+        <p:spPr bwMode="white">
+          <a:xfrm>
+            <a:off x="7376507" y="4060983"/>
+            <a:ext cx="1600200" cy="36576"/>
+          </a:xfrm>
+          <a:prstGeom prst="roundRect">
+            <a:avLst>
+              <a:gd name="adj" fmla="val 16667"/>
+            </a:avLst>
+          </a:prstGeom>
+          <a:ln w="50800" cap="rnd" cmpd="thickThin" algn="ctr">
+            <a:noFill/>
+            <a:prstDash val="solid"/>
+          </a:ln>
+          <a:effectLst/>
+        </p:spPr>
+        <p:style>
+          <a:lnRef idx="3">
+            <a:schemeClr val="lt1"/>
+          </a:lnRef>
+          <a:fillRef idx="1">
+            <a:schemeClr val="accent1"/>
+          </a:fillRef>
+          <a:effectRef idx="1">
+            <a:schemeClr val="accent1"/>
+          </a:effectRef>
+          <a:fontRef idx="minor">
+            <a:schemeClr val="lt1"/>
+          </a:fontRef>
+        </p:style>
+        <p:txBody>
+          <a:bodyPr anchor="ctr"/>
+          <a:lstStyle/>
+          <a:p>
+            <a:pPr algn="ctr" eaLnBrk="1" latinLnBrk="0" hangingPunct="1"/>
+            <a:endParaRPr kumimoji="0" lang="en-US"/>
+          </a:p>
+        </p:txBody>
+      </p:sp>
+      <p:sp>
+        <p:nvSpPr>
+          <p:cNvPr id="7" name="矩形 6"/>
+          <p:cNvSpPr/>
+          <p:nvPr/>
         </p:nvSpPr>
         <p:spPr>
           <a:xfrm>
-            <a:off x="685800" y="2130425"/>
-            <a:ext cx="7772400" cy="1470025"/>
+            <a:off x="1" y="3649662"/>
+            <a:ext cx="9144000" cy="244170"/>
+          </a:xfrm>
+          <a:prstGeom prst="rect">
+            <a:avLst/>
+          </a:prstGeom>
+          <a:solidFill>
+            <a:schemeClr val="accent2">
+              <a:alpha val="50000"/>
+            </a:schemeClr>
+          </a:solidFill>
+          <a:ln w="50800" cap="rnd" cmpd="thickThin" algn="ctr">
+            <a:noFill/>
+            <a:prstDash val="solid"/>
+          </a:ln>
+          <a:effectLst/>
+        </p:spPr>
+        <p:style>
+          <a:lnRef idx="3">
+            <a:schemeClr val="lt1"/>
+          </a:lnRef>
+          <a:fillRef idx="1">
+            <a:schemeClr val="accent1"/>
+          </a:fillRef>
+          <a:effectRef idx="1">
+            <a:schemeClr val="accent1"/>
+          </a:effectRef>
+          <a:fontRef idx="minor">
+            <a:schemeClr val="lt1"/>
+          </a:fontRef>
+        </p:style>
+        <p:txBody>
+          <a:bodyPr anchor="ctr"/>
+          <a:lstStyle/>
+          <a:p>
+            <a:pPr algn="ctr" eaLnBrk="1" latinLnBrk="0" hangingPunct="1"/>
+            <a:endParaRPr kumimoji="0" lang="en-US"/>
+          </a:p>
+        </p:txBody>
+      </p:sp>
+      <p:sp>
+        <p:nvSpPr>
+          <p:cNvPr id="10" name="矩形 9"/>
+          <p:cNvSpPr/>
+          <p:nvPr/>
+        </p:nvSpPr>
+        <p:spPr>
+          <a:xfrm>
+            <a:off x="0" y="3675527"/>
+            <a:ext cx="9144001" cy="140677"/>
+          </a:xfrm>
+          <a:prstGeom prst="rect">
+            <a:avLst/>
+          </a:prstGeom>
+          <a:solidFill>
+            <a:schemeClr val="accent2">
+              <a:alpha val="100000"/>
+            </a:schemeClr>
+          </a:solidFill>
+          <a:ln w="50800" cap="rnd" cmpd="thickThin" algn="ctr">
+            <a:noFill/>
+            <a:prstDash val="solid"/>
+          </a:ln>
+          <a:effectLst/>
+        </p:spPr>
+        <p:style>
+          <a:lnRef idx="3">
+            <a:schemeClr val="lt1"/>
+          </a:lnRef>
+          <a:fillRef idx="1">
+            <a:schemeClr val="accent1"/>
+          </a:fillRef>
+          <a:effectRef idx="1">
+            <a:schemeClr val="accent1"/>
+          </a:effectRef>
+          <a:fontRef idx="minor">
+            <a:schemeClr val="lt1"/>
+          </a:fontRef>
+        </p:style>
+        <p:txBody>
+          <a:bodyPr anchor="ctr"/>
+          <a:lstStyle/>
+          <a:p>
+            <a:pPr algn="ctr" eaLnBrk="1" latinLnBrk="0" hangingPunct="1"/>
+            <a:endParaRPr kumimoji="0" lang="en-US"/>
+          </a:p>
+        </p:txBody>
+      </p:sp>
+      <p:sp>
+        <p:nvSpPr>
+          <p:cNvPr id="11" name="矩形 10"/>
+          <p:cNvSpPr/>
+          <p:nvPr/>
+        </p:nvSpPr>
+        <p:spPr>
+          <a:xfrm flipV="1">
+            <a:off x="6414051" y="3643090"/>
+            <a:ext cx="2729950" cy="248432"/>
+          </a:xfrm>
+          <a:prstGeom prst="rect">
+            <a:avLst/>
+          </a:prstGeom>
+          <a:solidFill>
+            <a:schemeClr val="accent2">
+              <a:alpha val="100000"/>
+            </a:schemeClr>
+          </a:solidFill>
+          <a:ln w="50800" cap="rnd" cmpd="thickThin" algn="ctr">
+            <a:noFill/>
+            <a:prstDash val="solid"/>
+          </a:ln>
+          <a:effectLst/>
+        </p:spPr>
+        <p:style>
+          <a:lnRef idx="3">
+            <a:schemeClr val="lt1"/>
+          </a:lnRef>
+          <a:fillRef idx="1">
+            <a:schemeClr val="accent1"/>
+          </a:fillRef>
+          <a:effectRef idx="1">
+            <a:schemeClr val="accent1"/>
+          </a:effectRef>
+          <a:fontRef idx="minor">
+            <a:schemeClr val="lt1"/>
+          </a:fontRef>
+        </p:style>
+        <p:txBody>
+          <a:bodyPr anchor="ctr"/>
+          <a:lstStyle/>
+          <a:p>
+            <a:pPr algn="ctr" eaLnBrk="1" latinLnBrk="0" hangingPunct="1"/>
+            <a:endParaRPr kumimoji="0" lang="en-US"/>
+          </a:p>
+        </p:txBody>
+      </p:sp>
+      <p:sp>
+        <p:nvSpPr>
+          <p:cNvPr id="19" name="矩形 18"/>
+          <p:cNvSpPr/>
+          <p:nvPr/>
+        </p:nvSpPr>
+        <p:spPr>
+          <a:xfrm>
+            <a:off x="0" y="0"/>
+            <a:ext cx="9144000" cy="3701700"/>
+          </a:xfrm>
+          <a:prstGeom prst="rect">
+            <a:avLst/>
+          </a:prstGeom>
+          <a:solidFill>
+            <a:schemeClr val="tx2">
+              <a:alpha val="100000"/>
+            </a:schemeClr>
+          </a:solidFill>
+          <a:ln w="50800" cap="rnd" cmpd="thickThin" algn="ctr">
+            <a:noFill/>
+            <a:prstDash val="solid"/>
+          </a:ln>
+          <a:effectLst/>
+        </p:spPr>
+        <p:style>
+          <a:lnRef idx="3">
+            <a:schemeClr val="lt1"/>
+          </a:lnRef>
+          <a:fillRef idx="1">
+            <a:schemeClr val="accent1"/>
+          </a:fillRef>
+          <a:effectRef idx="1">
+            <a:schemeClr val="accent1"/>
+          </a:effectRef>
+          <a:fontRef idx="minor">
+            <a:schemeClr val="lt1"/>
+          </a:fontRef>
+        </p:style>
+        <p:txBody>
+          <a:bodyPr anchor="ctr"/>
+          <a:lstStyle/>
+          <a:p>
+            <a:pPr algn="ctr" eaLnBrk="1" latinLnBrk="0" hangingPunct="1"/>
+            <a:endParaRPr kumimoji="0" lang="en-US"/>
+          </a:p>
+        </p:txBody>
+      </p:sp>
+      <p:sp>
+        <p:nvSpPr>
+          <p:cNvPr id="8" name="标题 7"/>
+          <p:cNvSpPr>
+            <a:spLocks noGrp="1"/>
+          </p:cNvSpPr>
+          <p:nvPr>
+            <p:ph type="ctrTitle"/>
+          </p:nvPr>
+        </p:nvSpPr>
+        <p:spPr>
+          <a:xfrm>
+            <a:off x="457200" y="2401887"/>
+            <a:ext cx="8458200" cy="1470025"/>
           </a:xfrm>
         </p:spPr>
         <p:txBody>
-          <a:bodyPr/>
-          <a:lstStyle/>
-          <a:p>
-            <a:r>
-              <a:rPr lang="zh-CN" altLang="en-US" smtClean="0"/>
+          <a:bodyPr anchor="b"/>
+          <a:lstStyle>
+            <a:lvl1pPr>
+              <a:defRPr sz="4400">
+                <a:solidFill>
+                  <a:schemeClr val="bg1"/>
+                </a:solidFill>
+              </a:defRPr>
+            </a:lvl1pPr>
+          </a:lstStyle>
+          <a:p>
+            <a:r>
+              <a:rPr kumimoji="0" lang="zh-CN" altLang="en-US" smtClean="0"/>
               <a:t>单击此处编辑母版标题样式</a:t>
             </a:r>
-            <a:endParaRPr lang="zh-CN" altLang="en-US"/>
-          </a:p>
-        </p:txBody>
-      </p:sp>
-      <p:sp>
-        <p:nvSpPr>
-          <p:cNvPr id="3" name="副标题 2"/>
+            <a:endParaRPr kumimoji="0" lang="en-US"/>
+          </a:p>
+        </p:txBody>
+      </p:sp>
+      <p:sp>
+        <p:nvSpPr>
+          <p:cNvPr id="9" name="副标题 8"/>
           <p:cNvSpPr>
             <a:spLocks noGrp="1"/>
           </p:cNvSpPr>
@@ -164,169 +712,134 @@
         </p:nvSpPr>
         <p:spPr>
           <a:xfrm>
-            <a:off x="1371600" y="3886200"/>
-            <a:ext cx="6400800" cy="1752600"/>
+            <a:off x="457200" y="3899938"/>
+            <a:ext cx="4953000" cy="1752600"/>
           </a:xfrm>
         </p:spPr>
         <p:txBody>
           <a:bodyPr/>
           <a:lstStyle>
-            <a:lvl1pPr marL="0" indent="0" algn="ctr">
-              <a:buNone/>
-              <a:defRPr>
+            <a:lvl1pPr marL="64008" indent="0" algn="l">
+              <a:buNone/>
+              <a:defRPr sz="2400">
                 <a:solidFill>
-                  <a:schemeClr val="tx1">
-                    <a:tint val="75000"/>
-                  </a:schemeClr>
+                  <a:schemeClr val="tx2"/>
                 </a:solidFill>
               </a:defRPr>
             </a:lvl1pPr>
             <a:lvl2pPr marL="457200" indent="0" algn="ctr">
               <a:buNone/>
-              <a:defRPr>
+            </a:lvl2pPr>
+            <a:lvl3pPr marL="914400" indent="0" algn="ctr">
+              <a:buNone/>
+            </a:lvl3pPr>
+            <a:lvl4pPr marL="1371600" indent="0" algn="ctr">
+              <a:buNone/>
+            </a:lvl4pPr>
+            <a:lvl5pPr marL="1828800" indent="0" algn="ctr">
+              <a:buNone/>
+            </a:lvl5pPr>
+            <a:lvl6pPr marL="2286000" indent="0" algn="ctr">
+              <a:buNone/>
+            </a:lvl6pPr>
+            <a:lvl7pPr marL="2743200" indent="0" algn="ctr">
+              <a:buNone/>
+            </a:lvl7pPr>
+            <a:lvl8pPr marL="3200400" indent="0" algn="ctr">
+              <a:buNone/>
+            </a:lvl8pPr>
+            <a:lvl9pPr marL="3657600" indent="0" algn="ctr">
+              <a:buNone/>
+            </a:lvl9pPr>
+          </a:lstStyle>
+          <a:p>
+            <a:r>
+              <a:rPr kumimoji="0" lang="zh-CN" altLang="en-US" smtClean="0"/>
+              <a:t>单击此处编辑母版副标题样式</a:t>
+            </a:r>
+            <a:endParaRPr kumimoji="0" lang="en-US"/>
+          </a:p>
+        </p:txBody>
+      </p:sp>
+      <p:sp>
+        <p:nvSpPr>
+          <p:cNvPr id="28" name="日期占位符 27"/>
+          <p:cNvSpPr>
+            <a:spLocks noGrp="1"/>
+          </p:cNvSpPr>
+          <p:nvPr>
+            <p:ph type="dt" sz="half" idx="10"/>
+          </p:nvPr>
+        </p:nvSpPr>
+        <p:spPr>
+          <a:xfrm>
+            <a:off x="6705600" y="4206240"/>
+            <a:ext cx="960120" cy="457200"/>
+          </a:xfrm>
+        </p:spPr>
+        <p:txBody>
+          <a:bodyPr/>
+          <a:lstStyle/>
+          <a:p>
+            <a:fld id="{530820CF-B880-4189-942D-D702A7CBA730}" type="datetimeFigureOut">
+              <a:rPr lang="zh-CN" altLang="en-US" smtClean="0"/>
+              <a:t>2012/12/2</a:t>
+            </a:fld>
+            <a:endParaRPr lang="zh-CN" altLang="en-US"/>
+          </a:p>
+        </p:txBody>
+      </p:sp>
+      <p:sp>
+        <p:nvSpPr>
+          <p:cNvPr id="17" name="页脚占位符 16"/>
+          <p:cNvSpPr>
+            <a:spLocks noGrp="1"/>
+          </p:cNvSpPr>
+          <p:nvPr>
+            <p:ph type="ftr" sz="quarter" idx="11"/>
+          </p:nvPr>
+        </p:nvSpPr>
+        <p:spPr>
+          <a:xfrm>
+            <a:off x="5410200" y="4205288"/>
+            <a:ext cx="1295400" cy="457200"/>
+          </a:xfrm>
+        </p:spPr>
+        <p:txBody>
+          <a:bodyPr/>
+          <a:lstStyle/>
+          <a:p>
+            <a:endParaRPr lang="zh-CN" altLang="en-US"/>
+          </a:p>
+        </p:txBody>
+      </p:sp>
+      <p:sp>
+        <p:nvSpPr>
+          <p:cNvPr id="29" name="灯片编号占位符 28"/>
+          <p:cNvSpPr>
+            <a:spLocks noGrp="1"/>
+          </p:cNvSpPr>
+          <p:nvPr>
+            <p:ph type="sldNum" sz="quarter" idx="12"/>
+          </p:nvPr>
+        </p:nvSpPr>
+        <p:spPr>
+          <a:xfrm>
+            <a:off x="8320088" y="1136"/>
+            <a:ext cx="747712" cy="365760"/>
+          </a:xfrm>
+        </p:spPr>
+        <p:txBody>
+          <a:bodyPr/>
+          <a:lstStyle>
+            <a:lvl1pPr algn="r">
+              <a:defRPr sz="1800">
                 <a:solidFill>
-                  <a:schemeClr val="tx1">
-                    <a:tint val="75000"/>
-                  </a:schemeClr>
+                  <a:schemeClr val="bg1"/>
                 </a:solidFill>
               </a:defRPr>
-            </a:lvl2pPr>
-            <a:lvl3pPr marL="914400" indent="0" algn="ctr">
-              <a:buNone/>
-              <a:defRPr>
-                <a:solidFill>
-                  <a:schemeClr val="tx1">
-                    <a:tint val="75000"/>
-                  </a:schemeClr>
-                </a:solidFill>
-              </a:defRPr>
-            </a:lvl3pPr>
-            <a:lvl4pPr marL="1371600" indent="0" algn="ctr">
-              <a:buNone/>
-              <a:defRPr>
-                <a:solidFill>
-                  <a:schemeClr val="tx1">
-                    <a:tint val="75000"/>
-                  </a:schemeClr>
-                </a:solidFill>
-              </a:defRPr>
-            </a:lvl4pPr>
-            <a:lvl5pPr marL="1828800" indent="0" algn="ctr">
-              <a:buNone/>
-              <a:defRPr>
-                <a:solidFill>
-                  <a:schemeClr val="tx1">
-                    <a:tint val="75000"/>
-                  </a:schemeClr>
-                </a:solidFill>
-              </a:defRPr>
-            </a:lvl5pPr>
-            <a:lvl6pPr marL="2286000" indent="0" algn="ctr">
-              <a:buNone/>
-              <a:defRPr>
-                <a:solidFill>
-                  <a:schemeClr val="tx1">
-                    <a:tint val="75000"/>
-                  </a:schemeClr>
-                </a:solidFill>
-              </a:defRPr>
-            </a:lvl6pPr>
-            <a:lvl7pPr marL="2743200" indent="0" algn="ctr">
-              <a:buNone/>
-              <a:defRPr>
-                <a:solidFill>
-                  <a:schemeClr val="tx1">
-                    <a:tint val="75000"/>
-                  </a:schemeClr>
-                </a:solidFill>
-              </a:defRPr>
-            </a:lvl7pPr>
-            <a:lvl8pPr marL="3200400" indent="0" algn="ctr">
-              <a:buNone/>
-              <a:defRPr>
-                <a:solidFill>
-                  <a:schemeClr val="tx1">
-                    <a:tint val="75000"/>
-                  </a:schemeClr>
-                </a:solidFill>
-              </a:defRPr>
-            </a:lvl8pPr>
-            <a:lvl9pPr marL="3657600" indent="0" algn="ctr">
-              <a:buNone/>
-              <a:defRPr>
-                <a:solidFill>
-                  <a:schemeClr val="tx1">
-                    <a:tint val="75000"/>
-                  </a:schemeClr>
-                </a:solidFill>
-              </a:defRPr>
-            </a:lvl9pPr>
+            </a:lvl1pPr>
           </a:lstStyle>
-          <a:p>
-            <a:r>
-              <a:rPr lang="zh-CN" altLang="en-US" smtClean="0"/>
-              <a:t>单击此处编辑母版副标题样式</a:t>
-            </a:r>
-            <a:endParaRPr lang="zh-CN" altLang="en-US"/>
-          </a:p>
-        </p:txBody>
-      </p:sp>
-      <p:sp>
-        <p:nvSpPr>
-          <p:cNvPr id="4" name="日期占位符 3"/>
-          <p:cNvSpPr>
-            <a:spLocks noGrp="1"/>
-          </p:cNvSpPr>
-          <p:nvPr>
-            <p:ph type="dt" sz="half" idx="10"/>
-          </p:nvPr>
-        </p:nvSpPr>
-        <p:spPr/>
-        <p:txBody>
-          <a:bodyPr/>
-          <a:lstStyle/>
-          <a:p>
-            <a:fld id="{530820CF-B880-4189-942D-D702A7CBA730}" type="datetimeFigureOut">
-              <a:rPr lang="zh-CN" altLang="en-US" smtClean="0"/>
-              <a:t>2012/12/1</a:t>
-            </a:fld>
-            <a:endParaRPr lang="zh-CN" altLang="en-US"/>
-          </a:p>
-        </p:txBody>
-      </p:sp>
-      <p:sp>
-        <p:nvSpPr>
-          <p:cNvPr id="5" name="页脚占位符 4"/>
-          <p:cNvSpPr>
-            <a:spLocks noGrp="1"/>
-          </p:cNvSpPr>
-          <p:nvPr>
-            <p:ph type="ftr" sz="quarter" idx="11"/>
-          </p:nvPr>
-        </p:nvSpPr>
-        <p:spPr/>
-        <p:txBody>
-          <a:bodyPr/>
-          <a:lstStyle/>
-          <a:p>
-            <a:endParaRPr lang="zh-CN" altLang="en-US"/>
-          </a:p>
-        </p:txBody>
-      </p:sp>
-      <p:sp>
-        <p:nvSpPr>
-          <p:cNvPr id="6" name="灯片编号占位符 5"/>
-          <p:cNvSpPr>
-            <a:spLocks noGrp="1"/>
-          </p:cNvSpPr>
-          <p:nvPr>
-            <p:ph type="sldNum" sz="quarter" idx="12"/>
-          </p:nvPr>
-        </p:nvSpPr>
-        <p:spPr/>
-        <p:txBody>
-          <a:bodyPr/>
-          <a:lstStyle/>
           <a:p>
             <a:fld id="{0C913308-F349-4B6D-A68A-DD1791B4A57B}" type="slidenum">
               <a:rPr lang="zh-CN" altLang="en-US" smtClean="0"/>
@@ -377,10 +890,10 @@
           <a:lstStyle/>
           <a:p>
             <a:r>
-              <a:rPr lang="zh-CN" altLang="en-US" smtClean="0"/>
+              <a:rPr kumimoji="0" lang="zh-CN" altLang="en-US" smtClean="0"/>
               <a:t>单击此处编辑母版标题样式</a:t>
             </a:r>
-            <a:endParaRPr lang="zh-CN" altLang="en-US"/>
+            <a:endParaRPr kumimoji="0" lang="en-US"/>
           </a:p>
         </p:txBody>
       </p:sp>
@@ -399,40 +912,40 @@
           <a:bodyPr vert="eaVert"/>
           <a:lstStyle/>
           <a:p>
-            <a:pPr lvl="0"/>
+            <a:pPr lvl="0" eaLnBrk="1" latinLnBrk="0" hangingPunct="1"/>
             <a:r>
               <a:rPr lang="zh-CN" altLang="en-US" smtClean="0"/>
               <a:t>单击此处编辑母版文本样式</a:t>
             </a:r>
           </a:p>
           <a:p>
-            <a:pPr lvl="1"/>
+            <a:pPr lvl="1" eaLnBrk="1" latinLnBrk="0" hangingPunct="1"/>
             <a:r>
               <a:rPr lang="zh-CN" altLang="en-US" smtClean="0"/>
               <a:t>第二级</a:t>
             </a:r>
           </a:p>
           <a:p>
-            <a:pPr lvl="2"/>
+            <a:pPr lvl="2" eaLnBrk="1" latinLnBrk="0" hangingPunct="1"/>
             <a:r>
               <a:rPr lang="zh-CN" altLang="en-US" smtClean="0"/>
               <a:t>第三级</a:t>
             </a:r>
           </a:p>
           <a:p>
-            <a:pPr lvl="3"/>
+            <a:pPr lvl="3" eaLnBrk="1" latinLnBrk="0" hangingPunct="1"/>
             <a:r>
               <a:rPr lang="zh-CN" altLang="en-US" smtClean="0"/>
               <a:t>第四级</a:t>
             </a:r>
           </a:p>
           <a:p>
-            <a:pPr lvl="4"/>
+            <a:pPr lvl="4" eaLnBrk="1" latinLnBrk="0" hangingPunct="1"/>
             <a:r>
               <a:rPr lang="zh-CN" altLang="en-US" smtClean="0"/>
               <a:t>第五级</a:t>
             </a:r>
-            <a:endParaRPr lang="zh-CN" altLang="en-US"/>
+            <a:endParaRPr kumimoji="0" lang="en-US"/>
           </a:p>
         </p:txBody>
       </p:sp>
@@ -453,7 +966,7 @@
           <a:p>
             <a:fld id="{530820CF-B880-4189-942D-D702A7CBA730}" type="datetimeFigureOut">
               <a:rPr lang="zh-CN" altLang="en-US" smtClean="0"/>
-              <a:t>2012/12/1</a:t>
+              <a:t>2012/12/2</a:t>
             </a:fld>
             <a:endParaRPr lang="zh-CN" altLang="en-US"/>
           </a:p>
@@ -538,8 +1051,8 @@
         </p:nvSpPr>
         <p:spPr>
           <a:xfrm>
-            <a:off x="6629400" y="274638"/>
-            <a:ext cx="2057400" cy="5851525"/>
+            <a:off x="6781800" y="1143000"/>
+            <a:ext cx="1905000" cy="5486400"/>
           </a:xfrm>
         </p:spPr>
         <p:txBody>
@@ -547,10 +1060,10 @@
           <a:lstStyle/>
           <a:p>
             <a:r>
-              <a:rPr lang="zh-CN" altLang="en-US" smtClean="0"/>
+              <a:rPr kumimoji="0" lang="zh-CN" altLang="en-US" smtClean="0"/>
               <a:t>单击此处编辑母版标题样式</a:t>
             </a:r>
-            <a:endParaRPr lang="zh-CN" altLang="en-US"/>
+            <a:endParaRPr kumimoji="0" lang="en-US"/>
           </a:p>
         </p:txBody>
       </p:sp>
@@ -566,48 +1079,48 @@
         </p:nvSpPr>
         <p:spPr>
           <a:xfrm>
-            <a:off x="457200" y="274638"/>
-            <a:ext cx="6019800" cy="5851525"/>
+            <a:off x="457200" y="1143000"/>
+            <a:ext cx="6248400" cy="5486400"/>
           </a:xfrm>
         </p:spPr>
         <p:txBody>
           <a:bodyPr vert="eaVert"/>
           <a:lstStyle/>
           <a:p>
-            <a:pPr lvl="0"/>
+            <a:pPr lvl="0" eaLnBrk="1" latinLnBrk="0" hangingPunct="1"/>
             <a:r>
               <a:rPr lang="zh-CN" altLang="en-US" smtClean="0"/>
               <a:t>单击此处编辑母版文本样式</a:t>
             </a:r>
           </a:p>
           <a:p>
-            <a:pPr lvl="1"/>
+            <a:pPr lvl="1" eaLnBrk="1" latinLnBrk="0" hangingPunct="1"/>
             <a:r>
               <a:rPr lang="zh-CN" altLang="en-US" smtClean="0"/>
               <a:t>第二级</a:t>
             </a:r>
           </a:p>
           <a:p>
-            <a:pPr lvl="2"/>
+            <a:pPr lvl="2" eaLnBrk="1" latinLnBrk="0" hangingPunct="1"/>
             <a:r>
               <a:rPr lang="zh-CN" altLang="en-US" smtClean="0"/>
               <a:t>第三级</a:t>
             </a:r>
           </a:p>
           <a:p>
-            <a:pPr lvl="3"/>
+            <a:pPr lvl="3" eaLnBrk="1" latinLnBrk="0" hangingPunct="1"/>
             <a:r>
               <a:rPr lang="zh-CN" altLang="en-US" smtClean="0"/>
               <a:t>第四级</a:t>
             </a:r>
           </a:p>
           <a:p>
-            <a:pPr lvl="4"/>
+            <a:pPr lvl="4" eaLnBrk="1" latinLnBrk="0" hangingPunct="1"/>
             <a:r>
               <a:rPr lang="zh-CN" altLang="en-US" smtClean="0"/>
               <a:t>第五级</a:t>
             </a:r>
-            <a:endParaRPr lang="zh-CN" altLang="en-US"/>
+            <a:endParaRPr kumimoji="0" lang="en-US"/>
           </a:p>
         </p:txBody>
       </p:sp>
@@ -628,7 +1141,7 @@
           <a:p>
             <a:fld id="{530820CF-B880-4189-942D-D702A7CBA730}" type="datetimeFigureOut">
               <a:rPr lang="zh-CN" altLang="en-US" smtClean="0"/>
-              <a:t>2012/12/1</a:t>
+              <a:t>2012/12/2</a:t>
             </a:fld>
             <a:endParaRPr lang="zh-CN" altLang="en-US"/>
           </a:p>
@@ -684,7 +1197,249 @@
 </p:sldLayout>
 </file>
 
-<file path=ppt/slideLayouts/slideLayout2.xml><?xml version="1.0" encoding="utf-8"?>
+<file path=ppt/slideLayouts/slideLayout12.xml><?xml version="1.0" encoding="utf-8"?>
+<p:sldLayout xmlns:a="http://schemas.openxmlformats.org/drawingml/2006/main" xmlns:r="http://schemas.openxmlformats.org/officeDocument/2006/relationships" xmlns:p="http://schemas.openxmlformats.org/presentationml/2006/main" type="title" preserve="1">
+  <p:cSld name="标题幻灯片">
+    <p:spTree>
+      <p:nvGrpSpPr>
+        <p:cNvPr id="1" name=""/>
+        <p:cNvGrpSpPr/>
+        <p:nvPr/>
+      </p:nvGrpSpPr>
+      <p:grpSpPr>
+        <a:xfrm>
+          <a:off x="0" y="0"/>
+          <a:ext cx="0" cy="0"/>
+          <a:chOff x="0" y="0"/>
+          <a:chExt cx="0" cy="0"/>
+        </a:xfrm>
+      </p:grpSpPr>
+      <p:sp>
+        <p:nvSpPr>
+          <p:cNvPr id="2" name="标题 1"/>
+          <p:cNvSpPr>
+            <a:spLocks noGrp="1"/>
+          </p:cNvSpPr>
+          <p:nvPr>
+            <p:ph type="ctrTitle"/>
+          </p:nvPr>
+        </p:nvSpPr>
+        <p:spPr>
+          <a:xfrm>
+            <a:off x="685800" y="2130425"/>
+            <a:ext cx="7772400" cy="1470025"/>
+          </a:xfrm>
+        </p:spPr>
+        <p:txBody>
+          <a:bodyPr/>
+          <a:lstStyle/>
+          <a:p>
+            <a:r>
+              <a:rPr lang="zh-CN" altLang="en-US" smtClean="0"/>
+              <a:t>单击此处编辑母版标题样式</a:t>
+            </a:r>
+            <a:endParaRPr lang="zh-CN" altLang="en-US"/>
+          </a:p>
+        </p:txBody>
+      </p:sp>
+      <p:sp>
+        <p:nvSpPr>
+          <p:cNvPr id="3" name="副标题 2"/>
+          <p:cNvSpPr>
+            <a:spLocks noGrp="1"/>
+          </p:cNvSpPr>
+          <p:nvPr>
+            <p:ph type="subTitle" idx="1"/>
+          </p:nvPr>
+        </p:nvSpPr>
+        <p:spPr>
+          <a:xfrm>
+            <a:off x="1371600" y="3886200"/>
+            <a:ext cx="6400800" cy="1752600"/>
+          </a:xfrm>
+        </p:spPr>
+        <p:txBody>
+          <a:bodyPr/>
+          <a:lstStyle>
+            <a:lvl1pPr marL="0" indent="0" algn="ctr">
+              <a:buNone/>
+              <a:defRPr>
+                <a:solidFill>
+                  <a:schemeClr val="tx1">
+                    <a:tint val="75000"/>
+                  </a:schemeClr>
+                </a:solidFill>
+              </a:defRPr>
+            </a:lvl1pPr>
+            <a:lvl2pPr marL="457200" indent="0" algn="ctr">
+              <a:buNone/>
+              <a:defRPr>
+                <a:solidFill>
+                  <a:schemeClr val="tx1">
+                    <a:tint val="75000"/>
+                  </a:schemeClr>
+                </a:solidFill>
+              </a:defRPr>
+            </a:lvl2pPr>
+            <a:lvl3pPr marL="914400" indent="0" algn="ctr">
+              <a:buNone/>
+              <a:defRPr>
+                <a:solidFill>
+                  <a:schemeClr val="tx1">
+                    <a:tint val="75000"/>
+                  </a:schemeClr>
+                </a:solidFill>
+              </a:defRPr>
+            </a:lvl3pPr>
+            <a:lvl4pPr marL="1371600" indent="0" algn="ctr">
+              <a:buNone/>
+              <a:defRPr>
+                <a:solidFill>
+                  <a:schemeClr val="tx1">
+                    <a:tint val="75000"/>
+                  </a:schemeClr>
+                </a:solidFill>
+              </a:defRPr>
+            </a:lvl4pPr>
+            <a:lvl5pPr marL="1828800" indent="0" algn="ctr">
+              <a:buNone/>
+              <a:defRPr>
+                <a:solidFill>
+                  <a:schemeClr val="tx1">
+                    <a:tint val="75000"/>
+                  </a:schemeClr>
+                </a:solidFill>
+              </a:defRPr>
+            </a:lvl5pPr>
+            <a:lvl6pPr marL="2286000" indent="0" algn="ctr">
+              <a:buNone/>
+              <a:defRPr>
+                <a:solidFill>
+                  <a:schemeClr val="tx1">
+                    <a:tint val="75000"/>
+                  </a:schemeClr>
+                </a:solidFill>
+              </a:defRPr>
+            </a:lvl6pPr>
+            <a:lvl7pPr marL="2743200" indent="0" algn="ctr">
+              <a:buNone/>
+              <a:defRPr>
+                <a:solidFill>
+                  <a:schemeClr val="tx1">
+                    <a:tint val="75000"/>
+                  </a:schemeClr>
+                </a:solidFill>
+              </a:defRPr>
+            </a:lvl7pPr>
+            <a:lvl8pPr marL="3200400" indent="0" algn="ctr">
+              <a:buNone/>
+              <a:defRPr>
+                <a:solidFill>
+                  <a:schemeClr val="tx1">
+                    <a:tint val="75000"/>
+                  </a:schemeClr>
+                </a:solidFill>
+              </a:defRPr>
+            </a:lvl8pPr>
+            <a:lvl9pPr marL="3657600" indent="0" algn="ctr">
+              <a:buNone/>
+              <a:defRPr>
+                <a:solidFill>
+                  <a:schemeClr val="tx1">
+                    <a:tint val="75000"/>
+                  </a:schemeClr>
+                </a:solidFill>
+              </a:defRPr>
+            </a:lvl9pPr>
+          </a:lstStyle>
+          <a:p>
+            <a:r>
+              <a:rPr lang="zh-CN" altLang="en-US" smtClean="0"/>
+              <a:t>单击此处编辑母版副标题样式</a:t>
+            </a:r>
+            <a:endParaRPr lang="zh-CN" altLang="en-US"/>
+          </a:p>
+        </p:txBody>
+      </p:sp>
+      <p:sp>
+        <p:nvSpPr>
+          <p:cNvPr id="4" name="日期占位符 3"/>
+          <p:cNvSpPr>
+            <a:spLocks noGrp="1"/>
+          </p:cNvSpPr>
+          <p:nvPr>
+            <p:ph type="dt" sz="half" idx="10"/>
+          </p:nvPr>
+        </p:nvSpPr>
+        <p:spPr/>
+        <p:txBody>
+          <a:bodyPr/>
+          <a:lstStyle/>
+          <a:p>
+            <a:fld id="{530820CF-B880-4189-942D-D702A7CBA730}" type="datetimeFigureOut">
+              <a:rPr lang="zh-CN" altLang="en-US" smtClean="0"/>
+              <a:t>2012/12/2</a:t>
+            </a:fld>
+            <a:endParaRPr lang="zh-CN" altLang="en-US"/>
+          </a:p>
+        </p:txBody>
+      </p:sp>
+      <p:sp>
+        <p:nvSpPr>
+          <p:cNvPr id="5" name="页脚占位符 4"/>
+          <p:cNvSpPr>
+            <a:spLocks noGrp="1"/>
+          </p:cNvSpPr>
+          <p:nvPr>
+            <p:ph type="ftr" sz="quarter" idx="11"/>
+          </p:nvPr>
+        </p:nvSpPr>
+        <p:spPr/>
+        <p:txBody>
+          <a:bodyPr/>
+          <a:lstStyle/>
+          <a:p>
+            <a:endParaRPr lang="zh-CN" altLang="en-US"/>
+          </a:p>
+        </p:txBody>
+      </p:sp>
+      <p:sp>
+        <p:nvSpPr>
+          <p:cNvPr id="6" name="灯片编号占位符 5"/>
+          <p:cNvSpPr>
+            <a:spLocks noGrp="1"/>
+          </p:cNvSpPr>
+          <p:nvPr>
+            <p:ph type="sldNum" sz="quarter" idx="12"/>
+          </p:nvPr>
+        </p:nvSpPr>
+        <p:spPr/>
+        <p:txBody>
+          <a:bodyPr/>
+          <a:lstStyle/>
+          <a:p>
+            <a:fld id="{0C913308-F349-4B6D-A68A-DD1791B4A57B}" type="slidenum">
+              <a:rPr lang="zh-CN" altLang="en-US" smtClean="0"/>
+              <a:t>‹#›</a:t>
+            </a:fld>
+            <a:endParaRPr lang="zh-CN" altLang="en-US"/>
+          </a:p>
+        </p:txBody>
+      </p:sp>
+    </p:spTree>
+    <p:extLst>
+      <p:ext uri="{BB962C8B-B14F-4D97-AF65-F5344CB8AC3E}">
+        <p14:creationId xmlns:p14="http://schemas.microsoft.com/office/powerpoint/2010/main" val="750505266"/>
+      </p:ext>
+    </p:extLst>
+  </p:cSld>
+  <p:clrMapOvr>
+    <a:masterClrMapping/>
+  </p:clrMapOvr>
+</p:sldLayout>
+</file>
+
+<file path=ppt/slideLayouts/slideLayout13.xml><?xml version="1.0" encoding="utf-8"?>
 <p:sldLayout xmlns:a="http://schemas.openxmlformats.org/drawingml/2006/main" xmlns:r="http://schemas.openxmlformats.org/officeDocument/2006/relationships" xmlns:p="http://schemas.openxmlformats.org/presentationml/2006/main" type="obj" preserve="1">
   <p:cSld name="标题和内容">
     <p:spTree>
@@ -793,7 +1548,7 @@
           <a:p>
             <a:fld id="{530820CF-B880-4189-942D-D702A7CBA730}" type="datetimeFigureOut">
               <a:rPr lang="zh-CN" altLang="en-US" smtClean="0"/>
-              <a:t>2012/12/1</a:t>
+              <a:t>2012/12/2</a:t>
             </a:fld>
             <a:endParaRPr lang="zh-CN" altLang="en-US"/>
           </a:p>
@@ -842,6 +1597,11 @@
         </p:txBody>
       </p:sp>
     </p:spTree>
+    <p:extLst>
+      <p:ext uri="{BB962C8B-B14F-4D97-AF65-F5344CB8AC3E}">
+        <p14:creationId xmlns:p14="http://schemas.microsoft.com/office/powerpoint/2010/main" val="4076270772"/>
+      </p:ext>
+    </p:extLst>
   </p:cSld>
   <p:clrMapOvr>
     <a:masterClrMapping/>
@@ -849,7 +1609,7 @@
 </p:sldLayout>
 </file>
 
-<file path=ppt/slideLayouts/slideLayout3.xml><?xml version="1.0" encoding="utf-8"?>
+<file path=ppt/slideLayouts/slideLayout14.xml><?xml version="1.0" encoding="utf-8"?>
 <p:sldLayout xmlns:a="http://schemas.openxmlformats.org/drawingml/2006/main" xmlns:r="http://schemas.openxmlformats.org/officeDocument/2006/relationships" xmlns:p="http://schemas.openxmlformats.org/presentationml/2006/main" type="secHead" preserve="1">
   <p:cSld name="节标题">
     <p:spTree>
@@ -1034,7 +1794,7 @@
           <a:p>
             <a:fld id="{530820CF-B880-4189-942D-D702A7CBA730}" type="datetimeFigureOut">
               <a:rPr lang="zh-CN" altLang="en-US" smtClean="0"/>
-              <a:t>2012/12/1</a:t>
+              <a:t>2012/12/2</a:t>
             </a:fld>
             <a:endParaRPr lang="zh-CN" altLang="en-US"/>
           </a:p>
@@ -1083,6 +1843,11 @@
         </p:txBody>
       </p:sp>
     </p:spTree>
+    <p:extLst>
+      <p:ext uri="{BB962C8B-B14F-4D97-AF65-F5344CB8AC3E}">
+        <p14:creationId xmlns:p14="http://schemas.microsoft.com/office/powerpoint/2010/main" val="3013652068"/>
+      </p:ext>
+    </p:extLst>
   </p:cSld>
   <p:clrMapOvr>
     <a:masterClrMapping/>
@@ -1090,7 +1855,7 @@
 </p:sldLayout>
 </file>
 
-<file path=ppt/slideLayouts/slideLayout4.xml><?xml version="1.0" encoding="utf-8"?>
+<file path=ppt/slideLayouts/slideLayout15.xml><?xml version="1.0" encoding="utf-8"?>
 <p:sldLayout xmlns:a="http://schemas.openxmlformats.org/drawingml/2006/main" xmlns:r="http://schemas.openxmlformats.org/officeDocument/2006/relationships" xmlns:p="http://schemas.openxmlformats.org/presentationml/2006/main" type="twoObj" preserve="1">
   <p:cSld name="两栏内容">
     <p:spTree>
@@ -1317,7 +2082,7 @@
           <a:p>
             <a:fld id="{530820CF-B880-4189-942D-D702A7CBA730}" type="datetimeFigureOut">
               <a:rPr lang="zh-CN" altLang="en-US" smtClean="0"/>
-              <a:t>2012/12/1</a:t>
+              <a:t>2012/12/2</a:t>
             </a:fld>
             <a:endParaRPr lang="zh-CN" altLang="en-US"/>
           </a:p>
@@ -1366,6 +2131,11 @@
         </p:txBody>
       </p:sp>
     </p:spTree>
+    <p:extLst>
+      <p:ext uri="{BB962C8B-B14F-4D97-AF65-F5344CB8AC3E}">
+        <p14:creationId xmlns:p14="http://schemas.microsoft.com/office/powerpoint/2010/main" val="1757764841"/>
+      </p:ext>
+    </p:extLst>
   </p:cSld>
   <p:clrMapOvr>
     <a:masterClrMapping/>
@@ -1373,7 +2143,7 @@
 </p:sldLayout>
 </file>
 
-<file path=ppt/slideLayouts/slideLayout5.xml><?xml version="1.0" encoding="utf-8"?>
+<file path=ppt/slideLayouts/slideLayout16.xml><?xml version="1.0" encoding="utf-8"?>
 <p:sldLayout xmlns:a="http://schemas.openxmlformats.org/drawingml/2006/main" xmlns:r="http://schemas.openxmlformats.org/officeDocument/2006/relationships" xmlns:p="http://schemas.openxmlformats.org/presentationml/2006/main" type="twoTxTwoObj" preserve="1">
   <p:cSld name="比较">
     <p:spTree>
@@ -1734,7 +2504,7 @@
           <a:p>
             <a:fld id="{530820CF-B880-4189-942D-D702A7CBA730}" type="datetimeFigureOut">
               <a:rPr lang="zh-CN" altLang="en-US" smtClean="0"/>
-              <a:t>2012/12/1</a:t>
+              <a:t>2012/12/2</a:t>
             </a:fld>
             <a:endParaRPr lang="zh-CN" altLang="en-US"/>
           </a:p>
@@ -1783,6 +2553,11 @@
         </p:txBody>
       </p:sp>
     </p:spTree>
+    <p:extLst>
+      <p:ext uri="{BB962C8B-B14F-4D97-AF65-F5344CB8AC3E}">
+        <p14:creationId xmlns:p14="http://schemas.microsoft.com/office/powerpoint/2010/main" val="3436574299"/>
+      </p:ext>
+    </p:extLst>
   </p:cSld>
   <p:clrMapOvr>
     <a:masterClrMapping/>
@@ -1790,7 +2565,7 @@
 </p:sldLayout>
 </file>
 
-<file path=ppt/slideLayouts/slideLayout6.xml><?xml version="1.0" encoding="utf-8"?>
+<file path=ppt/slideLayouts/slideLayout17.xml><?xml version="1.0" encoding="utf-8"?>
 <p:sldLayout xmlns:a="http://schemas.openxmlformats.org/drawingml/2006/main" xmlns:r="http://schemas.openxmlformats.org/officeDocument/2006/relationships" xmlns:p="http://schemas.openxmlformats.org/presentationml/2006/main" type="titleOnly" preserve="1">
   <p:cSld name="仅标题">
     <p:spTree>
@@ -1847,7 +2622,7 @@
           <a:p>
             <a:fld id="{530820CF-B880-4189-942D-D702A7CBA730}" type="datetimeFigureOut">
               <a:rPr lang="zh-CN" altLang="en-US" smtClean="0"/>
-              <a:t>2012/12/1</a:t>
+              <a:t>2012/12/2</a:t>
             </a:fld>
             <a:endParaRPr lang="zh-CN" altLang="en-US"/>
           </a:p>
@@ -1896,6 +2671,11 @@
         </p:txBody>
       </p:sp>
     </p:spTree>
+    <p:extLst>
+      <p:ext uri="{BB962C8B-B14F-4D97-AF65-F5344CB8AC3E}">
+        <p14:creationId xmlns:p14="http://schemas.microsoft.com/office/powerpoint/2010/main" val="1486301840"/>
+      </p:ext>
+    </p:extLst>
   </p:cSld>
   <p:clrMapOvr>
     <a:masterClrMapping/>
@@ -1903,7 +2683,7 @@
 </p:sldLayout>
 </file>
 
-<file path=ppt/slideLayouts/slideLayout7.xml><?xml version="1.0" encoding="utf-8"?>
+<file path=ppt/slideLayouts/slideLayout18.xml><?xml version="1.0" encoding="utf-8"?>
 <p:sldLayout xmlns:a="http://schemas.openxmlformats.org/drawingml/2006/main" xmlns:r="http://schemas.openxmlformats.org/officeDocument/2006/relationships" xmlns:p="http://schemas.openxmlformats.org/presentationml/2006/main" type="blank" preserve="1">
   <p:cSld name="空白">
     <p:spTree>
@@ -1937,7 +2717,7 @@
           <a:p>
             <a:fld id="{530820CF-B880-4189-942D-D702A7CBA730}" type="datetimeFigureOut">
               <a:rPr lang="zh-CN" altLang="en-US" smtClean="0"/>
-              <a:t>2012/12/1</a:t>
+              <a:t>2012/12/2</a:t>
             </a:fld>
             <a:endParaRPr lang="zh-CN" altLang="en-US"/>
           </a:p>
@@ -1986,6 +2766,11 @@
         </p:txBody>
       </p:sp>
     </p:spTree>
+    <p:extLst>
+      <p:ext uri="{BB962C8B-B14F-4D97-AF65-F5344CB8AC3E}">
+        <p14:creationId xmlns:p14="http://schemas.microsoft.com/office/powerpoint/2010/main" val="1342666132"/>
+      </p:ext>
+    </p:extLst>
   </p:cSld>
   <p:clrMapOvr>
     <a:masterClrMapping/>
@@ -1993,7 +2778,7 @@
 </p:sldLayout>
 </file>
 
-<file path=ppt/slideLayouts/slideLayout8.xml><?xml version="1.0" encoding="utf-8"?>
+<file path=ppt/slideLayouts/slideLayout19.xml><?xml version="1.0" encoding="utf-8"?>
 <p:sldLayout xmlns:a="http://schemas.openxmlformats.org/drawingml/2006/main" xmlns:r="http://schemas.openxmlformats.org/officeDocument/2006/relationships" xmlns:p="http://schemas.openxmlformats.org/presentationml/2006/main" type="objTx" preserve="1">
   <p:cSld name="内容与标题">
     <p:spTree>
@@ -2209,7 +2994,2140 @@
           <a:p>
             <a:fld id="{530820CF-B880-4189-942D-D702A7CBA730}" type="datetimeFigureOut">
               <a:rPr lang="zh-CN" altLang="en-US" smtClean="0"/>
-              <a:t>2012/12/1</a:t>
+              <a:t>2012/12/2</a:t>
+            </a:fld>
+            <a:endParaRPr lang="zh-CN" altLang="en-US"/>
+          </a:p>
+        </p:txBody>
+      </p:sp>
+      <p:sp>
+        <p:nvSpPr>
+          <p:cNvPr id="6" name="页脚占位符 5"/>
+          <p:cNvSpPr>
+            <a:spLocks noGrp="1"/>
+          </p:cNvSpPr>
+          <p:nvPr>
+            <p:ph type="ftr" sz="quarter" idx="11"/>
+          </p:nvPr>
+        </p:nvSpPr>
+        <p:spPr/>
+        <p:txBody>
+          <a:bodyPr/>
+          <a:lstStyle/>
+          <a:p>
+            <a:endParaRPr lang="zh-CN" altLang="en-US"/>
+          </a:p>
+        </p:txBody>
+      </p:sp>
+      <p:sp>
+        <p:nvSpPr>
+          <p:cNvPr id="7" name="灯片编号占位符 6"/>
+          <p:cNvSpPr>
+            <a:spLocks noGrp="1"/>
+          </p:cNvSpPr>
+          <p:nvPr>
+            <p:ph type="sldNum" sz="quarter" idx="12"/>
+          </p:nvPr>
+        </p:nvSpPr>
+        <p:spPr/>
+        <p:txBody>
+          <a:bodyPr/>
+          <a:lstStyle/>
+          <a:p>
+            <a:fld id="{0C913308-F349-4B6D-A68A-DD1791B4A57B}" type="slidenum">
+              <a:rPr lang="zh-CN" altLang="en-US" smtClean="0"/>
+              <a:t>‹#›</a:t>
+            </a:fld>
+            <a:endParaRPr lang="zh-CN" altLang="en-US"/>
+          </a:p>
+        </p:txBody>
+      </p:sp>
+    </p:spTree>
+    <p:extLst>
+      <p:ext uri="{BB962C8B-B14F-4D97-AF65-F5344CB8AC3E}">
+        <p14:creationId xmlns:p14="http://schemas.microsoft.com/office/powerpoint/2010/main" val="589579512"/>
+      </p:ext>
+    </p:extLst>
+  </p:cSld>
+  <p:clrMapOvr>
+    <a:masterClrMapping/>
+  </p:clrMapOvr>
+</p:sldLayout>
+</file>
+
+<file path=ppt/slideLayouts/slideLayout2.xml><?xml version="1.0" encoding="utf-8"?>
+<p:sldLayout xmlns:a="http://schemas.openxmlformats.org/drawingml/2006/main" xmlns:r="http://schemas.openxmlformats.org/officeDocument/2006/relationships" xmlns:p="http://schemas.openxmlformats.org/presentationml/2006/main" type="obj" preserve="1">
+  <p:cSld name="标题和内容">
+    <p:spTree>
+      <p:nvGrpSpPr>
+        <p:cNvPr id="1" name=""/>
+        <p:cNvGrpSpPr/>
+        <p:nvPr/>
+      </p:nvGrpSpPr>
+      <p:grpSpPr>
+        <a:xfrm>
+          <a:off x="0" y="0"/>
+          <a:ext cx="0" cy="0"/>
+          <a:chOff x="0" y="0"/>
+          <a:chExt cx="0" cy="0"/>
+        </a:xfrm>
+      </p:grpSpPr>
+      <p:sp>
+        <p:nvSpPr>
+          <p:cNvPr id="2" name="标题 1"/>
+          <p:cNvSpPr>
+            <a:spLocks noGrp="1"/>
+          </p:cNvSpPr>
+          <p:nvPr>
+            <p:ph type="title"/>
+          </p:nvPr>
+        </p:nvSpPr>
+        <p:spPr/>
+        <p:txBody>
+          <a:bodyPr/>
+          <a:lstStyle/>
+          <a:p>
+            <a:r>
+              <a:rPr kumimoji="0" lang="zh-CN" altLang="en-US" smtClean="0"/>
+              <a:t>单击此处编辑母版标题样式</a:t>
+            </a:r>
+            <a:endParaRPr kumimoji="0" lang="en-US"/>
+          </a:p>
+        </p:txBody>
+      </p:sp>
+      <p:sp>
+        <p:nvSpPr>
+          <p:cNvPr id="3" name="内容占位符 2"/>
+          <p:cNvSpPr>
+            <a:spLocks noGrp="1"/>
+          </p:cNvSpPr>
+          <p:nvPr>
+            <p:ph idx="1"/>
+          </p:nvPr>
+        </p:nvSpPr>
+        <p:spPr/>
+        <p:txBody>
+          <a:bodyPr/>
+          <a:lstStyle/>
+          <a:p>
+            <a:pPr lvl="0" eaLnBrk="1" latinLnBrk="0" hangingPunct="1"/>
+            <a:r>
+              <a:rPr lang="zh-CN" altLang="en-US" smtClean="0"/>
+              <a:t>单击此处编辑母版文本样式</a:t>
+            </a:r>
+          </a:p>
+          <a:p>
+            <a:pPr lvl="1" eaLnBrk="1" latinLnBrk="0" hangingPunct="1"/>
+            <a:r>
+              <a:rPr lang="zh-CN" altLang="en-US" smtClean="0"/>
+              <a:t>第二级</a:t>
+            </a:r>
+          </a:p>
+          <a:p>
+            <a:pPr lvl="2" eaLnBrk="1" latinLnBrk="0" hangingPunct="1"/>
+            <a:r>
+              <a:rPr lang="zh-CN" altLang="en-US" smtClean="0"/>
+              <a:t>第三级</a:t>
+            </a:r>
+          </a:p>
+          <a:p>
+            <a:pPr lvl="3" eaLnBrk="1" latinLnBrk="0" hangingPunct="1"/>
+            <a:r>
+              <a:rPr lang="zh-CN" altLang="en-US" smtClean="0"/>
+              <a:t>第四级</a:t>
+            </a:r>
+          </a:p>
+          <a:p>
+            <a:pPr lvl="4" eaLnBrk="1" latinLnBrk="0" hangingPunct="1"/>
+            <a:r>
+              <a:rPr lang="zh-CN" altLang="en-US" smtClean="0"/>
+              <a:t>第五级</a:t>
+            </a:r>
+            <a:endParaRPr kumimoji="0" lang="en-US"/>
+          </a:p>
+        </p:txBody>
+      </p:sp>
+      <p:sp>
+        <p:nvSpPr>
+          <p:cNvPr id="4" name="日期占位符 3"/>
+          <p:cNvSpPr>
+            <a:spLocks noGrp="1"/>
+          </p:cNvSpPr>
+          <p:nvPr>
+            <p:ph type="dt" sz="half" idx="10"/>
+          </p:nvPr>
+        </p:nvSpPr>
+        <p:spPr/>
+        <p:txBody>
+          <a:bodyPr/>
+          <a:lstStyle/>
+          <a:p>
+            <a:fld id="{530820CF-B880-4189-942D-D702A7CBA730}" type="datetimeFigureOut">
+              <a:rPr lang="zh-CN" altLang="en-US" smtClean="0"/>
+              <a:t>2012/12/2</a:t>
+            </a:fld>
+            <a:endParaRPr lang="zh-CN" altLang="en-US"/>
+          </a:p>
+        </p:txBody>
+      </p:sp>
+      <p:sp>
+        <p:nvSpPr>
+          <p:cNvPr id="5" name="页脚占位符 4"/>
+          <p:cNvSpPr>
+            <a:spLocks noGrp="1"/>
+          </p:cNvSpPr>
+          <p:nvPr>
+            <p:ph type="ftr" sz="quarter" idx="11"/>
+          </p:nvPr>
+        </p:nvSpPr>
+        <p:spPr/>
+        <p:txBody>
+          <a:bodyPr/>
+          <a:lstStyle/>
+          <a:p>
+            <a:endParaRPr lang="zh-CN" altLang="en-US"/>
+          </a:p>
+        </p:txBody>
+      </p:sp>
+      <p:sp>
+        <p:nvSpPr>
+          <p:cNvPr id="6" name="灯片编号占位符 5"/>
+          <p:cNvSpPr>
+            <a:spLocks noGrp="1"/>
+          </p:cNvSpPr>
+          <p:nvPr>
+            <p:ph type="sldNum" sz="quarter" idx="12"/>
+          </p:nvPr>
+        </p:nvSpPr>
+        <p:spPr/>
+        <p:txBody>
+          <a:bodyPr/>
+          <a:lstStyle/>
+          <a:p>
+            <a:fld id="{0C913308-F349-4B6D-A68A-DD1791B4A57B}" type="slidenum">
+              <a:rPr lang="zh-CN" altLang="en-US" smtClean="0"/>
+              <a:t>‹#›</a:t>
+            </a:fld>
+            <a:endParaRPr lang="zh-CN" altLang="en-US"/>
+          </a:p>
+        </p:txBody>
+      </p:sp>
+    </p:spTree>
+  </p:cSld>
+  <p:clrMapOvr>
+    <a:masterClrMapping/>
+  </p:clrMapOvr>
+</p:sldLayout>
+</file>
+
+<file path=ppt/slideLayouts/slideLayout20.xml><?xml version="1.0" encoding="utf-8"?>
+<p:sldLayout xmlns:a="http://schemas.openxmlformats.org/drawingml/2006/main" xmlns:r="http://schemas.openxmlformats.org/officeDocument/2006/relationships" xmlns:p="http://schemas.openxmlformats.org/presentationml/2006/main" type="picTx" preserve="1">
+  <p:cSld name="图片与标题">
+    <p:spTree>
+      <p:nvGrpSpPr>
+        <p:cNvPr id="1" name=""/>
+        <p:cNvGrpSpPr/>
+        <p:nvPr/>
+      </p:nvGrpSpPr>
+      <p:grpSpPr>
+        <a:xfrm>
+          <a:off x="0" y="0"/>
+          <a:ext cx="0" cy="0"/>
+          <a:chOff x="0" y="0"/>
+          <a:chExt cx="0" cy="0"/>
+        </a:xfrm>
+      </p:grpSpPr>
+      <p:sp>
+        <p:nvSpPr>
+          <p:cNvPr id="2" name="标题 1"/>
+          <p:cNvSpPr>
+            <a:spLocks noGrp="1"/>
+          </p:cNvSpPr>
+          <p:nvPr>
+            <p:ph type="title"/>
+          </p:nvPr>
+        </p:nvSpPr>
+        <p:spPr>
+          <a:xfrm>
+            <a:off x="1792288" y="4800600"/>
+            <a:ext cx="5486400" cy="566738"/>
+          </a:xfrm>
+        </p:spPr>
+        <p:txBody>
+          <a:bodyPr anchor="b"/>
+          <a:lstStyle>
+            <a:lvl1pPr algn="l">
+              <a:defRPr sz="2000" b="1"/>
+            </a:lvl1pPr>
+          </a:lstStyle>
+          <a:p>
+            <a:r>
+              <a:rPr lang="zh-CN" altLang="en-US" smtClean="0"/>
+              <a:t>单击此处编辑母版标题样式</a:t>
+            </a:r>
+            <a:endParaRPr lang="zh-CN" altLang="en-US"/>
+          </a:p>
+        </p:txBody>
+      </p:sp>
+      <p:sp>
+        <p:nvSpPr>
+          <p:cNvPr id="3" name="图片占位符 2"/>
+          <p:cNvSpPr>
+            <a:spLocks noGrp="1"/>
+          </p:cNvSpPr>
+          <p:nvPr>
+            <p:ph type="pic" idx="1"/>
+          </p:nvPr>
+        </p:nvSpPr>
+        <p:spPr>
+          <a:xfrm>
+            <a:off x="1792288" y="612775"/>
+            <a:ext cx="5486400" cy="4114800"/>
+          </a:xfrm>
+        </p:spPr>
+        <p:txBody>
+          <a:bodyPr/>
+          <a:lstStyle>
+            <a:lvl1pPr marL="0" indent="0">
+              <a:buNone/>
+              <a:defRPr sz="3200"/>
+            </a:lvl1pPr>
+            <a:lvl2pPr marL="457200" indent="0">
+              <a:buNone/>
+              <a:defRPr sz="2800"/>
+            </a:lvl2pPr>
+            <a:lvl3pPr marL="914400" indent="0">
+              <a:buNone/>
+              <a:defRPr sz="2400"/>
+            </a:lvl3pPr>
+            <a:lvl4pPr marL="1371600" indent="0">
+              <a:buNone/>
+              <a:defRPr sz="2000"/>
+            </a:lvl4pPr>
+            <a:lvl5pPr marL="1828800" indent="0">
+              <a:buNone/>
+              <a:defRPr sz="2000"/>
+            </a:lvl5pPr>
+            <a:lvl6pPr marL="2286000" indent="0">
+              <a:buNone/>
+              <a:defRPr sz="2000"/>
+            </a:lvl6pPr>
+            <a:lvl7pPr marL="2743200" indent="0">
+              <a:buNone/>
+              <a:defRPr sz="2000"/>
+            </a:lvl7pPr>
+            <a:lvl8pPr marL="3200400" indent="0">
+              <a:buNone/>
+              <a:defRPr sz="2000"/>
+            </a:lvl8pPr>
+            <a:lvl9pPr marL="3657600" indent="0">
+              <a:buNone/>
+              <a:defRPr sz="2000"/>
+            </a:lvl9pPr>
+          </a:lstStyle>
+          <a:p>
+            <a:endParaRPr lang="zh-CN" altLang="en-US"/>
+          </a:p>
+        </p:txBody>
+      </p:sp>
+      <p:sp>
+        <p:nvSpPr>
+          <p:cNvPr id="4" name="文本占位符 3"/>
+          <p:cNvSpPr>
+            <a:spLocks noGrp="1"/>
+          </p:cNvSpPr>
+          <p:nvPr>
+            <p:ph type="body" sz="half" idx="2"/>
+          </p:nvPr>
+        </p:nvSpPr>
+        <p:spPr>
+          <a:xfrm>
+            <a:off x="1792288" y="5367338"/>
+            <a:ext cx="5486400" cy="804862"/>
+          </a:xfrm>
+        </p:spPr>
+        <p:txBody>
+          <a:bodyPr/>
+          <a:lstStyle>
+            <a:lvl1pPr marL="0" indent="0">
+              <a:buNone/>
+              <a:defRPr sz="1400"/>
+            </a:lvl1pPr>
+            <a:lvl2pPr marL="457200" indent="0">
+              <a:buNone/>
+              <a:defRPr sz="1200"/>
+            </a:lvl2pPr>
+            <a:lvl3pPr marL="914400" indent="0">
+              <a:buNone/>
+              <a:defRPr sz="1000"/>
+            </a:lvl3pPr>
+            <a:lvl4pPr marL="1371600" indent="0">
+              <a:buNone/>
+              <a:defRPr sz="900"/>
+            </a:lvl4pPr>
+            <a:lvl5pPr marL="1828800" indent="0">
+              <a:buNone/>
+              <a:defRPr sz="900"/>
+            </a:lvl5pPr>
+            <a:lvl6pPr marL="2286000" indent="0">
+              <a:buNone/>
+              <a:defRPr sz="900"/>
+            </a:lvl6pPr>
+            <a:lvl7pPr marL="2743200" indent="0">
+              <a:buNone/>
+              <a:defRPr sz="900"/>
+            </a:lvl7pPr>
+            <a:lvl8pPr marL="3200400" indent="0">
+              <a:buNone/>
+              <a:defRPr sz="900"/>
+            </a:lvl8pPr>
+            <a:lvl9pPr marL="3657600" indent="0">
+              <a:buNone/>
+              <a:defRPr sz="900"/>
+            </a:lvl9pPr>
+          </a:lstStyle>
+          <a:p>
+            <a:pPr lvl="0"/>
+            <a:r>
+              <a:rPr lang="zh-CN" altLang="en-US" smtClean="0"/>
+              <a:t>单击此处编辑母版文本样式</a:t>
+            </a:r>
+          </a:p>
+        </p:txBody>
+      </p:sp>
+      <p:sp>
+        <p:nvSpPr>
+          <p:cNvPr id="5" name="日期占位符 4"/>
+          <p:cNvSpPr>
+            <a:spLocks noGrp="1"/>
+          </p:cNvSpPr>
+          <p:nvPr>
+            <p:ph type="dt" sz="half" idx="10"/>
+          </p:nvPr>
+        </p:nvSpPr>
+        <p:spPr/>
+        <p:txBody>
+          <a:bodyPr/>
+          <a:lstStyle/>
+          <a:p>
+            <a:fld id="{530820CF-B880-4189-942D-D702A7CBA730}" type="datetimeFigureOut">
+              <a:rPr lang="zh-CN" altLang="en-US" smtClean="0"/>
+              <a:t>2012/12/2</a:t>
+            </a:fld>
+            <a:endParaRPr lang="zh-CN" altLang="en-US"/>
+          </a:p>
+        </p:txBody>
+      </p:sp>
+      <p:sp>
+        <p:nvSpPr>
+          <p:cNvPr id="6" name="页脚占位符 5"/>
+          <p:cNvSpPr>
+            <a:spLocks noGrp="1"/>
+          </p:cNvSpPr>
+          <p:nvPr>
+            <p:ph type="ftr" sz="quarter" idx="11"/>
+          </p:nvPr>
+        </p:nvSpPr>
+        <p:spPr/>
+        <p:txBody>
+          <a:bodyPr/>
+          <a:lstStyle/>
+          <a:p>
+            <a:endParaRPr lang="zh-CN" altLang="en-US"/>
+          </a:p>
+        </p:txBody>
+      </p:sp>
+      <p:sp>
+        <p:nvSpPr>
+          <p:cNvPr id="7" name="灯片编号占位符 6"/>
+          <p:cNvSpPr>
+            <a:spLocks noGrp="1"/>
+          </p:cNvSpPr>
+          <p:nvPr>
+            <p:ph type="sldNum" sz="quarter" idx="12"/>
+          </p:nvPr>
+        </p:nvSpPr>
+        <p:spPr/>
+        <p:txBody>
+          <a:bodyPr/>
+          <a:lstStyle/>
+          <a:p>
+            <a:fld id="{0C913308-F349-4B6D-A68A-DD1791B4A57B}" type="slidenum">
+              <a:rPr lang="zh-CN" altLang="en-US" smtClean="0"/>
+              <a:t>‹#›</a:t>
+            </a:fld>
+            <a:endParaRPr lang="zh-CN" altLang="en-US"/>
+          </a:p>
+        </p:txBody>
+      </p:sp>
+    </p:spTree>
+    <p:extLst>
+      <p:ext uri="{BB962C8B-B14F-4D97-AF65-F5344CB8AC3E}">
+        <p14:creationId xmlns:p14="http://schemas.microsoft.com/office/powerpoint/2010/main" val="1122328758"/>
+      </p:ext>
+    </p:extLst>
+  </p:cSld>
+  <p:clrMapOvr>
+    <a:masterClrMapping/>
+  </p:clrMapOvr>
+</p:sldLayout>
+</file>
+
+<file path=ppt/slideLayouts/slideLayout21.xml><?xml version="1.0" encoding="utf-8"?>
+<p:sldLayout xmlns:a="http://schemas.openxmlformats.org/drawingml/2006/main" xmlns:r="http://schemas.openxmlformats.org/officeDocument/2006/relationships" xmlns:p="http://schemas.openxmlformats.org/presentationml/2006/main" type="vertTx" preserve="1">
+  <p:cSld name="标题和竖排文字">
+    <p:spTree>
+      <p:nvGrpSpPr>
+        <p:cNvPr id="1" name=""/>
+        <p:cNvGrpSpPr/>
+        <p:nvPr/>
+      </p:nvGrpSpPr>
+      <p:grpSpPr>
+        <a:xfrm>
+          <a:off x="0" y="0"/>
+          <a:ext cx="0" cy="0"/>
+          <a:chOff x="0" y="0"/>
+          <a:chExt cx="0" cy="0"/>
+        </a:xfrm>
+      </p:grpSpPr>
+      <p:sp>
+        <p:nvSpPr>
+          <p:cNvPr id="2" name="标题 1"/>
+          <p:cNvSpPr>
+            <a:spLocks noGrp="1"/>
+          </p:cNvSpPr>
+          <p:nvPr>
+            <p:ph type="title"/>
+          </p:nvPr>
+        </p:nvSpPr>
+        <p:spPr/>
+        <p:txBody>
+          <a:bodyPr/>
+          <a:lstStyle/>
+          <a:p>
+            <a:r>
+              <a:rPr lang="zh-CN" altLang="en-US" smtClean="0"/>
+              <a:t>单击此处编辑母版标题样式</a:t>
+            </a:r>
+            <a:endParaRPr lang="zh-CN" altLang="en-US"/>
+          </a:p>
+        </p:txBody>
+      </p:sp>
+      <p:sp>
+        <p:nvSpPr>
+          <p:cNvPr id="3" name="竖排文字占位符 2"/>
+          <p:cNvSpPr>
+            <a:spLocks noGrp="1"/>
+          </p:cNvSpPr>
+          <p:nvPr>
+            <p:ph type="body" orient="vert" idx="1"/>
+          </p:nvPr>
+        </p:nvSpPr>
+        <p:spPr/>
+        <p:txBody>
+          <a:bodyPr vert="eaVert"/>
+          <a:lstStyle/>
+          <a:p>
+            <a:pPr lvl="0"/>
+            <a:r>
+              <a:rPr lang="zh-CN" altLang="en-US" smtClean="0"/>
+              <a:t>单击此处编辑母版文本样式</a:t>
+            </a:r>
+          </a:p>
+          <a:p>
+            <a:pPr lvl="1"/>
+            <a:r>
+              <a:rPr lang="zh-CN" altLang="en-US" smtClean="0"/>
+              <a:t>第二级</a:t>
+            </a:r>
+          </a:p>
+          <a:p>
+            <a:pPr lvl="2"/>
+            <a:r>
+              <a:rPr lang="zh-CN" altLang="en-US" smtClean="0"/>
+              <a:t>第三级</a:t>
+            </a:r>
+          </a:p>
+          <a:p>
+            <a:pPr lvl="3"/>
+            <a:r>
+              <a:rPr lang="zh-CN" altLang="en-US" smtClean="0"/>
+              <a:t>第四级</a:t>
+            </a:r>
+          </a:p>
+          <a:p>
+            <a:pPr lvl="4"/>
+            <a:r>
+              <a:rPr lang="zh-CN" altLang="en-US" smtClean="0"/>
+              <a:t>第五级</a:t>
+            </a:r>
+            <a:endParaRPr lang="zh-CN" altLang="en-US"/>
+          </a:p>
+        </p:txBody>
+      </p:sp>
+      <p:sp>
+        <p:nvSpPr>
+          <p:cNvPr id="4" name="日期占位符 3"/>
+          <p:cNvSpPr>
+            <a:spLocks noGrp="1"/>
+          </p:cNvSpPr>
+          <p:nvPr>
+            <p:ph type="dt" sz="half" idx="10"/>
+          </p:nvPr>
+        </p:nvSpPr>
+        <p:spPr/>
+        <p:txBody>
+          <a:bodyPr/>
+          <a:lstStyle/>
+          <a:p>
+            <a:fld id="{530820CF-B880-4189-942D-D702A7CBA730}" type="datetimeFigureOut">
+              <a:rPr lang="zh-CN" altLang="en-US" smtClean="0"/>
+              <a:t>2012/12/2</a:t>
+            </a:fld>
+            <a:endParaRPr lang="zh-CN" altLang="en-US"/>
+          </a:p>
+        </p:txBody>
+      </p:sp>
+      <p:sp>
+        <p:nvSpPr>
+          <p:cNvPr id="5" name="页脚占位符 4"/>
+          <p:cNvSpPr>
+            <a:spLocks noGrp="1"/>
+          </p:cNvSpPr>
+          <p:nvPr>
+            <p:ph type="ftr" sz="quarter" idx="11"/>
+          </p:nvPr>
+        </p:nvSpPr>
+        <p:spPr/>
+        <p:txBody>
+          <a:bodyPr/>
+          <a:lstStyle/>
+          <a:p>
+            <a:endParaRPr lang="zh-CN" altLang="en-US"/>
+          </a:p>
+        </p:txBody>
+      </p:sp>
+      <p:sp>
+        <p:nvSpPr>
+          <p:cNvPr id="6" name="灯片编号占位符 5"/>
+          <p:cNvSpPr>
+            <a:spLocks noGrp="1"/>
+          </p:cNvSpPr>
+          <p:nvPr>
+            <p:ph type="sldNum" sz="quarter" idx="12"/>
+          </p:nvPr>
+        </p:nvSpPr>
+        <p:spPr/>
+        <p:txBody>
+          <a:bodyPr/>
+          <a:lstStyle/>
+          <a:p>
+            <a:fld id="{0C913308-F349-4B6D-A68A-DD1791B4A57B}" type="slidenum">
+              <a:rPr lang="zh-CN" altLang="en-US" smtClean="0"/>
+              <a:t>‹#›</a:t>
+            </a:fld>
+            <a:endParaRPr lang="zh-CN" altLang="en-US"/>
+          </a:p>
+        </p:txBody>
+      </p:sp>
+    </p:spTree>
+    <p:extLst>
+      <p:ext uri="{BB962C8B-B14F-4D97-AF65-F5344CB8AC3E}">
+        <p14:creationId xmlns:p14="http://schemas.microsoft.com/office/powerpoint/2010/main" val="2103107011"/>
+      </p:ext>
+    </p:extLst>
+  </p:cSld>
+  <p:clrMapOvr>
+    <a:masterClrMapping/>
+  </p:clrMapOvr>
+</p:sldLayout>
+</file>
+
+<file path=ppt/slideLayouts/slideLayout22.xml><?xml version="1.0" encoding="utf-8"?>
+<p:sldLayout xmlns:a="http://schemas.openxmlformats.org/drawingml/2006/main" xmlns:r="http://schemas.openxmlformats.org/officeDocument/2006/relationships" xmlns:p="http://schemas.openxmlformats.org/presentationml/2006/main" type="vertTitleAndTx" preserve="1">
+  <p:cSld name="垂直排列标题与文本">
+    <p:spTree>
+      <p:nvGrpSpPr>
+        <p:cNvPr id="1" name=""/>
+        <p:cNvGrpSpPr/>
+        <p:nvPr/>
+      </p:nvGrpSpPr>
+      <p:grpSpPr>
+        <a:xfrm>
+          <a:off x="0" y="0"/>
+          <a:ext cx="0" cy="0"/>
+          <a:chOff x="0" y="0"/>
+          <a:chExt cx="0" cy="0"/>
+        </a:xfrm>
+      </p:grpSpPr>
+      <p:sp>
+        <p:nvSpPr>
+          <p:cNvPr id="2" name="竖排标题 1"/>
+          <p:cNvSpPr>
+            <a:spLocks noGrp="1"/>
+          </p:cNvSpPr>
+          <p:nvPr>
+            <p:ph type="title" orient="vert"/>
+          </p:nvPr>
+        </p:nvSpPr>
+        <p:spPr>
+          <a:xfrm>
+            <a:off x="6629400" y="274638"/>
+            <a:ext cx="2057400" cy="5851525"/>
+          </a:xfrm>
+        </p:spPr>
+        <p:txBody>
+          <a:bodyPr vert="eaVert"/>
+          <a:lstStyle/>
+          <a:p>
+            <a:r>
+              <a:rPr lang="zh-CN" altLang="en-US" smtClean="0"/>
+              <a:t>单击此处编辑母版标题样式</a:t>
+            </a:r>
+            <a:endParaRPr lang="zh-CN" altLang="en-US"/>
+          </a:p>
+        </p:txBody>
+      </p:sp>
+      <p:sp>
+        <p:nvSpPr>
+          <p:cNvPr id="3" name="竖排文字占位符 2"/>
+          <p:cNvSpPr>
+            <a:spLocks noGrp="1"/>
+          </p:cNvSpPr>
+          <p:nvPr>
+            <p:ph type="body" orient="vert" idx="1"/>
+          </p:nvPr>
+        </p:nvSpPr>
+        <p:spPr>
+          <a:xfrm>
+            <a:off x="457200" y="274638"/>
+            <a:ext cx="6019800" cy="5851525"/>
+          </a:xfrm>
+        </p:spPr>
+        <p:txBody>
+          <a:bodyPr vert="eaVert"/>
+          <a:lstStyle/>
+          <a:p>
+            <a:pPr lvl="0"/>
+            <a:r>
+              <a:rPr lang="zh-CN" altLang="en-US" smtClean="0"/>
+              <a:t>单击此处编辑母版文本样式</a:t>
+            </a:r>
+          </a:p>
+          <a:p>
+            <a:pPr lvl="1"/>
+            <a:r>
+              <a:rPr lang="zh-CN" altLang="en-US" smtClean="0"/>
+              <a:t>第二级</a:t>
+            </a:r>
+          </a:p>
+          <a:p>
+            <a:pPr lvl="2"/>
+            <a:r>
+              <a:rPr lang="zh-CN" altLang="en-US" smtClean="0"/>
+              <a:t>第三级</a:t>
+            </a:r>
+          </a:p>
+          <a:p>
+            <a:pPr lvl="3"/>
+            <a:r>
+              <a:rPr lang="zh-CN" altLang="en-US" smtClean="0"/>
+              <a:t>第四级</a:t>
+            </a:r>
+          </a:p>
+          <a:p>
+            <a:pPr lvl="4"/>
+            <a:r>
+              <a:rPr lang="zh-CN" altLang="en-US" smtClean="0"/>
+              <a:t>第五级</a:t>
+            </a:r>
+            <a:endParaRPr lang="zh-CN" altLang="en-US"/>
+          </a:p>
+        </p:txBody>
+      </p:sp>
+      <p:sp>
+        <p:nvSpPr>
+          <p:cNvPr id="4" name="日期占位符 3"/>
+          <p:cNvSpPr>
+            <a:spLocks noGrp="1"/>
+          </p:cNvSpPr>
+          <p:nvPr>
+            <p:ph type="dt" sz="half" idx="10"/>
+          </p:nvPr>
+        </p:nvSpPr>
+        <p:spPr/>
+        <p:txBody>
+          <a:bodyPr/>
+          <a:lstStyle/>
+          <a:p>
+            <a:fld id="{530820CF-B880-4189-942D-D702A7CBA730}" type="datetimeFigureOut">
+              <a:rPr lang="zh-CN" altLang="en-US" smtClean="0"/>
+              <a:t>2012/12/2</a:t>
+            </a:fld>
+            <a:endParaRPr lang="zh-CN" altLang="en-US"/>
+          </a:p>
+        </p:txBody>
+      </p:sp>
+      <p:sp>
+        <p:nvSpPr>
+          <p:cNvPr id="5" name="页脚占位符 4"/>
+          <p:cNvSpPr>
+            <a:spLocks noGrp="1"/>
+          </p:cNvSpPr>
+          <p:nvPr>
+            <p:ph type="ftr" sz="quarter" idx="11"/>
+          </p:nvPr>
+        </p:nvSpPr>
+        <p:spPr/>
+        <p:txBody>
+          <a:bodyPr/>
+          <a:lstStyle/>
+          <a:p>
+            <a:endParaRPr lang="zh-CN" altLang="en-US"/>
+          </a:p>
+        </p:txBody>
+      </p:sp>
+      <p:sp>
+        <p:nvSpPr>
+          <p:cNvPr id="6" name="灯片编号占位符 5"/>
+          <p:cNvSpPr>
+            <a:spLocks noGrp="1"/>
+          </p:cNvSpPr>
+          <p:nvPr>
+            <p:ph type="sldNum" sz="quarter" idx="12"/>
+          </p:nvPr>
+        </p:nvSpPr>
+        <p:spPr/>
+        <p:txBody>
+          <a:bodyPr/>
+          <a:lstStyle/>
+          <a:p>
+            <a:fld id="{0C913308-F349-4B6D-A68A-DD1791B4A57B}" type="slidenum">
+              <a:rPr lang="zh-CN" altLang="en-US" smtClean="0"/>
+              <a:t>‹#›</a:t>
+            </a:fld>
+            <a:endParaRPr lang="zh-CN" altLang="en-US"/>
+          </a:p>
+        </p:txBody>
+      </p:sp>
+    </p:spTree>
+    <p:extLst>
+      <p:ext uri="{BB962C8B-B14F-4D97-AF65-F5344CB8AC3E}">
+        <p14:creationId xmlns:p14="http://schemas.microsoft.com/office/powerpoint/2010/main" val="3828385692"/>
+      </p:ext>
+    </p:extLst>
+  </p:cSld>
+  <p:clrMapOvr>
+    <a:masterClrMapping/>
+  </p:clrMapOvr>
+</p:sldLayout>
+</file>
+
+<file path=ppt/slideLayouts/slideLayout3.xml><?xml version="1.0" encoding="utf-8"?>
+<p:sldLayout xmlns:a="http://schemas.openxmlformats.org/drawingml/2006/main" xmlns:r="http://schemas.openxmlformats.org/officeDocument/2006/relationships" xmlns:p="http://schemas.openxmlformats.org/presentationml/2006/main" type="secHead" preserve="1">
+  <p:cSld name="节标题">
+    <p:spTree>
+      <p:nvGrpSpPr>
+        <p:cNvPr id="1" name=""/>
+        <p:cNvGrpSpPr/>
+        <p:nvPr/>
+      </p:nvGrpSpPr>
+      <p:grpSpPr>
+        <a:xfrm>
+          <a:off x="0" y="0"/>
+          <a:ext cx="0" cy="0"/>
+          <a:chOff x="0" y="0"/>
+          <a:chExt cx="0" cy="0"/>
+        </a:xfrm>
+      </p:grpSpPr>
+      <p:sp>
+        <p:nvSpPr>
+          <p:cNvPr id="2" name="标题 1"/>
+          <p:cNvSpPr>
+            <a:spLocks noGrp="1"/>
+          </p:cNvSpPr>
+          <p:nvPr>
+            <p:ph type="title"/>
+          </p:nvPr>
+        </p:nvSpPr>
+        <p:spPr>
+          <a:xfrm>
+            <a:off x="722313" y="1981200"/>
+            <a:ext cx="7772400" cy="1362075"/>
+          </a:xfrm>
+        </p:spPr>
+        <p:txBody>
+          <a:bodyPr anchor="b">
+            <a:noAutofit/>
+          </a:bodyPr>
+          <a:lstStyle>
+            <a:lvl1pPr algn="l">
+              <a:buNone/>
+              <a:defRPr sz="4300" b="1" cap="none" baseline="0">
+                <a:ln w="12700">
+                  <a:solidFill>
+                    <a:schemeClr val="accent2">
+                      <a:shade val="90000"/>
+                      <a:satMod val="150000"/>
+                    </a:schemeClr>
+                  </a:solidFill>
+                </a:ln>
+                <a:solidFill>
+                  <a:srgbClr val="FFFFFF"/>
+                </a:solidFill>
+                <a:effectLst>
+                  <a:outerShdw blurRad="38100" dist="38100" dir="5400000" algn="tl" rotWithShape="0">
+                    <a:srgbClr val="000000">
+                      <a:alpha val="25000"/>
+                    </a:srgbClr>
+                  </a:outerShdw>
+                </a:effectLst>
+              </a:defRPr>
+            </a:lvl1pPr>
+          </a:lstStyle>
+          <a:p>
+            <a:r>
+              <a:rPr kumimoji="0" lang="zh-CN" altLang="en-US" smtClean="0"/>
+              <a:t>单击此处编辑母版标题样式</a:t>
+            </a:r>
+            <a:endParaRPr kumimoji="0" lang="en-US"/>
+          </a:p>
+        </p:txBody>
+      </p:sp>
+      <p:sp>
+        <p:nvSpPr>
+          <p:cNvPr id="3" name="文本占位符 2"/>
+          <p:cNvSpPr>
+            <a:spLocks noGrp="1"/>
+          </p:cNvSpPr>
+          <p:nvPr>
+            <p:ph type="body" idx="1"/>
+          </p:nvPr>
+        </p:nvSpPr>
+        <p:spPr>
+          <a:xfrm>
+            <a:off x="722313" y="3367088"/>
+            <a:ext cx="7772400" cy="1509712"/>
+          </a:xfrm>
+        </p:spPr>
+        <p:txBody>
+          <a:bodyPr anchor="t"/>
+          <a:lstStyle>
+            <a:lvl1pPr marL="45720" indent="0">
+              <a:buNone/>
+              <a:defRPr sz="2100" b="0">
+                <a:solidFill>
+                  <a:schemeClr val="tx2"/>
+                </a:solidFill>
+              </a:defRPr>
+            </a:lvl1pPr>
+            <a:lvl2pPr>
+              <a:buNone/>
+              <a:defRPr sz="1800">
+                <a:solidFill>
+                  <a:schemeClr val="tx1">
+                    <a:tint val="75000"/>
+                  </a:schemeClr>
+                </a:solidFill>
+              </a:defRPr>
+            </a:lvl2pPr>
+            <a:lvl3pPr>
+              <a:buNone/>
+              <a:defRPr sz="1600">
+                <a:solidFill>
+                  <a:schemeClr val="tx1">
+                    <a:tint val="75000"/>
+                  </a:schemeClr>
+                </a:solidFill>
+              </a:defRPr>
+            </a:lvl3pPr>
+            <a:lvl4pPr>
+              <a:buNone/>
+              <a:defRPr sz="1400">
+                <a:solidFill>
+                  <a:schemeClr val="tx1">
+                    <a:tint val="75000"/>
+                  </a:schemeClr>
+                </a:solidFill>
+              </a:defRPr>
+            </a:lvl4pPr>
+            <a:lvl5pPr>
+              <a:buNone/>
+              <a:defRPr sz="1400">
+                <a:solidFill>
+                  <a:schemeClr val="tx1">
+                    <a:tint val="75000"/>
+                  </a:schemeClr>
+                </a:solidFill>
+              </a:defRPr>
+            </a:lvl5pPr>
+          </a:lstStyle>
+          <a:p>
+            <a:pPr lvl="0" eaLnBrk="1" latinLnBrk="0" hangingPunct="1"/>
+            <a:r>
+              <a:rPr kumimoji="0" lang="zh-CN" altLang="en-US" smtClean="0"/>
+              <a:t>单击此处编辑母版文本样式</a:t>
+            </a:r>
+          </a:p>
+        </p:txBody>
+      </p:sp>
+      <p:sp>
+        <p:nvSpPr>
+          <p:cNvPr id="4" name="日期占位符 3"/>
+          <p:cNvSpPr>
+            <a:spLocks noGrp="1"/>
+          </p:cNvSpPr>
+          <p:nvPr>
+            <p:ph type="dt" sz="half" idx="10"/>
+          </p:nvPr>
+        </p:nvSpPr>
+        <p:spPr/>
+        <p:txBody>
+          <a:bodyPr/>
+          <a:lstStyle/>
+          <a:p>
+            <a:fld id="{530820CF-B880-4189-942D-D702A7CBA730}" type="datetimeFigureOut">
+              <a:rPr lang="zh-CN" altLang="en-US" smtClean="0"/>
+              <a:t>2012/12/2</a:t>
+            </a:fld>
+            <a:endParaRPr lang="zh-CN" altLang="en-US"/>
+          </a:p>
+        </p:txBody>
+      </p:sp>
+      <p:sp>
+        <p:nvSpPr>
+          <p:cNvPr id="5" name="页脚占位符 4"/>
+          <p:cNvSpPr>
+            <a:spLocks noGrp="1"/>
+          </p:cNvSpPr>
+          <p:nvPr>
+            <p:ph type="ftr" sz="quarter" idx="11"/>
+          </p:nvPr>
+        </p:nvSpPr>
+        <p:spPr/>
+        <p:txBody>
+          <a:bodyPr/>
+          <a:lstStyle/>
+          <a:p>
+            <a:endParaRPr lang="zh-CN" altLang="en-US"/>
+          </a:p>
+        </p:txBody>
+      </p:sp>
+      <p:sp>
+        <p:nvSpPr>
+          <p:cNvPr id="6" name="灯片编号占位符 5"/>
+          <p:cNvSpPr>
+            <a:spLocks noGrp="1"/>
+          </p:cNvSpPr>
+          <p:nvPr>
+            <p:ph type="sldNum" sz="quarter" idx="12"/>
+          </p:nvPr>
+        </p:nvSpPr>
+        <p:spPr/>
+        <p:txBody>
+          <a:bodyPr/>
+          <a:lstStyle/>
+          <a:p>
+            <a:fld id="{0C913308-F349-4B6D-A68A-DD1791B4A57B}" type="slidenum">
+              <a:rPr lang="zh-CN" altLang="en-US" smtClean="0"/>
+              <a:t>‹#›</a:t>
+            </a:fld>
+            <a:endParaRPr lang="zh-CN" altLang="en-US"/>
+          </a:p>
+        </p:txBody>
+      </p:sp>
+    </p:spTree>
+  </p:cSld>
+  <p:clrMapOvr>
+    <a:masterClrMapping/>
+  </p:clrMapOvr>
+</p:sldLayout>
+</file>
+
+<file path=ppt/slideLayouts/slideLayout4.xml><?xml version="1.0" encoding="utf-8"?>
+<p:sldLayout xmlns:a="http://schemas.openxmlformats.org/drawingml/2006/main" xmlns:r="http://schemas.openxmlformats.org/officeDocument/2006/relationships" xmlns:p="http://schemas.openxmlformats.org/presentationml/2006/main" type="twoObj" preserve="1">
+  <p:cSld name="两栏内容">
+    <p:spTree>
+      <p:nvGrpSpPr>
+        <p:cNvPr id="1" name=""/>
+        <p:cNvGrpSpPr/>
+        <p:nvPr/>
+      </p:nvGrpSpPr>
+      <p:grpSpPr>
+        <a:xfrm>
+          <a:off x="0" y="0"/>
+          <a:ext cx="0" cy="0"/>
+          <a:chOff x="0" y="0"/>
+          <a:chExt cx="0" cy="0"/>
+        </a:xfrm>
+      </p:grpSpPr>
+      <p:sp>
+        <p:nvSpPr>
+          <p:cNvPr id="2" name="标题 1"/>
+          <p:cNvSpPr>
+            <a:spLocks noGrp="1"/>
+          </p:cNvSpPr>
+          <p:nvPr>
+            <p:ph type="title"/>
+          </p:nvPr>
+        </p:nvSpPr>
+        <p:spPr/>
+        <p:txBody>
+          <a:bodyPr/>
+          <a:lstStyle/>
+          <a:p>
+            <a:r>
+              <a:rPr kumimoji="0" lang="zh-CN" altLang="en-US" smtClean="0"/>
+              <a:t>单击此处编辑母版标题样式</a:t>
+            </a:r>
+            <a:endParaRPr kumimoji="0" lang="en-US"/>
+          </a:p>
+        </p:txBody>
+      </p:sp>
+      <p:sp>
+        <p:nvSpPr>
+          <p:cNvPr id="3" name="内容占位符 2"/>
+          <p:cNvSpPr>
+            <a:spLocks noGrp="1"/>
+          </p:cNvSpPr>
+          <p:nvPr>
+            <p:ph sz="half" idx="1"/>
+          </p:nvPr>
+        </p:nvSpPr>
+        <p:spPr>
+          <a:xfrm>
+            <a:off x="457200" y="2249424"/>
+            <a:ext cx="4038600" cy="4525963"/>
+          </a:xfrm>
+        </p:spPr>
+        <p:txBody>
+          <a:bodyPr/>
+          <a:lstStyle>
+            <a:lvl1pPr>
+              <a:defRPr sz="2000"/>
+            </a:lvl1pPr>
+            <a:lvl2pPr>
+              <a:defRPr sz="1900"/>
+            </a:lvl2pPr>
+            <a:lvl3pPr>
+              <a:defRPr sz="1800"/>
+            </a:lvl3pPr>
+            <a:lvl4pPr>
+              <a:defRPr sz="1800"/>
+            </a:lvl4pPr>
+            <a:lvl5pPr>
+              <a:defRPr sz="1800"/>
+            </a:lvl5pPr>
+          </a:lstStyle>
+          <a:p>
+            <a:pPr lvl="0" eaLnBrk="1" latinLnBrk="0" hangingPunct="1"/>
+            <a:r>
+              <a:rPr lang="zh-CN" altLang="en-US" smtClean="0"/>
+              <a:t>单击此处编辑母版文本样式</a:t>
+            </a:r>
+          </a:p>
+          <a:p>
+            <a:pPr lvl="1" eaLnBrk="1" latinLnBrk="0" hangingPunct="1"/>
+            <a:r>
+              <a:rPr lang="zh-CN" altLang="en-US" smtClean="0"/>
+              <a:t>第二级</a:t>
+            </a:r>
+          </a:p>
+          <a:p>
+            <a:pPr lvl="2" eaLnBrk="1" latinLnBrk="0" hangingPunct="1"/>
+            <a:r>
+              <a:rPr lang="zh-CN" altLang="en-US" smtClean="0"/>
+              <a:t>第三级</a:t>
+            </a:r>
+          </a:p>
+          <a:p>
+            <a:pPr lvl="3" eaLnBrk="1" latinLnBrk="0" hangingPunct="1"/>
+            <a:r>
+              <a:rPr lang="zh-CN" altLang="en-US" smtClean="0"/>
+              <a:t>第四级</a:t>
+            </a:r>
+          </a:p>
+          <a:p>
+            <a:pPr lvl="4" eaLnBrk="1" latinLnBrk="0" hangingPunct="1"/>
+            <a:r>
+              <a:rPr lang="zh-CN" altLang="en-US" smtClean="0"/>
+              <a:t>第五级</a:t>
+            </a:r>
+            <a:endParaRPr kumimoji="0" lang="en-US"/>
+          </a:p>
+        </p:txBody>
+      </p:sp>
+      <p:sp>
+        <p:nvSpPr>
+          <p:cNvPr id="4" name="内容占位符 3"/>
+          <p:cNvSpPr>
+            <a:spLocks noGrp="1"/>
+          </p:cNvSpPr>
+          <p:nvPr>
+            <p:ph sz="half" idx="2"/>
+          </p:nvPr>
+        </p:nvSpPr>
+        <p:spPr>
+          <a:xfrm>
+            <a:off x="4648200" y="2249424"/>
+            <a:ext cx="4038600" cy="4525963"/>
+          </a:xfrm>
+        </p:spPr>
+        <p:txBody>
+          <a:bodyPr/>
+          <a:lstStyle>
+            <a:lvl1pPr>
+              <a:defRPr sz="2000"/>
+            </a:lvl1pPr>
+            <a:lvl2pPr>
+              <a:defRPr sz="1900"/>
+            </a:lvl2pPr>
+            <a:lvl3pPr>
+              <a:defRPr sz="1800"/>
+            </a:lvl3pPr>
+            <a:lvl4pPr>
+              <a:defRPr sz="1800"/>
+            </a:lvl4pPr>
+            <a:lvl5pPr>
+              <a:defRPr sz="1800"/>
+            </a:lvl5pPr>
+          </a:lstStyle>
+          <a:p>
+            <a:pPr lvl="0" eaLnBrk="1" latinLnBrk="0" hangingPunct="1"/>
+            <a:r>
+              <a:rPr lang="zh-CN" altLang="en-US" smtClean="0"/>
+              <a:t>单击此处编辑母版文本样式</a:t>
+            </a:r>
+          </a:p>
+          <a:p>
+            <a:pPr lvl="1" eaLnBrk="1" latinLnBrk="0" hangingPunct="1"/>
+            <a:r>
+              <a:rPr lang="zh-CN" altLang="en-US" smtClean="0"/>
+              <a:t>第二级</a:t>
+            </a:r>
+          </a:p>
+          <a:p>
+            <a:pPr lvl="2" eaLnBrk="1" latinLnBrk="0" hangingPunct="1"/>
+            <a:r>
+              <a:rPr lang="zh-CN" altLang="en-US" smtClean="0"/>
+              <a:t>第三级</a:t>
+            </a:r>
+          </a:p>
+          <a:p>
+            <a:pPr lvl="3" eaLnBrk="1" latinLnBrk="0" hangingPunct="1"/>
+            <a:r>
+              <a:rPr lang="zh-CN" altLang="en-US" smtClean="0"/>
+              <a:t>第四级</a:t>
+            </a:r>
+          </a:p>
+          <a:p>
+            <a:pPr lvl="4" eaLnBrk="1" latinLnBrk="0" hangingPunct="1"/>
+            <a:r>
+              <a:rPr lang="zh-CN" altLang="en-US" smtClean="0"/>
+              <a:t>第五级</a:t>
+            </a:r>
+            <a:endParaRPr kumimoji="0" lang="en-US"/>
+          </a:p>
+        </p:txBody>
+      </p:sp>
+      <p:sp>
+        <p:nvSpPr>
+          <p:cNvPr id="5" name="日期占位符 4"/>
+          <p:cNvSpPr>
+            <a:spLocks noGrp="1"/>
+          </p:cNvSpPr>
+          <p:nvPr>
+            <p:ph type="dt" sz="half" idx="10"/>
+          </p:nvPr>
+        </p:nvSpPr>
+        <p:spPr/>
+        <p:txBody>
+          <a:bodyPr/>
+          <a:lstStyle/>
+          <a:p>
+            <a:fld id="{530820CF-B880-4189-942D-D702A7CBA730}" type="datetimeFigureOut">
+              <a:rPr lang="zh-CN" altLang="en-US" smtClean="0"/>
+              <a:t>2012/12/2</a:t>
+            </a:fld>
+            <a:endParaRPr lang="zh-CN" altLang="en-US"/>
+          </a:p>
+        </p:txBody>
+      </p:sp>
+      <p:sp>
+        <p:nvSpPr>
+          <p:cNvPr id="6" name="页脚占位符 5"/>
+          <p:cNvSpPr>
+            <a:spLocks noGrp="1"/>
+          </p:cNvSpPr>
+          <p:nvPr>
+            <p:ph type="ftr" sz="quarter" idx="11"/>
+          </p:nvPr>
+        </p:nvSpPr>
+        <p:spPr/>
+        <p:txBody>
+          <a:bodyPr/>
+          <a:lstStyle/>
+          <a:p>
+            <a:endParaRPr lang="zh-CN" altLang="en-US"/>
+          </a:p>
+        </p:txBody>
+      </p:sp>
+      <p:sp>
+        <p:nvSpPr>
+          <p:cNvPr id="7" name="灯片编号占位符 6"/>
+          <p:cNvSpPr>
+            <a:spLocks noGrp="1"/>
+          </p:cNvSpPr>
+          <p:nvPr>
+            <p:ph type="sldNum" sz="quarter" idx="12"/>
+          </p:nvPr>
+        </p:nvSpPr>
+        <p:spPr/>
+        <p:txBody>
+          <a:bodyPr/>
+          <a:lstStyle/>
+          <a:p>
+            <a:fld id="{0C913308-F349-4B6D-A68A-DD1791B4A57B}" type="slidenum">
+              <a:rPr lang="zh-CN" altLang="en-US" smtClean="0"/>
+              <a:t>‹#›</a:t>
+            </a:fld>
+            <a:endParaRPr lang="zh-CN" altLang="en-US"/>
+          </a:p>
+        </p:txBody>
+      </p:sp>
+    </p:spTree>
+  </p:cSld>
+  <p:clrMapOvr>
+    <a:masterClrMapping/>
+  </p:clrMapOvr>
+</p:sldLayout>
+</file>
+
+<file path=ppt/slideLayouts/slideLayout5.xml><?xml version="1.0" encoding="utf-8"?>
+<p:sldLayout xmlns:a="http://schemas.openxmlformats.org/drawingml/2006/main" xmlns:r="http://schemas.openxmlformats.org/officeDocument/2006/relationships" xmlns:p="http://schemas.openxmlformats.org/presentationml/2006/main" type="twoTxTwoObj" preserve="1">
+  <p:cSld name="比较">
+    <p:spTree>
+      <p:nvGrpSpPr>
+        <p:cNvPr id="1" name=""/>
+        <p:cNvGrpSpPr/>
+        <p:nvPr/>
+      </p:nvGrpSpPr>
+      <p:grpSpPr>
+        <a:xfrm>
+          <a:off x="0" y="0"/>
+          <a:ext cx="0" cy="0"/>
+          <a:chOff x="0" y="0"/>
+          <a:chExt cx="0" cy="0"/>
+        </a:xfrm>
+      </p:grpSpPr>
+      <p:sp>
+        <p:nvSpPr>
+          <p:cNvPr id="2" name="标题 1"/>
+          <p:cNvSpPr>
+            <a:spLocks noGrp="1"/>
+          </p:cNvSpPr>
+          <p:nvPr>
+            <p:ph type="title"/>
+          </p:nvPr>
+        </p:nvSpPr>
+        <p:spPr>
+          <a:xfrm>
+            <a:off x="381000" y="1143000"/>
+            <a:ext cx="8382000" cy="1069848"/>
+          </a:xfrm>
+        </p:spPr>
+        <p:txBody>
+          <a:bodyPr anchor="ctr"/>
+          <a:lstStyle>
+            <a:lvl1pPr>
+              <a:defRPr sz="4000" b="0" i="0" cap="none" baseline="0"/>
+            </a:lvl1pPr>
+          </a:lstStyle>
+          <a:p>
+            <a:r>
+              <a:rPr kumimoji="0" lang="zh-CN" altLang="en-US" smtClean="0"/>
+              <a:t>单击此处编辑母版标题样式</a:t>
+            </a:r>
+            <a:endParaRPr kumimoji="0" lang="en-US"/>
+          </a:p>
+        </p:txBody>
+      </p:sp>
+      <p:sp>
+        <p:nvSpPr>
+          <p:cNvPr id="3" name="文本占位符 2"/>
+          <p:cNvSpPr>
+            <a:spLocks noGrp="1"/>
+          </p:cNvSpPr>
+          <p:nvPr>
+            <p:ph type="body" idx="1"/>
+          </p:nvPr>
+        </p:nvSpPr>
+        <p:spPr>
+          <a:xfrm>
+            <a:off x="381000" y="2244970"/>
+            <a:ext cx="4041648" cy="457200"/>
+          </a:xfrm>
+          <a:solidFill>
+            <a:schemeClr val="accent2">
+              <a:satMod val="150000"/>
+              <a:alpha val="25000"/>
+            </a:schemeClr>
+          </a:solidFill>
+          <a:ln w="12700">
+            <a:solidFill>
+              <a:schemeClr val="accent2"/>
+            </a:solidFill>
+          </a:ln>
+        </p:spPr>
+        <p:txBody>
+          <a:bodyPr anchor="ctr">
+            <a:noAutofit/>
+          </a:bodyPr>
+          <a:lstStyle>
+            <a:lvl1pPr marL="45720" indent="0">
+              <a:buNone/>
+              <a:defRPr sz="1900" b="1">
+                <a:solidFill>
+                  <a:schemeClr val="tx1">
+                    <a:tint val="95000"/>
+                  </a:schemeClr>
+                </a:solidFill>
+              </a:defRPr>
+            </a:lvl1pPr>
+            <a:lvl2pPr>
+              <a:buNone/>
+              <a:defRPr sz="2000" b="1"/>
+            </a:lvl2pPr>
+            <a:lvl3pPr>
+              <a:buNone/>
+              <a:defRPr sz="1800" b="1"/>
+            </a:lvl3pPr>
+            <a:lvl4pPr>
+              <a:buNone/>
+              <a:defRPr sz="1600" b="1"/>
+            </a:lvl4pPr>
+            <a:lvl5pPr>
+              <a:buNone/>
+              <a:defRPr sz="1600" b="1"/>
+            </a:lvl5pPr>
+          </a:lstStyle>
+          <a:p>
+            <a:pPr lvl="0" eaLnBrk="1" latinLnBrk="0" hangingPunct="1"/>
+            <a:r>
+              <a:rPr kumimoji="0" lang="zh-CN" altLang="en-US" smtClean="0"/>
+              <a:t>单击此处编辑母版文本样式</a:t>
+            </a:r>
+          </a:p>
+        </p:txBody>
+      </p:sp>
+      <p:sp>
+        <p:nvSpPr>
+          <p:cNvPr id="4" name="文本占位符 3"/>
+          <p:cNvSpPr>
+            <a:spLocks noGrp="1"/>
+          </p:cNvSpPr>
+          <p:nvPr>
+            <p:ph type="body" sz="half" idx="3"/>
+          </p:nvPr>
+        </p:nvSpPr>
+        <p:spPr>
+          <a:xfrm>
+            <a:off x="4721225" y="2244970"/>
+            <a:ext cx="4041775" cy="457200"/>
+          </a:xfrm>
+          <a:solidFill>
+            <a:schemeClr val="accent2">
+              <a:satMod val="150000"/>
+              <a:alpha val="25000"/>
+            </a:schemeClr>
+          </a:solidFill>
+          <a:ln w="12700">
+            <a:solidFill>
+              <a:schemeClr val="accent2"/>
+            </a:solidFill>
+          </a:ln>
+        </p:spPr>
+        <p:txBody>
+          <a:bodyPr anchor="ctr">
+            <a:noAutofit/>
+          </a:bodyPr>
+          <a:lstStyle>
+            <a:lvl1pPr marL="45720" indent="0">
+              <a:buNone/>
+              <a:defRPr sz="1900" b="1">
+                <a:solidFill>
+                  <a:schemeClr val="tx1">
+                    <a:tint val="95000"/>
+                  </a:schemeClr>
+                </a:solidFill>
+              </a:defRPr>
+            </a:lvl1pPr>
+            <a:lvl2pPr>
+              <a:buNone/>
+              <a:defRPr sz="2000" b="1"/>
+            </a:lvl2pPr>
+            <a:lvl3pPr>
+              <a:buNone/>
+              <a:defRPr sz="1800" b="1"/>
+            </a:lvl3pPr>
+            <a:lvl4pPr>
+              <a:buNone/>
+              <a:defRPr sz="1600" b="1"/>
+            </a:lvl4pPr>
+            <a:lvl5pPr>
+              <a:buNone/>
+              <a:defRPr sz="1600" b="1"/>
+            </a:lvl5pPr>
+          </a:lstStyle>
+          <a:p>
+            <a:pPr lvl="0" eaLnBrk="1" latinLnBrk="0" hangingPunct="1"/>
+            <a:r>
+              <a:rPr kumimoji="0" lang="zh-CN" altLang="en-US" smtClean="0"/>
+              <a:t>单击此处编辑母版文本样式</a:t>
+            </a:r>
+          </a:p>
+        </p:txBody>
+      </p:sp>
+      <p:sp>
+        <p:nvSpPr>
+          <p:cNvPr id="5" name="内容占位符 4"/>
+          <p:cNvSpPr>
+            <a:spLocks noGrp="1"/>
+          </p:cNvSpPr>
+          <p:nvPr>
+            <p:ph sz="quarter" idx="2"/>
+          </p:nvPr>
+        </p:nvSpPr>
+        <p:spPr>
+          <a:xfrm>
+            <a:off x="381000" y="2708519"/>
+            <a:ext cx="4041648" cy="3886200"/>
+          </a:xfrm>
+        </p:spPr>
+        <p:txBody>
+          <a:bodyPr/>
+          <a:lstStyle>
+            <a:lvl1pPr>
+              <a:defRPr sz="2000"/>
+            </a:lvl1pPr>
+            <a:lvl2pPr>
+              <a:defRPr sz="2000"/>
+            </a:lvl2pPr>
+            <a:lvl3pPr>
+              <a:defRPr sz="1800"/>
+            </a:lvl3pPr>
+            <a:lvl4pPr>
+              <a:defRPr sz="1600"/>
+            </a:lvl4pPr>
+            <a:lvl5pPr>
+              <a:defRPr sz="1600"/>
+            </a:lvl5pPr>
+          </a:lstStyle>
+          <a:p>
+            <a:pPr lvl="0" eaLnBrk="1" latinLnBrk="0" hangingPunct="1"/>
+            <a:r>
+              <a:rPr lang="zh-CN" altLang="en-US" smtClean="0"/>
+              <a:t>单击此处编辑母版文本样式</a:t>
+            </a:r>
+          </a:p>
+          <a:p>
+            <a:pPr lvl="1" eaLnBrk="1" latinLnBrk="0" hangingPunct="1"/>
+            <a:r>
+              <a:rPr lang="zh-CN" altLang="en-US" smtClean="0"/>
+              <a:t>第二级</a:t>
+            </a:r>
+          </a:p>
+          <a:p>
+            <a:pPr lvl="2" eaLnBrk="1" latinLnBrk="0" hangingPunct="1"/>
+            <a:r>
+              <a:rPr lang="zh-CN" altLang="en-US" smtClean="0"/>
+              <a:t>第三级</a:t>
+            </a:r>
+          </a:p>
+          <a:p>
+            <a:pPr lvl="3" eaLnBrk="1" latinLnBrk="0" hangingPunct="1"/>
+            <a:r>
+              <a:rPr lang="zh-CN" altLang="en-US" smtClean="0"/>
+              <a:t>第四级</a:t>
+            </a:r>
+          </a:p>
+          <a:p>
+            <a:pPr lvl="4" eaLnBrk="1" latinLnBrk="0" hangingPunct="1"/>
+            <a:r>
+              <a:rPr lang="zh-CN" altLang="en-US" smtClean="0"/>
+              <a:t>第五级</a:t>
+            </a:r>
+            <a:endParaRPr kumimoji="0" lang="en-US"/>
+          </a:p>
+        </p:txBody>
+      </p:sp>
+      <p:sp>
+        <p:nvSpPr>
+          <p:cNvPr id="6" name="内容占位符 5"/>
+          <p:cNvSpPr>
+            <a:spLocks noGrp="1"/>
+          </p:cNvSpPr>
+          <p:nvPr>
+            <p:ph sz="quarter" idx="4"/>
+          </p:nvPr>
+        </p:nvSpPr>
+        <p:spPr>
+          <a:xfrm>
+            <a:off x="4718304" y="2708519"/>
+            <a:ext cx="4041775" cy="3886200"/>
+          </a:xfrm>
+        </p:spPr>
+        <p:txBody>
+          <a:bodyPr/>
+          <a:lstStyle>
+            <a:lvl1pPr>
+              <a:defRPr sz="2000"/>
+            </a:lvl1pPr>
+            <a:lvl2pPr>
+              <a:defRPr sz="2000"/>
+            </a:lvl2pPr>
+            <a:lvl3pPr>
+              <a:defRPr sz="1800"/>
+            </a:lvl3pPr>
+            <a:lvl4pPr>
+              <a:defRPr sz="1600"/>
+            </a:lvl4pPr>
+            <a:lvl5pPr>
+              <a:defRPr sz="1600"/>
+            </a:lvl5pPr>
+          </a:lstStyle>
+          <a:p>
+            <a:pPr lvl="0" eaLnBrk="1" latinLnBrk="0" hangingPunct="1"/>
+            <a:r>
+              <a:rPr lang="zh-CN" altLang="en-US" smtClean="0"/>
+              <a:t>单击此处编辑母版文本样式</a:t>
+            </a:r>
+          </a:p>
+          <a:p>
+            <a:pPr lvl="1" eaLnBrk="1" latinLnBrk="0" hangingPunct="1"/>
+            <a:r>
+              <a:rPr lang="zh-CN" altLang="en-US" smtClean="0"/>
+              <a:t>第二级</a:t>
+            </a:r>
+          </a:p>
+          <a:p>
+            <a:pPr lvl="2" eaLnBrk="1" latinLnBrk="0" hangingPunct="1"/>
+            <a:r>
+              <a:rPr lang="zh-CN" altLang="en-US" smtClean="0"/>
+              <a:t>第三级</a:t>
+            </a:r>
+          </a:p>
+          <a:p>
+            <a:pPr lvl="3" eaLnBrk="1" latinLnBrk="0" hangingPunct="1"/>
+            <a:r>
+              <a:rPr lang="zh-CN" altLang="en-US" smtClean="0"/>
+              <a:t>第四级</a:t>
+            </a:r>
+          </a:p>
+          <a:p>
+            <a:pPr lvl="4" eaLnBrk="1" latinLnBrk="0" hangingPunct="1"/>
+            <a:r>
+              <a:rPr lang="zh-CN" altLang="en-US" smtClean="0"/>
+              <a:t>第五级</a:t>
+            </a:r>
+            <a:endParaRPr kumimoji="0" lang="en-US"/>
+          </a:p>
+        </p:txBody>
+      </p:sp>
+      <p:sp>
+        <p:nvSpPr>
+          <p:cNvPr id="26" name="日期占位符 25"/>
+          <p:cNvSpPr>
+            <a:spLocks noGrp="1"/>
+          </p:cNvSpPr>
+          <p:nvPr>
+            <p:ph type="dt" sz="half" idx="10"/>
+          </p:nvPr>
+        </p:nvSpPr>
+        <p:spPr/>
+        <p:txBody>
+          <a:bodyPr rtlCol="0"/>
+          <a:lstStyle/>
+          <a:p>
+            <a:fld id="{530820CF-B880-4189-942D-D702A7CBA730}" type="datetimeFigureOut">
+              <a:rPr lang="zh-CN" altLang="en-US" smtClean="0"/>
+              <a:t>2012/12/2</a:t>
+            </a:fld>
+            <a:endParaRPr lang="zh-CN" altLang="en-US"/>
+          </a:p>
+        </p:txBody>
+      </p:sp>
+      <p:sp>
+        <p:nvSpPr>
+          <p:cNvPr id="27" name="灯片编号占位符 26"/>
+          <p:cNvSpPr>
+            <a:spLocks noGrp="1"/>
+          </p:cNvSpPr>
+          <p:nvPr>
+            <p:ph type="sldNum" sz="quarter" idx="11"/>
+          </p:nvPr>
+        </p:nvSpPr>
+        <p:spPr/>
+        <p:txBody>
+          <a:bodyPr rtlCol="0"/>
+          <a:lstStyle/>
+          <a:p>
+            <a:fld id="{0C913308-F349-4B6D-A68A-DD1791B4A57B}" type="slidenum">
+              <a:rPr lang="zh-CN" altLang="en-US" smtClean="0"/>
+              <a:t>‹#›</a:t>
+            </a:fld>
+            <a:endParaRPr lang="zh-CN" altLang="en-US"/>
+          </a:p>
+        </p:txBody>
+      </p:sp>
+      <p:sp>
+        <p:nvSpPr>
+          <p:cNvPr id="28" name="页脚占位符 27"/>
+          <p:cNvSpPr>
+            <a:spLocks noGrp="1"/>
+          </p:cNvSpPr>
+          <p:nvPr>
+            <p:ph type="ftr" sz="quarter" idx="12"/>
+          </p:nvPr>
+        </p:nvSpPr>
+        <p:spPr/>
+        <p:txBody>
+          <a:bodyPr rtlCol="0"/>
+          <a:lstStyle/>
+          <a:p>
+            <a:endParaRPr lang="zh-CN" altLang="en-US"/>
+          </a:p>
+        </p:txBody>
+      </p:sp>
+    </p:spTree>
+  </p:cSld>
+  <p:clrMapOvr>
+    <a:masterClrMapping/>
+  </p:clrMapOvr>
+</p:sldLayout>
+</file>
+
+<file path=ppt/slideLayouts/slideLayout6.xml><?xml version="1.0" encoding="utf-8"?>
+<p:sldLayout xmlns:a="http://schemas.openxmlformats.org/drawingml/2006/main" xmlns:r="http://schemas.openxmlformats.org/officeDocument/2006/relationships" xmlns:p="http://schemas.openxmlformats.org/presentationml/2006/main" type="titleOnly" preserve="1">
+  <p:cSld name="仅标题">
+    <p:spTree>
+      <p:nvGrpSpPr>
+        <p:cNvPr id="1" name=""/>
+        <p:cNvGrpSpPr/>
+        <p:nvPr/>
+      </p:nvGrpSpPr>
+      <p:grpSpPr>
+        <a:xfrm>
+          <a:off x="0" y="0"/>
+          <a:ext cx="0" cy="0"/>
+          <a:chOff x="0" y="0"/>
+          <a:chExt cx="0" cy="0"/>
+        </a:xfrm>
+      </p:grpSpPr>
+      <p:sp>
+        <p:nvSpPr>
+          <p:cNvPr id="2" name="标题 1"/>
+          <p:cNvSpPr>
+            <a:spLocks noGrp="1"/>
+          </p:cNvSpPr>
+          <p:nvPr>
+            <p:ph type="title"/>
+          </p:nvPr>
+        </p:nvSpPr>
+        <p:spPr>
+          <a:xfrm>
+            <a:off x="457200" y="1143000"/>
+            <a:ext cx="8229600" cy="1069848"/>
+          </a:xfrm>
+        </p:spPr>
+        <p:txBody>
+          <a:bodyPr anchor="ctr"/>
+          <a:lstStyle>
+            <a:lvl1pPr>
+              <a:defRPr sz="4000">
+                <a:solidFill>
+                  <a:schemeClr val="tx2"/>
+                </a:solidFill>
+              </a:defRPr>
+            </a:lvl1pPr>
+          </a:lstStyle>
+          <a:p>
+            <a:r>
+              <a:rPr kumimoji="0" lang="zh-CN" altLang="en-US" smtClean="0"/>
+              <a:t>单击此处编辑母版标题样式</a:t>
+            </a:r>
+            <a:endParaRPr kumimoji="0" lang="en-US"/>
+          </a:p>
+        </p:txBody>
+      </p:sp>
+      <p:sp>
+        <p:nvSpPr>
+          <p:cNvPr id="3" name="日期占位符 2"/>
+          <p:cNvSpPr>
+            <a:spLocks noGrp="1"/>
+          </p:cNvSpPr>
+          <p:nvPr>
+            <p:ph type="dt" sz="half" idx="10"/>
+          </p:nvPr>
+        </p:nvSpPr>
+        <p:spPr>
+          <a:xfrm>
+            <a:off x="6583680" y="612648"/>
+            <a:ext cx="957264" cy="457200"/>
+          </a:xfrm>
+        </p:spPr>
+        <p:txBody>
+          <a:bodyPr/>
+          <a:lstStyle/>
+          <a:p>
+            <a:fld id="{530820CF-B880-4189-942D-D702A7CBA730}" type="datetimeFigureOut">
+              <a:rPr lang="zh-CN" altLang="en-US" smtClean="0"/>
+              <a:t>2012/12/2</a:t>
+            </a:fld>
+            <a:endParaRPr lang="zh-CN" altLang="en-US"/>
+          </a:p>
+        </p:txBody>
+      </p:sp>
+      <p:sp>
+        <p:nvSpPr>
+          <p:cNvPr id="4" name="页脚占位符 3"/>
+          <p:cNvSpPr>
+            <a:spLocks noGrp="1"/>
+          </p:cNvSpPr>
+          <p:nvPr>
+            <p:ph type="ftr" sz="quarter" idx="11"/>
+          </p:nvPr>
+        </p:nvSpPr>
+        <p:spPr>
+          <a:xfrm>
+            <a:off x="5257800" y="612648"/>
+            <a:ext cx="1325880" cy="457200"/>
+          </a:xfrm>
+        </p:spPr>
+        <p:txBody>
+          <a:bodyPr/>
+          <a:lstStyle/>
+          <a:p>
+            <a:endParaRPr lang="zh-CN" altLang="en-US"/>
+          </a:p>
+        </p:txBody>
+      </p:sp>
+      <p:sp>
+        <p:nvSpPr>
+          <p:cNvPr id="5" name="灯片编号占位符 4"/>
+          <p:cNvSpPr>
+            <a:spLocks noGrp="1"/>
+          </p:cNvSpPr>
+          <p:nvPr>
+            <p:ph type="sldNum" sz="quarter" idx="12"/>
+          </p:nvPr>
+        </p:nvSpPr>
+        <p:spPr>
+          <a:xfrm>
+            <a:off x="8174736" y="2272"/>
+            <a:ext cx="762000" cy="365760"/>
+          </a:xfrm>
+        </p:spPr>
+        <p:txBody>
+          <a:bodyPr/>
+          <a:lstStyle/>
+          <a:p>
+            <a:fld id="{0C913308-F349-4B6D-A68A-DD1791B4A57B}" type="slidenum">
+              <a:rPr lang="zh-CN" altLang="en-US" smtClean="0"/>
+              <a:t>‹#›</a:t>
+            </a:fld>
+            <a:endParaRPr lang="zh-CN" altLang="en-US"/>
+          </a:p>
+        </p:txBody>
+      </p:sp>
+    </p:spTree>
+  </p:cSld>
+  <p:clrMapOvr>
+    <a:masterClrMapping/>
+  </p:clrMapOvr>
+</p:sldLayout>
+</file>
+
+<file path=ppt/slideLayouts/slideLayout7.xml><?xml version="1.0" encoding="utf-8"?>
+<p:sldLayout xmlns:a="http://schemas.openxmlformats.org/drawingml/2006/main" xmlns:r="http://schemas.openxmlformats.org/officeDocument/2006/relationships" xmlns:p="http://schemas.openxmlformats.org/presentationml/2006/main" type="blank" preserve="1">
+  <p:cSld name="空白">
+    <p:spTree>
+      <p:nvGrpSpPr>
+        <p:cNvPr id="1" name=""/>
+        <p:cNvGrpSpPr/>
+        <p:nvPr/>
+      </p:nvGrpSpPr>
+      <p:grpSpPr>
+        <a:xfrm>
+          <a:off x="0" y="0"/>
+          <a:ext cx="0" cy="0"/>
+          <a:chOff x="0" y="0"/>
+          <a:chExt cx="0" cy="0"/>
+        </a:xfrm>
+      </p:grpSpPr>
+      <p:sp>
+        <p:nvSpPr>
+          <p:cNvPr id="2" name="日期占位符 1"/>
+          <p:cNvSpPr>
+            <a:spLocks noGrp="1"/>
+          </p:cNvSpPr>
+          <p:nvPr>
+            <p:ph type="dt" sz="half" idx="10"/>
+          </p:nvPr>
+        </p:nvSpPr>
+        <p:spPr/>
+        <p:txBody>
+          <a:bodyPr/>
+          <a:lstStyle/>
+          <a:p>
+            <a:fld id="{530820CF-B880-4189-942D-D702A7CBA730}" type="datetimeFigureOut">
+              <a:rPr lang="zh-CN" altLang="en-US" smtClean="0"/>
+              <a:t>2012/12/2</a:t>
+            </a:fld>
+            <a:endParaRPr lang="zh-CN" altLang="en-US"/>
+          </a:p>
+        </p:txBody>
+      </p:sp>
+      <p:sp>
+        <p:nvSpPr>
+          <p:cNvPr id="3" name="页脚占位符 2"/>
+          <p:cNvSpPr>
+            <a:spLocks noGrp="1"/>
+          </p:cNvSpPr>
+          <p:nvPr>
+            <p:ph type="ftr" sz="quarter" idx="11"/>
+          </p:nvPr>
+        </p:nvSpPr>
+        <p:spPr/>
+        <p:txBody>
+          <a:bodyPr/>
+          <a:lstStyle/>
+          <a:p>
+            <a:endParaRPr lang="zh-CN" altLang="en-US"/>
+          </a:p>
+        </p:txBody>
+      </p:sp>
+      <p:sp>
+        <p:nvSpPr>
+          <p:cNvPr id="4" name="灯片编号占位符 3"/>
+          <p:cNvSpPr>
+            <a:spLocks noGrp="1"/>
+          </p:cNvSpPr>
+          <p:nvPr>
+            <p:ph type="sldNum" sz="quarter" idx="12"/>
+          </p:nvPr>
+        </p:nvSpPr>
+        <p:spPr/>
+        <p:txBody>
+          <a:bodyPr/>
+          <a:lstStyle/>
+          <a:p>
+            <a:fld id="{0C913308-F349-4B6D-A68A-DD1791B4A57B}" type="slidenum">
+              <a:rPr lang="zh-CN" altLang="en-US" smtClean="0"/>
+              <a:t>‹#›</a:t>
+            </a:fld>
+            <a:endParaRPr lang="zh-CN" altLang="en-US"/>
+          </a:p>
+        </p:txBody>
+      </p:sp>
+    </p:spTree>
+  </p:cSld>
+  <p:clrMapOvr>
+    <a:masterClrMapping/>
+  </p:clrMapOvr>
+</p:sldLayout>
+</file>
+
+<file path=ppt/slideLayouts/slideLayout8.xml><?xml version="1.0" encoding="utf-8"?>
+<p:sldLayout xmlns:a="http://schemas.openxmlformats.org/drawingml/2006/main" xmlns:r="http://schemas.openxmlformats.org/officeDocument/2006/relationships" xmlns:p="http://schemas.openxmlformats.org/presentationml/2006/main" type="objTx" preserve="1">
+  <p:cSld name="内容与标题">
+    <p:spTree>
+      <p:nvGrpSpPr>
+        <p:cNvPr id="1" name=""/>
+        <p:cNvGrpSpPr/>
+        <p:nvPr/>
+      </p:nvGrpSpPr>
+      <p:grpSpPr>
+        <a:xfrm>
+          <a:off x="0" y="0"/>
+          <a:ext cx="0" cy="0"/>
+          <a:chOff x="0" y="0"/>
+          <a:chExt cx="0" cy="0"/>
+        </a:xfrm>
+      </p:grpSpPr>
+      <p:sp>
+        <p:nvSpPr>
+          <p:cNvPr id="2" name="标题 1"/>
+          <p:cNvSpPr>
+            <a:spLocks noGrp="1"/>
+          </p:cNvSpPr>
+          <p:nvPr>
+            <p:ph type="title"/>
+          </p:nvPr>
+        </p:nvSpPr>
+        <p:spPr>
+          <a:xfrm>
+            <a:off x="5353496" y="1101970"/>
+            <a:ext cx="3383280" cy="877824"/>
+          </a:xfrm>
+        </p:spPr>
+        <p:txBody>
+          <a:bodyPr anchor="b"/>
+          <a:lstStyle>
+            <a:lvl1pPr algn="l">
+              <a:buNone/>
+              <a:defRPr sz="1800" b="1"/>
+            </a:lvl1pPr>
+          </a:lstStyle>
+          <a:p>
+            <a:r>
+              <a:rPr kumimoji="0" lang="zh-CN" altLang="en-US" smtClean="0"/>
+              <a:t>单击此处编辑母版标题样式</a:t>
+            </a:r>
+            <a:endParaRPr kumimoji="0" lang="en-US"/>
+          </a:p>
+        </p:txBody>
+      </p:sp>
+      <p:sp>
+        <p:nvSpPr>
+          <p:cNvPr id="3" name="文本占位符 2"/>
+          <p:cNvSpPr>
+            <a:spLocks noGrp="1"/>
+          </p:cNvSpPr>
+          <p:nvPr>
+            <p:ph type="body" idx="2"/>
+          </p:nvPr>
+        </p:nvSpPr>
+        <p:spPr>
+          <a:xfrm>
+            <a:off x="5353496" y="2010727"/>
+            <a:ext cx="3383280" cy="4617720"/>
+          </a:xfrm>
+        </p:spPr>
+        <p:txBody>
+          <a:bodyPr/>
+          <a:lstStyle>
+            <a:lvl1pPr marL="9144" indent="0">
+              <a:buNone/>
+              <a:defRPr sz="1400"/>
+            </a:lvl1pPr>
+            <a:lvl2pPr>
+              <a:buNone/>
+              <a:defRPr sz="1200"/>
+            </a:lvl2pPr>
+            <a:lvl3pPr>
+              <a:buNone/>
+              <a:defRPr sz="1000"/>
+            </a:lvl3pPr>
+            <a:lvl4pPr>
+              <a:buNone/>
+              <a:defRPr sz="900"/>
+            </a:lvl4pPr>
+            <a:lvl5pPr>
+              <a:buNone/>
+              <a:defRPr sz="900"/>
+            </a:lvl5pPr>
+          </a:lstStyle>
+          <a:p>
+            <a:pPr lvl="0" eaLnBrk="1" latinLnBrk="0" hangingPunct="1"/>
+            <a:r>
+              <a:rPr kumimoji="0" lang="zh-CN" altLang="en-US" smtClean="0"/>
+              <a:t>单击此处编辑母版文本样式</a:t>
+            </a:r>
+          </a:p>
+        </p:txBody>
+      </p:sp>
+      <p:sp>
+        <p:nvSpPr>
+          <p:cNvPr id="4" name="内容占位符 3"/>
+          <p:cNvSpPr>
+            <a:spLocks noGrp="1"/>
+          </p:cNvSpPr>
+          <p:nvPr>
+            <p:ph sz="half" idx="1"/>
+          </p:nvPr>
+        </p:nvSpPr>
+        <p:spPr>
+          <a:xfrm>
+            <a:off x="152400" y="776287"/>
+            <a:ext cx="5102352" cy="5852160"/>
+          </a:xfrm>
+        </p:spPr>
+        <p:txBody>
+          <a:bodyPr/>
+          <a:lstStyle>
+            <a:lvl1pPr>
+              <a:defRPr sz="3200"/>
+            </a:lvl1pPr>
+            <a:lvl2pPr>
+              <a:defRPr sz="2800"/>
+            </a:lvl2pPr>
+            <a:lvl3pPr>
+              <a:defRPr sz="2400"/>
+            </a:lvl3pPr>
+            <a:lvl4pPr>
+              <a:defRPr sz="2000"/>
+            </a:lvl4pPr>
+            <a:lvl5pPr>
+              <a:defRPr sz="2000"/>
+            </a:lvl5pPr>
+          </a:lstStyle>
+          <a:p>
+            <a:pPr lvl="0" eaLnBrk="1" latinLnBrk="0" hangingPunct="1"/>
+            <a:r>
+              <a:rPr lang="zh-CN" altLang="en-US" smtClean="0"/>
+              <a:t>单击此处编辑母版文本样式</a:t>
+            </a:r>
+          </a:p>
+          <a:p>
+            <a:pPr lvl="1" eaLnBrk="1" latinLnBrk="0" hangingPunct="1"/>
+            <a:r>
+              <a:rPr lang="zh-CN" altLang="en-US" smtClean="0"/>
+              <a:t>第二级</a:t>
+            </a:r>
+          </a:p>
+          <a:p>
+            <a:pPr lvl="2" eaLnBrk="1" latinLnBrk="0" hangingPunct="1"/>
+            <a:r>
+              <a:rPr lang="zh-CN" altLang="en-US" smtClean="0"/>
+              <a:t>第三级</a:t>
+            </a:r>
+          </a:p>
+          <a:p>
+            <a:pPr lvl="3" eaLnBrk="1" latinLnBrk="0" hangingPunct="1"/>
+            <a:r>
+              <a:rPr lang="zh-CN" altLang="en-US" smtClean="0"/>
+              <a:t>第四级</a:t>
+            </a:r>
+          </a:p>
+          <a:p>
+            <a:pPr lvl="4" eaLnBrk="1" latinLnBrk="0" hangingPunct="1"/>
+            <a:r>
+              <a:rPr lang="zh-CN" altLang="en-US" smtClean="0"/>
+              <a:t>第五级</a:t>
+            </a:r>
+            <a:endParaRPr kumimoji="0" lang="en-US"/>
+          </a:p>
+        </p:txBody>
+      </p:sp>
+      <p:sp>
+        <p:nvSpPr>
+          <p:cNvPr id="5" name="日期占位符 4"/>
+          <p:cNvSpPr>
+            <a:spLocks noGrp="1"/>
+          </p:cNvSpPr>
+          <p:nvPr>
+            <p:ph type="dt" sz="half" idx="10"/>
+          </p:nvPr>
+        </p:nvSpPr>
+        <p:spPr/>
+        <p:txBody>
+          <a:bodyPr/>
+          <a:lstStyle/>
+          <a:p>
+            <a:fld id="{530820CF-B880-4189-942D-D702A7CBA730}" type="datetimeFigureOut">
+              <a:rPr lang="zh-CN" altLang="en-US" smtClean="0"/>
+              <a:t>2012/12/2</a:t>
             </a:fld>
             <a:endParaRPr lang="zh-CN" altLang="en-US"/>
           </a:p>
@@ -2294,23 +5212,24 @@
         </p:nvSpPr>
         <p:spPr>
           <a:xfrm>
-            <a:off x="1792288" y="4800600"/>
-            <a:ext cx="5486400" cy="566738"/>
+            <a:off x="5440434" y="1109160"/>
+            <a:ext cx="586803" cy="4681637"/>
           </a:xfrm>
         </p:spPr>
         <p:txBody>
-          <a:bodyPr anchor="b"/>
+          <a:bodyPr vert="vert270" lIns="45720" tIns="0" rIns="45720" anchor="t"/>
           <a:lstStyle>
-            <a:lvl1pPr algn="l">
+            <a:lvl1pPr algn="ctr">
+              <a:buNone/>
               <a:defRPr sz="2000" b="1"/>
             </a:lvl1pPr>
           </a:lstStyle>
           <a:p>
             <a:r>
-              <a:rPr lang="zh-CN" altLang="en-US" smtClean="0"/>
+              <a:rPr kumimoji="0" lang="zh-CN" altLang="en-US" smtClean="0"/>
               <a:t>单击此处编辑母版标题样式</a:t>
             </a:r>
-            <a:endParaRPr lang="zh-CN" altLang="en-US"/>
+            <a:endParaRPr kumimoji="0" lang="en-US"/>
           </a:p>
         </p:txBody>
       </p:sp>
@@ -2326,9 +5245,37 @@
         </p:nvSpPr>
         <p:spPr>
           <a:xfrm>
-            <a:off x="1792288" y="612775"/>
-            <a:ext cx="5486400" cy="4114800"/>
+            <a:off x="403671" y="1143000"/>
+            <a:ext cx="4572000" cy="4572000"/>
           </a:xfrm>
+          <a:solidFill>
+            <a:srgbClr val="EAEAEA"/>
+          </a:solidFill>
+          <a:ln w="50800">
+            <a:solidFill>
+              <a:srgbClr val="FFFFFF"/>
+            </a:solidFill>
+            <a:miter lim="800000"/>
+          </a:ln>
+          <a:effectLst>
+            <a:outerShdw blurRad="57150" dist="31750" dir="4800000" algn="tl" rotWithShape="0">
+              <a:srgbClr val="000000">
+                <a:alpha val="25000"/>
+              </a:srgbClr>
+            </a:outerShdw>
+          </a:effectLst>
+          <a:scene3d>
+            <a:camera prst="orthographicFront"/>
+            <a:lightRig rig="twoPt" dir="t">
+              <a:rot lat="0" lon="0" rev="7200000"/>
+            </a:lightRig>
+          </a:scene3d>
+          <a:sp3d contourW="2540">
+            <a:bevelT w="25400" h="19050"/>
+            <a:contourClr>
+              <a:srgbClr val="AEAEAE"/>
+            </a:contourClr>
+          </a:sp3d>
         </p:spPr>
         <p:txBody>
           <a:bodyPr/>
@@ -2337,41 +5284,13 @@
               <a:buNone/>
               <a:defRPr sz="3200"/>
             </a:lvl1pPr>
-            <a:lvl2pPr marL="457200" indent="0">
-              <a:buNone/>
-              <a:defRPr sz="2800"/>
-            </a:lvl2pPr>
-            <a:lvl3pPr marL="914400" indent="0">
-              <a:buNone/>
-              <a:defRPr sz="2400"/>
-            </a:lvl3pPr>
-            <a:lvl4pPr marL="1371600" indent="0">
-              <a:buNone/>
-              <a:defRPr sz="2000"/>
-            </a:lvl4pPr>
-            <a:lvl5pPr marL="1828800" indent="0">
-              <a:buNone/>
-              <a:defRPr sz="2000"/>
-            </a:lvl5pPr>
-            <a:lvl6pPr marL="2286000" indent="0">
-              <a:buNone/>
-              <a:defRPr sz="2000"/>
-            </a:lvl6pPr>
-            <a:lvl7pPr marL="2743200" indent="0">
-              <a:buNone/>
-              <a:defRPr sz="2000"/>
-            </a:lvl7pPr>
-            <a:lvl8pPr marL="3200400" indent="0">
-              <a:buNone/>
-              <a:defRPr sz="2000"/>
-            </a:lvl8pPr>
-            <a:lvl9pPr marL="3657600" indent="0">
-              <a:buNone/>
-              <a:defRPr sz="2000"/>
-            </a:lvl9pPr>
           </a:lstStyle>
           <a:p>
-            <a:endParaRPr lang="zh-CN" altLang="en-US"/>
+            <a:r>
+              <a:rPr kumimoji="0" lang="zh-CN" altLang="en-US" smtClean="0"/>
+              <a:t>单击图标添加图片</a:t>
+            </a:r>
+            <a:endParaRPr kumimoji="0" lang="en-US" dirty="0"/>
           </a:p>
         </p:txBody>
       </p:sp>
@@ -2387,54 +5306,49 @@
         </p:nvSpPr>
         <p:spPr>
           <a:xfrm>
-            <a:off x="1792288" y="5367338"/>
-            <a:ext cx="5486400" cy="804862"/>
+            <a:off x="6088443" y="3274308"/>
+            <a:ext cx="2590800" cy="2516489"/>
           </a:xfrm>
         </p:spPr>
         <p:txBody>
-          <a:bodyPr/>
+          <a:bodyPr lIns="0" tIns="0" rIns="45720" anchor="t"/>
           <a:lstStyle>
             <a:lvl1pPr marL="0" indent="0">
-              <a:buNone/>
-              <a:defRPr sz="1400"/>
+              <a:lnSpc>
+                <a:spcPct val="100000"/>
+              </a:lnSpc>
+              <a:spcBef>
+                <a:spcPts val="0"/>
+              </a:spcBef>
+              <a:buFontTx/>
+              <a:buNone/>
+              <a:defRPr sz="1300"/>
             </a:lvl1pPr>
-            <a:lvl2pPr marL="457200" indent="0">
+            <a:lvl2pPr>
+              <a:buFontTx/>
               <a:buNone/>
               <a:defRPr sz="1200"/>
             </a:lvl2pPr>
-            <a:lvl3pPr marL="914400" indent="0">
+            <a:lvl3pPr>
+              <a:buFontTx/>
               <a:buNone/>
               <a:defRPr sz="1000"/>
             </a:lvl3pPr>
-            <a:lvl4pPr marL="1371600" indent="0">
+            <a:lvl4pPr>
+              <a:buFontTx/>
               <a:buNone/>
               <a:defRPr sz="900"/>
             </a:lvl4pPr>
-            <a:lvl5pPr marL="1828800" indent="0">
+            <a:lvl5pPr>
+              <a:buFontTx/>
               <a:buNone/>
               <a:defRPr sz="900"/>
             </a:lvl5pPr>
-            <a:lvl6pPr marL="2286000" indent="0">
-              <a:buNone/>
-              <a:defRPr sz="900"/>
-            </a:lvl6pPr>
-            <a:lvl7pPr marL="2743200" indent="0">
-              <a:buNone/>
-              <a:defRPr sz="900"/>
-            </a:lvl7pPr>
-            <a:lvl8pPr marL="3200400" indent="0">
-              <a:buNone/>
-              <a:defRPr sz="900"/>
-            </a:lvl8pPr>
-            <a:lvl9pPr marL="3657600" indent="0">
-              <a:buNone/>
-              <a:defRPr sz="900"/>
-            </a:lvl9pPr>
           </a:lstStyle>
           <a:p>
-            <a:pPr lvl="0"/>
-            <a:r>
-              <a:rPr lang="zh-CN" altLang="en-US" smtClean="0"/>
+            <a:pPr lvl="0" eaLnBrk="1" latinLnBrk="0" hangingPunct="1"/>
+            <a:r>
+              <a:rPr kumimoji="0" lang="zh-CN" altLang="en-US" smtClean="0"/>
               <a:t>单击此处编辑母版文本样式</a:t>
             </a:r>
           </a:p>
@@ -2457,7 +5371,7 @@
           <a:p>
             <a:fld id="{530820CF-B880-4189-942D-D702A7CBA730}" type="datetimeFigureOut">
               <a:rPr lang="zh-CN" altLang="en-US" smtClean="0"/>
-              <a:t>2012/12/1</a:t>
+              <a:t>2012/12/2</a:t>
             </a:fld>
             <a:endParaRPr lang="zh-CN" altLang="en-US"/>
           </a:p>
@@ -2537,6 +5451,1147 @@
       </p:grpSpPr>
       <p:sp>
         <p:nvSpPr>
+          <p:cNvPr id="28" name="矩形 27"/>
+          <p:cNvSpPr/>
+          <p:nvPr/>
+        </p:nvSpPr>
+        <p:spPr>
+          <a:xfrm>
+            <a:off x="1" y="366818"/>
+            <a:ext cx="9144000" cy="84407"/>
+          </a:xfrm>
+          <a:prstGeom prst="rect">
+            <a:avLst/>
+          </a:prstGeom>
+          <a:solidFill>
+            <a:schemeClr val="accent2">
+              <a:alpha val="50000"/>
+            </a:schemeClr>
+          </a:solidFill>
+          <a:ln w="50800" cap="rnd" cmpd="thickThin" algn="ctr">
+            <a:noFill/>
+            <a:prstDash val="solid"/>
+          </a:ln>
+          <a:effectLst/>
+        </p:spPr>
+        <p:style>
+          <a:lnRef idx="3">
+            <a:schemeClr val="lt1"/>
+          </a:lnRef>
+          <a:fillRef idx="1">
+            <a:schemeClr val="accent1"/>
+          </a:fillRef>
+          <a:effectRef idx="1">
+            <a:schemeClr val="accent1"/>
+          </a:effectRef>
+          <a:fontRef idx="minor">
+            <a:schemeClr val="lt1"/>
+          </a:fontRef>
+        </p:style>
+        <p:txBody>
+          <a:bodyPr anchor="ctr"/>
+          <a:lstStyle/>
+          <a:p>
+            <a:pPr algn="ctr" eaLnBrk="1" latinLnBrk="0" hangingPunct="1"/>
+            <a:endParaRPr kumimoji="0" lang="en-US"/>
+          </a:p>
+        </p:txBody>
+      </p:sp>
+      <p:sp>
+        <p:nvSpPr>
+          <p:cNvPr id="29" name="矩形 28"/>
+          <p:cNvSpPr/>
+          <p:nvPr/>
+        </p:nvSpPr>
+        <p:spPr>
+          <a:xfrm>
+            <a:off x="0" y="-1"/>
+            <a:ext cx="9144000" cy="310663"/>
+          </a:xfrm>
+          <a:prstGeom prst="rect">
+            <a:avLst/>
+          </a:prstGeom>
+          <a:solidFill>
+            <a:schemeClr val="tx2">
+              <a:alpha val="100000"/>
+            </a:schemeClr>
+          </a:solidFill>
+          <a:ln w="50800" cap="rnd" cmpd="thickThin" algn="ctr">
+            <a:noFill/>
+            <a:prstDash val="solid"/>
+          </a:ln>
+          <a:effectLst/>
+        </p:spPr>
+        <p:style>
+          <a:lnRef idx="3">
+            <a:schemeClr val="lt1"/>
+          </a:lnRef>
+          <a:fillRef idx="1">
+            <a:schemeClr val="accent1"/>
+          </a:fillRef>
+          <a:effectRef idx="1">
+            <a:schemeClr val="accent1"/>
+          </a:effectRef>
+          <a:fontRef idx="minor">
+            <a:schemeClr val="lt1"/>
+          </a:fontRef>
+        </p:style>
+        <p:txBody>
+          <a:bodyPr anchor="ctr"/>
+          <a:lstStyle/>
+          <a:p>
+            <a:pPr algn="ctr" eaLnBrk="1" latinLnBrk="0" hangingPunct="1"/>
+            <a:endParaRPr kumimoji="0" lang="en-US"/>
+          </a:p>
+        </p:txBody>
+      </p:sp>
+      <p:sp>
+        <p:nvSpPr>
+          <p:cNvPr id="30" name="矩形 29"/>
+          <p:cNvSpPr/>
+          <p:nvPr/>
+        </p:nvSpPr>
+        <p:spPr>
+          <a:xfrm>
+            <a:off x="0" y="308276"/>
+            <a:ext cx="9144001" cy="91441"/>
+          </a:xfrm>
+          <a:prstGeom prst="rect">
+            <a:avLst/>
+          </a:prstGeom>
+          <a:solidFill>
+            <a:schemeClr val="accent2">
+              <a:alpha val="100000"/>
+            </a:schemeClr>
+          </a:solidFill>
+          <a:ln w="50800" cap="rnd" cmpd="thickThin" algn="ctr">
+            <a:noFill/>
+            <a:prstDash val="solid"/>
+          </a:ln>
+          <a:effectLst/>
+        </p:spPr>
+        <p:style>
+          <a:lnRef idx="3">
+            <a:schemeClr val="lt1"/>
+          </a:lnRef>
+          <a:fillRef idx="1">
+            <a:schemeClr val="accent1"/>
+          </a:fillRef>
+          <a:effectRef idx="1">
+            <a:schemeClr val="accent1"/>
+          </a:effectRef>
+          <a:fontRef idx="minor">
+            <a:schemeClr val="lt1"/>
+          </a:fontRef>
+        </p:style>
+        <p:txBody>
+          <a:bodyPr anchor="ctr"/>
+          <a:lstStyle/>
+          <a:p>
+            <a:pPr algn="ctr" eaLnBrk="1" latinLnBrk="0" hangingPunct="1"/>
+            <a:endParaRPr kumimoji="0" lang="en-US"/>
+          </a:p>
+        </p:txBody>
+      </p:sp>
+      <p:sp>
+        <p:nvSpPr>
+          <p:cNvPr id="31" name="矩形 30"/>
+          <p:cNvSpPr/>
+          <p:nvPr/>
+        </p:nvSpPr>
+        <p:spPr>
+          <a:xfrm flipV="1">
+            <a:off x="5410182" y="360246"/>
+            <a:ext cx="3733819" cy="91087"/>
+          </a:xfrm>
+          <a:prstGeom prst="rect">
+            <a:avLst/>
+          </a:prstGeom>
+          <a:solidFill>
+            <a:schemeClr val="accent2">
+              <a:alpha val="100000"/>
+            </a:schemeClr>
+          </a:solidFill>
+          <a:ln w="50800" cap="rnd" cmpd="thickThin" algn="ctr">
+            <a:noFill/>
+            <a:prstDash val="solid"/>
+          </a:ln>
+          <a:effectLst/>
+        </p:spPr>
+        <p:style>
+          <a:lnRef idx="3">
+            <a:schemeClr val="lt1"/>
+          </a:lnRef>
+          <a:fillRef idx="1">
+            <a:schemeClr val="accent1"/>
+          </a:fillRef>
+          <a:effectRef idx="1">
+            <a:schemeClr val="accent1"/>
+          </a:effectRef>
+          <a:fontRef idx="minor">
+            <a:schemeClr val="lt1"/>
+          </a:fontRef>
+        </p:style>
+        <p:txBody>
+          <a:bodyPr anchor="ctr"/>
+          <a:lstStyle/>
+          <a:p>
+            <a:pPr algn="ctr" eaLnBrk="1" latinLnBrk="0" hangingPunct="1"/>
+            <a:endParaRPr kumimoji="0" lang="en-US"/>
+          </a:p>
+        </p:txBody>
+      </p:sp>
+      <p:sp>
+        <p:nvSpPr>
+          <p:cNvPr id="32" name="矩形 31"/>
+          <p:cNvSpPr/>
+          <p:nvPr/>
+        </p:nvSpPr>
+        <p:spPr>
+          <a:xfrm flipV="1">
+            <a:off x="5410200" y="440112"/>
+            <a:ext cx="3733801" cy="180035"/>
+          </a:xfrm>
+          <a:prstGeom prst="rect">
+            <a:avLst/>
+          </a:prstGeom>
+          <a:solidFill>
+            <a:schemeClr val="accent2">
+              <a:alpha val="50000"/>
+            </a:schemeClr>
+          </a:solidFill>
+          <a:ln w="50800" cap="rnd" cmpd="thickThin" algn="ctr">
+            <a:noFill/>
+            <a:prstDash val="solid"/>
+          </a:ln>
+          <a:effectLst/>
+        </p:spPr>
+        <p:style>
+          <a:lnRef idx="3">
+            <a:schemeClr val="lt1"/>
+          </a:lnRef>
+          <a:fillRef idx="1">
+            <a:schemeClr val="accent1"/>
+          </a:fillRef>
+          <a:effectRef idx="1">
+            <a:schemeClr val="accent1"/>
+          </a:effectRef>
+          <a:fontRef idx="minor">
+            <a:schemeClr val="lt1"/>
+          </a:fontRef>
+        </p:style>
+        <p:txBody>
+          <a:bodyPr anchor="ctr"/>
+          <a:lstStyle/>
+          <a:p>
+            <a:pPr algn="ctr" eaLnBrk="1" latinLnBrk="0" hangingPunct="1"/>
+            <a:endParaRPr kumimoji="0" lang="en-US"/>
+          </a:p>
+        </p:txBody>
+      </p:sp>
+      <p:sp useBgFill="1">
+        <p:nvSpPr>
+          <p:cNvPr id="33" name="圆角矩形 32"/>
+          <p:cNvSpPr/>
+          <p:nvPr/>
+        </p:nvSpPr>
+        <p:spPr bwMode="white">
+          <a:xfrm>
+            <a:off x="5407339" y="497504"/>
+            <a:ext cx="3063240" cy="27432"/>
+          </a:xfrm>
+          <a:prstGeom prst="roundRect">
+            <a:avLst>
+              <a:gd name="adj" fmla="val 16667"/>
+            </a:avLst>
+          </a:prstGeom>
+          <a:ln w="50800" cap="rnd" cmpd="thickThin" algn="ctr">
+            <a:noFill/>
+            <a:prstDash val="solid"/>
+          </a:ln>
+          <a:effectLst/>
+        </p:spPr>
+        <p:style>
+          <a:lnRef idx="3">
+            <a:schemeClr val="lt1"/>
+          </a:lnRef>
+          <a:fillRef idx="1">
+            <a:schemeClr val="accent1"/>
+          </a:fillRef>
+          <a:effectRef idx="1">
+            <a:schemeClr val="accent1"/>
+          </a:effectRef>
+          <a:fontRef idx="minor">
+            <a:schemeClr val="lt1"/>
+          </a:fontRef>
+        </p:style>
+        <p:txBody>
+          <a:bodyPr anchor="ctr"/>
+          <a:lstStyle/>
+          <a:p>
+            <a:pPr algn="ctr" eaLnBrk="1" latinLnBrk="0" hangingPunct="1"/>
+            <a:endParaRPr kumimoji="0" lang="en-US"/>
+          </a:p>
+        </p:txBody>
+      </p:sp>
+      <p:sp useBgFill="1">
+        <p:nvSpPr>
+          <p:cNvPr id="34" name="圆角矩形 33"/>
+          <p:cNvSpPr/>
+          <p:nvPr/>
+        </p:nvSpPr>
+        <p:spPr bwMode="white">
+          <a:xfrm>
+            <a:off x="7373646" y="588943"/>
+            <a:ext cx="1600200" cy="36576"/>
+          </a:xfrm>
+          <a:prstGeom prst="roundRect">
+            <a:avLst>
+              <a:gd name="adj" fmla="val 16667"/>
+            </a:avLst>
+          </a:prstGeom>
+          <a:ln w="50800" cap="rnd" cmpd="thickThin" algn="ctr">
+            <a:noFill/>
+            <a:prstDash val="solid"/>
+          </a:ln>
+          <a:effectLst/>
+        </p:spPr>
+        <p:style>
+          <a:lnRef idx="3">
+            <a:schemeClr val="lt1"/>
+          </a:lnRef>
+          <a:fillRef idx="1">
+            <a:schemeClr val="accent1"/>
+          </a:fillRef>
+          <a:effectRef idx="1">
+            <a:schemeClr val="accent1"/>
+          </a:effectRef>
+          <a:fontRef idx="minor">
+            <a:schemeClr val="lt1"/>
+          </a:fontRef>
+        </p:style>
+        <p:txBody>
+          <a:bodyPr anchor="ctr"/>
+          <a:lstStyle/>
+          <a:p>
+            <a:pPr algn="ctr" eaLnBrk="1" latinLnBrk="0" hangingPunct="1"/>
+            <a:endParaRPr kumimoji="0" lang="en-US"/>
+          </a:p>
+        </p:txBody>
+      </p:sp>
+      <p:sp>
+        <p:nvSpPr>
+          <p:cNvPr id="35" name="矩形 34"/>
+          <p:cNvSpPr/>
+          <p:nvPr/>
+        </p:nvSpPr>
+        <p:spPr bwMode="invGray">
+          <a:xfrm>
+            <a:off x="9084966" y="-2001"/>
+            <a:ext cx="57626" cy="621792"/>
+          </a:xfrm>
+          <a:prstGeom prst="rect">
+            <a:avLst/>
+          </a:prstGeom>
+          <a:solidFill>
+            <a:srgbClr val="FFFFFF">
+              <a:alpha val="65098"/>
+            </a:srgbClr>
+          </a:solidFill>
+          <a:ln w="50800" cap="rnd" cmpd="thickThin" algn="ctr">
+            <a:noFill/>
+            <a:prstDash val="solid"/>
+          </a:ln>
+          <a:effectLst/>
+        </p:spPr>
+        <p:style>
+          <a:lnRef idx="3">
+            <a:schemeClr val="lt1"/>
+          </a:lnRef>
+          <a:fillRef idx="1">
+            <a:schemeClr val="accent1"/>
+          </a:fillRef>
+          <a:effectRef idx="1">
+            <a:schemeClr val="accent1"/>
+          </a:effectRef>
+          <a:fontRef idx="minor">
+            <a:schemeClr val="lt1"/>
+          </a:fontRef>
+        </p:style>
+        <p:txBody>
+          <a:bodyPr anchor="ctr"/>
+          <a:lstStyle/>
+          <a:p>
+            <a:pPr algn="ctr" eaLnBrk="1" latinLnBrk="0" hangingPunct="1"/>
+            <a:endParaRPr kumimoji="0" lang="en-US" dirty="0"/>
+          </a:p>
+        </p:txBody>
+      </p:sp>
+      <p:sp>
+        <p:nvSpPr>
+          <p:cNvPr id="36" name="矩形 35"/>
+          <p:cNvSpPr/>
+          <p:nvPr/>
+        </p:nvSpPr>
+        <p:spPr bwMode="invGray">
+          <a:xfrm>
+            <a:off x="9044481" y="-2001"/>
+            <a:ext cx="27432" cy="621792"/>
+          </a:xfrm>
+          <a:prstGeom prst="rect">
+            <a:avLst/>
+          </a:prstGeom>
+          <a:solidFill>
+            <a:srgbClr val="FFFFFF">
+              <a:alpha val="65098"/>
+            </a:srgbClr>
+          </a:solidFill>
+          <a:ln w="50800" cap="rnd" cmpd="thickThin" algn="ctr">
+            <a:noFill/>
+            <a:prstDash val="solid"/>
+          </a:ln>
+          <a:effectLst/>
+        </p:spPr>
+        <p:style>
+          <a:lnRef idx="3">
+            <a:schemeClr val="lt1"/>
+          </a:lnRef>
+          <a:fillRef idx="1">
+            <a:schemeClr val="accent1"/>
+          </a:fillRef>
+          <a:effectRef idx="1">
+            <a:schemeClr val="accent1"/>
+          </a:effectRef>
+          <a:fontRef idx="minor">
+            <a:schemeClr val="lt1"/>
+          </a:fontRef>
+        </p:style>
+        <p:txBody>
+          <a:bodyPr anchor="ctr"/>
+          <a:lstStyle/>
+          <a:p>
+            <a:pPr algn="ctr" eaLnBrk="1" latinLnBrk="0" hangingPunct="1"/>
+            <a:endParaRPr kumimoji="0" lang="en-US" dirty="0"/>
+          </a:p>
+        </p:txBody>
+      </p:sp>
+      <p:sp>
+        <p:nvSpPr>
+          <p:cNvPr id="37" name="矩形 36"/>
+          <p:cNvSpPr/>
+          <p:nvPr/>
+        </p:nvSpPr>
+        <p:spPr bwMode="invGray">
+          <a:xfrm>
+            <a:off x="9025428" y="-2001"/>
+            <a:ext cx="9144" cy="621792"/>
+          </a:xfrm>
+          <a:prstGeom prst="rect">
+            <a:avLst/>
+          </a:prstGeom>
+          <a:solidFill>
+            <a:srgbClr val="FFFFFF">
+              <a:alpha val="60000"/>
+            </a:srgbClr>
+          </a:solidFill>
+          <a:ln w="50800" cap="rnd" cmpd="thickThin" algn="ctr">
+            <a:noFill/>
+            <a:prstDash val="solid"/>
+          </a:ln>
+          <a:effectLst/>
+        </p:spPr>
+        <p:style>
+          <a:lnRef idx="3">
+            <a:schemeClr val="lt1"/>
+          </a:lnRef>
+          <a:fillRef idx="1">
+            <a:schemeClr val="accent1"/>
+          </a:fillRef>
+          <a:effectRef idx="1">
+            <a:schemeClr val="accent1"/>
+          </a:effectRef>
+          <a:fontRef idx="minor">
+            <a:schemeClr val="lt1"/>
+          </a:fontRef>
+        </p:style>
+        <p:txBody>
+          <a:bodyPr anchor="ctr"/>
+          <a:lstStyle/>
+          <a:p>
+            <a:pPr algn="ctr" eaLnBrk="1" latinLnBrk="0" hangingPunct="1"/>
+            <a:endParaRPr kumimoji="0" lang="en-US"/>
+          </a:p>
+        </p:txBody>
+      </p:sp>
+      <p:sp>
+        <p:nvSpPr>
+          <p:cNvPr id="38" name="矩形 37"/>
+          <p:cNvSpPr/>
+          <p:nvPr/>
+        </p:nvSpPr>
+        <p:spPr bwMode="invGray">
+          <a:xfrm>
+            <a:off x="8975423" y="-2001"/>
+            <a:ext cx="27432" cy="621792"/>
+          </a:xfrm>
+          <a:prstGeom prst="rect">
+            <a:avLst/>
+          </a:prstGeom>
+          <a:solidFill>
+            <a:srgbClr val="FFFFFF">
+              <a:alpha val="40000"/>
+            </a:srgbClr>
+          </a:solidFill>
+          <a:ln w="50800" cap="rnd" cmpd="thickThin" algn="ctr">
+            <a:noFill/>
+            <a:prstDash val="solid"/>
+          </a:ln>
+          <a:effectLst/>
+        </p:spPr>
+        <p:style>
+          <a:lnRef idx="3">
+            <a:schemeClr val="lt1"/>
+          </a:lnRef>
+          <a:fillRef idx="1">
+            <a:schemeClr val="accent1"/>
+          </a:fillRef>
+          <a:effectRef idx="1">
+            <a:schemeClr val="accent1"/>
+          </a:effectRef>
+          <a:fontRef idx="minor">
+            <a:schemeClr val="lt1"/>
+          </a:fontRef>
+        </p:style>
+        <p:txBody>
+          <a:bodyPr anchor="ctr"/>
+          <a:lstStyle/>
+          <a:p>
+            <a:pPr algn="ctr" eaLnBrk="1" latinLnBrk="0" hangingPunct="1"/>
+            <a:endParaRPr kumimoji="0" lang="en-US"/>
+          </a:p>
+        </p:txBody>
+      </p:sp>
+      <p:sp>
+        <p:nvSpPr>
+          <p:cNvPr id="39" name="矩形 38"/>
+          <p:cNvSpPr/>
+          <p:nvPr/>
+        </p:nvSpPr>
+        <p:spPr bwMode="invGray">
+          <a:xfrm>
+            <a:off x="8915677" y="380"/>
+            <a:ext cx="54864" cy="585216"/>
+          </a:xfrm>
+          <a:prstGeom prst="rect">
+            <a:avLst/>
+          </a:prstGeom>
+          <a:solidFill>
+            <a:srgbClr val="FFFFFF">
+              <a:alpha val="20000"/>
+            </a:srgbClr>
+          </a:solidFill>
+          <a:ln w="50800" cap="rnd" cmpd="thickThin" algn="ctr">
+            <a:noFill/>
+            <a:prstDash val="solid"/>
+          </a:ln>
+          <a:effectLst/>
+        </p:spPr>
+        <p:style>
+          <a:lnRef idx="3">
+            <a:schemeClr val="lt1"/>
+          </a:lnRef>
+          <a:fillRef idx="1">
+            <a:schemeClr val="accent1"/>
+          </a:fillRef>
+          <a:effectRef idx="1">
+            <a:schemeClr val="accent1"/>
+          </a:effectRef>
+          <a:fontRef idx="minor">
+            <a:schemeClr val="lt1"/>
+          </a:fontRef>
+        </p:style>
+        <p:txBody>
+          <a:bodyPr anchor="ctr"/>
+          <a:lstStyle/>
+          <a:p>
+            <a:pPr algn="ctr" eaLnBrk="1" latinLnBrk="0" hangingPunct="1"/>
+            <a:endParaRPr kumimoji="0" lang="en-US"/>
+          </a:p>
+        </p:txBody>
+      </p:sp>
+      <p:sp>
+        <p:nvSpPr>
+          <p:cNvPr id="40" name="矩形 39"/>
+          <p:cNvSpPr/>
+          <p:nvPr/>
+        </p:nvSpPr>
+        <p:spPr bwMode="invGray">
+          <a:xfrm>
+            <a:off x="8873475" y="380"/>
+            <a:ext cx="9144" cy="585216"/>
+          </a:xfrm>
+          <a:prstGeom prst="rect">
+            <a:avLst/>
+          </a:prstGeom>
+          <a:solidFill>
+            <a:srgbClr val="FFFFFF">
+              <a:alpha val="30196"/>
+            </a:srgbClr>
+          </a:solidFill>
+          <a:ln w="50800" cap="rnd" cmpd="thickThin" algn="ctr">
+            <a:noFill/>
+            <a:prstDash val="solid"/>
+          </a:ln>
+          <a:effectLst/>
+        </p:spPr>
+        <p:style>
+          <a:lnRef idx="3">
+            <a:schemeClr val="lt1"/>
+          </a:lnRef>
+          <a:fillRef idx="1">
+            <a:schemeClr val="accent1"/>
+          </a:fillRef>
+          <a:effectRef idx="1">
+            <a:schemeClr val="accent1"/>
+          </a:effectRef>
+          <a:fontRef idx="minor">
+            <a:schemeClr val="lt1"/>
+          </a:fontRef>
+        </p:style>
+        <p:txBody>
+          <a:bodyPr anchor="ctr"/>
+          <a:lstStyle/>
+          <a:p>
+            <a:pPr algn="ctr" eaLnBrk="1" latinLnBrk="0" hangingPunct="1"/>
+            <a:endParaRPr kumimoji="0" lang="en-US" dirty="0"/>
+          </a:p>
+        </p:txBody>
+      </p:sp>
+      <p:sp>
+        <p:nvSpPr>
+          <p:cNvPr id="22" name="标题占位符 21"/>
+          <p:cNvSpPr>
+            <a:spLocks noGrp="1"/>
+          </p:cNvSpPr>
+          <p:nvPr>
+            <p:ph type="title"/>
+          </p:nvPr>
+        </p:nvSpPr>
+        <p:spPr>
+          <a:xfrm>
+            <a:off x="457200" y="1143000"/>
+            <a:ext cx="8229600" cy="1066800"/>
+          </a:xfrm>
+          <a:prstGeom prst="rect">
+            <a:avLst/>
+          </a:prstGeom>
+        </p:spPr>
+        <p:txBody>
+          <a:bodyPr vert="horz" anchor="ctr">
+            <a:normAutofit/>
+          </a:bodyPr>
+          <a:lstStyle/>
+          <a:p>
+            <a:r>
+              <a:rPr kumimoji="0" lang="zh-CN" altLang="en-US" smtClean="0"/>
+              <a:t>单击此处编辑母版标题样式</a:t>
+            </a:r>
+            <a:endParaRPr kumimoji="0" lang="en-US"/>
+          </a:p>
+        </p:txBody>
+      </p:sp>
+      <p:sp>
+        <p:nvSpPr>
+          <p:cNvPr id="13" name="文本占位符 12"/>
+          <p:cNvSpPr>
+            <a:spLocks noGrp="1"/>
+          </p:cNvSpPr>
+          <p:nvPr>
+            <p:ph type="body" idx="1"/>
+          </p:nvPr>
+        </p:nvSpPr>
+        <p:spPr>
+          <a:xfrm>
+            <a:off x="457200" y="2249424"/>
+            <a:ext cx="8229600" cy="4325112"/>
+          </a:xfrm>
+          <a:prstGeom prst="rect">
+            <a:avLst/>
+          </a:prstGeom>
+        </p:spPr>
+        <p:txBody>
+          <a:bodyPr vert="horz">
+            <a:normAutofit/>
+          </a:bodyPr>
+          <a:lstStyle/>
+          <a:p>
+            <a:pPr lvl="0" eaLnBrk="1" latinLnBrk="0" hangingPunct="1"/>
+            <a:r>
+              <a:rPr kumimoji="0" lang="zh-CN" altLang="en-US" smtClean="0"/>
+              <a:t>单击此处编辑母版文本样式</a:t>
+            </a:r>
+          </a:p>
+          <a:p>
+            <a:pPr lvl="1" eaLnBrk="1" latinLnBrk="0" hangingPunct="1"/>
+            <a:r>
+              <a:rPr kumimoji="0" lang="zh-CN" altLang="en-US" smtClean="0"/>
+              <a:t>第二级</a:t>
+            </a:r>
+          </a:p>
+          <a:p>
+            <a:pPr lvl="2" eaLnBrk="1" latinLnBrk="0" hangingPunct="1"/>
+            <a:r>
+              <a:rPr kumimoji="0" lang="zh-CN" altLang="en-US" smtClean="0"/>
+              <a:t>第三级</a:t>
+            </a:r>
+          </a:p>
+          <a:p>
+            <a:pPr lvl="3" eaLnBrk="1" latinLnBrk="0" hangingPunct="1"/>
+            <a:r>
+              <a:rPr kumimoji="0" lang="zh-CN" altLang="en-US" smtClean="0"/>
+              <a:t>第四级</a:t>
+            </a:r>
+          </a:p>
+          <a:p>
+            <a:pPr lvl="4" eaLnBrk="1" latinLnBrk="0" hangingPunct="1"/>
+            <a:r>
+              <a:rPr kumimoji="0" lang="zh-CN" altLang="en-US" smtClean="0"/>
+              <a:t>第五级</a:t>
+            </a:r>
+            <a:endParaRPr kumimoji="0" lang="en-US"/>
+          </a:p>
+        </p:txBody>
+      </p:sp>
+      <p:sp>
+        <p:nvSpPr>
+          <p:cNvPr id="14" name="日期占位符 13"/>
+          <p:cNvSpPr>
+            <a:spLocks noGrp="1"/>
+          </p:cNvSpPr>
+          <p:nvPr>
+            <p:ph type="dt" sz="half" idx="2"/>
+          </p:nvPr>
+        </p:nvSpPr>
+        <p:spPr>
+          <a:xfrm>
+            <a:off x="6586536" y="612648"/>
+            <a:ext cx="957264" cy="457200"/>
+          </a:xfrm>
+          <a:prstGeom prst="rect">
+            <a:avLst/>
+          </a:prstGeom>
+        </p:spPr>
+        <p:txBody>
+          <a:bodyPr vert="horz"/>
+          <a:lstStyle>
+            <a:lvl1pPr algn="l" eaLnBrk="1" latinLnBrk="0" hangingPunct="1">
+              <a:defRPr kumimoji="0" sz="800">
+                <a:solidFill>
+                  <a:schemeClr val="accent2"/>
+                </a:solidFill>
+              </a:defRPr>
+            </a:lvl1pPr>
+          </a:lstStyle>
+          <a:p>
+            <a:fld id="{530820CF-B880-4189-942D-D702A7CBA730}" type="datetimeFigureOut">
+              <a:rPr lang="zh-CN" altLang="en-US" smtClean="0"/>
+              <a:t>2012/12/2</a:t>
+            </a:fld>
+            <a:endParaRPr lang="zh-CN" altLang="en-US"/>
+          </a:p>
+        </p:txBody>
+      </p:sp>
+      <p:sp>
+        <p:nvSpPr>
+          <p:cNvPr id="3" name="页脚占位符 2"/>
+          <p:cNvSpPr>
+            <a:spLocks noGrp="1"/>
+          </p:cNvSpPr>
+          <p:nvPr>
+            <p:ph type="ftr" sz="quarter" idx="3"/>
+          </p:nvPr>
+        </p:nvSpPr>
+        <p:spPr>
+          <a:xfrm>
+            <a:off x="5257800" y="612648"/>
+            <a:ext cx="1325880" cy="457200"/>
+          </a:xfrm>
+          <a:prstGeom prst="rect">
+            <a:avLst/>
+          </a:prstGeom>
+        </p:spPr>
+        <p:txBody>
+          <a:bodyPr vert="horz"/>
+          <a:lstStyle>
+            <a:lvl1pPr algn="r" eaLnBrk="1" latinLnBrk="0" hangingPunct="1">
+              <a:defRPr kumimoji="0" sz="800">
+                <a:solidFill>
+                  <a:schemeClr val="accent2"/>
+                </a:solidFill>
+              </a:defRPr>
+            </a:lvl1pPr>
+          </a:lstStyle>
+          <a:p>
+            <a:endParaRPr lang="zh-CN" altLang="en-US"/>
+          </a:p>
+        </p:txBody>
+      </p:sp>
+      <p:sp>
+        <p:nvSpPr>
+          <p:cNvPr id="23" name="灯片编号占位符 22"/>
+          <p:cNvSpPr>
+            <a:spLocks noGrp="1"/>
+          </p:cNvSpPr>
+          <p:nvPr>
+            <p:ph type="sldNum" sz="quarter" idx="4"/>
+          </p:nvPr>
+        </p:nvSpPr>
+        <p:spPr>
+          <a:xfrm>
+            <a:off x="8174736" y="2272"/>
+            <a:ext cx="762000" cy="365760"/>
+          </a:xfrm>
+          <a:prstGeom prst="rect">
+            <a:avLst/>
+          </a:prstGeom>
+        </p:spPr>
+        <p:txBody>
+          <a:bodyPr vert="horz" anchor="b"/>
+          <a:lstStyle>
+            <a:lvl1pPr algn="r" eaLnBrk="1" latinLnBrk="0" hangingPunct="1">
+              <a:defRPr kumimoji="0" sz="1800">
+                <a:solidFill>
+                  <a:srgbClr val="FFFFFF"/>
+                </a:solidFill>
+              </a:defRPr>
+            </a:lvl1pPr>
+          </a:lstStyle>
+          <a:p>
+            <a:fld id="{0C913308-F349-4B6D-A68A-DD1791B4A57B}" type="slidenum">
+              <a:rPr lang="zh-CN" altLang="en-US" smtClean="0"/>
+              <a:t>‹#›</a:t>
+            </a:fld>
+            <a:endParaRPr lang="zh-CN" altLang="en-US"/>
+          </a:p>
+        </p:txBody>
+      </p:sp>
+    </p:spTree>
+  </p:cSld>
+  <p:clrMap bg1="lt1" tx1="dk1" bg2="lt2" tx2="dk2" accent1="accent1" accent2="accent2" accent3="accent3" accent4="accent4" accent5="accent5" accent6="accent6" hlink="hlink" folHlink="folHlink"/>
+  <p:sldLayoutIdLst>
+    <p:sldLayoutId id="2147483673" r:id="rId1"/>
+    <p:sldLayoutId id="2147483674" r:id="rId2"/>
+    <p:sldLayoutId id="2147483675" r:id="rId3"/>
+    <p:sldLayoutId id="2147483676" r:id="rId4"/>
+    <p:sldLayoutId id="2147483677" r:id="rId5"/>
+    <p:sldLayoutId id="2147483678" r:id="rId6"/>
+    <p:sldLayoutId id="2147483679" r:id="rId7"/>
+    <p:sldLayoutId id="2147483680" r:id="rId8"/>
+    <p:sldLayoutId id="2147483681" r:id="rId9"/>
+    <p:sldLayoutId id="2147483682" r:id="rId10"/>
+    <p:sldLayoutId id="2147483683" r:id="rId11"/>
+  </p:sldLayoutIdLst>
+  <p:txStyles>
+    <p:titleStyle>
+      <a:lvl1pPr algn="l" rtl="0" eaLnBrk="1" latinLnBrk="0" hangingPunct="1">
+        <a:spcBef>
+          <a:spcPct val="0"/>
+        </a:spcBef>
+        <a:buNone/>
+        <a:defRPr kumimoji="0" sz="4000" kern="1200">
+          <a:solidFill>
+            <a:schemeClr val="tx2"/>
+          </a:solidFill>
+          <a:latin typeface="+mj-lt"/>
+          <a:ea typeface="+mj-ea"/>
+          <a:cs typeface="+mj-cs"/>
+        </a:defRPr>
+      </a:lvl1pPr>
+    </p:titleStyle>
+    <p:bodyStyle>
+      <a:lvl1pPr marL="365760" indent="-256032" algn="l" rtl="0" eaLnBrk="1" latinLnBrk="0" hangingPunct="1">
+        <a:spcBef>
+          <a:spcPts val="300"/>
+        </a:spcBef>
+        <a:buClr>
+          <a:schemeClr val="accent3"/>
+        </a:buClr>
+        <a:buFont typeface="Georgia"/>
+        <a:buChar char="•"/>
+        <a:defRPr kumimoji="0" sz="2800" kern="1200">
+          <a:solidFill>
+            <a:schemeClr val="tx1"/>
+          </a:solidFill>
+          <a:latin typeface="+mn-lt"/>
+          <a:ea typeface="+mn-ea"/>
+          <a:cs typeface="+mn-cs"/>
+        </a:defRPr>
+      </a:lvl1pPr>
+      <a:lvl2pPr marL="658368" indent="-246888" algn="l" rtl="0" eaLnBrk="1" latinLnBrk="0" hangingPunct="1">
+        <a:spcBef>
+          <a:spcPts val="300"/>
+        </a:spcBef>
+        <a:buClr>
+          <a:schemeClr val="accent2"/>
+        </a:buClr>
+        <a:buFont typeface="Georgia"/>
+        <a:buChar char="▫"/>
+        <a:defRPr kumimoji="0" sz="2600" kern="1200">
+          <a:solidFill>
+            <a:schemeClr val="accent2"/>
+          </a:solidFill>
+          <a:latin typeface="+mn-lt"/>
+          <a:ea typeface="+mn-ea"/>
+          <a:cs typeface="+mn-cs"/>
+        </a:defRPr>
+      </a:lvl2pPr>
+      <a:lvl3pPr marL="923544" indent="-219456" algn="l" rtl="0" eaLnBrk="1" latinLnBrk="0" hangingPunct="1">
+        <a:spcBef>
+          <a:spcPts val="300"/>
+        </a:spcBef>
+        <a:buClr>
+          <a:schemeClr val="accent1"/>
+        </a:buClr>
+        <a:buFont typeface="Wingdings 2"/>
+        <a:buChar char=""/>
+        <a:defRPr kumimoji="0" sz="2400" kern="1200">
+          <a:solidFill>
+            <a:schemeClr val="accent1"/>
+          </a:solidFill>
+          <a:latin typeface="+mn-lt"/>
+          <a:ea typeface="+mn-ea"/>
+          <a:cs typeface="+mn-cs"/>
+        </a:defRPr>
+      </a:lvl3pPr>
+      <a:lvl4pPr marL="1179576" indent="-201168" algn="l" rtl="0" eaLnBrk="1" latinLnBrk="0" hangingPunct="1">
+        <a:spcBef>
+          <a:spcPts val="300"/>
+        </a:spcBef>
+        <a:buClr>
+          <a:schemeClr val="accent1"/>
+        </a:buClr>
+        <a:buFont typeface="Wingdings 2"/>
+        <a:buChar char=""/>
+        <a:defRPr kumimoji="0" sz="2200" kern="1200">
+          <a:solidFill>
+            <a:schemeClr val="accent1"/>
+          </a:solidFill>
+          <a:latin typeface="+mn-lt"/>
+          <a:ea typeface="+mn-ea"/>
+          <a:cs typeface="+mn-cs"/>
+        </a:defRPr>
+      </a:lvl4pPr>
+      <a:lvl5pPr marL="1389888" indent="-182880" algn="l" rtl="0" eaLnBrk="1" latinLnBrk="0" hangingPunct="1">
+        <a:spcBef>
+          <a:spcPts val="300"/>
+        </a:spcBef>
+        <a:buClr>
+          <a:schemeClr val="accent3"/>
+        </a:buClr>
+        <a:buFont typeface="Georgia"/>
+        <a:buChar char="▫"/>
+        <a:defRPr kumimoji="0" sz="2000" kern="1200">
+          <a:solidFill>
+            <a:schemeClr val="accent3"/>
+          </a:solidFill>
+          <a:latin typeface="+mn-lt"/>
+          <a:ea typeface="+mn-ea"/>
+          <a:cs typeface="+mn-cs"/>
+        </a:defRPr>
+      </a:lvl5pPr>
+      <a:lvl6pPr marL="1609344" indent="-182880" algn="l" rtl="0" eaLnBrk="1" latinLnBrk="0" hangingPunct="1">
+        <a:spcBef>
+          <a:spcPts val="300"/>
+        </a:spcBef>
+        <a:buClr>
+          <a:schemeClr val="accent3"/>
+        </a:buClr>
+        <a:buFont typeface="Georgia"/>
+        <a:buChar char="▫"/>
+        <a:defRPr kumimoji="0" sz="1800" kern="1200">
+          <a:solidFill>
+            <a:schemeClr val="accent3"/>
+          </a:solidFill>
+          <a:latin typeface="+mn-lt"/>
+          <a:ea typeface="+mn-ea"/>
+          <a:cs typeface="+mn-cs"/>
+        </a:defRPr>
+      </a:lvl6pPr>
+      <a:lvl7pPr marL="1828800" indent="-182880" algn="l" rtl="0" eaLnBrk="1" latinLnBrk="0" hangingPunct="1">
+        <a:spcBef>
+          <a:spcPts val="300"/>
+        </a:spcBef>
+        <a:buClr>
+          <a:schemeClr val="accent3"/>
+        </a:buClr>
+        <a:buFont typeface="Georgia"/>
+        <a:buChar char="▫"/>
+        <a:defRPr kumimoji="0" sz="1600" kern="1200">
+          <a:solidFill>
+            <a:schemeClr val="accent3"/>
+          </a:solidFill>
+          <a:latin typeface="+mn-lt"/>
+          <a:ea typeface="+mn-ea"/>
+          <a:cs typeface="+mn-cs"/>
+        </a:defRPr>
+      </a:lvl7pPr>
+      <a:lvl8pPr marL="2029968" indent="-182880" algn="l" rtl="0" eaLnBrk="1" latinLnBrk="0" hangingPunct="1">
+        <a:spcBef>
+          <a:spcPts val="300"/>
+        </a:spcBef>
+        <a:buClr>
+          <a:schemeClr val="accent3"/>
+        </a:buClr>
+        <a:buFont typeface="Georgia"/>
+        <a:buChar char="◦"/>
+        <a:defRPr kumimoji="0" sz="1500" kern="1200">
+          <a:solidFill>
+            <a:schemeClr val="accent3"/>
+          </a:solidFill>
+          <a:latin typeface="+mn-lt"/>
+          <a:ea typeface="+mn-ea"/>
+          <a:cs typeface="+mn-cs"/>
+        </a:defRPr>
+      </a:lvl8pPr>
+      <a:lvl9pPr marL="2240280" indent="-182880" algn="l" rtl="0" eaLnBrk="1" latinLnBrk="0" hangingPunct="1">
+        <a:spcBef>
+          <a:spcPts val="300"/>
+        </a:spcBef>
+        <a:buClr>
+          <a:schemeClr val="accent3"/>
+        </a:buClr>
+        <a:buFont typeface="Georgia"/>
+        <a:buChar char="◦"/>
+        <a:defRPr kumimoji="0" sz="1400" kern="1200" baseline="0">
+          <a:solidFill>
+            <a:schemeClr val="accent3"/>
+          </a:solidFill>
+          <a:latin typeface="+mn-lt"/>
+          <a:ea typeface="+mn-ea"/>
+          <a:cs typeface="+mn-cs"/>
+        </a:defRPr>
+      </a:lvl9pPr>
+    </p:bodyStyle>
+    <p:otherStyle>
+      <a:lvl1pPr marL="0" algn="l" rtl="0" eaLnBrk="1" latinLnBrk="0" hangingPunct="1">
+        <a:defRPr kumimoji="0" kern="1200">
+          <a:solidFill>
+            <a:schemeClr val="tx1"/>
+          </a:solidFill>
+          <a:latin typeface="+mn-lt"/>
+          <a:ea typeface="+mn-ea"/>
+          <a:cs typeface="+mn-cs"/>
+        </a:defRPr>
+      </a:lvl1pPr>
+      <a:lvl2pPr marL="457200" algn="l" rtl="0" eaLnBrk="1" latinLnBrk="0" hangingPunct="1">
+        <a:defRPr kumimoji="0" kern="1200">
+          <a:solidFill>
+            <a:schemeClr val="tx1"/>
+          </a:solidFill>
+          <a:latin typeface="+mn-lt"/>
+          <a:ea typeface="+mn-ea"/>
+          <a:cs typeface="+mn-cs"/>
+        </a:defRPr>
+      </a:lvl2pPr>
+      <a:lvl3pPr marL="914400" algn="l" rtl="0" eaLnBrk="1" latinLnBrk="0" hangingPunct="1">
+        <a:defRPr kumimoji="0" kern="1200">
+          <a:solidFill>
+            <a:schemeClr val="tx1"/>
+          </a:solidFill>
+          <a:latin typeface="+mn-lt"/>
+          <a:ea typeface="+mn-ea"/>
+          <a:cs typeface="+mn-cs"/>
+        </a:defRPr>
+      </a:lvl3pPr>
+      <a:lvl4pPr marL="1371600" algn="l" rtl="0" eaLnBrk="1" latinLnBrk="0" hangingPunct="1">
+        <a:defRPr kumimoji="0" kern="1200">
+          <a:solidFill>
+            <a:schemeClr val="tx1"/>
+          </a:solidFill>
+          <a:latin typeface="+mn-lt"/>
+          <a:ea typeface="+mn-ea"/>
+          <a:cs typeface="+mn-cs"/>
+        </a:defRPr>
+      </a:lvl4pPr>
+      <a:lvl5pPr marL="1828800" algn="l" rtl="0" eaLnBrk="1" latinLnBrk="0" hangingPunct="1">
+        <a:defRPr kumimoji="0" kern="1200">
+          <a:solidFill>
+            <a:schemeClr val="tx1"/>
+          </a:solidFill>
+          <a:latin typeface="+mn-lt"/>
+          <a:ea typeface="+mn-ea"/>
+          <a:cs typeface="+mn-cs"/>
+        </a:defRPr>
+      </a:lvl5pPr>
+      <a:lvl6pPr marL="2286000" algn="l" rtl="0" eaLnBrk="1" latinLnBrk="0" hangingPunct="1">
+        <a:defRPr kumimoji="0" kern="1200">
+          <a:solidFill>
+            <a:schemeClr val="tx1"/>
+          </a:solidFill>
+          <a:latin typeface="+mn-lt"/>
+          <a:ea typeface="+mn-ea"/>
+          <a:cs typeface="+mn-cs"/>
+        </a:defRPr>
+      </a:lvl6pPr>
+      <a:lvl7pPr marL="2743200" algn="l" rtl="0" eaLnBrk="1" latinLnBrk="0" hangingPunct="1">
+        <a:defRPr kumimoji="0" kern="1200">
+          <a:solidFill>
+            <a:schemeClr val="tx1"/>
+          </a:solidFill>
+          <a:latin typeface="+mn-lt"/>
+          <a:ea typeface="+mn-ea"/>
+          <a:cs typeface="+mn-cs"/>
+        </a:defRPr>
+      </a:lvl7pPr>
+      <a:lvl8pPr marL="3200400" algn="l" rtl="0" eaLnBrk="1" latinLnBrk="0" hangingPunct="1">
+        <a:defRPr kumimoji="0" kern="1200">
+          <a:solidFill>
+            <a:schemeClr val="tx1"/>
+          </a:solidFill>
+          <a:latin typeface="+mn-lt"/>
+          <a:ea typeface="+mn-ea"/>
+          <a:cs typeface="+mn-cs"/>
+        </a:defRPr>
+      </a:lvl8pPr>
+      <a:lvl9pPr marL="3657600" algn="l" rtl="0" eaLnBrk="1" latinLnBrk="0" hangingPunct="1">
+        <a:defRPr kumimoji="0" kern="1200">
+          <a:solidFill>
+            <a:schemeClr val="tx1"/>
+          </a:solidFill>
+          <a:latin typeface="+mn-lt"/>
+          <a:ea typeface="+mn-ea"/>
+          <a:cs typeface="+mn-cs"/>
+        </a:defRPr>
+      </a:lvl9pPr>
+    </p:otherStyle>
+  </p:txStyles>
+</p:sldMaster>
+</file>
+
+<file path=ppt/slideMasters/slideMaster2.xml><?xml version="1.0" encoding="utf-8"?>
+<p:sldMaster xmlns:a="http://schemas.openxmlformats.org/drawingml/2006/main" xmlns:r="http://schemas.openxmlformats.org/officeDocument/2006/relationships" xmlns:p="http://schemas.openxmlformats.org/presentationml/2006/main">
+  <p:cSld>
+    <p:bg>
+      <p:bgRef idx="1001">
+        <a:schemeClr val="bg1"/>
+      </p:bgRef>
+    </p:bg>
+    <p:spTree>
+      <p:nvGrpSpPr>
+        <p:cNvPr id="1" name=""/>
+        <p:cNvGrpSpPr/>
+        <p:nvPr/>
+      </p:nvGrpSpPr>
+      <p:grpSpPr>
+        <a:xfrm>
+          <a:off x="0" y="0"/>
+          <a:ext cx="0" cy="0"/>
+          <a:chOff x="0" y="0"/>
+          <a:chExt cx="0" cy="0"/>
+        </a:xfrm>
+      </p:grpSpPr>
+      <p:sp>
+        <p:nvSpPr>
           <p:cNvPr id="2" name="标题占位符 1"/>
           <p:cNvSpPr>
             <a:spLocks noGrp="1"/>
@@ -2665,7 +6720,7 @@
           <a:p>
             <a:fld id="{530820CF-B880-4189-942D-D702A7CBA730}" type="datetimeFigureOut">
               <a:rPr lang="zh-CN" altLang="en-US" smtClean="0"/>
-              <a:t>2012/12/1</a:t>
+              <a:t>2012/12/2</a:t>
             </a:fld>
             <a:endParaRPr lang="zh-CN" altLang="en-US"/>
           </a:p>
@@ -2750,20 +6805,25 @@
         </p:txBody>
       </p:sp>
     </p:spTree>
+    <p:extLst>
+      <p:ext uri="{BB962C8B-B14F-4D97-AF65-F5344CB8AC3E}">
+        <p14:creationId xmlns:p14="http://schemas.microsoft.com/office/powerpoint/2010/main" val="1721907153"/>
+      </p:ext>
+    </p:extLst>
   </p:cSld>
   <p:clrMap bg1="lt1" tx1="dk1" bg2="lt2" tx2="dk2" accent1="accent1" accent2="accent2" accent3="accent3" accent4="accent4" accent5="accent5" accent6="accent6" hlink="hlink" folHlink="folHlink"/>
   <p:sldLayoutIdLst>
-    <p:sldLayoutId id="2147483649" r:id="rId1"/>
-    <p:sldLayoutId id="2147483650" r:id="rId2"/>
-    <p:sldLayoutId id="2147483651" r:id="rId3"/>
-    <p:sldLayoutId id="2147483652" r:id="rId4"/>
-    <p:sldLayoutId id="2147483653" r:id="rId5"/>
-    <p:sldLayoutId id="2147483654" r:id="rId6"/>
-    <p:sldLayoutId id="2147483655" r:id="rId7"/>
-    <p:sldLayoutId id="2147483656" r:id="rId8"/>
-    <p:sldLayoutId id="2147483657" r:id="rId9"/>
-    <p:sldLayoutId id="2147483658" r:id="rId10"/>
-    <p:sldLayoutId id="2147483659" r:id="rId11"/>
+    <p:sldLayoutId id="2147483685" r:id="rId1"/>
+    <p:sldLayoutId id="2147483686" r:id="rId2"/>
+    <p:sldLayoutId id="2147483687" r:id="rId3"/>
+    <p:sldLayoutId id="2147483688" r:id="rId4"/>
+    <p:sldLayoutId id="2147483689" r:id="rId5"/>
+    <p:sldLayoutId id="2147483690" r:id="rId6"/>
+    <p:sldLayoutId id="2147483691" r:id="rId7"/>
+    <p:sldLayoutId id="2147483692" r:id="rId8"/>
+    <p:sldLayoutId id="2147483693" r:id="rId9"/>
+    <p:sldLayoutId id="2147483694" r:id="rId10"/>
+    <p:sldLayoutId id="2147483695" r:id="rId11"/>
   </p:sldLayoutIdLst>
   <p:txStyles>
     <p:titleStyle>
@@ -3035,6 +7095,148 @@
           <a:chExt cx="0" cy="0"/>
         </a:xfrm>
       </p:grpSpPr>
+      <p:sp>
+        <p:nvSpPr>
+          <p:cNvPr id="11" name="标题"/>
+          <p:cNvSpPr txBox="1"/>
+          <p:nvPr/>
+        </p:nvSpPr>
+        <p:spPr>
+          <a:xfrm>
+            <a:off x="616687" y="525354"/>
+            <a:ext cx="6638682" cy="887422"/>
+          </a:xfrm>
+          <a:prstGeom prst="rect">
+            <a:avLst/>
+          </a:prstGeom>
+          <a:noFill/>
+          <a:effectLst>
+            <a:glow rad="63500">
+              <a:schemeClr val="accent2">
+                <a:satMod val="175000"/>
+                <a:alpha val="40000"/>
+              </a:schemeClr>
+            </a:glow>
+          </a:effectLst>
+        </p:spPr>
+        <p:txBody>
+          <a:bodyPr wrap="square" spcCol="360000" rtlCol="0">
+            <a:spAutoFit/>
+          </a:bodyPr>
+          <a:lstStyle/>
+          <a:p>
+            <a:pPr>
+              <a:lnSpc>
+                <a:spcPts val="3100"/>
+              </a:lnSpc>
+            </a:pPr>
+            <a:r>
+              <a:rPr lang="zh-CN" altLang="en-US" sz="2600" b="1" kern="1500" spc="900" dirty="0" smtClean="0">
+                <a:solidFill>
+                  <a:schemeClr val="accent2">
+                    <a:lumMod val="75000"/>
+                  </a:schemeClr>
+                </a:solidFill>
+                <a:effectLst>
+                  <a:glow rad="63500">
+                    <a:schemeClr val="accent1">
+                      <a:satMod val="175000"/>
+                      <a:alpha val="40000"/>
+                    </a:schemeClr>
+                  </a:glow>
+                </a:effectLst>
+                <a:uFill>
+                  <a:solidFill>
+                    <a:schemeClr val="bg2"/>
+                  </a:solidFill>
+                </a:uFill>
+                <a:latin typeface="微软雅黑" pitchFamily="34" charset="-122"/>
+                <a:ea typeface="微软雅黑" pitchFamily="34" charset="-122"/>
+              </a:rPr>
+              <a:t>基于计算机视觉的</a:t>
+            </a:r>
+            <a:endParaRPr lang="en-US" altLang="zh-CN" sz="2600" b="1" kern="1500" spc="900" dirty="0" smtClean="0">
+              <a:solidFill>
+                <a:schemeClr val="accent2">
+                  <a:lumMod val="75000"/>
+                </a:schemeClr>
+              </a:solidFill>
+              <a:effectLst>
+                <a:glow rad="63500">
+                  <a:schemeClr val="accent1">
+                    <a:satMod val="175000"/>
+                    <a:alpha val="40000"/>
+                  </a:schemeClr>
+                </a:glow>
+              </a:effectLst>
+              <a:uFill>
+                <a:solidFill>
+                  <a:schemeClr val="bg2"/>
+                </a:solidFill>
+              </a:uFill>
+              <a:latin typeface="微软雅黑" pitchFamily="34" charset="-122"/>
+              <a:ea typeface="微软雅黑" pitchFamily="34" charset="-122"/>
+            </a:endParaRPr>
+          </a:p>
+          <a:p>
+            <a:pPr marL="900000">
+              <a:lnSpc>
+                <a:spcPts val="3100"/>
+              </a:lnSpc>
+            </a:pPr>
+            <a:r>
+              <a:rPr lang="zh-CN" altLang="en-US" sz="2600" b="1" kern="1500" spc="900" dirty="0" smtClean="0">
+                <a:solidFill>
+                  <a:schemeClr val="accent2">
+                    <a:lumMod val="75000"/>
+                  </a:schemeClr>
+                </a:solidFill>
+                <a:effectLst>
+                  <a:glow rad="63500">
+                    <a:schemeClr val="accent1">
+                      <a:satMod val="175000"/>
+                      <a:alpha val="40000"/>
+                    </a:schemeClr>
+                  </a:glow>
+                </a:effectLst>
+                <a:uFill>
+                  <a:solidFill>
+                    <a:schemeClr val="bg2"/>
+                  </a:solidFill>
+                </a:uFill>
+                <a:latin typeface="微软雅黑" pitchFamily="34" charset="-122"/>
+                <a:ea typeface="微软雅黑" pitchFamily="34" charset="-122"/>
+              </a:rPr>
+              <a:t>道路交通事故</a:t>
+            </a:r>
+            <a:r>
+              <a:rPr lang="zh-CN" altLang="en-US" sz="2600" b="1" kern="1500" spc="900" dirty="0">
+                <a:solidFill>
+                  <a:schemeClr val="accent2">
+                    <a:lumMod val="75000"/>
+                  </a:schemeClr>
+                </a:solidFill>
+                <a:effectLst>
+                  <a:glow rad="63500">
+                    <a:schemeClr val="accent2">
+                      <a:satMod val="175000"/>
+                      <a:alpha val="40000"/>
+                    </a:schemeClr>
+                  </a:glow>
+                </a:effectLst>
+                <a:uFill>
+                  <a:solidFill>
+                    <a:schemeClr val="bg2"/>
+                  </a:solidFill>
+                </a:uFill>
+                <a:latin typeface="微软雅黑" pitchFamily="34" charset="-122"/>
+                <a:ea typeface="微软雅黑" pitchFamily="34" charset="-122"/>
+              </a:rPr>
+              <a:t>现场测量</a:t>
+            </a:r>
+          </a:p>
+        </p:txBody>
+      </p:sp>
     </p:spTree>
     <p:extLst>
       <p:ext uri="{BB962C8B-B14F-4D97-AF65-F5344CB8AC3E}">
@@ -3045,11 +7247,1599 @@
   <p:clrMapOvr>
     <a:masterClrMapping/>
   </p:clrMapOvr>
+  <p:timing>
+    <p:tnLst>
+      <p:par>
+        <p:cTn id="1" dur="indefinite" restart="never" nodeType="tmRoot"/>
+      </p:par>
+    </p:tnLst>
+  </p:timing>
+</p:sld>
+</file>
+
+<file path=ppt/slides/slide2.xml><?xml version="1.0" encoding="utf-8"?>
+<p:sld xmlns:a="http://schemas.openxmlformats.org/drawingml/2006/main" xmlns:r="http://schemas.openxmlformats.org/officeDocument/2006/relationships" xmlns:p="http://schemas.openxmlformats.org/presentationml/2006/main">
+  <p:cSld>
+    <p:spTree>
+      <p:nvGrpSpPr>
+        <p:cNvPr id="1" name=""/>
+        <p:cNvGrpSpPr/>
+        <p:nvPr/>
+      </p:nvGrpSpPr>
+      <p:grpSpPr>
+        <a:xfrm>
+          <a:off x="0" y="0"/>
+          <a:ext cx="0" cy="0"/>
+          <a:chOff x="0" y="0"/>
+          <a:chExt cx="0" cy="0"/>
+        </a:xfrm>
+      </p:grpSpPr>
+      <p:sp>
+        <p:nvSpPr>
+          <p:cNvPr id="2" name="标题"/>
+          <p:cNvSpPr txBox="1"/>
+          <p:nvPr/>
+        </p:nvSpPr>
+        <p:spPr>
+          <a:xfrm>
+            <a:off x="467544" y="404664"/>
+            <a:ext cx="4570482" cy="338554"/>
+          </a:xfrm>
+          <a:prstGeom prst="rect">
+            <a:avLst/>
+          </a:prstGeom>
+          <a:noFill/>
+        </p:spPr>
+        <p:txBody>
+          <a:bodyPr wrap="none" rtlCol="0">
+            <a:spAutoFit/>
+          </a:bodyPr>
+          <a:lstStyle/>
+          <a:p>
+            <a:r>
+              <a:rPr lang="zh-CN" altLang="en-US" sz="1600" spc="300" dirty="0">
+                <a:solidFill>
+                  <a:schemeClr val="bg1">
+                    <a:lumMod val="50000"/>
+                  </a:schemeClr>
+                </a:solidFill>
+                <a:latin typeface="微软雅黑" pitchFamily="34" charset="-122"/>
+                <a:ea typeface="微软雅黑" pitchFamily="34" charset="-122"/>
+              </a:rPr>
+              <a:t>基于计算机视觉的道路交通事故现场测量</a:t>
+            </a:r>
+          </a:p>
+        </p:txBody>
+      </p:sp>
+      <p:grpSp>
+        <p:nvGrpSpPr>
+          <p:cNvPr id="4" name="特征提取"/>
+          <p:cNvGrpSpPr/>
+          <p:nvPr/>
+        </p:nvGrpSpPr>
+        <p:grpSpPr>
+          <a:xfrm>
+            <a:off x="1751034" y="2456710"/>
+            <a:ext cx="5022852" cy="4261456"/>
+            <a:chOff x="1791714" y="2372478"/>
+            <a:chExt cx="5022852" cy="4261456"/>
+          </a:xfrm>
+        </p:grpSpPr>
+        <p:sp>
+          <p:nvSpPr>
+            <p:cNvPr id="5" name="椭圆 4"/>
+            <p:cNvSpPr/>
+            <p:nvPr/>
+          </p:nvSpPr>
+          <p:spPr>
+            <a:xfrm>
+              <a:off x="2142900" y="2552680"/>
+              <a:ext cx="4320480" cy="1058814"/>
+            </a:xfrm>
+            <a:prstGeom prst="ellipse">
+              <a:avLst/>
+            </a:prstGeom>
+          </p:spPr>
+          <p:style>
+            <a:lnRef idx="0">
+              <a:schemeClr val="accent1">
+                <a:hueOff val="0"/>
+                <a:satOff val="0"/>
+                <a:lumOff val="0"/>
+                <a:alphaOff val="0"/>
+              </a:schemeClr>
+            </a:lnRef>
+            <a:fillRef idx="1">
+              <a:schemeClr val="accent1">
+                <a:tint val="50000"/>
+                <a:alpha val="40000"/>
+                <a:hueOff val="0"/>
+                <a:satOff val="0"/>
+                <a:lumOff val="0"/>
+                <a:alphaOff val="0"/>
+              </a:schemeClr>
+            </a:fillRef>
+            <a:effectRef idx="0">
+              <a:schemeClr val="accent1">
+                <a:tint val="50000"/>
+                <a:alpha val="40000"/>
+                <a:hueOff val="0"/>
+                <a:satOff val="0"/>
+                <a:lumOff val="0"/>
+                <a:alphaOff val="0"/>
+              </a:schemeClr>
+            </a:effectRef>
+            <a:fontRef idx="minor">
+              <a:schemeClr val="lt1">
+                <a:hueOff val="0"/>
+                <a:satOff val="0"/>
+                <a:lumOff val="0"/>
+                <a:alphaOff val="0"/>
+              </a:schemeClr>
+            </a:fontRef>
+          </p:style>
+        </p:sp>
+        <p:sp>
+          <p:nvSpPr>
+            <p:cNvPr id="6" name="下箭头 5"/>
+            <p:cNvSpPr/>
+            <p:nvPr/>
+          </p:nvSpPr>
+          <p:spPr>
+            <a:xfrm>
+              <a:off x="3985640" y="5370861"/>
+              <a:ext cx="635000" cy="1263073"/>
+            </a:xfrm>
+            <a:prstGeom prst="downArrow">
+              <a:avLst/>
+            </a:prstGeom>
+          </p:spPr>
+          <p:style>
+            <a:lnRef idx="2">
+              <a:schemeClr val="lt1">
+                <a:hueOff val="0"/>
+                <a:satOff val="0"/>
+                <a:lumOff val="0"/>
+                <a:alphaOff val="0"/>
+              </a:schemeClr>
+            </a:lnRef>
+            <a:fillRef idx="1">
+              <a:schemeClr val="accent1">
+                <a:tint val="60000"/>
+                <a:hueOff val="0"/>
+                <a:satOff val="0"/>
+                <a:lumOff val="0"/>
+                <a:alphaOff val="0"/>
+              </a:schemeClr>
+            </a:fillRef>
+            <a:effectRef idx="0">
+              <a:schemeClr val="accent1">
+                <a:tint val="60000"/>
+                <a:hueOff val="0"/>
+                <a:satOff val="0"/>
+                <a:lumOff val="0"/>
+                <a:alphaOff val="0"/>
+              </a:schemeClr>
+            </a:effectRef>
+            <a:fontRef idx="minor">
+              <a:schemeClr val="dk1">
+                <a:hueOff val="0"/>
+                <a:satOff val="0"/>
+                <a:lumOff val="0"/>
+                <a:alphaOff val="0"/>
+              </a:schemeClr>
+            </a:fontRef>
+          </p:style>
+        </p:sp>
+        <p:sp>
+          <p:nvSpPr>
+            <p:cNvPr id="8" name="任意多边形 7"/>
+            <p:cNvSpPr/>
+            <p:nvPr/>
+          </p:nvSpPr>
+          <p:spPr>
+            <a:xfrm>
+              <a:off x="3820592" y="3523760"/>
+              <a:ext cx="1143000" cy="1143000"/>
+            </a:xfrm>
+            <a:custGeom>
+              <a:avLst/>
+              <a:gdLst>
+                <a:gd name="connsiteX0" fmla="*/ 0 w 1143000"/>
+                <a:gd name="connsiteY0" fmla="*/ 571500 h 1143000"/>
+                <a:gd name="connsiteX1" fmla="*/ 571500 w 1143000"/>
+                <a:gd name="connsiteY1" fmla="*/ 0 h 1143000"/>
+                <a:gd name="connsiteX2" fmla="*/ 1143000 w 1143000"/>
+                <a:gd name="connsiteY2" fmla="*/ 571500 h 1143000"/>
+                <a:gd name="connsiteX3" fmla="*/ 571500 w 1143000"/>
+                <a:gd name="connsiteY3" fmla="*/ 1143000 h 1143000"/>
+                <a:gd name="connsiteX4" fmla="*/ 0 w 1143000"/>
+                <a:gd name="connsiteY4" fmla="*/ 571500 h 1143000"/>
+              </a:gdLst>
+              <a:ahLst/>
+              <a:cxnLst>
+                <a:cxn ang="0">
+                  <a:pos x="connsiteX0" y="connsiteY0"/>
+                </a:cxn>
+                <a:cxn ang="0">
+                  <a:pos x="connsiteX1" y="connsiteY1"/>
+                </a:cxn>
+                <a:cxn ang="0">
+                  <a:pos x="connsiteX2" y="connsiteY2"/>
+                </a:cxn>
+                <a:cxn ang="0">
+                  <a:pos x="connsiteX3" y="connsiteY3"/>
+                </a:cxn>
+                <a:cxn ang="0">
+                  <a:pos x="connsiteX4" y="connsiteY4"/>
+                </a:cxn>
+              </a:cxnLst>
+              <a:rect l="l" t="t" r="r" b="b"/>
+              <a:pathLst>
+                <a:path w="1143000" h="1143000">
+                  <a:moveTo>
+                    <a:pt x="0" y="571500"/>
+                  </a:moveTo>
+                  <a:cubicBezTo>
+                    <a:pt x="0" y="255869"/>
+                    <a:pt x="255869" y="0"/>
+                    <a:pt x="571500" y="0"/>
+                  </a:cubicBezTo>
+                  <a:cubicBezTo>
+                    <a:pt x="887131" y="0"/>
+                    <a:pt x="1143000" y="255869"/>
+                    <a:pt x="1143000" y="571500"/>
+                  </a:cubicBezTo>
+                  <a:cubicBezTo>
+                    <a:pt x="1143000" y="887131"/>
+                    <a:pt x="887131" y="1143000"/>
+                    <a:pt x="571500" y="1143000"/>
+                  </a:cubicBezTo>
+                  <a:cubicBezTo>
+                    <a:pt x="255869" y="1143000"/>
+                    <a:pt x="0" y="887131"/>
+                    <a:pt x="0" y="571500"/>
+                  </a:cubicBezTo>
+                  <a:close/>
+                </a:path>
+              </a:pathLst>
+            </a:custGeom>
+          </p:spPr>
+          <p:style>
+            <a:lnRef idx="2">
+              <a:schemeClr val="lt1">
+                <a:hueOff val="0"/>
+                <a:satOff val="0"/>
+                <a:lumOff val="0"/>
+                <a:alphaOff val="0"/>
+              </a:schemeClr>
+            </a:lnRef>
+            <a:fillRef idx="1">
+              <a:schemeClr val="accent1">
+                <a:hueOff val="0"/>
+                <a:satOff val="0"/>
+                <a:lumOff val="0"/>
+                <a:alphaOff val="0"/>
+              </a:schemeClr>
+            </a:fillRef>
+            <a:effectRef idx="0">
+              <a:schemeClr val="accent1">
+                <a:hueOff val="0"/>
+                <a:satOff val="0"/>
+                <a:lumOff val="0"/>
+                <a:alphaOff val="0"/>
+              </a:schemeClr>
+            </a:effectRef>
+            <a:fontRef idx="minor">
+              <a:schemeClr val="lt1"/>
+            </a:fontRef>
+          </p:style>
+          <p:txBody>
+            <a:bodyPr spcFirstLastPara="0" vert="horz" wrap="square" lIns="197868" tIns="197868" rIns="197868" bIns="197868" numCol="1" spcCol="1270" anchor="ctr" anchorCtr="0">
+              <a:noAutofit/>
+            </a:bodyPr>
+            <a:lstStyle/>
+            <a:p>
+              <a:pPr lvl="0" algn="ctr" defTabSz="1066800">
+                <a:lnSpc>
+                  <a:spcPct val="90000"/>
+                </a:lnSpc>
+                <a:spcBef>
+                  <a:spcPct val="0"/>
+                </a:spcBef>
+                <a:spcAft>
+                  <a:spcPct val="35000"/>
+                </a:spcAft>
+              </a:pPr>
+              <a:r>
+                <a:rPr lang="en-US" altLang="zh-CN" sz="2400" kern="1200" dirty="0" smtClean="0"/>
+                <a:t>Pic </a:t>
+              </a:r>
+              <a:endParaRPr lang="zh-CN" altLang="en-US" sz="2400" kern="1200" dirty="0"/>
+            </a:p>
+          </p:txBody>
+        </p:sp>
+        <p:sp>
+          <p:nvSpPr>
+            <p:cNvPr id="9" name="任意多边形 8"/>
+            <p:cNvSpPr/>
+            <p:nvPr/>
+          </p:nvSpPr>
+          <p:spPr>
+            <a:xfrm>
+              <a:off x="2933973" y="3039994"/>
+              <a:ext cx="1143000" cy="1143000"/>
+            </a:xfrm>
+            <a:custGeom>
+              <a:avLst/>
+              <a:gdLst>
+                <a:gd name="connsiteX0" fmla="*/ 0 w 1143000"/>
+                <a:gd name="connsiteY0" fmla="*/ 571500 h 1143000"/>
+                <a:gd name="connsiteX1" fmla="*/ 571500 w 1143000"/>
+                <a:gd name="connsiteY1" fmla="*/ 0 h 1143000"/>
+                <a:gd name="connsiteX2" fmla="*/ 1143000 w 1143000"/>
+                <a:gd name="connsiteY2" fmla="*/ 571500 h 1143000"/>
+                <a:gd name="connsiteX3" fmla="*/ 571500 w 1143000"/>
+                <a:gd name="connsiteY3" fmla="*/ 1143000 h 1143000"/>
+                <a:gd name="connsiteX4" fmla="*/ 0 w 1143000"/>
+                <a:gd name="connsiteY4" fmla="*/ 571500 h 1143000"/>
+              </a:gdLst>
+              <a:ahLst/>
+              <a:cxnLst>
+                <a:cxn ang="0">
+                  <a:pos x="connsiteX0" y="connsiteY0"/>
+                </a:cxn>
+                <a:cxn ang="0">
+                  <a:pos x="connsiteX1" y="connsiteY1"/>
+                </a:cxn>
+                <a:cxn ang="0">
+                  <a:pos x="connsiteX2" y="connsiteY2"/>
+                </a:cxn>
+                <a:cxn ang="0">
+                  <a:pos x="connsiteX3" y="connsiteY3"/>
+                </a:cxn>
+                <a:cxn ang="0">
+                  <a:pos x="connsiteX4" y="connsiteY4"/>
+                </a:cxn>
+              </a:cxnLst>
+              <a:rect l="l" t="t" r="r" b="b"/>
+              <a:pathLst>
+                <a:path w="1143000" h="1143000">
+                  <a:moveTo>
+                    <a:pt x="0" y="571500"/>
+                  </a:moveTo>
+                  <a:cubicBezTo>
+                    <a:pt x="0" y="255869"/>
+                    <a:pt x="255869" y="0"/>
+                    <a:pt x="571500" y="0"/>
+                  </a:cubicBezTo>
+                  <a:cubicBezTo>
+                    <a:pt x="887131" y="0"/>
+                    <a:pt x="1143000" y="255869"/>
+                    <a:pt x="1143000" y="571500"/>
+                  </a:cubicBezTo>
+                  <a:cubicBezTo>
+                    <a:pt x="1143000" y="887131"/>
+                    <a:pt x="887131" y="1143000"/>
+                    <a:pt x="571500" y="1143000"/>
+                  </a:cubicBezTo>
+                  <a:cubicBezTo>
+                    <a:pt x="255869" y="1143000"/>
+                    <a:pt x="0" y="887131"/>
+                    <a:pt x="0" y="571500"/>
+                  </a:cubicBezTo>
+                  <a:close/>
+                </a:path>
+              </a:pathLst>
+            </a:custGeom>
+          </p:spPr>
+          <p:style>
+            <a:lnRef idx="2">
+              <a:schemeClr val="lt1">
+                <a:hueOff val="0"/>
+                <a:satOff val="0"/>
+                <a:lumOff val="0"/>
+                <a:alphaOff val="0"/>
+              </a:schemeClr>
+            </a:lnRef>
+            <a:fillRef idx="1">
+              <a:schemeClr val="accent1">
+                <a:hueOff val="0"/>
+                <a:satOff val="0"/>
+                <a:lumOff val="0"/>
+                <a:alphaOff val="0"/>
+              </a:schemeClr>
+            </a:fillRef>
+            <a:effectRef idx="0">
+              <a:schemeClr val="accent1">
+                <a:hueOff val="0"/>
+                <a:satOff val="0"/>
+                <a:lumOff val="0"/>
+                <a:alphaOff val="0"/>
+              </a:schemeClr>
+            </a:effectRef>
+            <a:fontRef idx="minor">
+              <a:schemeClr val="lt1"/>
+            </a:fontRef>
+          </p:style>
+          <p:txBody>
+            <a:bodyPr spcFirstLastPara="0" vert="horz" wrap="square" lIns="197868" tIns="197868" rIns="197868" bIns="197868" numCol="1" spcCol="1270" anchor="ctr" anchorCtr="0">
+              <a:noAutofit/>
+            </a:bodyPr>
+            <a:lstStyle/>
+            <a:p>
+              <a:pPr lvl="0" algn="ctr" defTabSz="1066800">
+                <a:lnSpc>
+                  <a:spcPct val="90000"/>
+                </a:lnSpc>
+                <a:spcBef>
+                  <a:spcPct val="0"/>
+                </a:spcBef>
+                <a:spcAft>
+                  <a:spcPct val="35000"/>
+                </a:spcAft>
+              </a:pPr>
+              <a:r>
+                <a:rPr lang="en-US" altLang="zh-CN" sz="2400" kern="1200" dirty="0" smtClean="0"/>
+                <a:t>Pic </a:t>
+              </a:r>
+              <a:endParaRPr lang="zh-CN" altLang="en-US" sz="2400" kern="1200" dirty="0"/>
+            </a:p>
+          </p:txBody>
+        </p:sp>
+        <p:sp>
+          <p:nvSpPr>
+            <p:cNvPr id="10" name="任意多边形 9"/>
+            <p:cNvSpPr/>
+            <p:nvPr/>
+          </p:nvSpPr>
+          <p:spPr>
+            <a:xfrm>
+              <a:off x="4013405" y="2768704"/>
+              <a:ext cx="1143000" cy="1143000"/>
+            </a:xfrm>
+            <a:custGeom>
+              <a:avLst/>
+              <a:gdLst>
+                <a:gd name="connsiteX0" fmla="*/ 0 w 1143000"/>
+                <a:gd name="connsiteY0" fmla="*/ 571500 h 1143000"/>
+                <a:gd name="connsiteX1" fmla="*/ 571500 w 1143000"/>
+                <a:gd name="connsiteY1" fmla="*/ 0 h 1143000"/>
+                <a:gd name="connsiteX2" fmla="*/ 1143000 w 1143000"/>
+                <a:gd name="connsiteY2" fmla="*/ 571500 h 1143000"/>
+                <a:gd name="connsiteX3" fmla="*/ 571500 w 1143000"/>
+                <a:gd name="connsiteY3" fmla="*/ 1143000 h 1143000"/>
+                <a:gd name="connsiteX4" fmla="*/ 0 w 1143000"/>
+                <a:gd name="connsiteY4" fmla="*/ 571500 h 1143000"/>
+              </a:gdLst>
+              <a:ahLst/>
+              <a:cxnLst>
+                <a:cxn ang="0">
+                  <a:pos x="connsiteX0" y="connsiteY0"/>
+                </a:cxn>
+                <a:cxn ang="0">
+                  <a:pos x="connsiteX1" y="connsiteY1"/>
+                </a:cxn>
+                <a:cxn ang="0">
+                  <a:pos x="connsiteX2" y="connsiteY2"/>
+                </a:cxn>
+                <a:cxn ang="0">
+                  <a:pos x="connsiteX3" y="connsiteY3"/>
+                </a:cxn>
+                <a:cxn ang="0">
+                  <a:pos x="connsiteX4" y="connsiteY4"/>
+                </a:cxn>
+              </a:cxnLst>
+              <a:rect l="l" t="t" r="r" b="b"/>
+              <a:pathLst>
+                <a:path w="1143000" h="1143000">
+                  <a:moveTo>
+                    <a:pt x="0" y="571500"/>
+                  </a:moveTo>
+                  <a:cubicBezTo>
+                    <a:pt x="0" y="255869"/>
+                    <a:pt x="255869" y="0"/>
+                    <a:pt x="571500" y="0"/>
+                  </a:cubicBezTo>
+                  <a:cubicBezTo>
+                    <a:pt x="887131" y="0"/>
+                    <a:pt x="1143000" y="255869"/>
+                    <a:pt x="1143000" y="571500"/>
+                  </a:cubicBezTo>
+                  <a:cubicBezTo>
+                    <a:pt x="1143000" y="887131"/>
+                    <a:pt x="887131" y="1143000"/>
+                    <a:pt x="571500" y="1143000"/>
+                  </a:cubicBezTo>
+                  <a:cubicBezTo>
+                    <a:pt x="255869" y="1143000"/>
+                    <a:pt x="0" y="887131"/>
+                    <a:pt x="0" y="571500"/>
+                  </a:cubicBezTo>
+                  <a:close/>
+                </a:path>
+              </a:pathLst>
+            </a:custGeom>
+          </p:spPr>
+          <p:style>
+            <a:lnRef idx="2">
+              <a:schemeClr val="lt1">
+                <a:hueOff val="0"/>
+                <a:satOff val="0"/>
+                <a:lumOff val="0"/>
+                <a:alphaOff val="0"/>
+              </a:schemeClr>
+            </a:lnRef>
+            <a:fillRef idx="1">
+              <a:schemeClr val="accent1">
+                <a:hueOff val="0"/>
+                <a:satOff val="0"/>
+                <a:lumOff val="0"/>
+                <a:alphaOff val="0"/>
+              </a:schemeClr>
+            </a:fillRef>
+            <a:effectRef idx="0">
+              <a:schemeClr val="accent1">
+                <a:hueOff val="0"/>
+                <a:satOff val="0"/>
+                <a:lumOff val="0"/>
+                <a:alphaOff val="0"/>
+              </a:schemeClr>
+            </a:effectRef>
+            <a:fontRef idx="minor">
+              <a:schemeClr val="lt1"/>
+            </a:fontRef>
+          </p:style>
+          <p:txBody>
+            <a:bodyPr spcFirstLastPara="0" vert="horz" wrap="square" lIns="197868" tIns="197868" rIns="197868" bIns="197868" numCol="1" spcCol="1270" anchor="ctr" anchorCtr="0">
+              <a:noAutofit/>
+            </a:bodyPr>
+            <a:lstStyle/>
+            <a:p>
+              <a:pPr lvl="0" algn="ctr" defTabSz="1066800">
+                <a:lnSpc>
+                  <a:spcPct val="90000"/>
+                </a:lnSpc>
+                <a:spcBef>
+                  <a:spcPct val="0"/>
+                </a:spcBef>
+                <a:spcAft>
+                  <a:spcPct val="35000"/>
+                </a:spcAft>
+              </a:pPr>
+              <a:r>
+                <a:rPr lang="en-US" altLang="zh-CN" sz="2400" kern="1200" dirty="0" smtClean="0"/>
+                <a:t>Pic </a:t>
+              </a:r>
+              <a:endParaRPr lang="zh-CN" altLang="en-US" sz="2400" kern="1200" dirty="0"/>
+            </a:p>
+          </p:txBody>
+        </p:sp>
+        <p:sp>
+          <p:nvSpPr>
+            <p:cNvPr id="11" name="形状 10"/>
+            <p:cNvSpPr/>
+            <p:nvPr/>
+          </p:nvSpPr>
+          <p:spPr>
+            <a:xfrm>
+              <a:off x="1791714" y="2372478"/>
+              <a:ext cx="5022852" cy="2750958"/>
+            </a:xfrm>
+            <a:prstGeom prst="funnel">
+              <a:avLst/>
+            </a:prstGeom>
+          </p:spPr>
+          <p:style>
+            <a:lnRef idx="1">
+              <a:schemeClr val="accent1">
+                <a:hueOff val="0"/>
+                <a:satOff val="0"/>
+                <a:lumOff val="0"/>
+                <a:alphaOff val="0"/>
+              </a:schemeClr>
+            </a:lnRef>
+            <a:fillRef idx="1">
+              <a:schemeClr val="lt1">
+                <a:alpha val="40000"/>
+                <a:hueOff val="0"/>
+                <a:satOff val="0"/>
+                <a:lumOff val="0"/>
+                <a:alphaOff val="0"/>
+              </a:schemeClr>
+            </a:fillRef>
+            <a:effectRef idx="0">
+              <a:schemeClr val="lt1">
+                <a:alpha val="40000"/>
+                <a:hueOff val="0"/>
+                <a:satOff val="0"/>
+                <a:lumOff val="0"/>
+                <a:alphaOff val="0"/>
+              </a:schemeClr>
+            </a:effectRef>
+            <a:fontRef idx="minor">
+              <a:schemeClr val="dk1">
+                <a:hueOff val="0"/>
+                <a:satOff val="0"/>
+                <a:lumOff val="0"/>
+                <a:alphaOff val="0"/>
+              </a:schemeClr>
+            </a:fontRef>
+          </p:style>
+        </p:sp>
+      </p:grpSp>
+      <p:sp>
+        <p:nvSpPr>
+          <p:cNvPr id="12" name="流程"/>
+          <p:cNvSpPr txBox="1"/>
+          <p:nvPr/>
+        </p:nvSpPr>
+        <p:spPr>
+          <a:xfrm>
+            <a:off x="2371037" y="5449578"/>
+            <a:ext cx="4328429" cy="584775"/>
+          </a:xfrm>
+          <a:prstGeom prst="rect">
+            <a:avLst/>
+          </a:prstGeom>
+          <a:noFill/>
+        </p:spPr>
+        <p:txBody>
+          <a:bodyPr wrap="none" rtlCol="0">
+            <a:spAutoFit/>
+          </a:bodyPr>
+          <a:lstStyle/>
+          <a:p>
+            <a:r>
+              <a:rPr lang="en-US" altLang="zh-CN" sz="3200" dirty="0" smtClean="0">
+                <a:latin typeface="Arial" pitchFamily="34" charset="0"/>
+                <a:cs typeface="Arial" pitchFamily="34" charset="0"/>
+              </a:rPr>
+              <a:t>Feature       Extraction </a:t>
+            </a:r>
+            <a:endParaRPr lang="zh-CN" altLang="en-US" sz="3200" dirty="0">
+              <a:latin typeface="Arial" pitchFamily="34" charset="0"/>
+              <a:cs typeface="Arial" pitchFamily="34" charset="0"/>
+            </a:endParaRPr>
+          </a:p>
+        </p:txBody>
+      </p:sp>
+    </p:spTree>
+    <p:extLst>
+      <p:ext uri="{BB962C8B-B14F-4D97-AF65-F5344CB8AC3E}">
+        <p14:creationId xmlns:p14="http://schemas.microsoft.com/office/powerpoint/2010/main" val="103575119"/>
+      </p:ext>
+    </p:extLst>
+  </p:cSld>
+  <p:clrMapOvr>
+    <a:masterClrMapping/>
+  </p:clrMapOvr>
+  <mc:AlternateContent xmlns:mc="http://schemas.openxmlformats.org/markup-compatibility/2006">
+    <mc:Choice xmlns:p14="http://schemas.microsoft.com/office/powerpoint/2010/main" Requires="p14">
+      <p:transition spd="med" p14:dur="700">
+        <p:fade/>
+      </p:transition>
+    </mc:Choice>
+    <mc:Fallback>
+      <p:transition spd="med">
+        <p:fade/>
+      </p:transition>
+    </mc:Fallback>
+  </mc:AlternateContent>
+  <p:timing>
+    <p:tnLst>
+      <p:par>
+        <p:cTn id="1" dur="indefinite" restart="never" nodeType="tmRoot"/>
+      </p:par>
+    </p:tnLst>
+  </p:timing>
+</p:sld>
+</file>
+
+<file path=ppt/slides/slide3.xml><?xml version="1.0" encoding="utf-8"?>
+<p:sld xmlns:a="http://schemas.openxmlformats.org/drawingml/2006/main" xmlns:r="http://schemas.openxmlformats.org/officeDocument/2006/relationships" xmlns:p="http://schemas.openxmlformats.org/presentationml/2006/main">
+  <p:cSld>
+    <p:spTree>
+      <p:nvGrpSpPr>
+        <p:cNvPr id="1" name=""/>
+        <p:cNvGrpSpPr/>
+        <p:nvPr/>
+      </p:nvGrpSpPr>
+      <p:grpSpPr>
+        <a:xfrm>
+          <a:off x="0" y="0"/>
+          <a:ext cx="0" cy="0"/>
+          <a:chOff x="0" y="0"/>
+          <a:chExt cx="0" cy="0"/>
+        </a:xfrm>
+      </p:grpSpPr>
+      <p:grpSp>
+        <p:nvGrpSpPr>
+          <p:cNvPr id="3" name="组合 2"/>
+          <p:cNvGrpSpPr/>
+          <p:nvPr/>
+        </p:nvGrpSpPr>
+        <p:grpSpPr>
+          <a:xfrm>
+            <a:off x="1403648" y="548680"/>
+            <a:ext cx="5515479" cy="2952328"/>
+            <a:chOff x="1619672" y="764704"/>
+            <a:chExt cx="6096000" cy="3779520"/>
+          </a:xfrm>
+        </p:grpSpPr>
+        <p:sp>
+          <p:nvSpPr>
+            <p:cNvPr id="4" name="任意多边形 3"/>
+            <p:cNvSpPr/>
+            <p:nvPr/>
+          </p:nvSpPr>
+          <p:spPr>
+            <a:xfrm>
+              <a:off x="1619672" y="764704"/>
+              <a:ext cx="6096000" cy="1219200"/>
+            </a:xfrm>
+            <a:custGeom>
+              <a:avLst/>
+              <a:gdLst>
+                <a:gd name="connsiteX0" fmla="*/ 0 w 6096000"/>
+                <a:gd name="connsiteY0" fmla="*/ 0 h 1219200"/>
+                <a:gd name="connsiteX1" fmla="*/ 6096000 w 6096000"/>
+                <a:gd name="connsiteY1" fmla="*/ 0 h 1219200"/>
+                <a:gd name="connsiteX2" fmla="*/ 6096000 w 6096000"/>
+                <a:gd name="connsiteY2" fmla="*/ 1219200 h 1219200"/>
+                <a:gd name="connsiteX3" fmla="*/ 0 w 6096000"/>
+                <a:gd name="connsiteY3" fmla="*/ 1219200 h 1219200"/>
+                <a:gd name="connsiteX4" fmla="*/ 0 w 6096000"/>
+                <a:gd name="connsiteY4" fmla="*/ 0 h 1219200"/>
+              </a:gdLst>
+              <a:ahLst/>
+              <a:cxnLst>
+                <a:cxn ang="0">
+                  <a:pos x="connsiteX0" y="connsiteY0"/>
+                </a:cxn>
+                <a:cxn ang="0">
+                  <a:pos x="connsiteX1" y="connsiteY1"/>
+                </a:cxn>
+                <a:cxn ang="0">
+                  <a:pos x="connsiteX2" y="connsiteY2"/>
+                </a:cxn>
+                <a:cxn ang="0">
+                  <a:pos x="connsiteX3" y="connsiteY3"/>
+                </a:cxn>
+                <a:cxn ang="0">
+                  <a:pos x="connsiteX4" y="connsiteY4"/>
+                </a:cxn>
+              </a:cxnLst>
+              <a:rect l="l" t="t" r="r" b="b"/>
+              <a:pathLst>
+                <a:path w="6096000" h="1219200">
+                  <a:moveTo>
+                    <a:pt x="0" y="0"/>
+                  </a:moveTo>
+                  <a:lnTo>
+                    <a:pt x="6096000" y="0"/>
+                  </a:lnTo>
+                  <a:lnTo>
+                    <a:pt x="6096000" y="1219200"/>
+                  </a:lnTo>
+                  <a:lnTo>
+                    <a:pt x="0" y="1219200"/>
+                  </a:lnTo>
+                  <a:lnTo>
+                    <a:pt x="0" y="0"/>
+                  </a:lnTo>
+                  <a:close/>
+                </a:path>
+              </a:pathLst>
+            </a:custGeom>
+          </p:spPr>
+          <p:style>
+            <a:lnRef idx="0">
+              <a:schemeClr val="accent1">
+                <a:hueOff val="0"/>
+                <a:satOff val="0"/>
+                <a:lumOff val="0"/>
+                <a:alphaOff val="0"/>
+              </a:schemeClr>
+            </a:lnRef>
+            <a:fillRef idx="1">
+              <a:schemeClr val="accent1">
+                <a:shade val="80000"/>
+                <a:hueOff val="0"/>
+                <a:satOff val="0"/>
+                <a:lumOff val="0"/>
+                <a:alphaOff val="0"/>
+              </a:schemeClr>
+            </a:fillRef>
+            <a:effectRef idx="0">
+              <a:schemeClr val="accent1">
+                <a:shade val="80000"/>
+                <a:hueOff val="0"/>
+                <a:satOff val="0"/>
+                <a:lumOff val="0"/>
+                <a:alphaOff val="0"/>
+              </a:schemeClr>
+            </a:effectRef>
+            <a:fontRef idx="minor">
+              <a:schemeClr val="lt1">
+                <a:hueOff val="0"/>
+                <a:satOff val="0"/>
+                <a:lumOff val="0"/>
+                <a:alphaOff val="0"/>
+              </a:schemeClr>
+            </a:fontRef>
+          </p:style>
+          <p:txBody>
+            <a:bodyPr spcFirstLastPara="0" vert="horz" wrap="square" lIns="205740" tIns="205740" rIns="205740" bIns="205740" numCol="1" spcCol="1270" anchor="ctr" anchorCtr="0">
+              <a:noAutofit/>
+            </a:bodyPr>
+            <a:lstStyle/>
+            <a:p>
+              <a:pPr lvl="0" algn="ctr" defTabSz="2400300">
+                <a:lnSpc>
+                  <a:spcPct val="90000"/>
+                </a:lnSpc>
+                <a:spcBef>
+                  <a:spcPct val="0"/>
+                </a:spcBef>
+                <a:spcAft>
+                  <a:spcPct val="35000"/>
+                </a:spcAft>
+              </a:pPr>
+              <a:r>
+                <a:rPr lang="en-US" altLang="zh-CN" sz="4000" kern="1200" dirty="0" smtClean="0"/>
+                <a:t>Feature </a:t>
+              </a:r>
+              <a:r>
+                <a:rPr lang="en-US" altLang="zh-CN" sz="4000" dirty="0"/>
+                <a:t>lib</a:t>
+              </a:r>
+              <a:endParaRPr lang="zh-CN" altLang="en-US" sz="4000" kern="1200" dirty="0"/>
+            </a:p>
+          </p:txBody>
+        </p:sp>
+        <p:sp>
+          <p:nvSpPr>
+            <p:cNvPr id="5" name="任意多边形 4"/>
+            <p:cNvSpPr/>
+            <p:nvPr/>
+          </p:nvSpPr>
+          <p:spPr>
+            <a:xfrm>
+              <a:off x="1622648" y="1983904"/>
+              <a:ext cx="2030015" cy="2560320"/>
+            </a:xfrm>
+            <a:custGeom>
+              <a:avLst/>
+              <a:gdLst>
+                <a:gd name="connsiteX0" fmla="*/ 0 w 2030015"/>
+                <a:gd name="connsiteY0" fmla="*/ 0 h 2560320"/>
+                <a:gd name="connsiteX1" fmla="*/ 2030015 w 2030015"/>
+                <a:gd name="connsiteY1" fmla="*/ 0 h 2560320"/>
+                <a:gd name="connsiteX2" fmla="*/ 2030015 w 2030015"/>
+                <a:gd name="connsiteY2" fmla="*/ 2560320 h 2560320"/>
+                <a:gd name="connsiteX3" fmla="*/ 0 w 2030015"/>
+                <a:gd name="connsiteY3" fmla="*/ 2560320 h 2560320"/>
+                <a:gd name="connsiteX4" fmla="*/ 0 w 2030015"/>
+                <a:gd name="connsiteY4" fmla="*/ 0 h 2560320"/>
+              </a:gdLst>
+              <a:ahLst/>
+              <a:cxnLst>
+                <a:cxn ang="0">
+                  <a:pos x="connsiteX0" y="connsiteY0"/>
+                </a:cxn>
+                <a:cxn ang="0">
+                  <a:pos x="connsiteX1" y="connsiteY1"/>
+                </a:cxn>
+                <a:cxn ang="0">
+                  <a:pos x="connsiteX2" y="connsiteY2"/>
+                </a:cxn>
+                <a:cxn ang="0">
+                  <a:pos x="connsiteX3" y="connsiteY3"/>
+                </a:cxn>
+                <a:cxn ang="0">
+                  <a:pos x="connsiteX4" y="connsiteY4"/>
+                </a:cxn>
+              </a:cxnLst>
+              <a:rect l="l" t="t" r="r" b="b"/>
+              <a:pathLst>
+                <a:path w="2030015" h="2560320">
+                  <a:moveTo>
+                    <a:pt x="0" y="0"/>
+                  </a:moveTo>
+                  <a:lnTo>
+                    <a:pt x="2030015" y="0"/>
+                  </a:lnTo>
+                  <a:lnTo>
+                    <a:pt x="2030015" y="2560320"/>
+                  </a:lnTo>
+                  <a:lnTo>
+                    <a:pt x="0" y="2560320"/>
+                  </a:lnTo>
+                  <a:lnTo>
+                    <a:pt x="0" y="0"/>
+                  </a:lnTo>
+                  <a:close/>
+                </a:path>
+              </a:pathLst>
+            </a:custGeom>
+          </p:spPr>
+          <p:style>
+            <a:lnRef idx="2">
+              <a:schemeClr val="lt1">
+                <a:hueOff val="0"/>
+                <a:satOff val="0"/>
+                <a:lumOff val="0"/>
+                <a:alphaOff val="0"/>
+              </a:schemeClr>
+            </a:lnRef>
+            <a:fillRef idx="1">
+              <a:schemeClr val="accent1">
+                <a:hueOff val="0"/>
+                <a:satOff val="0"/>
+                <a:lumOff val="0"/>
+                <a:alphaOff val="0"/>
+              </a:schemeClr>
+            </a:fillRef>
+            <a:effectRef idx="0">
+              <a:schemeClr val="accent1">
+                <a:hueOff val="0"/>
+                <a:satOff val="0"/>
+                <a:lumOff val="0"/>
+                <a:alphaOff val="0"/>
+              </a:schemeClr>
+            </a:effectRef>
+            <a:fontRef idx="minor">
+              <a:schemeClr val="lt1"/>
+            </a:fontRef>
+          </p:style>
+          <p:txBody>
+            <a:bodyPr spcFirstLastPara="0" vert="horz" wrap="square" lIns="205740" tIns="205740" rIns="205740" bIns="205740" numCol="1" spcCol="1270" anchor="ctr" anchorCtr="0">
+              <a:noAutofit/>
+            </a:bodyPr>
+            <a:lstStyle/>
+            <a:p>
+              <a:pPr lvl="0" algn="ctr" defTabSz="2400300">
+                <a:lnSpc>
+                  <a:spcPct val="90000"/>
+                </a:lnSpc>
+                <a:spcBef>
+                  <a:spcPct val="0"/>
+                </a:spcBef>
+                <a:spcAft>
+                  <a:spcPct val="35000"/>
+                </a:spcAft>
+              </a:pPr>
+              <a:r>
+                <a:rPr lang="en-US" altLang="zh-CN" sz="3200" dirty="0" smtClean="0"/>
+                <a:t>Vehicle </a:t>
+              </a:r>
+              <a:endParaRPr lang="zh-CN" altLang="en-US" sz="3200" kern="1200" dirty="0"/>
+            </a:p>
+          </p:txBody>
+        </p:sp>
+        <p:sp>
+          <p:nvSpPr>
+            <p:cNvPr id="6" name="任意多边形 5"/>
+            <p:cNvSpPr/>
+            <p:nvPr/>
+          </p:nvSpPr>
+          <p:spPr>
+            <a:xfrm>
+              <a:off x="3652664" y="1983904"/>
+              <a:ext cx="2030015" cy="2560320"/>
+            </a:xfrm>
+            <a:custGeom>
+              <a:avLst/>
+              <a:gdLst>
+                <a:gd name="connsiteX0" fmla="*/ 0 w 2030015"/>
+                <a:gd name="connsiteY0" fmla="*/ 0 h 2560320"/>
+                <a:gd name="connsiteX1" fmla="*/ 2030015 w 2030015"/>
+                <a:gd name="connsiteY1" fmla="*/ 0 h 2560320"/>
+                <a:gd name="connsiteX2" fmla="*/ 2030015 w 2030015"/>
+                <a:gd name="connsiteY2" fmla="*/ 2560320 h 2560320"/>
+                <a:gd name="connsiteX3" fmla="*/ 0 w 2030015"/>
+                <a:gd name="connsiteY3" fmla="*/ 2560320 h 2560320"/>
+                <a:gd name="connsiteX4" fmla="*/ 0 w 2030015"/>
+                <a:gd name="connsiteY4" fmla="*/ 0 h 2560320"/>
+              </a:gdLst>
+              <a:ahLst/>
+              <a:cxnLst>
+                <a:cxn ang="0">
+                  <a:pos x="connsiteX0" y="connsiteY0"/>
+                </a:cxn>
+                <a:cxn ang="0">
+                  <a:pos x="connsiteX1" y="connsiteY1"/>
+                </a:cxn>
+                <a:cxn ang="0">
+                  <a:pos x="connsiteX2" y="connsiteY2"/>
+                </a:cxn>
+                <a:cxn ang="0">
+                  <a:pos x="connsiteX3" y="connsiteY3"/>
+                </a:cxn>
+                <a:cxn ang="0">
+                  <a:pos x="connsiteX4" y="connsiteY4"/>
+                </a:cxn>
+              </a:cxnLst>
+              <a:rect l="l" t="t" r="r" b="b"/>
+              <a:pathLst>
+                <a:path w="2030015" h="2560320">
+                  <a:moveTo>
+                    <a:pt x="0" y="0"/>
+                  </a:moveTo>
+                  <a:lnTo>
+                    <a:pt x="2030015" y="0"/>
+                  </a:lnTo>
+                  <a:lnTo>
+                    <a:pt x="2030015" y="2560320"/>
+                  </a:lnTo>
+                  <a:lnTo>
+                    <a:pt x="0" y="2560320"/>
+                  </a:lnTo>
+                  <a:lnTo>
+                    <a:pt x="0" y="0"/>
+                  </a:lnTo>
+                  <a:close/>
+                </a:path>
+              </a:pathLst>
+            </a:custGeom>
+          </p:spPr>
+          <p:style>
+            <a:lnRef idx="2">
+              <a:schemeClr val="lt1">
+                <a:hueOff val="0"/>
+                <a:satOff val="0"/>
+                <a:lumOff val="0"/>
+                <a:alphaOff val="0"/>
+              </a:schemeClr>
+            </a:lnRef>
+            <a:fillRef idx="1">
+              <a:schemeClr val="accent1">
+                <a:hueOff val="0"/>
+                <a:satOff val="0"/>
+                <a:lumOff val="0"/>
+                <a:alphaOff val="0"/>
+              </a:schemeClr>
+            </a:fillRef>
+            <a:effectRef idx="0">
+              <a:schemeClr val="accent1">
+                <a:hueOff val="0"/>
+                <a:satOff val="0"/>
+                <a:lumOff val="0"/>
+                <a:alphaOff val="0"/>
+              </a:schemeClr>
+            </a:effectRef>
+            <a:fontRef idx="minor">
+              <a:schemeClr val="lt1"/>
+            </a:fontRef>
+          </p:style>
+          <p:txBody>
+            <a:bodyPr spcFirstLastPara="0" vert="horz" wrap="square" lIns="205740" tIns="205740" rIns="205740" bIns="205740" numCol="1" spcCol="1270" anchor="ctr" anchorCtr="0">
+              <a:noAutofit/>
+            </a:bodyPr>
+            <a:lstStyle/>
+            <a:p>
+              <a:pPr lvl="0" algn="ctr" defTabSz="2400300">
+                <a:lnSpc>
+                  <a:spcPct val="90000"/>
+                </a:lnSpc>
+                <a:spcBef>
+                  <a:spcPct val="0"/>
+                </a:spcBef>
+                <a:spcAft>
+                  <a:spcPct val="35000"/>
+                </a:spcAft>
+              </a:pPr>
+              <a:r>
+                <a:rPr lang="en-US" altLang="zh-CN" sz="3200" kern="1200" dirty="0" smtClean="0"/>
+                <a:t>Braking mark </a:t>
+              </a:r>
+              <a:endParaRPr lang="zh-CN" altLang="en-US" sz="3200" kern="1200" dirty="0"/>
+            </a:p>
+          </p:txBody>
+        </p:sp>
+        <p:sp>
+          <p:nvSpPr>
+            <p:cNvPr id="7" name="任意多边形 6"/>
+            <p:cNvSpPr/>
+            <p:nvPr/>
+          </p:nvSpPr>
+          <p:spPr>
+            <a:xfrm>
+              <a:off x="5682679" y="1983904"/>
+              <a:ext cx="2030015" cy="2560320"/>
+            </a:xfrm>
+            <a:custGeom>
+              <a:avLst/>
+              <a:gdLst>
+                <a:gd name="connsiteX0" fmla="*/ 0 w 2030015"/>
+                <a:gd name="connsiteY0" fmla="*/ 0 h 2560320"/>
+                <a:gd name="connsiteX1" fmla="*/ 2030015 w 2030015"/>
+                <a:gd name="connsiteY1" fmla="*/ 0 h 2560320"/>
+                <a:gd name="connsiteX2" fmla="*/ 2030015 w 2030015"/>
+                <a:gd name="connsiteY2" fmla="*/ 2560320 h 2560320"/>
+                <a:gd name="connsiteX3" fmla="*/ 0 w 2030015"/>
+                <a:gd name="connsiteY3" fmla="*/ 2560320 h 2560320"/>
+                <a:gd name="connsiteX4" fmla="*/ 0 w 2030015"/>
+                <a:gd name="connsiteY4" fmla="*/ 0 h 2560320"/>
+              </a:gdLst>
+              <a:ahLst/>
+              <a:cxnLst>
+                <a:cxn ang="0">
+                  <a:pos x="connsiteX0" y="connsiteY0"/>
+                </a:cxn>
+                <a:cxn ang="0">
+                  <a:pos x="connsiteX1" y="connsiteY1"/>
+                </a:cxn>
+                <a:cxn ang="0">
+                  <a:pos x="connsiteX2" y="connsiteY2"/>
+                </a:cxn>
+                <a:cxn ang="0">
+                  <a:pos x="connsiteX3" y="connsiteY3"/>
+                </a:cxn>
+                <a:cxn ang="0">
+                  <a:pos x="connsiteX4" y="connsiteY4"/>
+                </a:cxn>
+              </a:cxnLst>
+              <a:rect l="l" t="t" r="r" b="b"/>
+              <a:pathLst>
+                <a:path w="2030015" h="2560320">
+                  <a:moveTo>
+                    <a:pt x="0" y="0"/>
+                  </a:moveTo>
+                  <a:lnTo>
+                    <a:pt x="2030015" y="0"/>
+                  </a:lnTo>
+                  <a:lnTo>
+                    <a:pt x="2030015" y="2560320"/>
+                  </a:lnTo>
+                  <a:lnTo>
+                    <a:pt x="0" y="2560320"/>
+                  </a:lnTo>
+                  <a:lnTo>
+                    <a:pt x="0" y="0"/>
+                  </a:lnTo>
+                  <a:close/>
+                </a:path>
+              </a:pathLst>
+            </a:custGeom>
+          </p:spPr>
+          <p:style>
+            <a:lnRef idx="2">
+              <a:schemeClr val="lt1">
+                <a:hueOff val="0"/>
+                <a:satOff val="0"/>
+                <a:lumOff val="0"/>
+                <a:alphaOff val="0"/>
+              </a:schemeClr>
+            </a:lnRef>
+            <a:fillRef idx="1">
+              <a:schemeClr val="accent1">
+                <a:hueOff val="0"/>
+                <a:satOff val="0"/>
+                <a:lumOff val="0"/>
+                <a:alphaOff val="0"/>
+              </a:schemeClr>
+            </a:fillRef>
+            <a:effectRef idx="0">
+              <a:schemeClr val="accent1">
+                <a:hueOff val="0"/>
+                <a:satOff val="0"/>
+                <a:lumOff val="0"/>
+                <a:alphaOff val="0"/>
+              </a:schemeClr>
+            </a:effectRef>
+            <a:fontRef idx="minor">
+              <a:schemeClr val="lt1"/>
+            </a:fontRef>
+          </p:style>
+          <p:txBody>
+            <a:bodyPr spcFirstLastPara="0" vert="horz" wrap="square" lIns="205740" tIns="205740" rIns="205740" bIns="205740" numCol="1" spcCol="1270" anchor="ctr" anchorCtr="0">
+              <a:noAutofit/>
+            </a:bodyPr>
+            <a:lstStyle/>
+            <a:p>
+              <a:pPr lvl="0" algn="ctr" defTabSz="2400300">
+                <a:lnSpc>
+                  <a:spcPct val="90000"/>
+                </a:lnSpc>
+                <a:spcBef>
+                  <a:spcPct val="0"/>
+                </a:spcBef>
+                <a:spcAft>
+                  <a:spcPct val="35000"/>
+                </a:spcAft>
+              </a:pPr>
+              <a:r>
+                <a:rPr lang="en-US" altLang="zh-CN" sz="3200" kern="1200" dirty="0" smtClean="0"/>
+                <a:t>Etc. …</a:t>
+              </a:r>
+              <a:endParaRPr lang="zh-CN" altLang="en-US" sz="3200" kern="1200" dirty="0"/>
+            </a:p>
+          </p:txBody>
+        </p:sp>
+      </p:grpSp>
+    </p:spTree>
+    <p:extLst>
+      <p:ext uri="{BB962C8B-B14F-4D97-AF65-F5344CB8AC3E}">
+        <p14:creationId xmlns:p14="http://schemas.microsoft.com/office/powerpoint/2010/main" val="1128039581"/>
+      </p:ext>
+    </p:extLst>
+  </p:cSld>
+  <p:clrMapOvr>
+    <a:masterClrMapping/>
+  </p:clrMapOvr>
+  <p:transition spd="slow">
+    <p:push dir="u"/>
+  </p:transition>
+  <p:timing>
+    <p:tnLst>
+      <p:par>
+        <p:cTn id="1" dur="indefinite" restart="never" nodeType="tmRoot"/>
+      </p:par>
+    </p:tnLst>
+  </p:timing>
+</p:sld>
+</file>
+
+<file path=ppt/slides/slide4.xml><?xml version="1.0" encoding="utf-8"?>
+<p:sld xmlns:a="http://schemas.openxmlformats.org/drawingml/2006/main" xmlns:r="http://schemas.openxmlformats.org/officeDocument/2006/relationships" xmlns:p="http://schemas.openxmlformats.org/presentationml/2006/main">
+  <p:cSld>
+    <p:spTree>
+      <p:nvGrpSpPr>
+        <p:cNvPr id="1" name=""/>
+        <p:cNvGrpSpPr/>
+        <p:nvPr/>
+      </p:nvGrpSpPr>
+      <p:grpSpPr>
+        <a:xfrm>
+          <a:off x="0" y="0"/>
+          <a:ext cx="0" cy="0"/>
+          <a:chOff x="0" y="0"/>
+          <a:chExt cx="0" cy="0"/>
+        </a:xfrm>
+      </p:grpSpPr>
+      <p:sp>
+        <p:nvSpPr>
+          <p:cNvPr id="2" name="TextBox 1"/>
+          <p:cNvSpPr txBox="1"/>
+          <p:nvPr/>
+        </p:nvSpPr>
+        <p:spPr>
+          <a:xfrm>
+            <a:off x="467544" y="404664"/>
+            <a:ext cx="4570482" cy="338554"/>
+          </a:xfrm>
+          <a:prstGeom prst="rect">
+            <a:avLst/>
+          </a:prstGeom>
+          <a:noFill/>
+        </p:spPr>
+        <p:txBody>
+          <a:bodyPr wrap="none" rtlCol="0">
+            <a:spAutoFit/>
+          </a:bodyPr>
+          <a:lstStyle/>
+          <a:p>
+            <a:r>
+              <a:rPr lang="zh-CN" altLang="en-US" sz="1600" spc="300" dirty="0">
+                <a:solidFill>
+                  <a:schemeClr val="bg1">
+                    <a:lumMod val="50000"/>
+                  </a:schemeClr>
+                </a:solidFill>
+                <a:latin typeface="微软雅黑" pitchFamily="34" charset="-122"/>
+                <a:ea typeface="微软雅黑" pitchFamily="34" charset="-122"/>
+              </a:rPr>
+              <a:t>基于计算机视觉的道路交通事故现场测量</a:t>
+            </a:r>
+          </a:p>
+        </p:txBody>
+      </p:sp>
+    </p:spTree>
+    <p:extLst>
+      <p:ext uri="{BB962C8B-B14F-4D97-AF65-F5344CB8AC3E}">
+        <p14:creationId xmlns:p14="http://schemas.microsoft.com/office/powerpoint/2010/main" val="3528787307"/>
+      </p:ext>
+    </p:extLst>
+  </p:cSld>
+  <p:clrMapOvr>
+    <a:masterClrMapping/>
+  </p:clrMapOvr>
+  <p:timing>
+    <p:tnLst>
+      <p:par>
+        <p:cTn id="1" dur="indefinite" restart="never" nodeType="tmRoot"/>
+      </p:par>
+    </p:tnLst>
+  </p:timing>
 </p:sld>
 </file>
 
 <file path=ppt/theme/theme1.xml><?xml version="1.0" encoding="utf-8"?>
-<a:theme xmlns:a="http://schemas.openxmlformats.org/drawingml/2006/main" name="Office 主题">
+<a:theme xmlns:a="http://schemas.openxmlformats.org/drawingml/2006/main" name="都市">
+  <a:themeElements>
+    <a:clrScheme name="都市">
+      <a:dk1>
+        <a:sysClr val="windowText" lastClr="000000"/>
+      </a:dk1>
+      <a:lt1>
+        <a:sysClr val="window" lastClr="FFFFFF"/>
+      </a:lt1>
+      <a:dk2>
+        <a:srgbClr val="424456"/>
+      </a:dk2>
+      <a:lt2>
+        <a:srgbClr val="DEDEDE"/>
+      </a:lt2>
+      <a:accent1>
+        <a:srgbClr val="53548A"/>
+      </a:accent1>
+      <a:accent2>
+        <a:srgbClr val="438086"/>
+      </a:accent2>
+      <a:accent3>
+        <a:srgbClr val="A04DA3"/>
+      </a:accent3>
+      <a:accent4>
+        <a:srgbClr val="C4652D"/>
+      </a:accent4>
+      <a:accent5>
+        <a:srgbClr val="8B5D3D"/>
+      </a:accent5>
+      <a:accent6>
+        <a:srgbClr val="5C92B5"/>
+      </a:accent6>
+      <a:hlink>
+        <a:srgbClr val="67AFBD"/>
+      </a:hlink>
+      <a:folHlink>
+        <a:srgbClr val="C2A874"/>
+      </a:folHlink>
+    </a:clrScheme>
+    <a:fontScheme name="都市">
+      <a:majorFont>
+        <a:latin typeface="Trebuchet MS"/>
+        <a:ea typeface=""/>
+        <a:cs typeface=""/>
+        <a:font script="Jpan" typeface="HGｺﾞｼｯｸM"/>
+        <a:font script="Hang" typeface="맑은 고딕"/>
+        <a:font script="Hans" typeface="方正姚体"/>
+        <a:font script="Hant" typeface="微軟正黑體"/>
+        <a:font script="Arab" typeface="Tahoma"/>
+        <a:font script="Hebr" typeface="Arial"/>
+        <a:font script="Thai" typeface="Cordia New"/>
+        <a:font script="Ethi" typeface="Nyala"/>
+        <a:font script="Beng" typeface="Vrinda"/>
+        <a:font script="Gujr" typeface="Shruti"/>
+        <a:font script="Khmr" typeface="DaunPenh"/>
+        <a:font script="Knda" typeface="Tunga"/>
+        <a:font script="Guru" typeface="Raavi"/>
+        <a:font script="Cans" typeface="Euphemia"/>
+        <a:font script="Cher" typeface="Plantagenet Cherokee"/>
+        <a:font script="Yiii" typeface="Microsoft Yi Baiti"/>
+        <a:font script="Tibt" typeface="Microsoft Himalaya"/>
+        <a:font script="Thaa" typeface="MV Boli"/>
+        <a:font script="Deva" typeface="Mangal"/>
+        <a:font script="Telu" typeface="Gautami"/>
+        <a:font script="Taml" typeface="Latha"/>
+        <a:font script="Syrc" typeface="Estrangelo Edessa"/>
+        <a:font script="Orya" typeface="Kalinga"/>
+        <a:font script="Mlym" typeface="Kartika"/>
+        <a:font script="Laoo" typeface="DokChampa"/>
+        <a:font script="Sinh" typeface="Iskoola Pota"/>
+        <a:font script="Mong" typeface="Mongolian Baiti"/>
+        <a:font script="Viet" typeface="Tahoma"/>
+        <a:font script="Uigh" typeface="Microsoft Uighur"/>
+        <a:font script="Geor" typeface="Sylfaen"/>
+      </a:majorFont>
+      <a:minorFont>
+        <a:latin typeface="Georgia"/>
+        <a:ea typeface=""/>
+        <a:cs typeface=""/>
+        <a:font script="Jpan" typeface="HG明朝B"/>
+        <a:font script="Hang" typeface="맑은 고딕"/>
+        <a:font script="Hans" typeface="宋体"/>
+        <a:font script="Hant" typeface="新細明體"/>
+        <a:font script="Arab" typeface="Arial"/>
+        <a:font script="Hebr" typeface="Times New Roman"/>
+        <a:font script="Thai" typeface="Angsana New"/>
+        <a:font script="Ethi" typeface="Nyala"/>
+        <a:font script="Beng" typeface="Vrinda"/>
+        <a:font script="Gujr" typeface="Shruti"/>
+        <a:font script="Khmr" typeface="MoolBoran"/>
+        <a:font script="Knda" typeface="Tunga"/>
+        <a:font script="Guru" typeface="Raavi"/>
+        <a:font script="Cans" typeface="Euphemia"/>
+        <a:font script="Cher" typeface="Plantagenet Cherokee"/>
+        <a:font script="Yiii" typeface="Microsoft Yi Baiti"/>
+        <a:font script="Tibt" typeface="Microsoft Himalaya"/>
+        <a:font script="Thaa" typeface="MV Boli"/>
+        <a:font script="Deva" typeface="Mangal"/>
+        <a:font script="Telu" typeface="Gautami"/>
+        <a:font script="Taml" typeface="Latha"/>
+        <a:font script="Syrc" typeface="Estrangelo Edessa"/>
+        <a:font script="Orya" typeface="Kalinga"/>
+        <a:font script="Mlym" typeface="Kartika"/>
+        <a:font script="Laoo" typeface="DokChampa"/>
+        <a:font script="Sinh" typeface="Iskoola Pota"/>
+        <a:font script="Mong" typeface="Mongolian Baiti"/>
+        <a:font script="Viet" typeface="Times New Roman"/>
+        <a:font script="Uigh" typeface="Microsoft Uighur"/>
+        <a:font script="Geor" typeface="Sylfaen"/>
+      </a:minorFont>
+    </a:fontScheme>
+    <a:fmtScheme name="都市">
+      <a:fillStyleLst>
+        <a:solidFill>
+          <a:schemeClr val="phClr"/>
+        </a:solidFill>
+        <a:gradFill rotWithShape="1">
+          <a:gsLst>
+            <a:gs pos="0">
+              <a:schemeClr val="phClr">
+                <a:tint val="1000"/>
+                <a:satMod val="255000"/>
+              </a:schemeClr>
+            </a:gs>
+            <a:gs pos="55000">
+              <a:schemeClr val="phClr">
+                <a:tint val="12000"/>
+                <a:satMod val="255000"/>
+              </a:schemeClr>
+            </a:gs>
+            <a:gs pos="100000">
+              <a:schemeClr val="phClr">
+                <a:tint val="45000"/>
+                <a:satMod val="250000"/>
+              </a:schemeClr>
+            </a:gs>
+          </a:gsLst>
+          <a:path path="circle">
+            <a:fillToRect l="-40000" t="-90000" r="140000" b="190000"/>
+          </a:path>
+        </a:gradFill>
+        <a:gradFill rotWithShape="1">
+          <a:gsLst>
+            <a:gs pos="0">
+              <a:schemeClr val="phClr">
+                <a:tint val="43000"/>
+                <a:satMod val="165000"/>
+              </a:schemeClr>
+            </a:gs>
+            <a:gs pos="55000">
+              <a:schemeClr val="phClr">
+                <a:tint val="83000"/>
+                <a:satMod val="155000"/>
+              </a:schemeClr>
+            </a:gs>
+            <a:gs pos="100000">
+              <a:schemeClr val="phClr">
+                <a:shade val="85000"/>
+              </a:schemeClr>
+            </a:gs>
+          </a:gsLst>
+          <a:path path="circle">
+            <a:fillToRect l="-40000" t="-90000" r="140000" b="190000"/>
+          </a:path>
+        </a:gradFill>
+      </a:fillStyleLst>
+      <a:lnStyleLst>
+        <a:ln w="9525" cap="flat" cmpd="sng" algn="ctr">
+          <a:solidFill>
+            <a:schemeClr val="phClr"/>
+          </a:solidFill>
+          <a:prstDash val="solid"/>
+        </a:ln>
+        <a:ln w="19050" cap="flat" cmpd="sng" algn="ctr">
+          <a:solidFill>
+            <a:schemeClr val="phClr"/>
+          </a:solidFill>
+          <a:prstDash val="solid"/>
+        </a:ln>
+        <a:ln w="31750" cap="flat" cmpd="sng" algn="ctr">
+          <a:solidFill>
+            <a:schemeClr val="phClr"/>
+          </a:solidFill>
+          <a:prstDash val="solid"/>
+        </a:ln>
+      </a:lnStyleLst>
+      <a:effectStyleLst>
+        <a:effectStyle>
+          <a:effectLst>
+            <a:outerShdw blurRad="51500" dist="25400" dir="5400000" rotWithShape="0">
+              <a:srgbClr val="000000">
+                <a:alpha val="40000"/>
+              </a:srgbClr>
+            </a:outerShdw>
+          </a:effectLst>
+        </a:effectStyle>
+        <a:effectStyle>
+          <a:effectLst>
+            <a:outerShdw blurRad="50800" dist="25400" dir="5400000" rotWithShape="0">
+              <a:srgbClr val="000000">
+                <a:alpha val="45000"/>
+              </a:srgbClr>
+            </a:outerShdw>
+          </a:effectLst>
+        </a:effectStyle>
+        <a:effectStyle>
+          <a:effectLst>
+            <a:outerShdw blurRad="50800" dist="25400" dir="5400000" rotWithShape="0">
+              <a:srgbClr val="000000">
+                <a:alpha val="45000"/>
+              </a:srgbClr>
+            </a:outerShdw>
+          </a:effectLst>
+          <a:scene3d>
+            <a:camera prst="orthographicFront" fov="0">
+              <a:rot lat="0" lon="0" rev="0"/>
+            </a:camera>
+            <a:lightRig rig="flat" dir="t">
+              <a:rot lat="0" lon="0" rev="20040000"/>
+            </a:lightRig>
+          </a:scene3d>
+          <a:sp3d contourW="12700" prstMaterial="dkEdge">
+            <a:bevelT w="25400" h="38100" prst="convex"/>
+            <a:contourClr>
+              <a:schemeClr val="phClr">
+                <a:satMod val="115000"/>
+              </a:schemeClr>
+            </a:contourClr>
+          </a:sp3d>
+        </a:effectStyle>
+      </a:effectStyleLst>
+      <a:bgFillStyleLst>
+        <a:solidFill>
+          <a:schemeClr val="phClr"/>
+        </a:solidFill>
+        <a:gradFill rotWithShape="1">
+          <a:gsLst>
+            <a:gs pos="100000">
+              <a:schemeClr val="phClr">
+                <a:tint val="80000"/>
+                <a:satMod val="250000"/>
+              </a:schemeClr>
+            </a:gs>
+            <a:gs pos="60000">
+              <a:schemeClr val="phClr">
+                <a:shade val="38000"/>
+                <a:satMod val="175000"/>
+              </a:schemeClr>
+            </a:gs>
+            <a:gs pos="0">
+              <a:schemeClr val="phClr">
+                <a:shade val="30000"/>
+                <a:satMod val="175000"/>
+              </a:schemeClr>
+            </a:gs>
+          </a:gsLst>
+          <a:lin ang="5400000" scaled="0"/>
+        </a:gradFill>
+        <a:blipFill>
+          <a:blip xmlns:r="http://schemas.openxmlformats.org/officeDocument/2006/relationships" r:embed="rId1">
+            <a:duotone>
+              <a:schemeClr val="phClr">
+                <a:shade val="48000"/>
+              </a:schemeClr>
+              <a:schemeClr val="phClr">
+                <a:tint val="96000"/>
+                <a:satMod val="150000"/>
+              </a:schemeClr>
+            </a:duotone>
+          </a:blip>
+          <a:tile tx="0" ty="0" sx="80000" sy="80000" flip="none" algn="tl"/>
+        </a:blipFill>
+      </a:bgFillStyleLst>
+    </a:fmtScheme>
+  </a:themeElements>
+  <a:objectDefaults/>
+  <a:extraClrSchemeLst/>
+</a:theme>
+</file>
+
+<file path=ppt/theme/theme2.xml><?xml version="1.0" encoding="utf-8"?>
+<a:theme xmlns:a="http://schemas.openxmlformats.org/drawingml/2006/main" name="Office 主题​​">
   <a:themeElements>
     <a:clrScheme name="Office">
       <a:dk1>
@@ -3123,6 +8913,7 @@
         <a:font script="Mong" typeface="Mongolian Baiti"/>
         <a:font script="Viet" typeface="Times New Roman"/>
         <a:font script="Uigh" typeface="Microsoft Uighur"/>
+        <a:font script="Geor" typeface="Sylfaen"/>
       </a:majorFont>
       <a:minorFont>
         <a:latin typeface="Calibri"/>
@@ -3157,6 +8948,7 @@
         <a:font script="Mong" typeface="Mongolian Baiti"/>
         <a:font script="Viet" typeface="Arial"/>
         <a:font script="Uigh" typeface="Microsoft Uighur"/>
+        <a:font script="Geor" typeface="Sylfaen"/>
       </a:minorFont>
     </a:fontScheme>
     <a:fmtScheme name="Office">

--- a/doc/项目架构.pptx
+++ b/doc/项目架构.pptx
@@ -133,6 +133,6334 @@
     </p:ext>
   </p:extLst>
 </p:presentation>
+</file>
+
+<file path=ppt/diagrams/colors1.xml><?xml version="1.0" encoding="utf-8"?>
+<dgm:colorsDef xmlns:dgm="http://schemas.openxmlformats.org/drawingml/2006/diagram" xmlns:a="http://schemas.openxmlformats.org/drawingml/2006/main" uniqueId="urn:microsoft.com/office/officeart/2005/8/colors/accent1_2">
+  <dgm:title val=""/>
+  <dgm:desc val=""/>
+  <dgm:catLst>
+    <dgm:cat type="accent1" pri="11200"/>
+  </dgm:catLst>
+  <dgm:styleLbl name="node0">
+    <dgm:fillClrLst meth="repeat">
+      <a:schemeClr val="accent1"/>
+    </dgm:fillClrLst>
+    <dgm:linClrLst meth="repeat">
+      <a:schemeClr val="lt1"/>
+    </dgm:linClrLst>
+    <dgm:effectClrLst/>
+    <dgm:txLinClrLst/>
+    <dgm:txFillClrLst/>
+    <dgm:txEffectClrLst/>
+  </dgm:styleLbl>
+  <dgm:styleLbl name="alignNode1">
+    <dgm:fillClrLst meth="repeat">
+      <a:schemeClr val="accent1"/>
+    </dgm:fillClrLst>
+    <dgm:linClrLst meth="repeat">
+      <a:schemeClr val="accent1"/>
+    </dgm:linClrLst>
+    <dgm:effectClrLst/>
+    <dgm:txLinClrLst/>
+    <dgm:txFillClrLst/>
+    <dgm:txEffectClrLst/>
+  </dgm:styleLbl>
+  <dgm:styleLbl name="node1">
+    <dgm:fillClrLst meth="repeat">
+      <a:schemeClr val="accent1"/>
+    </dgm:fillClrLst>
+    <dgm:linClrLst meth="repeat">
+      <a:schemeClr val="lt1"/>
+    </dgm:linClrLst>
+    <dgm:effectClrLst/>
+    <dgm:txLinClrLst/>
+    <dgm:txFillClrLst/>
+    <dgm:txEffectClrLst/>
+  </dgm:styleLbl>
+  <dgm:styleLbl name="lnNode1">
+    <dgm:fillClrLst meth="repeat">
+      <a:schemeClr val="accent1"/>
+    </dgm:fillClrLst>
+    <dgm:linClrLst meth="repeat">
+      <a:schemeClr val="lt1"/>
+    </dgm:linClrLst>
+    <dgm:effectClrLst/>
+    <dgm:txLinClrLst/>
+    <dgm:txFillClrLst/>
+    <dgm:txEffectClrLst/>
+  </dgm:styleLbl>
+  <dgm:styleLbl name="vennNode1">
+    <dgm:fillClrLst meth="repeat">
+      <a:schemeClr val="accent1">
+        <a:alpha val="50000"/>
+      </a:schemeClr>
+    </dgm:fillClrLst>
+    <dgm:linClrLst meth="repeat">
+      <a:schemeClr val="lt1"/>
+    </dgm:linClrLst>
+    <dgm:effectClrLst/>
+    <dgm:txLinClrLst/>
+    <dgm:txFillClrLst/>
+    <dgm:txEffectClrLst/>
+  </dgm:styleLbl>
+  <dgm:styleLbl name="node2">
+    <dgm:fillClrLst meth="repeat">
+      <a:schemeClr val="accent1"/>
+    </dgm:fillClrLst>
+    <dgm:linClrLst meth="repeat">
+      <a:schemeClr val="lt1"/>
+    </dgm:linClrLst>
+    <dgm:effectClrLst/>
+    <dgm:txLinClrLst/>
+    <dgm:txFillClrLst/>
+    <dgm:txEffectClrLst/>
+  </dgm:styleLbl>
+  <dgm:styleLbl name="node3">
+    <dgm:fillClrLst meth="repeat">
+      <a:schemeClr val="accent1"/>
+    </dgm:fillClrLst>
+    <dgm:linClrLst meth="repeat">
+      <a:schemeClr val="lt1"/>
+    </dgm:linClrLst>
+    <dgm:effectClrLst/>
+    <dgm:txLinClrLst/>
+    <dgm:txFillClrLst/>
+    <dgm:txEffectClrLst/>
+  </dgm:styleLbl>
+  <dgm:styleLbl name="node4">
+    <dgm:fillClrLst meth="repeat">
+      <a:schemeClr val="accent1"/>
+    </dgm:fillClrLst>
+    <dgm:linClrLst meth="repeat">
+      <a:schemeClr val="lt1"/>
+    </dgm:linClrLst>
+    <dgm:effectClrLst/>
+    <dgm:txLinClrLst/>
+    <dgm:txFillClrLst/>
+    <dgm:txEffectClrLst/>
+  </dgm:styleLbl>
+  <dgm:styleLbl name="fgImgPlace1">
+    <dgm:fillClrLst meth="repeat">
+      <a:schemeClr val="accent1">
+        <a:tint val="50000"/>
+      </a:schemeClr>
+    </dgm:fillClrLst>
+    <dgm:linClrLst meth="repeat">
+      <a:schemeClr val="lt1"/>
+    </dgm:linClrLst>
+    <dgm:effectClrLst/>
+    <dgm:txLinClrLst/>
+    <dgm:txFillClrLst meth="repeat">
+      <a:schemeClr val="lt1"/>
+    </dgm:txFillClrLst>
+    <dgm:txEffectClrLst/>
+  </dgm:styleLbl>
+  <dgm:styleLbl name="alignImgPlace1">
+    <dgm:fillClrLst meth="repeat">
+      <a:schemeClr val="accent1">
+        <a:tint val="50000"/>
+      </a:schemeClr>
+    </dgm:fillClrLst>
+    <dgm:linClrLst meth="repeat">
+      <a:schemeClr val="lt1"/>
+    </dgm:linClrLst>
+    <dgm:effectClrLst/>
+    <dgm:txLinClrLst/>
+    <dgm:txFillClrLst meth="repeat">
+      <a:schemeClr val="lt1"/>
+    </dgm:txFillClrLst>
+    <dgm:txEffectClrLst/>
+  </dgm:styleLbl>
+  <dgm:styleLbl name="bgImgPlace1">
+    <dgm:fillClrLst meth="repeat">
+      <a:schemeClr val="accent1">
+        <a:tint val="50000"/>
+      </a:schemeClr>
+    </dgm:fillClrLst>
+    <dgm:linClrLst meth="repeat">
+      <a:schemeClr val="lt1"/>
+    </dgm:linClrLst>
+    <dgm:effectClrLst/>
+    <dgm:txLinClrLst/>
+    <dgm:txFillClrLst meth="repeat">
+      <a:schemeClr val="lt1"/>
+    </dgm:txFillClrLst>
+    <dgm:txEffectClrLst/>
+  </dgm:styleLbl>
+  <dgm:styleLbl name="sibTrans2D1">
+    <dgm:fillClrLst meth="repeat">
+      <a:schemeClr val="accent1">
+        <a:tint val="60000"/>
+      </a:schemeClr>
+    </dgm:fillClrLst>
+    <dgm:linClrLst meth="repeat">
+      <a:schemeClr val="accent1">
+        <a:tint val="60000"/>
+      </a:schemeClr>
+    </dgm:linClrLst>
+    <dgm:effectClrLst/>
+    <dgm:txLinClrLst/>
+    <dgm:txFillClrLst/>
+    <dgm:txEffectClrLst/>
+  </dgm:styleLbl>
+  <dgm:styleLbl name="fgSibTrans2D1">
+    <dgm:fillClrLst meth="repeat">
+      <a:schemeClr val="accent1">
+        <a:tint val="60000"/>
+      </a:schemeClr>
+    </dgm:fillClrLst>
+    <dgm:linClrLst meth="repeat">
+      <a:schemeClr val="accent1">
+        <a:tint val="60000"/>
+      </a:schemeClr>
+    </dgm:linClrLst>
+    <dgm:effectClrLst/>
+    <dgm:txLinClrLst/>
+    <dgm:txFillClrLst/>
+    <dgm:txEffectClrLst/>
+  </dgm:styleLbl>
+  <dgm:styleLbl name="bgSibTrans2D1">
+    <dgm:fillClrLst meth="repeat">
+      <a:schemeClr val="accent1">
+        <a:tint val="60000"/>
+      </a:schemeClr>
+    </dgm:fillClrLst>
+    <dgm:linClrLst meth="repeat">
+      <a:schemeClr val="accent1">
+        <a:tint val="60000"/>
+      </a:schemeClr>
+    </dgm:linClrLst>
+    <dgm:effectClrLst/>
+    <dgm:txLinClrLst/>
+    <dgm:txFillClrLst/>
+    <dgm:txEffectClrLst/>
+  </dgm:styleLbl>
+  <dgm:styleLbl name="sibTrans1D1">
+    <dgm:fillClrLst meth="repeat">
+      <a:schemeClr val="accent1"/>
+    </dgm:fillClrLst>
+    <dgm:linClrLst meth="repeat">
+      <a:schemeClr val="accent1"/>
+    </dgm:linClrLst>
+    <dgm:effectClrLst/>
+    <dgm:txLinClrLst/>
+    <dgm:txFillClrLst meth="repeat">
+      <a:schemeClr val="tx1"/>
+    </dgm:txFillClrLst>
+    <dgm:txEffectClrLst/>
+  </dgm:styleLbl>
+  <dgm:styleLbl name="callout">
+    <dgm:fillClrLst meth="repeat">
+      <a:schemeClr val="accent1"/>
+    </dgm:fillClrLst>
+    <dgm:linClrLst meth="repeat">
+      <a:schemeClr val="accent1">
+        <a:tint val="50000"/>
+      </a:schemeClr>
+    </dgm:linClrLst>
+    <dgm:effectClrLst/>
+    <dgm:txLinClrLst/>
+    <dgm:txFillClrLst meth="repeat">
+      <a:schemeClr val="tx1"/>
+    </dgm:txFillClrLst>
+    <dgm:txEffectClrLst/>
+  </dgm:styleLbl>
+  <dgm:styleLbl name="asst0">
+    <dgm:fillClrLst meth="repeat">
+      <a:schemeClr val="accent1"/>
+    </dgm:fillClrLst>
+    <dgm:linClrLst meth="repeat">
+      <a:schemeClr val="lt1"/>
+    </dgm:linClrLst>
+    <dgm:effectClrLst/>
+    <dgm:txLinClrLst/>
+    <dgm:txFillClrLst/>
+    <dgm:txEffectClrLst/>
+  </dgm:styleLbl>
+  <dgm:styleLbl name="asst1">
+    <dgm:fillClrLst meth="repeat">
+      <a:schemeClr val="accent1"/>
+    </dgm:fillClrLst>
+    <dgm:linClrLst meth="repeat">
+      <a:schemeClr val="lt1"/>
+    </dgm:linClrLst>
+    <dgm:effectClrLst/>
+    <dgm:txLinClrLst/>
+    <dgm:txFillClrLst/>
+    <dgm:txEffectClrLst/>
+  </dgm:styleLbl>
+  <dgm:styleLbl name="asst2">
+    <dgm:fillClrLst meth="repeat">
+      <a:schemeClr val="accent1"/>
+    </dgm:fillClrLst>
+    <dgm:linClrLst meth="repeat">
+      <a:schemeClr val="lt1"/>
+    </dgm:linClrLst>
+    <dgm:effectClrLst/>
+    <dgm:txLinClrLst/>
+    <dgm:txFillClrLst/>
+    <dgm:txEffectClrLst/>
+  </dgm:styleLbl>
+  <dgm:styleLbl name="asst3">
+    <dgm:fillClrLst meth="repeat">
+      <a:schemeClr val="accent1"/>
+    </dgm:fillClrLst>
+    <dgm:linClrLst meth="repeat">
+      <a:schemeClr val="lt1"/>
+    </dgm:linClrLst>
+    <dgm:effectClrLst/>
+    <dgm:txLinClrLst/>
+    <dgm:txFillClrLst/>
+    <dgm:txEffectClrLst/>
+  </dgm:styleLbl>
+  <dgm:styleLbl name="asst4">
+    <dgm:fillClrLst meth="repeat">
+      <a:schemeClr val="accent1"/>
+    </dgm:fillClrLst>
+    <dgm:linClrLst meth="repeat">
+      <a:schemeClr val="lt1"/>
+    </dgm:linClrLst>
+    <dgm:effectClrLst/>
+    <dgm:txLinClrLst/>
+    <dgm:txFillClrLst/>
+    <dgm:txEffectClrLst/>
+  </dgm:styleLbl>
+  <dgm:styleLbl name="parChTrans2D1">
+    <dgm:fillClrLst meth="repeat">
+      <a:schemeClr val="accent1">
+        <a:tint val="60000"/>
+      </a:schemeClr>
+    </dgm:fillClrLst>
+    <dgm:linClrLst meth="repeat">
+      <a:schemeClr val="accent1">
+        <a:tint val="60000"/>
+      </a:schemeClr>
+    </dgm:linClrLst>
+    <dgm:effectClrLst/>
+    <dgm:txLinClrLst/>
+    <dgm:txFillClrLst meth="repeat">
+      <a:schemeClr val="lt1"/>
+    </dgm:txFillClrLst>
+    <dgm:txEffectClrLst/>
+  </dgm:styleLbl>
+  <dgm:styleLbl name="parChTrans2D2">
+    <dgm:fillClrLst meth="repeat">
+      <a:schemeClr val="accent1"/>
+    </dgm:fillClrLst>
+    <dgm:linClrLst meth="repeat">
+      <a:schemeClr val="accent1"/>
+    </dgm:linClrLst>
+    <dgm:effectClrLst/>
+    <dgm:txLinClrLst/>
+    <dgm:txFillClrLst meth="repeat">
+      <a:schemeClr val="lt1"/>
+    </dgm:txFillClrLst>
+    <dgm:txEffectClrLst/>
+  </dgm:styleLbl>
+  <dgm:styleLbl name="parChTrans2D3">
+    <dgm:fillClrLst meth="repeat">
+      <a:schemeClr val="accent1"/>
+    </dgm:fillClrLst>
+    <dgm:linClrLst meth="repeat">
+      <a:schemeClr val="accent1"/>
+    </dgm:linClrLst>
+    <dgm:effectClrLst/>
+    <dgm:txLinClrLst/>
+    <dgm:txFillClrLst meth="repeat">
+      <a:schemeClr val="lt1"/>
+    </dgm:txFillClrLst>
+    <dgm:txEffectClrLst/>
+  </dgm:styleLbl>
+  <dgm:styleLbl name="parChTrans2D4">
+    <dgm:fillClrLst meth="repeat">
+      <a:schemeClr val="accent1"/>
+    </dgm:fillClrLst>
+    <dgm:linClrLst meth="repeat">
+      <a:schemeClr val="accent1"/>
+    </dgm:linClrLst>
+    <dgm:effectClrLst/>
+    <dgm:txLinClrLst/>
+    <dgm:txFillClrLst meth="repeat">
+      <a:schemeClr val="lt1"/>
+    </dgm:txFillClrLst>
+    <dgm:txEffectClrLst/>
+  </dgm:styleLbl>
+  <dgm:styleLbl name="parChTrans1D1">
+    <dgm:fillClrLst meth="repeat">
+      <a:schemeClr val="accent1"/>
+    </dgm:fillClrLst>
+    <dgm:linClrLst meth="repeat">
+      <a:schemeClr val="accent1">
+        <a:shade val="60000"/>
+      </a:schemeClr>
+    </dgm:linClrLst>
+    <dgm:effectClrLst/>
+    <dgm:txLinClrLst/>
+    <dgm:txFillClrLst meth="repeat">
+      <a:schemeClr val="tx1"/>
+    </dgm:txFillClrLst>
+    <dgm:txEffectClrLst/>
+  </dgm:styleLbl>
+  <dgm:styleLbl name="parChTrans1D2">
+    <dgm:fillClrLst meth="repeat">
+      <a:schemeClr val="accent1"/>
+    </dgm:fillClrLst>
+    <dgm:linClrLst meth="repeat">
+      <a:schemeClr val="accent1">
+        <a:shade val="60000"/>
+      </a:schemeClr>
+    </dgm:linClrLst>
+    <dgm:effectClrLst/>
+    <dgm:txLinClrLst/>
+    <dgm:txFillClrLst meth="repeat">
+      <a:schemeClr val="tx1"/>
+    </dgm:txFillClrLst>
+    <dgm:txEffectClrLst/>
+  </dgm:styleLbl>
+  <dgm:styleLbl name="parChTrans1D3">
+    <dgm:fillClrLst meth="repeat">
+      <a:schemeClr val="accent1"/>
+    </dgm:fillClrLst>
+    <dgm:linClrLst meth="repeat">
+      <a:schemeClr val="accent1">
+        <a:shade val="80000"/>
+      </a:schemeClr>
+    </dgm:linClrLst>
+    <dgm:effectClrLst/>
+    <dgm:txLinClrLst/>
+    <dgm:txFillClrLst meth="repeat">
+      <a:schemeClr val="tx1"/>
+    </dgm:txFillClrLst>
+    <dgm:txEffectClrLst/>
+  </dgm:styleLbl>
+  <dgm:styleLbl name="parChTrans1D4">
+    <dgm:fillClrLst meth="repeat">
+      <a:schemeClr val="accent1"/>
+    </dgm:fillClrLst>
+    <dgm:linClrLst meth="repeat">
+      <a:schemeClr val="accent1">
+        <a:shade val="80000"/>
+      </a:schemeClr>
+    </dgm:linClrLst>
+    <dgm:effectClrLst/>
+    <dgm:txLinClrLst/>
+    <dgm:txFillClrLst meth="repeat">
+      <a:schemeClr val="tx1"/>
+    </dgm:txFillClrLst>
+    <dgm:txEffectClrLst/>
+  </dgm:styleLbl>
+  <dgm:styleLbl name="fgAcc1">
+    <dgm:fillClrLst meth="repeat">
+      <a:schemeClr val="lt1">
+        <a:alpha val="90000"/>
+      </a:schemeClr>
+    </dgm:fillClrLst>
+    <dgm:linClrLst meth="repeat">
+      <a:schemeClr val="accent1"/>
+    </dgm:linClrLst>
+    <dgm:effectClrLst/>
+    <dgm:txLinClrLst/>
+    <dgm:txFillClrLst meth="repeat">
+      <a:schemeClr val="dk1"/>
+    </dgm:txFillClrLst>
+    <dgm:txEffectClrLst/>
+  </dgm:styleLbl>
+  <dgm:styleLbl name="conFgAcc1">
+    <dgm:fillClrLst meth="repeat">
+      <a:schemeClr val="lt1">
+        <a:alpha val="90000"/>
+      </a:schemeClr>
+    </dgm:fillClrLst>
+    <dgm:linClrLst meth="repeat">
+      <a:schemeClr val="accent1"/>
+    </dgm:linClrLst>
+    <dgm:effectClrLst/>
+    <dgm:txLinClrLst/>
+    <dgm:txFillClrLst meth="repeat">
+      <a:schemeClr val="dk1"/>
+    </dgm:txFillClrLst>
+    <dgm:txEffectClrLst/>
+  </dgm:styleLbl>
+  <dgm:styleLbl name="alignAcc1">
+    <dgm:fillClrLst meth="repeat">
+      <a:schemeClr val="lt1">
+        <a:alpha val="90000"/>
+      </a:schemeClr>
+    </dgm:fillClrLst>
+    <dgm:linClrLst meth="repeat">
+      <a:schemeClr val="accent1"/>
+    </dgm:linClrLst>
+    <dgm:effectClrLst/>
+    <dgm:txLinClrLst/>
+    <dgm:txFillClrLst meth="repeat">
+      <a:schemeClr val="dk1"/>
+    </dgm:txFillClrLst>
+    <dgm:txEffectClrLst/>
+  </dgm:styleLbl>
+  <dgm:styleLbl name="trAlignAcc1">
+    <dgm:fillClrLst meth="repeat">
+      <a:schemeClr val="lt1">
+        <a:alpha val="40000"/>
+      </a:schemeClr>
+    </dgm:fillClrLst>
+    <dgm:linClrLst meth="repeat">
+      <a:schemeClr val="accent1"/>
+    </dgm:linClrLst>
+    <dgm:effectClrLst/>
+    <dgm:txLinClrLst/>
+    <dgm:txFillClrLst meth="repeat">
+      <a:schemeClr val="dk1"/>
+    </dgm:txFillClrLst>
+    <dgm:txEffectClrLst/>
+  </dgm:styleLbl>
+  <dgm:styleLbl name="bgAcc1">
+    <dgm:fillClrLst meth="repeat">
+      <a:schemeClr val="lt1">
+        <a:alpha val="90000"/>
+      </a:schemeClr>
+    </dgm:fillClrLst>
+    <dgm:linClrLst meth="repeat">
+      <a:schemeClr val="accent1"/>
+    </dgm:linClrLst>
+    <dgm:effectClrLst/>
+    <dgm:txLinClrLst/>
+    <dgm:txFillClrLst meth="repeat">
+      <a:schemeClr val="dk1"/>
+    </dgm:txFillClrLst>
+    <dgm:txEffectClrLst/>
+  </dgm:styleLbl>
+  <dgm:styleLbl name="solidFgAcc1">
+    <dgm:fillClrLst meth="repeat">
+      <a:schemeClr val="lt1"/>
+    </dgm:fillClrLst>
+    <dgm:linClrLst meth="repeat">
+      <a:schemeClr val="accent1"/>
+    </dgm:linClrLst>
+    <dgm:effectClrLst/>
+    <dgm:txLinClrLst/>
+    <dgm:txFillClrLst meth="repeat">
+      <a:schemeClr val="dk1"/>
+    </dgm:txFillClrLst>
+    <dgm:txEffectClrLst/>
+  </dgm:styleLbl>
+  <dgm:styleLbl name="solidAlignAcc1">
+    <dgm:fillClrLst meth="repeat">
+      <a:schemeClr val="lt1"/>
+    </dgm:fillClrLst>
+    <dgm:linClrLst meth="repeat">
+      <a:schemeClr val="accent1"/>
+    </dgm:linClrLst>
+    <dgm:effectClrLst/>
+    <dgm:txLinClrLst/>
+    <dgm:txFillClrLst meth="repeat">
+      <a:schemeClr val="dk1"/>
+    </dgm:txFillClrLst>
+    <dgm:txEffectClrLst/>
+  </dgm:styleLbl>
+  <dgm:styleLbl name="solidBgAcc1">
+    <dgm:fillClrLst meth="repeat">
+      <a:schemeClr val="lt1"/>
+    </dgm:fillClrLst>
+    <dgm:linClrLst meth="repeat">
+      <a:schemeClr val="accent1"/>
+    </dgm:linClrLst>
+    <dgm:effectClrLst/>
+    <dgm:txLinClrLst/>
+    <dgm:txFillClrLst meth="repeat">
+      <a:schemeClr val="dk1"/>
+    </dgm:txFillClrLst>
+    <dgm:txEffectClrLst/>
+  </dgm:styleLbl>
+  <dgm:styleLbl name="fgAccFollowNode1">
+    <dgm:fillClrLst meth="repeat">
+      <a:schemeClr val="accent1">
+        <a:alpha val="90000"/>
+        <a:tint val="40000"/>
+      </a:schemeClr>
+    </dgm:fillClrLst>
+    <dgm:linClrLst meth="repeat">
+      <a:schemeClr val="accent1">
+        <a:alpha val="90000"/>
+        <a:tint val="40000"/>
+      </a:schemeClr>
+    </dgm:linClrLst>
+    <dgm:effectClrLst/>
+    <dgm:txLinClrLst/>
+    <dgm:txFillClrLst meth="repeat">
+      <a:schemeClr val="dk1"/>
+    </dgm:txFillClrLst>
+    <dgm:txEffectClrLst/>
+  </dgm:styleLbl>
+  <dgm:styleLbl name="alignAccFollowNode1">
+    <dgm:fillClrLst meth="repeat">
+      <a:schemeClr val="accent1">
+        <a:alpha val="90000"/>
+        <a:tint val="40000"/>
+      </a:schemeClr>
+    </dgm:fillClrLst>
+    <dgm:linClrLst meth="repeat">
+      <a:schemeClr val="accent1">
+        <a:alpha val="90000"/>
+        <a:tint val="40000"/>
+      </a:schemeClr>
+    </dgm:linClrLst>
+    <dgm:effectClrLst/>
+    <dgm:txLinClrLst/>
+    <dgm:txFillClrLst meth="repeat">
+      <a:schemeClr val="dk1"/>
+    </dgm:txFillClrLst>
+    <dgm:txEffectClrLst/>
+  </dgm:styleLbl>
+  <dgm:styleLbl name="bgAccFollowNode1">
+    <dgm:fillClrLst meth="repeat">
+      <a:schemeClr val="accent1">
+        <a:alpha val="90000"/>
+        <a:tint val="40000"/>
+      </a:schemeClr>
+    </dgm:fillClrLst>
+    <dgm:linClrLst meth="repeat">
+      <a:schemeClr val="accent1">
+        <a:alpha val="90000"/>
+        <a:tint val="40000"/>
+      </a:schemeClr>
+    </dgm:linClrLst>
+    <dgm:effectClrLst/>
+    <dgm:txLinClrLst/>
+    <dgm:txFillClrLst meth="repeat">
+      <a:schemeClr val="dk1"/>
+    </dgm:txFillClrLst>
+    <dgm:txEffectClrLst/>
+  </dgm:styleLbl>
+  <dgm:styleLbl name="fgAcc0">
+    <dgm:fillClrLst meth="repeat">
+      <a:schemeClr val="lt1">
+        <a:alpha val="90000"/>
+      </a:schemeClr>
+    </dgm:fillClrLst>
+    <dgm:linClrLst meth="repeat">
+      <a:schemeClr val="accent1"/>
+    </dgm:linClrLst>
+    <dgm:effectClrLst/>
+    <dgm:txLinClrLst/>
+    <dgm:txFillClrLst meth="repeat">
+      <a:schemeClr val="dk1"/>
+    </dgm:txFillClrLst>
+    <dgm:txEffectClrLst/>
+  </dgm:styleLbl>
+  <dgm:styleLbl name="fgAcc2">
+    <dgm:fillClrLst meth="repeat">
+      <a:schemeClr val="lt1">
+        <a:alpha val="90000"/>
+      </a:schemeClr>
+    </dgm:fillClrLst>
+    <dgm:linClrLst meth="repeat">
+      <a:schemeClr val="accent1"/>
+    </dgm:linClrLst>
+    <dgm:effectClrLst/>
+    <dgm:txLinClrLst/>
+    <dgm:txFillClrLst meth="repeat">
+      <a:schemeClr val="dk1"/>
+    </dgm:txFillClrLst>
+    <dgm:txEffectClrLst/>
+  </dgm:styleLbl>
+  <dgm:styleLbl name="fgAcc3">
+    <dgm:fillClrLst meth="repeat">
+      <a:schemeClr val="lt1">
+        <a:alpha val="90000"/>
+      </a:schemeClr>
+    </dgm:fillClrLst>
+    <dgm:linClrLst meth="repeat">
+      <a:schemeClr val="accent1"/>
+    </dgm:linClrLst>
+    <dgm:effectClrLst/>
+    <dgm:txLinClrLst/>
+    <dgm:txFillClrLst meth="repeat">
+      <a:schemeClr val="dk1"/>
+    </dgm:txFillClrLst>
+    <dgm:txEffectClrLst/>
+  </dgm:styleLbl>
+  <dgm:styleLbl name="fgAcc4">
+    <dgm:fillClrLst meth="repeat">
+      <a:schemeClr val="lt1">
+        <a:alpha val="90000"/>
+      </a:schemeClr>
+    </dgm:fillClrLst>
+    <dgm:linClrLst meth="repeat">
+      <a:schemeClr val="accent1"/>
+    </dgm:linClrLst>
+    <dgm:effectClrLst/>
+    <dgm:txLinClrLst/>
+    <dgm:txFillClrLst meth="repeat">
+      <a:schemeClr val="dk1"/>
+    </dgm:txFillClrLst>
+    <dgm:txEffectClrLst/>
+  </dgm:styleLbl>
+  <dgm:styleLbl name="bgShp">
+    <dgm:fillClrLst meth="repeat">
+      <a:schemeClr val="accent1">
+        <a:tint val="40000"/>
+      </a:schemeClr>
+    </dgm:fillClrLst>
+    <dgm:linClrLst meth="repeat">
+      <a:schemeClr val="accent1"/>
+    </dgm:linClrLst>
+    <dgm:effectClrLst/>
+    <dgm:txLinClrLst/>
+    <dgm:txFillClrLst meth="repeat">
+      <a:schemeClr val="dk1"/>
+    </dgm:txFillClrLst>
+    <dgm:txEffectClrLst/>
+  </dgm:styleLbl>
+  <dgm:styleLbl name="dkBgShp">
+    <dgm:fillClrLst meth="repeat">
+      <a:schemeClr val="accent1">
+        <a:shade val="80000"/>
+      </a:schemeClr>
+    </dgm:fillClrLst>
+    <dgm:linClrLst meth="repeat">
+      <a:schemeClr val="accent1"/>
+    </dgm:linClrLst>
+    <dgm:effectClrLst/>
+    <dgm:txLinClrLst/>
+    <dgm:txFillClrLst meth="repeat">
+      <a:schemeClr val="lt1"/>
+    </dgm:txFillClrLst>
+    <dgm:txEffectClrLst/>
+  </dgm:styleLbl>
+  <dgm:styleLbl name="trBgShp">
+    <dgm:fillClrLst meth="repeat">
+      <a:schemeClr val="accent1">
+        <a:tint val="50000"/>
+        <a:alpha val="40000"/>
+      </a:schemeClr>
+    </dgm:fillClrLst>
+    <dgm:linClrLst meth="repeat">
+      <a:schemeClr val="accent1"/>
+    </dgm:linClrLst>
+    <dgm:effectClrLst/>
+    <dgm:txLinClrLst/>
+    <dgm:txFillClrLst meth="repeat">
+      <a:schemeClr val="lt1"/>
+    </dgm:txFillClrLst>
+    <dgm:txEffectClrLst/>
+  </dgm:styleLbl>
+  <dgm:styleLbl name="fgShp">
+    <dgm:fillClrLst meth="repeat">
+      <a:schemeClr val="accent1">
+        <a:tint val="60000"/>
+      </a:schemeClr>
+    </dgm:fillClrLst>
+    <dgm:linClrLst meth="repeat">
+      <a:schemeClr val="lt1"/>
+    </dgm:linClrLst>
+    <dgm:effectClrLst/>
+    <dgm:txLinClrLst/>
+    <dgm:txFillClrLst meth="repeat">
+      <a:schemeClr val="dk1"/>
+    </dgm:txFillClrLst>
+    <dgm:txEffectClrLst/>
+  </dgm:styleLbl>
+  <dgm:styleLbl name="revTx">
+    <dgm:fillClrLst meth="repeat">
+      <a:schemeClr val="lt1">
+        <a:alpha val="0"/>
+      </a:schemeClr>
+    </dgm:fillClrLst>
+    <dgm:linClrLst meth="repeat">
+      <a:schemeClr val="dk1">
+        <a:alpha val="0"/>
+      </a:schemeClr>
+    </dgm:linClrLst>
+    <dgm:effectClrLst/>
+    <dgm:txLinClrLst/>
+    <dgm:txFillClrLst meth="repeat">
+      <a:schemeClr val="tx1"/>
+    </dgm:txFillClrLst>
+    <dgm:txEffectClrLst/>
+  </dgm:styleLbl>
+</dgm:colorsDef>
+</file>
+
+<file path=ppt/diagrams/colors2.xml><?xml version="1.0" encoding="utf-8"?>
+<dgm:colorsDef xmlns:dgm="http://schemas.openxmlformats.org/drawingml/2006/diagram" xmlns:a="http://schemas.openxmlformats.org/drawingml/2006/main" uniqueId="urn:microsoft.com/office/officeart/2005/8/colors/accent1_2">
+  <dgm:title val=""/>
+  <dgm:desc val=""/>
+  <dgm:catLst>
+    <dgm:cat type="accent1" pri="11200"/>
+  </dgm:catLst>
+  <dgm:styleLbl name="node0">
+    <dgm:fillClrLst meth="repeat">
+      <a:schemeClr val="accent1"/>
+    </dgm:fillClrLst>
+    <dgm:linClrLst meth="repeat">
+      <a:schemeClr val="lt1"/>
+    </dgm:linClrLst>
+    <dgm:effectClrLst/>
+    <dgm:txLinClrLst/>
+    <dgm:txFillClrLst/>
+    <dgm:txEffectClrLst/>
+  </dgm:styleLbl>
+  <dgm:styleLbl name="alignNode1">
+    <dgm:fillClrLst meth="repeat">
+      <a:schemeClr val="accent1"/>
+    </dgm:fillClrLst>
+    <dgm:linClrLst meth="repeat">
+      <a:schemeClr val="accent1"/>
+    </dgm:linClrLst>
+    <dgm:effectClrLst/>
+    <dgm:txLinClrLst/>
+    <dgm:txFillClrLst/>
+    <dgm:txEffectClrLst/>
+  </dgm:styleLbl>
+  <dgm:styleLbl name="node1">
+    <dgm:fillClrLst meth="repeat">
+      <a:schemeClr val="accent1"/>
+    </dgm:fillClrLst>
+    <dgm:linClrLst meth="repeat">
+      <a:schemeClr val="lt1"/>
+    </dgm:linClrLst>
+    <dgm:effectClrLst/>
+    <dgm:txLinClrLst/>
+    <dgm:txFillClrLst/>
+    <dgm:txEffectClrLst/>
+  </dgm:styleLbl>
+  <dgm:styleLbl name="lnNode1">
+    <dgm:fillClrLst meth="repeat">
+      <a:schemeClr val="accent1"/>
+    </dgm:fillClrLst>
+    <dgm:linClrLst meth="repeat">
+      <a:schemeClr val="lt1"/>
+    </dgm:linClrLst>
+    <dgm:effectClrLst/>
+    <dgm:txLinClrLst/>
+    <dgm:txFillClrLst/>
+    <dgm:txEffectClrLst/>
+  </dgm:styleLbl>
+  <dgm:styleLbl name="vennNode1">
+    <dgm:fillClrLst meth="repeat">
+      <a:schemeClr val="accent1">
+        <a:alpha val="50000"/>
+      </a:schemeClr>
+    </dgm:fillClrLst>
+    <dgm:linClrLst meth="repeat">
+      <a:schemeClr val="lt1"/>
+    </dgm:linClrLst>
+    <dgm:effectClrLst/>
+    <dgm:txLinClrLst/>
+    <dgm:txFillClrLst/>
+    <dgm:txEffectClrLst/>
+  </dgm:styleLbl>
+  <dgm:styleLbl name="node2">
+    <dgm:fillClrLst meth="repeat">
+      <a:schemeClr val="accent1"/>
+    </dgm:fillClrLst>
+    <dgm:linClrLst meth="repeat">
+      <a:schemeClr val="lt1"/>
+    </dgm:linClrLst>
+    <dgm:effectClrLst/>
+    <dgm:txLinClrLst/>
+    <dgm:txFillClrLst/>
+    <dgm:txEffectClrLst/>
+  </dgm:styleLbl>
+  <dgm:styleLbl name="node3">
+    <dgm:fillClrLst meth="repeat">
+      <a:schemeClr val="accent1"/>
+    </dgm:fillClrLst>
+    <dgm:linClrLst meth="repeat">
+      <a:schemeClr val="lt1"/>
+    </dgm:linClrLst>
+    <dgm:effectClrLst/>
+    <dgm:txLinClrLst/>
+    <dgm:txFillClrLst/>
+    <dgm:txEffectClrLst/>
+  </dgm:styleLbl>
+  <dgm:styleLbl name="node4">
+    <dgm:fillClrLst meth="repeat">
+      <a:schemeClr val="accent1"/>
+    </dgm:fillClrLst>
+    <dgm:linClrLst meth="repeat">
+      <a:schemeClr val="lt1"/>
+    </dgm:linClrLst>
+    <dgm:effectClrLst/>
+    <dgm:txLinClrLst/>
+    <dgm:txFillClrLst/>
+    <dgm:txEffectClrLst/>
+  </dgm:styleLbl>
+  <dgm:styleLbl name="fgImgPlace1">
+    <dgm:fillClrLst meth="repeat">
+      <a:schemeClr val="accent1">
+        <a:tint val="50000"/>
+      </a:schemeClr>
+    </dgm:fillClrLst>
+    <dgm:linClrLst meth="repeat">
+      <a:schemeClr val="lt1"/>
+    </dgm:linClrLst>
+    <dgm:effectClrLst/>
+    <dgm:txLinClrLst/>
+    <dgm:txFillClrLst meth="repeat">
+      <a:schemeClr val="lt1"/>
+    </dgm:txFillClrLst>
+    <dgm:txEffectClrLst/>
+  </dgm:styleLbl>
+  <dgm:styleLbl name="alignImgPlace1">
+    <dgm:fillClrLst meth="repeat">
+      <a:schemeClr val="accent1">
+        <a:tint val="50000"/>
+      </a:schemeClr>
+    </dgm:fillClrLst>
+    <dgm:linClrLst meth="repeat">
+      <a:schemeClr val="lt1"/>
+    </dgm:linClrLst>
+    <dgm:effectClrLst/>
+    <dgm:txLinClrLst/>
+    <dgm:txFillClrLst meth="repeat">
+      <a:schemeClr val="lt1"/>
+    </dgm:txFillClrLst>
+    <dgm:txEffectClrLst/>
+  </dgm:styleLbl>
+  <dgm:styleLbl name="bgImgPlace1">
+    <dgm:fillClrLst meth="repeat">
+      <a:schemeClr val="accent1">
+        <a:tint val="50000"/>
+      </a:schemeClr>
+    </dgm:fillClrLst>
+    <dgm:linClrLst meth="repeat">
+      <a:schemeClr val="lt1"/>
+    </dgm:linClrLst>
+    <dgm:effectClrLst/>
+    <dgm:txLinClrLst/>
+    <dgm:txFillClrLst meth="repeat">
+      <a:schemeClr val="lt1"/>
+    </dgm:txFillClrLst>
+    <dgm:txEffectClrLst/>
+  </dgm:styleLbl>
+  <dgm:styleLbl name="sibTrans2D1">
+    <dgm:fillClrLst meth="repeat">
+      <a:schemeClr val="accent1">
+        <a:tint val="60000"/>
+      </a:schemeClr>
+    </dgm:fillClrLst>
+    <dgm:linClrLst meth="repeat">
+      <a:schemeClr val="accent1">
+        <a:tint val="60000"/>
+      </a:schemeClr>
+    </dgm:linClrLst>
+    <dgm:effectClrLst/>
+    <dgm:txLinClrLst/>
+    <dgm:txFillClrLst/>
+    <dgm:txEffectClrLst/>
+  </dgm:styleLbl>
+  <dgm:styleLbl name="fgSibTrans2D1">
+    <dgm:fillClrLst meth="repeat">
+      <a:schemeClr val="accent1">
+        <a:tint val="60000"/>
+      </a:schemeClr>
+    </dgm:fillClrLst>
+    <dgm:linClrLst meth="repeat">
+      <a:schemeClr val="accent1">
+        <a:tint val="60000"/>
+      </a:schemeClr>
+    </dgm:linClrLst>
+    <dgm:effectClrLst/>
+    <dgm:txLinClrLst/>
+    <dgm:txFillClrLst/>
+    <dgm:txEffectClrLst/>
+  </dgm:styleLbl>
+  <dgm:styleLbl name="bgSibTrans2D1">
+    <dgm:fillClrLst meth="repeat">
+      <a:schemeClr val="accent1">
+        <a:tint val="60000"/>
+      </a:schemeClr>
+    </dgm:fillClrLst>
+    <dgm:linClrLst meth="repeat">
+      <a:schemeClr val="accent1">
+        <a:tint val="60000"/>
+      </a:schemeClr>
+    </dgm:linClrLst>
+    <dgm:effectClrLst/>
+    <dgm:txLinClrLst/>
+    <dgm:txFillClrLst/>
+    <dgm:txEffectClrLst/>
+  </dgm:styleLbl>
+  <dgm:styleLbl name="sibTrans1D1">
+    <dgm:fillClrLst meth="repeat">
+      <a:schemeClr val="accent1"/>
+    </dgm:fillClrLst>
+    <dgm:linClrLst meth="repeat">
+      <a:schemeClr val="accent1"/>
+    </dgm:linClrLst>
+    <dgm:effectClrLst/>
+    <dgm:txLinClrLst/>
+    <dgm:txFillClrLst meth="repeat">
+      <a:schemeClr val="tx1"/>
+    </dgm:txFillClrLst>
+    <dgm:txEffectClrLst/>
+  </dgm:styleLbl>
+  <dgm:styleLbl name="callout">
+    <dgm:fillClrLst meth="repeat">
+      <a:schemeClr val="accent1"/>
+    </dgm:fillClrLst>
+    <dgm:linClrLst meth="repeat">
+      <a:schemeClr val="accent1">
+        <a:tint val="50000"/>
+      </a:schemeClr>
+    </dgm:linClrLst>
+    <dgm:effectClrLst/>
+    <dgm:txLinClrLst/>
+    <dgm:txFillClrLst meth="repeat">
+      <a:schemeClr val="tx1"/>
+    </dgm:txFillClrLst>
+    <dgm:txEffectClrLst/>
+  </dgm:styleLbl>
+  <dgm:styleLbl name="asst0">
+    <dgm:fillClrLst meth="repeat">
+      <a:schemeClr val="accent1"/>
+    </dgm:fillClrLst>
+    <dgm:linClrLst meth="repeat">
+      <a:schemeClr val="lt1"/>
+    </dgm:linClrLst>
+    <dgm:effectClrLst/>
+    <dgm:txLinClrLst/>
+    <dgm:txFillClrLst/>
+    <dgm:txEffectClrLst/>
+  </dgm:styleLbl>
+  <dgm:styleLbl name="asst1">
+    <dgm:fillClrLst meth="repeat">
+      <a:schemeClr val="accent1"/>
+    </dgm:fillClrLst>
+    <dgm:linClrLst meth="repeat">
+      <a:schemeClr val="lt1"/>
+    </dgm:linClrLst>
+    <dgm:effectClrLst/>
+    <dgm:txLinClrLst/>
+    <dgm:txFillClrLst/>
+    <dgm:txEffectClrLst/>
+  </dgm:styleLbl>
+  <dgm:styleLbl name="asst2">
+    <dgm:fillClrLst meth="repeat">
+      <a:schemeClr val="accent1"/>
+    </dgm:fillClrLst>
+    <dgm:linClrLst meth="repeat">
+      <a:schemeClr val="lt1"/>
+    </dgm:linClrLst>
+    <dgm:effectClrLst/>
+    <dgm:txLinClrLst/>
+    <dgm:txFillClrLst/>
+    <dgm:txEffectClrLst/>
+  </dgm:styleLbl>
+  <dgm:styleLbl name="asst3">
+    <dgm:fillClrLst meth="repeat">
+      <a:schemeClr val="accent1"/>
+    </dgm:fillClrLst>
+    <dgm:linClrLst meth="repeat">
+      <a:schemeClr val="lt1"/>
+    </dgm:linClrLst>
+    <dgm:effectClrLst/>
+    <dgm:txLinClrLst/>
+    <dgm:txFillClrLst/>
+    <dgm:txEffectClrLst/>
+  </dgm:styleLbl>
+  <dgm:styleLbl name="asst4">
+    <dgm:fillClrLst meth="repeat">
+      <a:schemeClr val="accent1"/>
+    </dgm:fillClrLst>
+    <dgm:linClrLst meth="repeat">
+      <a:schemeClr val="lt1"/>
+    </dgm:linClrLst>
+    <dgm:effectClrLst/>
+    <dgm:txLinClrLst/>
+    <dgm:txFillClrLst/>
+    <dgm:txEffectClrLst/>
+  </dgm:styleLbl>
+  <dgm:styleLbl name="parChTrans2D1">
+    <dgm:fillClrLst meth="repeat">
+      <a:schemeClr val="accent1">
+        <a:tint val="60000"/>
+      </a:schemeClr>
+    </dgm:fillClrLst>
+    <dgm:linClrLst meth="repeat">
+      <a:schemeClr val="accent1">
+        <a:tint val="60000"/>
+      </a:schemeClr>
+    </dgm:linClrLst>
+    <dgm:effectClrLst/>
+    <dgm:txLinClrLst/>
+    <dgm:txFillClrLst meth="repeat">
+      <a:schemeClr val="lt1"/>
+    </dgm:txFillClrLst>
+    <dgm:txEffectClrLst/>
+  </dgm:styleLbl>
+  <dgm:styleLbl name="parChTrans2D2">
+    <dgm:fillClrLst meth="repeat">
+      <a:schemeClr val="accent1"/>
+    </dgm:fillClrLst>
+    <dgm:linClrLst meth="repeat">
+      <a:schemeClr val="accent1"/>
+    </dgm:linClrLst>
+    <dgm:effectClrLst/>
+    <dgm:txLinClrLst/>
+    <dgm:txFillClrLst meth="repeat">
+      <a:schemeClr val="lt1"/>
+    </dgm:txFillClrLst>
+    <dgm:txEffectClrLst/>
+  </dgm:styleLbl>
+  <dgm:styleLbl name="parChTrans2D3">
+    <dgm:fillClrLst meth="repeat">
+      <a:schemeClr val="accent1"/>
+    </dgm:fillClrLst>
+    <dgm:linClrLst meth="repeat">
+      <a:schemeClr val="accent1"/>
+    </dgm:linClrLst>
+    <dgm:effectClrLst/>
+    <dgm:txLinClrLst/>
+    <dgm:txFillClrLst meth="repeat">
+      <a:schemeClr val="lt1"/>
+    </dgm:txFillClrLst>
+    <dgm:txEffectClrLst/>
+  </dgm:styleLbl>
+  <dgm:styleLbl name="parChTrans2D4">
+    <dgm:fillClrLst meth="repeat">
+      <a:schemeClr val="accent1"/>
+    </dgm:fillClrLst>
+    <dgm:linClrLst meth="repeat">
+      <a:schemeClr val="accent1"/>
+    </dgm:linClrLst>
+    <dgm:effectClrLst/>
+    <dgm:txLinClrLst/>
+    <dgm:txFillClrLst meth="repeat">
+      <a:schemeClr val="lt1"/>
+    </dgm:txFillClrLst>
+    <dgm:txEffectClrLst/>
+  </dgm:styleLbl>
+  <dgm:styleLbl name="parChTrans1D1">
+    <dgm:fillClrLst meth="repeat">
+      <a:schemeClr val="accent1"/>
+    </dgm:fillClrLst>
+    <dgm:linClrLst meth="repeat">
+      <a:schemeClr val="accent1">
+        <a:shade val="60000"/>
+      </a:schemeClr>
+    </dgm:linClrLst>
+    <dgm:effectClrLst/>
+    <dgm:txLinClrLst/>
+    <dgm:txFillClrLst meth="repeat">
+      <a:schemeClr val="tx1"/>
+    </dgm:txFillClrLst>
+    <dgm:txEffectClrLst/>
+  </dgm:styleLbl>
+  <dgm:styleLbl name="parChTrans1D2">
+    <dgm:fillClrLst meth="repeat">
+      <a:schemeClr val="accent1"/>
+    </dgm:fillClrLst>
+    <dgm:linClrLst meth="repeat">
+      <a:schemeClr val="accent1">
+        <a:shade val="60000"/>
+      </a:schemeClr>
+    </dgm:linClrLst>
+    <dgm:effectClrLst/>
+    <dgm:txLinClrLst/>
+    <dgm:txFillClrLst meth="repeat">
+      <a:schemeClr val="tx1"/>
+    </dgm:txFillClrLst>
+    <dgm:txEffectClrLst/>
+  </dgm:styleLbl>
+  <dgm:styleLbl name="parChTrans1D3">
+    <dgm:fillClrLst meth="repeat">
+      <a:schemeClr val="accent1"/>
+    </dgm:fillClrLst>
+    <dgm:linClrLst meth="repeat">
+      <a:schemeClr val="accent1">
+        <a:shade val="80000"/>
+      </a:schemeClr>
+    </dgm:linClrLst>
+    <dgm:effectClrLst/>
+    <dgm:txLinClrLst/>
+    <dgm:txFillClrLst meth="repeat">
+      <a:schemeClr val="tx1"/>
+    </dgm:txFillClrLst>
+    <dgm:txEffectClrLst/>
+  </dgm:styleLbl>
+  <dgm:styleLbl name="parChTrans1D4">
+    <dgm:fillClrLst meth="repeat">
+      <a:schemeClr val="accent1"/>
+    </dgm:fillClrLst>
+    <dgm:linClrLst meth="repeat">
+      <a:schemeClr val="accent1">
+        <a:shade val="80000"/>
+      </a:schemeClr>
+    </dgm:linClrLst>
+    <dgm:effectClrLst/>
+    <dgm:txLinClrLst/>
+    <dgm:txFillClrLst meth="repeat">
+      <a:schemeClr val="tx1"/>
+    </dgm:txFillClrLst>
+    <dgm:txEffectClrLst/>
+  </dgm:styleLbl>
+  <dgm:styleLbl name="fgAcc1">
+    <dgm:fillClrLst meth="repeat">
+      <a:schemeClr val="lt1">
+        <a:alpha val="90000"/>
+      </a:schemeClr>
+    </dgm:fillClrLst>
+    <dgm:linClrLst meth="repeat">
+      <a:schemeClr val="accent1"/>
+    </dgm:linClrLst>
+    <dgm:effectClrLst/>
+    <dgm:txLinClrLst/>
+    <dgm:txFillClrLst meth="repeat">
+      <a:schemeClr val="dk1"/>
+    </dgm:txFillClrLst>
+    <dgm:txEffectClrLst/>
+  </dgm:styleLbl>
+  <dgm:styleLbl name="conFgAcc1">
+    <dgm:fillClrLst meth="repeat">
+      <a:schemeClr val="lt1">
+        <a:alpha val="90000"/>
+      </a:schemeClr>
+    </dgm:fillClrLst>
+    <dgm:linClrLst meth="repeat">
+      <a:schemeClr val="accent1"/>
+    </dgm:linClrLst>
+    <dgm:effectClrLst/>
+    <dgm:txLinClrLst/>
+    <dgm:txFillClrLst meth="repeat">
+      <a:schemeClr val="dk1"/>
+    </dgm:txFillClrLst>
+    <dgm:txEffectClrLst/>
+  </dgm:styleLbl>
+  <dgm:styleLbl name="alignAcc1">
+    <dgm:fillClrLst meth="repeat">
+      <a:schemeClr val="lt1">
+        <a:alpha val="90000"/>
+      </a:schemeClr>
+    </dgm:fillClrLst>
+    <dgm:linClrLst meth="repeat">
+      <a:schemeClr val="accent1"/>
+    </dgm:linClrLst>
+    <dgm:effectClrLst/>
+    <dgm:txLinClrLst/>
+    <dgm:txFillClrLst meth="repeat">
+      <a:schemeClr val="dk1"/>
+    </dgm:txFillClrLst>
+    <dgm:txEffectClrLst/>
+  </dgm:styleLbl>
+  <dgm:styleLbl name="trAlignAcc1">
+    <dgm:fillClrLst meth="repeat">
+      <a:schemeClr val="lt1">
+        <a:alpha val="40000"/>
+      </a:schemeClr>
+    </dgm:fillClrLst>
+    <dgm:linClrLst meth="repeat">
+      <a:schemeClr val="accent1"/>
+    </dgm:linClrLst>
+    <dgm:effectClrLst/>
+    <dgm:txLinClrLst/>
+    <dgm:txFillClrLst meth="repeat">
+      <a:schemeClr val="dk1"/>
+    </dgm:txFillClrLst>
+    <dgm:txEffectClrLst/>
+  </dgm:styleLbl>
+  <dgm:styleLbl name="bgAcc1">
+    <dgm:fillClrLst meth="repeat">
+      <a:schemeClr val="lt1">
+        <a:alpha val="90000"/>
+      </a:schemeClr>
+    </dgm:fillClrLst>
+    <dgm:linClrLst meth="repeat">
+      <a:schemeClr val="accent1"/>
+    </dgm:linClrLst>
+    <dgm:effectClrLst/>
+    <dgm:txLinClrLst/>
+    <dgm:txFillClrLst meth="repeat">
+      <a:schemeClr val="dk1"/>
+    </dgm:txFillClrLst>
+    <dgm:txEffectClrLst/>
+  </dgm:styleLbl>
+  <dgm:styleLbl name="solidFgAcc1">
+    <dgm:fillClrLst meth="repeat">
+      <a:schemeClr val="lt1"/>
+    </dgm:fillClrLst>
+    <dgm:linClrLst meth="repeat">
+      <a:schemeClr val="accent1"/>
+    </dgm:linClrLst>
+    <dgm:effectClrLst/>
+    <dgm:txLinClrLst/>
+    <dgm:txFillClrLst meth="repeat">
+      <a:schemeClr val="dk1"/>
+    </dgm:txFillClrLst>
+    <dgm:txEffectClrLst/>
+  </dgm:styleLbl>
+  <dgm:styleLbl name="solidAlignAcc1">
+    <dgm:fillClrLst meth="repeat">
+      <a:schemeClr val="lt1"/>
+    </dgm:fillClrLst>
+    <dgm:linClrLst meth="repeat">
+      <a:schemeClr val="accent1"/>
+    </dgm:linClrLst>
+    <dgm:effectClrLst/>
+    <dgm:txLinClrLst/>
+    <dgm:txFillClrLst meth="repeat">
+      <a:schemeClr val="dk1"/>
+    </dgm:txFillClrLst>
+    <dgm:txEffectClrLst/>
+  </dgm:styleLbl>
+  <dgm:styleLbl name="solidBgAcc1">
+    <dgm:fillClrLst meth="repeat">
+      <a:schemeClr val="lt1"/>
+    </dgm:fillClrLst>
+    <dgm:linClrLst meth="repeat">
+      <a:schemeClr val="accent1"/>
+    </dgm:linClrLst>
+    <dgm:effectClrLst/>
+    <dgm:txLinClrLst/>
+    <dgm:txFillClrLst meth="repeat">
+      <a:schemeClr val="dk1"/>
+    </dgm:txFillClrLst>
+    <dgm:txEffectClrLst/>
+  </dgm:styleLbl>
+  <dgm:styleLbl name="fgAccFollowNode1">
+    <dgm:fillClrLst meth="repeat">
+      <a:schemeClr val="accent1">
+        <a:alpha val="90000"/>
+        <a:tint val="40000"/>
+      </a:schemeClr>
+    </dgm:fillClrLst>
+    <dgm:linClrLst meth="repeat">
+      <a:schemeClr val="accent1">
+        <a:alpha val="90000"/>
+        <a:tint val="40000"/>
+      </a:schemeClr>
+    </dgm:linClrLst>
+    <dgm:effectClrLst/>
+    <dgm:txLinClrLst/>
+    <dgm:txFillClrLst meth="repeat">
+      <a:schemeClr val="dk1"/>
+    </dgm:txFillClrLst>
+    <dgm:txEffectClrLst/>
+  </dgm:styleLbl>
+  <dgm:styleLbl name="alignAccFollowNode1">
+    <dgm:fillClrLst meth="repeat">
+      <a:schemeClr val="accent1">
+        <a:alpha val="90000"/>
+        <a:tint val="40000"/>
+      </a:schemeClr>
+    </dgm:fillClrLst>
+    <dgm:linClrLst meth="repeat">
+      <a:schemeClr val="accent1">
+        <a:alpha val="90000"/>
+        <a:tint val="40000"/>
+      </a:schemeClr>
+    </dgm:linClrLst>
+    <dgm:effectClrLst/>
+    <dgm:txLinClrLst/>
+    <dgm:txFillClrLst meth="repeat">
+      <a:schemeClr val="dk1"/>
+    </dgm:txFillClrLst>
+    <dgm:txEffectClrLst/>
+  </dgm:styleLbl>
+  <dgm:styleLbl name="bgAccFollowNode1">
+    <dgm:fillClrLst meth="repeat">
+      <a:schemeClr val="accent1">
+        <a:alpha val="90000"/>
+        <a:tint val="40000"/>
+      </a:schemeClr>
+    </dgm:fillClrLst>
+    <dgm:linClrLst meth="repeat">
+      <a:schemeClr val="accent1">
+        <a:alpha val="90000"/>
+        <a:tint val="40000"/>
+      </a:schemeClr>
+    </dgm:linClrLst>
+    <dgm:effectClrLst/>
+    <dgm:txLinClrLst/>
+    <dgm:txFillClrLst meth="repeat">
+      <a:schemeClr val="dk1"/>
+    </dgm:txFillClrLst>
+    <dgm:txEffectClrLst/>
+  </dgm:styleLbl>
+  <dgm:styleLbl name="fgAcc0">
+    <dgm:fillClrLst meth="repeat">
+      <a:schemeClr val="lt1">
+        <a:alpha val="90000"/>
+      </a:schemeClr>
+    </dgm:fillClrLst>
+    <dgm:linClrLst meth="repeat">
+      <a:schemeClr val="accent1"/>
+    </dgm:linClrLst>
+    <dgm:effectClrLst/>
+    <dgm:txLinClrLst/>
+    <dgm:txFillClrLst meth="repeat">
+      <a:schemeClr val="dk1"/>
+    </dgm:txFillClrLst>
+    <dgm:txEffectClrLst/>
+  </dgm:styleLbl>
+  <dgm:styleLbl name="fgAcc2">
+    <dgm:fillClrLst meth="repeat">
+      <a:schemeClr val="lt1">
+        <a:alpha val="90000"/>
+      </a:schemeClr>
+    </dgm:fillClrLst>
+    <dgm:linClrLst meth="repeat">
+      <a:schemeClr val="accent1"/>
+    </dgm:linClrLst>
+    <dgm:effectClrLst/>
+    <dgm:txLinClrLst/>
+    <dgm:txFillClrLst meth="repeat">
+      <a:schemeClr val="dk1"/>
+    </dgm:txFillClrLst>
+    <dgm:txEffectClrLst/>
+  </dgm:styleLbl>
+  <dgm:styleLbl name="fgAcc3">
+    <dgm:fillClrLst meth="repeat">
+      <a:schemeClr val="lt1">
+        <a:alpha val="90000"/>
+      </a:schemeClr>
+    </dgm:fillClrLst>
+    <dgm:linClrLst meth="repeat">
+      <a:schemeClr val="accent1"/>
+    </dgm:linClrLst>
+    <dgm:effectClrLst/>
+    <dgm:txLinClrLst/>
+    <dgm:txFillClrLst meth="repeat">
+      <a:schemeClr val="dk1"/>
+    </dgm:txFillClrLst>
+    <dgm:txEffectClrLst/>
+  </dgm:styleLbl>
+  <dgm:styleLbl name="fgAcc4">
+    <dgm:fillClrLst meth="repeat">
+      <a:schemeClr val="lt1">
+        <a:alpha val="90000"/>
+      </a:schemeClr>
+    </dgm:fillClrLst>
+    <dgm:linClrLst meth="repeat">
+      <a:schemeClr val="accent1"/>
+    </dgm:linClrLst>
+    <dgm:effectClrLst/>
+    <dgm:txLinClrLst/>
+    <dgm:txFillClrLst meth="repeat">
+      <a:schemeClr val="dk1"/>
+    </dgm:txFillClrLst>
+    <dgm:txEffectClrLst/>
+  </dgm:styleLbl>
+  <dgm:styleLbl name="bgShp">
+    <dgm:fillClrLst meth="repeat">
+      <a:schemeClr val="accent1">
+        <a:tint val="40000"/>
+      </a:schemeClr>
+    </dgm:fillClrLst>
+    <dgm:linClrLst meth="repeat">
+      <a:schemeClr val="accent1"/>
+    </dgm:linClrLst>
+    <dgm:effectClrLst/>
+    <dgm:txLinClrLst/>
+    <dgm:txFillClrLst meth="repeat">
+      <a:schemeClr val="dk1"/>
+    </dgm:txFillClrLst>
+    <dgm:txEffectClrLst/>
+  </dgm:styleLbl>
+  <dgm:styleLbl name="dkBgShp">
+    <dgm:fillClrLst meth="repeat">
+      <a:schemeClr val="accent1">
+        <a:shade val="80000"/>
+      </a:schemeClr>
+    </dgm:fillClrLst>
+    <dgm:linClrLst meth="repeat">
+      <a:schemeClr val="accent1"/>
+    </dgm:linClrLst>
+    <dgm:effectClrLst/>
+    <dgm:txLinClrLst/>
+    <dgm:txFillClrLst meth="repeat">
+      <a:schemeClr val="lt1"/>
+    </dgm:txFillClrLst>
+    <dgm:txEffectClrLst/>
+  </dgm:styleLbl>
+  <dgm:styleLbl name="trBgShp">
+    <dgm:fillClrLst meth="repeat">
+      <a:schemeClr val="accent1">
+        <a:tint val="50000"/>
+        <a:alpha val="40000"/>
+      </a:schemeClr>
+    </dgm:fillClrLst>
+    <dgm:linClrLst meth="repeat">
+      <a:schemeClr val="accent1"/>
+    </dgm:linClrLst>
+    <dgm:effectClrLst/>
+    <dgm:txLinClrLst/>
+    <dgm:txFillClrLst meth="repeat">
+      <a:schemeClr val="lt1"/>
+    </dgm:txFillClrLst>
+    <dgm:txEffectClrLst/>
+  </dgm:styleLbl>
+  <dgm:styleLbl name="fgShp">
+    <dgm:fillClrLst meth="repeat">
+      <a:schemeClr val="accent1">
+        <a:tint val="60000"/>
+      </a:schemeClr>
+    </dgm:fillClrLst>
+    <dgm:linClrLst meth="repeat">
+      <a:schemeClr val="lt1"/>
+    </dgm:linClrLst>
+    <dgm:effectClrLst/>
+    <dgm:txLinClrLst/>
+    <dgm:txFillClrLst meth="repeat">
+      <a:schemeClr val="dk1"/>
+    </dgm:txFillClrLst>
+    <dgm:txEffectClrLst/>
+  </dgm:styleLbl>
+  <dgm:styleLbl name="revTx">
+    <dgm:fillClrLst meth="repeat">
+      <a:schemeClr val="lt1">
+        <a:alpha val="0"/>
+      </a:schemeClr>
+    </dgm:fillClrLst>
+    <dgm:linClrLst meth="repeat">
+      <a:schemeClr val="dk1">
+        <a:alpha val="0"/>
+      </a:schemeClr>
+    </dgm:linClrLst>
+    <dgm:effectClrLst/>
+    <dgm:txLinClrLst/>
+    <dgm:txFillClrLst meth="repeat">
+      <a:schemeClr val="tx1"/>
+    </dgm:txFillClrLst>
+    <dgm:txEffectClrLst/>
+  </dgm:styleLbl>
+</dgm:colorsDef>
+</file>
+
+<file path=ppt/diagrams/data1.xml><?xml version="1.0" encoding="utf-8"?>
+<dgm:dataModel xmlns:dgm="http://schemas.openxmlformats.org/drawingml/2006/diagram" xmlns:a="http://schemas.openxmlformats.org/drawingml/2006/main">
+  <dgm:ptLst>
+    <dgm:pt modelId="{1721CE27-736F-4F7A-BA67-38A0091F9BA8}" type="doc">
+      <dgm:prSet loTypeId="urn:microsoft.com/office/officeart/2008/layout/LinedList" loCatId="list" qsTypeId="urn:microsoft.com/office/officeart/2005/8/quickstyle/simple1" qsCatId="simple" csTypeId="urn:microsoft.com/office/officeart/2005/8/colors/accent1_2" csCatId="accent1" phldr="1"/>
+      <dgm:spPr/>
+      <dgm:t>
+        <a:bodyPr/>
+        <a:lstStyle/>
+        <a:p>
+          <a:endParaRPr lang="zh-CN" altLang="en-US"/>
+        </a:p>
+      </dgm:t>
+    </dgm:pt>
+    <dgm:pt modelId="{3EDB9A97-E085-437A-9CC1-5D17F450EE88}">
+      <dgm:prSet phldrT="[文本]" custT="1"/>
+      <dgm:spPr/>
+      <dgm:t>
+        <a:bodyPr anchor="ctr"/>
+        <a:lstStyle/>
+        <a:p>
+          <a:r>
+            <a:rPr lang="zh-CN" altLang="en-US" sz="4800" b="0" dirty="0" smtClean="0">
+              <a:solidFill>
+                <a:schemeClr val="accent2">
+                  <a:lumMod val="50000"/>
+                </a:schemeClr>
+              </a:solidFill>
+              <a:latin typeface="微软雅黑" pitchFamily="34" charset="-122"/>
+              <a:ea typeface="微软雅黑" pitchFamily="34" charset="-122"/>
+            </a:rPr>
+            <a:t>前期准备</a:t>
+          </a:r>
+          <a:endParaRPr lang="zh-CN" altLang="en-US" sz="4800" b="0" dirty="0">
+            <a:solidFill>
+              <a:schemeClr val="accent2">
+                <a:lumMod val="50000"/>
+              </a:schemeClr>
+            </a:solidFill>
+            <a:latin typeface="微软雅黑" pitchFamily="34" charset="-122"/>
+            <a:ea typeface="微软雅黑" pitchFamily="34" charset="-122"/>
+          </a:endParaRPr>
+        </a:p>
+      </dgm:t>
+    </dgm:pt>
+    <dgm:pt modelId="{5C56F35D-DA58-42EA-A920-5075DA101404}" type="parTrans" cxnId="{23C195C0-02FD-41B2-ABF2-4E958B5ECB63}">
+      <dgm:prSet/>
+      <dgm:spPr/>
+      <dgm:t>
+        <a:bodyPr/>
+        <a:lstStyle/>
+        <a:p>
+          <a:endParaRPr lang="zh-CN" altLang="en-US"/>
+        </a:p>
+      </dgm:t>
+    </dgm:pt>
+    <dgm:pt modelId="{5BE46FB8-C437-4BDD-A661-8645CED2FDDA}" type="sibTrans" cxnId="{23C195C0-02FD-41B2-ABF2-4E958B5ECB63}">
+      <dgm:prSet/>
+      <dgm:spPr/>
+      <dgm:t>
+        <a:bodyPr/>
+        <a:lstStyle/>
+        <a:p>
+          <a:endParaRPr lang="zh-CN" altLang="en-US"/>
+        </a:p>
+      </dgm:t>
+    </dgm:pt>
+    <dgm:pt modelId="{2339FCF9-060F-4FBD-B264-97DC033A7EF2}">
+      <dgm:prSet phldrT="[文本]" custT="1"/>
+      <dgm:spPr/>
+      <dgm:t>
+        <a:bodyPr anchor="b"/>
+        <a:lstStyle/>
+        <a:p>
+          <a:r>
+            <a:rPr lang="zh-CN" altLang="en-US" sz="2800" b="0" dirty="0" smtClean="0">
+              <a:solidFill>
+                <a:schemeClr val="accent6">
+                  <a:lumMod val="50000"/>
+                </a:schemeClr>
+              </a:solidFill>
+              <a:latin typeface="方正美黑简体" pitchFamily="65" charset="-122"/>
+              <a:ea typeface="方正美黑简体" pitchFamily="65" charset="-122"/>
+            </a:rPr>
+            <a:t>查找资料的方向</a:t>
+          </a:r>
+          <a:endParaRPr lang="zh-CN" altLang="en-US" sz="2800" b="0" dirty="0">
+            <a:solidFill>
+              <a:schemeClr val="accent6">
+                <a:lumMod val="50000"/>
+              </a:schemeClr>
+            </a:solidFill>
+            <a:latin typeface="方正美黑简体" pitchFamily="65" charset="-122"/>
+            <a:ea typeface="方正美黑简体" pitchFamily="65" charset="-122"/>
+          </a:endParaRPr>
+        </a:p>
+      </dgm:t>
+    </dgm:pt>
+    <dgm:pt modelId="{64671D2D-0E90-42F7-8235-F9182DA60383}" type="parTrans" cxnId="{6BDAB81E-4558-4263-8735-09A9E4FCE639}">
+      <dgm:prSet/>
+      <dgm:spPr/>
+      <dgm:t>
+        <a:bodyPr/>
+        <a:lstStyle/>
+        <a:p>
+          <a:endParaRPr lang="zh-CN" altLang="en-US"/>
+        </a:p>
+      </dgm:t>
+    </dgm:pt>
+    <dgm:pt modelId="{7669CAC6-2E56-418C-87F7-680BF1626529}" type="sibTrans" cxnId="{6BDAB81E-4558-4263-8735-09A9E4FCE639}">
+      <dgm:prSet/>
+      <dgm:spPr/>
+      <dgm:t>
+        <a:bodyPr/>
+        <a:lstStyle/>
+        <a:p>
+          <a:endParaRPr lang="zh-CN" altLang="en-US"/>
+        </a:p>
+      </dgm:t>
+    </dgm:pt>
+    <dgm:pt modelId="{9E759CD3-135E-4431-86F5-D80469B8C9CB}">
+      <dgm:prSet phldrT="[文本]" custT="1"/>
+      <dgm:spPr/>
+      <dgm:t>
+        <a:bodyPr anchor="b"/>
+        <a:lstStyle/>
+        <a:p>
+          <a:r>
+            <a:rPr lang="zh-CN" altLang="en-US" sz="2800" b="0" dirty="0" smtClean="0">
+              <a:solidFill>
+                <a:schemeClr val="accent6">
+                  <a:lumMod val="50000"/>
+                </a:schemeClr>
+              </a:solidFill>
+              <a:latin typeface="方正美黑简体" pitchFamily="65" charset="-122"/>
+              <a:ea typeface="方正美黑简体" pitchFamily="65" charset="-122"/>
+            </a:rPr>
+            <a:t>实际事故现场状况</a:t>
+          </a:r>
+          <a:endParaRPr lang="zh-CN" altLang="en-US" sz="2800" b="0" dirty="0">
+            <a:solidFill>
+              <a:schemeClr val="accent6">
+                <a:lumMod val="50000"/>
+              </a:schemeClr>
+            </a:solidFill>
+            <a:latin typeface="方正美黑简体" pitchFamily="65" charset="-122"/>
+            <a:ea typeface="方正美黑简体" pitchFamily="65" charset="-122"/>
+          </a:endParaRPr>
+        </a:p>
+      </dgm:t>
+    </dgm:pt>
+    <dgm:pt modelId="{82CF8761-321A-48CF-88FD-284CAEF0CC03}" type="parTrans" cxnId="{31E1ABBE-2E00-4A8A-8D27-66D540179AFB}">
+      <dgm:prSet/>
+      <dgm:spPr/>
+      <dgm:t>
+        <a:bodyPr/>
+        <a:lstStyle/>
+        <a:p>
+          <a:endParaRPr lang="zh-CN" altLang="en-US"/>
+        </a:p>
+      </dgm:t>
+    </dgm:pt>
+    <dgm:pt modelId="{1ADB387F-89F4-4553-BEAB-387648C78C8B}" type="sibTrans" cxnId="{31E1ABBE-2E00-4A8A-8D27-66D540179AFB}">
+      <dgm:prSet/>
+      <dgm:spPr/>
+      <dgm:t>
+        <a:bodyPr/>
+        <a:lstStyle/>
+        <a:p>
+          <a:endParaRPr lang="zh-CN" altLang="en-US"/>
+        </a:p>
+      </dgm:t>
+    </dgm:pt>
+    <dgm:pt modelId="{EB40E5C7-C432-4C79-A319-9F791CF80179}">
+      <dgm:prSet phldrT="[文本]" custT="1"/>
+      <dgm:spPr/>
+      <dgm:t>
+        <a:bodyPr anchor="b"/>
+        <a:lstStyle/>
+        <a:p>
+          <a:r>
+            <a:rPr lang="zh-CN" altLang="en-US" sz="2800" b="0" dirty="0" smtClean="0">
+              <a:solidFill>
+                <a:schemeClr val="accent6">
+                  <a:lumMod val="50000"/>
+                </a:schemeClr>
+              </a:solidFill>
+              <a:latin typeface="方正美黑简体" pitchFamily="65" charset="-122"/>
+              <a:ea typeface="方正美黑简体" pitchFamily="65" charset="-122"/>
+            </a:rPr>
+            <a:t>对处理流程的分析，各环节的具体解决方法</a:t>
+          </a:r>
+          <a:endParaRPr lang="zh-CN" altLang="en-US" sz="2800" b="0" dirty="0">
+            <a:solidFill>
+              <a:schemeClr val="accent6">
+                <a:lumMod val="50000"/>
+              </a:schemeClr>
+            </a:solidFill>
+            <a:latin typeface="方正美黑简体" pitchFamily="65" charset="-122"/>
+            <a:ea typeface="方正美黑简体" pitchFamily="65" charset="-122"/>
+          </a:endParaRPr>
+        </a:p>
+      </dgm:t>
+    </dgm:pt>
+    <dgm:pt modelId="{F0AD7697-D6F7-4E4B-8A8A-E39AC1E32C8F}" type="parTrans" cxnId="{1BF81EAC-CB28-4958-A8AB-8A66FBC3BEF4}">
+      <dgm:prSet/>
+      <dgm:spPr/>
+      <dgm:t>
+        <a:bodyPr/>
+        <a:lstStyle/>
+        <a:p>
+          <a:endParaRPr lang="zh-CN" altLang="en-US"/>
+        </a:p>
+      </dgm:t>
+    </dgm:pt>
+    <dgm:pt modelId="{7E0193CA-4A06-4DA4-BBF3-4D5FF2A8AFE6}" type="sibTrans" cxnId="{1BF81EAC-CB28-4958-A8AB-8A66FBC3BEF4}">
+      <dgm:prSet/>
+      <dgm:spPr/>
+      <dgm:t>
+        <a:bodyPr/>
+        <a:lstStyle/>
+        <a:p>
+          <a:endParaRPr lang="zh-CN" altLang="en-US"/>
+        </a:p>
+      </dgm:t>
+    </dgm:pt>
+    <dgm:pt modelId="{0022A7D1-23EC-4E6C-B418-273BDEF04EEF}" type="pres">
+      <dgm:prSet presAssocID="{1721CE27-736F-4F7A-BA67-38A0091F9BA8}" presName="vert0" presStyleCnt="0">
+        <dgm:presLayoutVars>
+          <dgm:dir/>
+          <dgm:animOne val="branch"/>
+          <dgm:animLvl val="lvl"/>
+        </dgm:presLayoutVars>
+      </dgm:prSet>
+      <dgm:spPr/>
+      <dgm:t>
+        <a:bodyPr/>
+        <a:lstStyle/>
+        <a:p>
+          <a:endParaRPr lang="zh-CN" altLang="en-US"/>
+        </a:p>
+      </dgm:t>
+    </dgm:pt>
+    <dgm:pt modelId="{C61CC36F-7E8B-46DE-B89E-35931BDACE7E}" type="pres">
+      <dgm:prSet presAssocID="{3EDB9A97-E085-437A-9CC1-5D17F450EE88}" presName="thickLine" presStyleLbl="alignNode1" presStyleIdx="0" presStyleCnt="1"/>
+      <dgm:spPr/>
+    </dgm:pt>
+    <dgm:pt modelId="{EA162E8F-9A35-4AFD-A892-9204B70C1998}" type="pres">
+      <dgm:prSet presAssocID="{3EDB9A97-E085-437A-9CC1-5D17F450EE88}" presName="horz1" presStyleCnt="0"/>
+      <dgm:spPr/>
+    </dgm:pt>
+    <dgm:pt modelId="{4514401C-7652-4DDB-8E99-7E91233BEF4B}" type="pres">
+      <dgm:prSet presAssocID="{3EDB9A97-E085-437A-9CC1-5D17F450EE88}" presName="tx1" presStyleLbl="revTx" presStyleIdx="0" presStyleCnt="4"/>
+      <dgm:spPr/>
+      <dgm:t>
+        <a:bodyPr/>
+        <a:lstStyle/>
+        <a:p>
+          <a:endParaRPr lang="zh-CN" altLang="en-US"/>
+        </a:p>
+      </dgm:t>
+    </dgm:pt>
+    <dgm:pt modelId="{458C6477-ACDA-41F5-B75B-8B8725F22338}" type="pres">
+      <dgm:prSet presAssocID="{3EDB9A97-E085-437A-9CC1-5D17F450EE88}" presName="vert1" presStyleCnt="0"/>
+      <dgm:spPr/>
+    </dgm:pt>
+    <dgm:pt modelId="{2014C56A-9102-4B4B-96EC-E136243F528F}" type="pres">
+      <dgm:prSet presAssocID="{2339FCF9-060F-4FBD-B264-97DC033A7EF2}" presName="vertSpace2a" presStyleCnt="0"/>
+      <dgm:spPr/>
+    </dgm:pt>
+    <dgm:pt modelId="{42E256C6-9CCB-409D-9002-99BCA042F000}" type="pres">
+      <dgm:prSet presAssocID="{2339FCF9-060F-4FBD-B264-97DC033A7EF2}" presName="horz2" presStyleCnt="0"/>
+      <dgm:spPr/>
+    </dgm:pt>
+    <dgm:pt modelId="{6729DC3A-A761-44B8-A10F-97F9866160DB}" type="pres">
+      <dgm:prSet presAssocID="{2339FCF9-060F-4FBD-B264-97DC033A7EF2}" presName="horzSpace2" presStyleCnt="0"/>
+      <dgm:spPr/>
+    </dgm:pt>
+    <dgm:pt modelId="{7653F2B5-7B98-46A5-B566-28B3E9A38806}" type="pres">
+      <dgm:prSet presAssocID="{2339FCF9-060F-4FBD-B264-97DC033A7EF2}" presName="tx2" presStyleLbl="revTx" presStyleIdx="1" presStyleCnt="4"/>
+      <dgm:spPr/>
+      <dgm:t>
+        <a:bodyPr/>
+        <a:lstStyle/>
+        <a:p>
+          <a:endParaRPr lang="zh-CN" altLang="en-US"/>
+        </a:p>
+      </dgm:t>
+    </dgm:pt>
+    <dgm:pt modelId="{CC0AD1DD-BBAC-46EF-BD3A-74AFD08E5DF6}" type="pres">
+      <dgm:prSet presAssocID="{2339FCF9-060F-4FBD-B264-97DC033A7EF2}" presName="vert2" presStyleCnt="0"/>
+      <dgm:spPr/>
+    </dgm:pt>
+    <dgm:pt modelId="{1FD8943C-A368-40F6-8A58-68C271648730}" type="pres">
+      <dgm:prSet presAssocID="{2339FCF9-060F-4FBD-B264-97DC033A7EF2}" presName="thinLine2b" presStyleLbl="callout" presStyleIdx="0" presStyleCnt="3"/>
+      <dgm:spPr/>
+    </dgm:pt>
+    <dgm:pt modelId="{C9147A76-5B5B-4493-9D95-EFC5C794756E}" type="pres">
+      <dgm:prSet presAssocID="{2339FCF9-060F-4FBD-B264-97DC033A7EF2}" presName="vertSpace2b" presStyleCnt="0"/>
+      <dgm:spPr/>
+    </dgm:pt>
+    <dgm:pt modelId="{4B10C1E2-B40C-4E2E-8A81-ACCCA7AAEA0F}" type="pres">
+      <dgm:prSet presAssocID="{9E759CD3-135E-4431-86F5-D80469B8C9CB}" presName="horz2" presStyleCnt="0"/>
+      <dgm:spPr/>
+    </dgm:pt>
+    <dgm:pt modelId="{768B9D23-1DC8-414E-8138-F7795725C24B}" type="pres">
+      <dgm:prSet presAssocID="{9E759CD3-135E-4431-86F5-D80469B8C9CB}" presName="horzSpace2" presStyleCnt="0"/>
+      <dgm:spPr/>
+    </dgm:pt>
+    <dgm:pt modelId="{6D0D0177-F5CB-45CA-A528-017B38410B19}" type="pres">
+      <dgm:prSet presAssocID="{9E759CD3-135E-4431-86F5-D80469B8C9CB}" presName="tx2" presStyleLbl="revTx" presStyleIdx="2" presStyleCnt="4"/>
+      <dgm:spPr/>
+      <dgm:t>
+        <a:bodyPr/>
+        <a:lstStyle/>
+        <a:p>
+          <a:endParaRPr lang="zh-CN" altLang="en-US"/>
+        </a:p>
+      </dgm:t>
+    </dgm:pt>
+    <dgm:pt modelId="{0868BA6E-0465-4E24-A427-B5B7722501BD}" type="pres">
+      <dgm:prSet presAssocID="{9E759CD3-135E-4431-86F5-D80469B8C9CB}" presName="vert2" presStyleCnt="0"/>
+      <dgm:spPr/>
+    </dgm:pt>
+    <dgm:pt modelId="{AA5FB783-BFFD-46A3-9B52-91139F18505F}" type="pres">
+      <dgm:prSet presAssocID="{9E759CD3-135E-4431-86F5-D80469B8C9CB}" presName="thinLine2b" presStyleLbl="callout" presStyleIdx="1" presStyleCnt="3"/>
+      <dgm:spPr/>
+    </dgm:pt>
+    <dgm:pt modelId="{80CE3818-4804-4ED5-87E5-B5F718A2F125}" type="pres">
+      <dgm:prSet presAssocID="{9E759CD3-135E-4431-86F5-D80469B8C9CB}" presName="vertSpace2b" presStyleCnt="0"/>
+      <dgm:spPr/>
+    </dgm:pt>
+    <dgm:pt modelId="{1F665F64-9B0E-44F1-8333-E6514BD0F255}" type="pres">
+      <dgm:prSet presAssocID="{EB40E5C7-C432-4C79-A319-9F791CF80179}" presName="horz2" presStyleCnt="0"/>
+      <dgm:spPr/>
+    </dgm:pt>
+    <dgm:pt modelId="{BE6CE632-248C-4E34-8975-9A7AF35161E4}" type="pres">
+      <dgm:prSet presAssocID="{EB40E5C7-C432-4C79-A319-9F791CF80179}" presName="horzSpace2" presStyleCnt="0"/>
+      <dgm:spPr/>
+    </dgm:pt>
+    <dgm:pt modelId="{897E0714-F230-476B-8B1C-AA732F25A9C4}" type="pres">
+      <dgm:prSet presAssocID="{EB40E5C7-C432-4C79-A319-9F791CF80179}" presName="tx2" presStyleLbl="revTx" presStyleIdx="3" presStyleCnt="4"/>
+      <dgm:spPr/>
+      <dgm:t>
+        <a:bodyPr/>
+        <a:lstStyle/>
+        <a:p>
+          <a:endParaRPr lang="zh-CN" altLang="en-US"/>
+        </a:p>
+      </dgm:t>
+    </dgm:pt>
+    <dgm:pt modelId="{C292222B-1BA9-45D9-9D0E-1AAB46397D54}" type="pres">
+      <dgm:prSet presAssocID="{EB40E5C7-C432-4C79-A319-9F791CF80179}" presName="vert2" presStyleCnt="0"/>
+      <dgm:spPr/>
+    </dgm:pt>
+    <dgm:pt modelId="{DD862EBD-2D79-4754-AAAE-9A6D9A49E0E1}" type="pres">
+      <dgm:prSet presAssocID="{EB40E5C7-C432-4C79-A319-9F791CF80179}" presName="thinLine2b" presStyleLbl="callout" presStyleIdx="2" presStyleCnt="3"/>
+      <dgm:spPr/>
+    </dgm:pt>
+    <dgm:pt modelId="{321AF0D8-1B22-4603-8498-CF4C2FBA2469}" type="pres">
+      <dgm:prSet presAssocID="{EB40E5C7-C432-4C79-A319-9F791CF80179}" presName="vertSpace2b" presStyleCnt="0"/>
+      <dgm:spPr/>
+    </dgm:pt>
+  </dgm:ptLst>
+  <dgm:cxnLst>
+    <dgm:cxn modelId="{31E1ABBE-2E00-4A8A-8D27-66D540179AFB}" srcId="{3EDB9A97-E085-437A-9CC1-5D17F450EE88}" destId="{9E759CD3-135E-4431-86F5-D80469B8C9CB}" srcOrd="1" destOrd="0" parTransId="{82CF8761-321A-48CF-88FD-284CAEF0CC03}" sibTransId="{1ADB387F-89F4-4553-BEAB-387648C78C8B}"/>
+    <dgm:cxn modelId="{4E79A813-CC8D-4C02-A53A-3F8B5E55CB75}" type="presOf" srcId="{3EDB9A97-E085-437A-9CC1-5D17F450EE88}" destId="{4514401C-7652-4DDB-8E99-7E91233BEF4B}" srcOrd="0" destOrd="0" presId="urn:microsoft.com/office/officeart/2008/layout/LinedList"/>
+    <dgm:cxn modelId="{6BDAB81E-4558-4263-8735-09A9E4FCE639}" srcId="{3EDB9A97-E085-437A-9CC1-5D17F450EE88}" destId="{2339FCF9-060F-4FBD-B264-97DC033A7EF2}" srcOrd="0" destOrd="0" parTransId="{64671D2D-0E90-42F7-8235-F9182DA60383}" sibTransId="{7669CAC6-2E56-418C-87F7-680BF1626529}"/>
+    <dgm:cxn modelId="{F4A7C36A-BBB5-43B2-9B1C-46D08F0D1441}" type="presOf" srcId="{EB40E5C7-C432-4C79-A319-9F791CF80179}" destId="{897E0714-F230-476B-8B1C-AA732F25A9C4}" srcOrd="0" destOrd="0" presId="urn:microsoft.com/office/officeart/2008/layout/LinedList"/>
+    <dgm:cxn modelId="{1BF81EAC-CB28-4958-A8AB-8A66FBC3BEF4}" srcId="{3EDB9A97-E085-437A-9CC1-5D17F450EE88}" destId="{EB40E5C7-C432-4C79-A319-9F791CF80179}" srcOrd="2" destOrd="0" parTransId="{F0AD7697-D6F7-4E4B-8A8A-E39AC1E32C8F}" sibTransId="{7E0193CA-4A06-4DA4-BBF3-4D5FF2A8AFE6}"/>
+    <dgm:cxn modelId="{4F08C2C9-210F-4E3E-A1D4-49DC2BE8A545}" type="presOf" srcId="{9E759CD3-135E-4431-86F5-D80469B8C9CB}" destId="{6D0D0177-F5CB-45CA-A528-017B38410B19}" srcOrd="0" destOrd="0" presId="urn:microsoft.com/office/officeart/2008/layout/LinedList"/>
+    <dgm:cxn modelId="{E4CE0A70-AB94-43CC-AF9E-DCCC3A448FD8}" type="presOf" srcId="{1721CE27-736F-4F7A-BA67-38A0091F9BA8}" destId="{0022A7D1-23EC-4E6C-B418-273BDEF04EEF}" srcOrd="0" destOrd="0" presId="urn:microsoft.com/office/officeart/2008/layout/LinedList"/>
+    <dgm:cxn modelId="{77B9B969-F3B1-4A25-877D-7574D622D9C5}" type="presOf" srcId="{2339FCF9-060F-4FBD-B264-97DC033A7EF2}" destId="{7653F2B5-7B98-46A5-B566-28B3E9A38806}" srcOrd="0" destOrd="0" presId="urn:microsoft.com/office/officeart/2008/layout/LinedList"/>
+    <dgm:cxn modelId="{23C195C0-02FD-41B2-ABF2-4E958B5ECB63}" srcId="{1721CE27-736F-4F7A-BA67-38A0091F9BA8}" destId="{3EDB9A97-E085-437A-9CC1-5D17F450EE88}" srcOrd="0" destOrd="0" parTransId="{5C56F35D-DA58-42EA-A920-5075DA101404}" sibTransId="{5BE46FB8-C437-4BDD-A661-8645CED2FDDA}"/>
+    <dgm:cxn modelId="{8C45D8C2-831E-4336-B476-C16A7A25B2B1}" type="presParOf" srcId="{0022A7D1-23EC-4E6C-B418-273BDEF04EEF}" destId="{C61CC36F-7E8B-46DE-B89E-35931BDACE7E}" srcOrd="0" destOrd="0" presId="urn:microsoft.com/office/officeart/2008/layout/LinedList"/>
+    <dgm:cxn modelId="{F0FC51B9-D70C-40C1-9CA2-2D054B78104B}" type="presParOf" srcId="{0022A7D1-23EC-4E6C-B418-273BDEF04EEF}" destId="{EA162E8F-9A35-4AFD-A892-9204B70C1998}" srcOrd="1" destOrd="0" presId="urn:microsoft.com/office/officeart/2008/layout/LinedList"/>
+    <dgm:cxn modelId="{EF580E5D-A2BA-4D57-AA93-ABA8ABB32CC7}" type="presParOf" srcId="{EA162E8F-9A35-4AFD-A892-9204B70C1998}" destId="{4514401C-7652-4DDB-8E99-7E91233BEF4B}" srcOrd="0" destOrd="0" presId="urn:microsoft.com/office/officeart/2008/layout/LinedList"/>
+    <dgm:cxn modelId="{EF4E4EB9-29BE-4167-91D0-9A71310CDC20}" type="presParOf" srcId="{EA162E8F-9A35-4AFD-A892-9204B70C1998}" destId="{458C6477-ACDA-41F5-B75B-8B8725F22338}" srcOrd="1" destOrd="0" presId="urn:microsoft.com/office/officeart/2008/layout/LinedList"/>
+    <dgm:cxn modelId="{22C6F15B-7707-4DA7-BFA0-DC7DEB84800E}" type="presParOf" srcId="{458C6477-ACDA-41F5-B75B-8B8725F22338}" destId="{2014C56A-9102-4B4B-96EC-E136243F528F}" srcOrd="0" destOrd="0" presId="urn:microsoft.com/office/officeart/2008/layout/LinedList"/>
+    <dgm:cxn modelId="{81E27CC4-BBE4-45C9-9124-74B34E2A71BC}" type="presParOf" srcId="{458C6477-ACDA-41F5-B75B-8B8725F22338}" destId="{42E256C6-9CCB-409D-9002-99BCA042F000}" srcOrd="1" destOrd="0" presId="urn:microsoft.com/office/officeart/2008/layout/LinedList"/>
+    <dgm:cxn modelId="{B44D27DE-6999-4F82-BC87-5E96B1EBFF6E}" type="presParOf" srcId="{42E256C6-9CCB-409D-9002-99BCA042F000}" destId="{6729DC3A-A761-44B8-A10F-97F9866160DB}" srcOrd="0" destOrd="0" presId="urn:microsoft.com/office/officeart/2008/layout/LinedList"/>
+    <dgm:cxn modelId="{64D5AA73-FED8-4422-8353-50ABA5CD5CF4}" type="presParOf" srcId="{42E256C6-9CCB-409D-9002-99BCA042F000}" destId="{7653F2B5-7B98-46A5-B566-28B3E9A38806}" srcOrd="1" destOrd="0" presId="urn:microsoft.com/office/officeart/2008/layout/LinedList"/>
+    <dgm:cxn modelId="{9FB03C3E-B20C-47CF-AC1F-5FDAA1E8B2E7}" type="presParOf" srcId="{42E256C6-9CCB-409D-9002-99BCA042F000}" destId="{CC0AD1DD-BBAC-46EF-BD3A-74AFD08E5DF6}" srcOrd="2" destOrd="0" presId="urn:microsoft.com/office/officeart/2008/layout/LinedList"/>
+    <dgm:cxn modelId="{F5F13FCB-3D46-4BEC-8CFD-5485F7C39CA5}" type="presParOf" srcId="{458C6477-ACDA-41F5-B75B-8B8725F22338}" destId="{1FD8943C-A368-40F6-8A58-68C271648730}" srcOrd="2" destOrd="0" presId="urn:microsoft.com/office/officeart/2008/layout/LinedList"/>
+    <dgm:cxn modelId="{E60A4CAE-8DC4-495C-8983-0CE1E36CC6DB}" type="presParOf" srcId="{458C6477-ACDA-41F5-B75B-8B8725F22338}" destId="{C9147A76-5B5B-4493-9D95-EFC5C794756E}" srcOrd="3" destOrd="0" presId="urn:microsoft.com/office/officeart/2008/layout/LinedList"/>
+    <dgm:cxn modelId="{CE45B543-7606-4B17-B146-F5FD0A3FDD9E}" type="presParOf" srcId="{458C6477-ACDA-41F5-B75B-8B8725F22338}" destId="{4B10C1E2-B40C-4E2E-8A81-ACCCA7AAEA0F}" srcOrd="4" destOrd="0" presId="urn:microsoft.com/office/officeart/2008/layout/LinedList"/>
+    <dgm:cxn modelId="{C3B52E13-B43E-4F39-9EE8-4CD8439BD47E}" type="presParOf" srcId="{4B10C1E2-B40C-4E2E-8A81-ACCCA7AAEA0F}" destId="{768B9D23-1DC8-414E-8138-F7795725C24B}" srcOrd="0" destOrd="0" presId="urn:microsoft.com/office/officeart/2008/layout/LinedList"/>
+    <dgm:cxn modelId="{DC578DB0-40A9-4E21-B23D-48AB1666388D}" type="presParOf" srcId="{4B10C1E2-B40C-4E2E-8A81-ACCCA7AAEA0F}" destId="{6D0D0177-F5CB-45CA-A528-017B38410B19}" srcOrd="1" destOrd="0" presId="urn:microsoft.com/office/officeart/2008/layout/LinedList"/>
+    <dgm:cxn modelId="{C0A9B5FB-2803-4468-B529-6317D58ED262}" type="presParOf" srcId="{4B10C1E2-B40C-4E2E-8A81-ACCCA7AAEA0F}" destId="{0868BA6E-0465-4E24-A427-B5B7722501BD}" srcOrd="2" destOrd="0" presId="urn:microsoft.com/office/officeart/2008/layout/LinedList"/>
+    <dgm:cxn modelId="{F69785DE-FC9C-4879-BA77-38DEB6EA9D35}" type="presParOf" srcId="{458C6477-ACDA-41F5-B75B-8B8725F22338}" destId="{AA5FB783-BFFD-46A3-9B52-91139F18505F}" srcOrd="5" destOrd="0" presId="urn:microsoft.com/office/officeart/2008/layout/LinedList"/>
+    <dgm:cxn modelId="{2E44777A-49BF-4997-8E0F-73C78C98442C}" type="presParOf" srcId="{458C6477-ACDA-41F5-B75B-8B8725F22338}" destId="{80CE3818-4804-4ED5-87E5-B5F718A2F125}" srcOrd="6" destOrd="0" presId="urn:microsoft.com/office/officeart/2008/layout/LinedList"/>
+    <dgm:cxn modelId="{98DF4955-F044-4FFB-B5F6-CC136B9AB175}" type="presParOf" srcId="{458C6477-ACDA-41F5-B75B-8B8725F22338}" destId="{1F665F64-9B0E-44F1-8333-E6514BD0F255}" srcOrd="7" destOrd="0" presId="urn:microsoft.com/office/officeart/2008/layout/LinedList"/>
+    <dgm:cxn modelId="{2E497EBB-225E-4F18-9C8C-564B4553F31A}" type="presParOf" srcId="{1F665F64-9B0E-44F1-8333-E6514BD0F255}" destId="{BE6CE632-248C-4E34-8975-9A7AF35161E4}" srcOrd="0" destOrd="0" presId="urn:microsoft.com/office/officeart/2008/layout/LinedList"/>
+    <dgm:cxn modelId="{DDF77BFB-BB35-47F3-A6BD-647B2DED0393}" type="presParOf" srcId="{1F665F64-9B0E-44F1-8333-E6514BD0F255}" destId="{897E0714-F230-476B-8B1C-AA732F25A9C4}" srcOrd="1" destOrd="0" presId="urn:microsoft.com/office/officeart/2008/layout/LinedList"/>
+    <dgm:cxn modelId="{EF669AF9-ABB7-430D-B5CC-6A74D2737A0C}" type="presParOf" srcId="{1F665F64-9B0E-44F1-8333-E6514BD0F255}" destId="{C292222B-1BA9-45D9-9D0E-1AAB46397D54}" srcOrd="2" destOrd="0" presId="urn:microsoft.com/office/officeart/2008/layout/LinedList"/>
+    <dgm:cxn modelId="{701386FC-DC03-4FB4-81F2-8E2C2A90119E}" type="presParOf" srcId="{458C6477-ACDA-41F5-B75B-8B8725F22338}" destId="{DD862EBD-2D79-4754-AAAE-9A6D9A49E0E1}" srcOrd="8" destOrd="0" presId="urn:microsoft.com/office/officeart/2008/layout/LinedList"/>
+    <dgm:cxn modelId="{3884E11F-06F0-4526-A9EA-566D1C7FDA2C}" type="presParOf" srcId="{458C6477-ACDA-41F5-B75B-8B8725F22338}" destId="{321AF0D8-1B22-4603-8498-CF4C2FBA2469}" srcOrd="9" destOrd="0" presId="urn:microsoft.com/office/officeart/2008/layout/LinedList"/>
+  </dgm:cxnLst>
+  <dgm:bg/>
+  <dgm:whole/>
+  <dgm:extLst>
+    <a:ext uri="http://schemas.microsoft.com/office/drawing/2008/diagram">
+      <dsp:dataModelExt xmlns:dsp="http://schemas.microsoft.com/office/drawing/2008/diagram" relId="rId6" minVer="http://schemas.openxmlformats.org/drawingml/2006/diagram"/>
+    </a:ext>
+  </dgm:extLst>
+</dgm:dataModel>
+</file>
+
+<file path=ppt/diagrams/data2.xml><?xml version="1.0" encoding="utf-8"?>
+<dgm:dataModel xmlns:dgm="http://schemas.openxmlformats.org/drawingml/2006/diagram" xmlns:a="http://schemas.openxmlformats.org/drawingml/2006/main">
+  <dgm:ptLst>
+    <dgm:pt modelId="{1721CE27-736F-4F7A-BA67-38A0091F9BA8}" type="doc">
+      <dgm:prSet loTypeId="urn:microsoft.com/office/officeart/2008/layout/LinedList" loCatId="list" qsTypeId="urn:microsoft.com/office/officeart/2005/8/quickstyle/simple1" qsCatId="simple" csTypeId="urn:microsoft.com/office/officeart/2005/8/colors/accent1_2" csCatId="accent1" phldr="1"/>
+      <dgm:spPr/>
+      <dgm:t>
+        <a:bodyPr/>
+        <a:lstStyle/>
+        <a:p>
+          <a:endParaRPr lang="zh-CN" altLang="en-US"/>
+        </a:p>
+      </dgm:t>
+    </dgm:pt>
+    <dgm:pt modelId="{3EDB9A97-E085-437A-9CC1-5D17F450EE88}">
+      <dgm:prSet phldrT="[文本]" custT="1"/>
+      <dgm:spPr/>
+      <dgm:t>
+        <a:bodyPr anchor="ctr"/>
+        <a:lstStyle/>
+        <a:p>
+          <a:r>
+            <a:rPr lang="zh-CN" altLang="en-US" sz="4800" b="0" dirty="0" smtClean="0">
+              <a:solidFill>
+                <a:schemeClr val="accent2">
+                  <a:lumMod val="50000"/>
+                </a:schemeClr>
+              </a:solidFill>
+              <a:latin typeface="微软雅黑" pitchFamily="34" charset="-122"/>
+              <a:ea typeface="微软雅黑" pitchFamily="34" charset="-122"/>
+            </a:rPr>
+            <a:t>程序编写</a:t>
+          </a:r>
+          <a:endParaRPr lang="zh-CN" altLang="en-US" sz="4800" b="0" dirty="0">
+            <a:solidFill>
+              <a:schemeClr val="accent2">
+                <a:lumMod val="50000"/>
+              </a:schemeClr>
+            </a:solidFill>
+            <a:latin typeface="微软雅黑" pitchFamily="34" charset="-122"/>
+            <a:ea typeface="微软雅黑" pitchFamily="34" charset="-122"/>
+          </a:endParaRPr>
+        </a:p>
+      </dgm:t>
+    </dgm:pt>
+    <dgm:pt modelId="{5C56F35D-DA58-42EA-A920-5075DA101404}" type="parTrans" cxnId="{23C195C0-02FD-41B2-ABF2-4E958B5ECB63}">
+      <dgm:prSet/>
+      <dgm:spPr/>
+      <dgm:t>
+        <a:bodyPr/>
+        <a:lstStyle/>
+        <a:p>
+          <a:endParaRPr lang="zh-CN" altLang="en-US"/>
+        </a:p>
+      </dgm:t>
+    </dgm:pt>
+    <dgm:pt modelId="{5BE46FB8-C437-4BDD-A661-8645CED2FDDA}" type="sibTrans" cxnId="{23C195C0-02FD-41B2-ABF2-4E958B5ECB63}">
+      <dgm:prSet/>
+      <dgm:spPr/>
+      <dgm:t>
+        <a:bodyPr/>
+        <a:lstStyle/>
+        <a:p>
+          <a:endParaRPr lang="zh-CN" altLang="en-US"/>
+        </a:p>
+      </dgm:t>
+    </dgm:pt>
+    <dgm:pt modelId="{2339FCF9-060F-4FBD-B264-97DC033A7EF2}">
+      <dgm:prSet phldrT="[文本]" custT="1"/>
+      <dgm:spPr/>
+      <dgm:t>
+        <a:bodyPr anchor="b"/>
+        <a:lstStyle/>
+        <a:p>
+          <a:r>
+            <a:rPr lang="zh-CN" altLang="en-US" sz="2800" b="0" dirty="0" smtClean="0">
+              <a:solidFill>
+                <a:schemeClr val="accent6">
+                  <a:lumMod val="50000"/>
+                </a:schemeClr>
+              </a:solidFill>
+              <a:latin typeface="方正美黑简体" pitchFamily="65" charset="-122"/>
+              <a:ea typeface="方正美黑简体" pitchFamily="65" charset="-122"/>
+            </a:rPr>
+            <a:t>语言选择</a:t>
+          </a:r>
+          <a:endParaRPr lang="zh-CN" altLang="en-US" sz="2800" b="0" dirty="0">
+            <a:solidFill>
+              <a:schemeClr val="accent6">
+                <a:lumMod val="50000"/>
+              </a:schemeClr>
+            </a:solidFill>
+            <a:latin typeface="方正美黑简体" pitchFamily="65" charset="-122"/>
+            <a:ea typeface="方正美黑简体" pitchFamily="65" charset="-122"/>
+          </a:endParaRPr>
+        </a:p>
+      </dgm:t>
+    </dgm:pt>
+    <dgm:pt modelId="{64671D2D-0E90-42F7-8235-F9182DA60383}" type="parTrans" cxnId="{6BDAB81E-4558-4263-8735-09A9E4FCE639}">
+      <dgm:prSet/>
+      <dgm:spPr/>
+      <dgm:t>
+        <a:bodyPr/>
+        <a:lstStyle/>
+        <a:p>
+          <a:endParaRPr lang="zh-CN" altLang="en-US"/>
+        </a:p>
+      </dgm:t>
+    </dgm:pt>
+    <dgm:pt modelId="{7669CAC6-2E56-418C-87F7-680BF1626529}" type="sibTrans" cxnId="{6BDAB81E-4558-4263-8735-09A9E4FCE639}">
+      <dgm:prSet/>
+      <dgm:spPr/>
+      <dgm:t>
+        <a:bodyPr/>
+        <a:lstStyle/>
+        <a:p>
+          <a:endParaRPr lang="zh-CN" altLang="en-US"/>
+        </a:p>
+      </dgm:t>
+    </dgm:pt>
+    <dgm:pt modelId="{9E759CD3-135E-4431-86F5-D80469B8C9CB}">
+      <dgm:prSet phldrT="[文本]" custT="1"/>
+      <dgm:spPr/>
+      <dgm:t>
+        <a:bodyPr anchor="b"/>
+        <a:lstStyle/>
+        <a:p>
+          <a:r>
+            <a:rPr lang="zh-CN" altLang="en-US" sz="2800" b="0" dirty="0" smtClean="0">
+              <a:solidFill>
+                <a:schemeClr val="accent6">
+                  <a:lumMod val="50000"/>
+                </a:schemeClr>
+              </a:solidFill>
+              <a:latin typeface="方正美黑简体" pitchFamily="65" charset="-122"/>
+              <a:ea typeface="方正美黑简体" pitchFamily="65" charset="-122"/>
+            </a:rPr>
+            <a:t>新的库的学习</a:t>
+          </a:r>
+          <a:endParaRPr lang="zh-CN" altLang="en-US" sz="2800" b="0" dirty="0">
+            <a:solidFill>
+              <a:schemeClr val="accent6">
+                <a:lumMod val="50000"/>
+              </a:schemeClr>
+            </a:solidFill>
+            <a:latin typeface="方正美黑简体" pitchFamily="65" charset="-122"/>
+            <a:ea typeface="方正美黑简体" pitchFamily="65" charset="-122"/>
+          </a:endParaRPr>
+        </a:p>
+      </dgm:t>
+    </dgm:pt>
+    <dgm:pt modelId="{82CF8761-321A-48CF-88FD-284CAEF0CC03}" type="parTrans" cxnId="{31E1ABBE-2E00-4A8A-8D27-66D540179AFB}">
+      <dgm:prSet/>
+      <dgm:spPr/>
+      <dgm:t>
+        <a:bodyPr/>
+        <a:lstStyle/>
+        <a:p>
+          <a:endParaRPr lang="zh-CN" altLang="en-US"/>
+        </a:p>
+      </dgm:t>
+    </dgm:pt>
+    <dgm:pt modelId="{1ADB387F-89F4-4553-BEAB-387648C78C8B}" type="sibTrans" cxnId="{31E1ABBE-2E00-4A8A-8D27-66D540179AFB}">
+      <dgm:prSet/>
+      <dgm:spPr/>
+      <dgm:t>
+        <a:bodyPr/>
+        <a:lstStyle/>
+        <a:p>
+          <a:endParaRPr lang="zh-CN" altLang="en-US"/>
+        </a:p>
+      </dgm:t>
+    </dgm:pt>
+    <dgm:pt modelId="{EB40E5C7-C432-4C79-A319-9F791CF80179}">
+      <dgm:prSet phldrT="[文本]" custT="1"/>
+      <dgm:spPr/>
+      <dgm:t>
+        <a:bodyPr anchor="b"/>
+        <a:lstStyle/>
+        <a:p>
+          <a:r>
+            <a:rPr lang="zh-CN" altLang="en-US" sz="2800" b="0" dirty="0" smtClean="0">
+              <a:solidFill>
+                <a:schemeClr val="accent6">
+                  <a:lumMod val="50000"/>
+                </a:schemeClr>
+              </a:solidFill>
+              <a:latin typeface="方正美黑简体" pitchFamily="65" charset="-122"/>
+              <a:ea typeface="方正美黑简体" pitchFamily="65" charset="-122"/>
+            </a:rPr>
+            <a:t>实践操作遇到的各种问题。。</a:t>
+          </a:r>
+          <a:endParaRPr lang="zh-CN" altLang="en-US" sz="2800" b="0" dirty="0">
+            <a:solidFill>
+              <a:schemeClr val="accent6">
+                <a:lumMod val="50000"/>
+              </a:schemeClr>
+            </a:solidFill>
+            <a:latin typeface="方正美黑简体" pitchFamily="65" charset="-122"/>
+            <a:ea typeface="方正美黑简体" pitchFamily="65" charset="-122"/>
+          </a:endParaRPr>
+        </a:p>
+      </dgm:t>
+    </dgm:pt>
+    <dgm:pt modelId="{F0AD7697-D6F7-4E4B-8A8A-E39AC1E32C8F}" type="parTrans" cxnId="{1BF81EAC-CB28-4958-A8AB-8A66FBC3BEF4}">
+      <dgm:prSet/>
+      <dgm:spPr/>
+      <dgm:t>
+        <a:bodyPr/>
+        <a:lstStyle/>
+        <a:p>
+          <a:endParaRPr lang="zh-CN" altLang="en-US"/>
+        </a:p>
+      </dgm:t>
+    </dgm:pt>
+    <dgm:pt modelId="{7E0193CA-4A06-4DA4-BBF3-4D5FF2A8AFE6}" type="sibTrans" cxnId="{1BF81EAC-CB28-4958-A8AB-8A66FBC3BEF4}">
+      <dgm:prSet/>
+      <dgm:spPr/>
+      <dgm:t>
+        <a:bodyPr/>
+        <a:lstStyle/>
+        <a:p>
+          <a:endParaRPr lang="zh-CN" altLang="en-US"/>
+        </a:p>
+      </dgm:t>
+    </dgm:pt>
+    <dgm:pt modelId="{0022A7D1-23EC-4E6C-B418-273BDEF04EEF}" type="pres">
+      <dgm:prSet presAssocID="{1721CE27-736F-4F7A-BA67-38A0091F9BA8}" presName="vert0" presStyleCnt="0">
+        <dgm:presLayoutVars>
+          <dgm:dir/>
+          <dgm:animOne val="branch"/>
+          <dgm:animLvl val="lvl"/>
+        </dgm:presLayoutVars>
+      </dgm:prSet>
+      <dgm:spPr/>
+      <dgm:t>
+        <a:bodyPr/>
+        <a:lstStyle/>
+        <a:p>
+          <a:endParaRPr lang="zh-CN" altLang="en-US"/>
+        </a:p>
+      </dgm:t>
+    </dgm:pt>
+    <dgm:pt modelId="{C61CC36F-7E8B-46DE-B89E-35931BDACE7E}" type="pres">
+      <dgm:prSet presAssocID="{3EDB9A97-E085-437A-9CC1-5D17F450EE88}" presName="thickLine" presStyleLbl="alignNode1" presStyleIdx="0" presStyleCnt="1"/>
+      <dgm:spPr/>
+    </dgm:pt>
+    <dgm:pt modelId="{EA162E8F-9A35-4AFD-A892-9204B70C1998}" type="pres">
+      <dgm:prSet presAssocID="{3EDB9A97-E085-437A-9CC1-5D17F450EE88}" presName="horz1" presStyleCnt="0"/>
+      <dgm:spPr/>
+    </dgm:pt>
+    <dgm:pt modelId="{4514401C-7652-4DDB-8E99-7E91233BEF4B}" type="pres">
+      <dgm:prSet presAssocID="{3EDB9A97-E085-437A-9CC1-5D17F450EE88}" presName="tx1" presStyleLbl="revTx" presStyleIdx="0" presStyleCnt="4"/>
+      <dgm:spPr/>
+      <dgm:t>
+        <a:bodyPr/>
+        <a:lstStyle/>
+        <a:p>
+          <a:endParaRPr lang="zh-CN" altLang="en-US"/>
+        </a:p>
+      </dgm:t>
+    </dgm:pt>
+    <dgm:pt modelId="{458C6477-ACDA-41F5-B75B-8B8725F22338}" type="pres">
+      <dgm:prSet presAssocID="{3EDB9A97-E085-437A-9CC1-5D17F450EE88}" presName="vert1" presStyleCnt="0"/>
+      <dgm:spPr/>
+    </dgm:pt>
+    <dgm:pt modelId="{2014C56A-9102-4B4B-96EC-E136243F528F}" type="pres">
+      <dgm:prSet presAssocID="{2339FCF9-060F-4FBD-B264-97DC033A7EF2}" presName="vertSpace2a" presStyleCnt="0"/>
+      <dgm:spPr/>
+    </dgm:pt>
+    <dgm:pt modelId="{42E256C6-9CCB-409D-9002-99BCA042F000}" type="pres">
+      <dgm:prSet presAssocID="{2339FCF9-060F-4FBD-B264-97DC033A7EF2}" presName="horz2" presStyleCnt="0"/>
+      <dgm:spPr/>
+    </dgm:pt>
+    <dgm:pt modelId="{6729DC3A-A761-44B8-A10F-97F9866160DB}" type="pres">
+      <dgm:prSet presAssocID="{2339FCF9-060F-4FBD-B264-97DC033A7EF2}" presName="horzSpace2" presStyleCnt="0"/>
+      <dgm:spPr/>
+    </dgm:pt>
+    <dgm:pt modelId="{7653F2B5-7B98-46A5-B566-28B3E9A38806}" type="pres">
+      <dgm:prSet presAssocID="{2339FCF9-060F-4FBD-B264-97DC033A7EF2}" presName="tx2" presStyleLbl="revTx" presStyleIdx="1" presStyleCnt="4"/>
+      <dgm:spPr/>
+      <dgm:t>
+        <a:bodyPr/>
+        <a:lstStyle/>
+        <a:p>
+          <a:endParaRPr lang="zh-CN" altLang="en-US"/>
+        </a:p>
+      </dgm:t>
+    </dgm:pt>
+    <dgm:pt modelId="{CC0AD1DD-BBAC-46EF-BD3A-74AFD08E5DF6}" type="pres">
+      <dgm:prSet presAssocID="{2339FCF9-060F-4FBD-B264-97DC033A7EF2}" presName="vert2" presStyleCnt="0"/>
+      <dgm:spPr/>
+    </dgm:pt>
+    <dgm:pt modelId="{1FD8943C-A368-40F6-8A58-68C271648730}" type="pres">
+      <dgm:prSet presAssocID="{2339FCF9-060F-4FBD-B264-97DC033A7EF2}" presName="thinLine2b" presStyleLbl="callout" presStyleIdx="0" presStyleCnt="3"/>
+      <dgm:spPr/>
+    </dgm:pt>
+    <dgm:pt modelId="{C9147A76-5B5B-4493-9D95-EFC5C794756E}" type="pres">
+      <dgm:prSet presAssocID="{2339FCF9-060F-4FBD-B264-97DC033A7EF2}" presName="vertSpace2b" presStyleCnt="0"/>
+      <dgm:spPr/>
+    </dgm:pt>
+    <dgm:pt modelId="{4B10C1E2-B40C-4E2E-8A81-ACCCA7AAEA0F}" type="pres">
+      <dgm:prSet presAssocID="{9E759CD3-135E-4431-86F5-D80469B8C9CB}" presName="horz2" presStyleCnt="0"/>
+      <dgm:spPr/>
+    </dgm:pt>
+    <dgm:pt modelId="{768B9D23-1DC8-414E-8138-F7795725C24B}" type="pres">
+      <dgm:prSet presAssocID="{9E759CD3-135E-4431-86F5-D80469B8C9CB}" presName="horzSpace2" presStyleCnt="0"/>
+      <dgm:spPr/>
+    </dgm:pt>
+    <dgm:pt modelId="{6D0D0177-F5CB-45CA-A528-017B38410B19}" type="pres">
+      <dgm:prSet presAssocID="{9E759CD3-135E-4431-86F5-D80469B8C9CB}" presName="tx2" presStyleLbl="revTx" presStyleIdx="2" presStyleCnt="4"/>
+      <dgm:spPr/>
+      <dgm:t>
+        <a:bodyPr/>
+        <a:lstStyle/>
+        <a:p>
+          <a:endParaRPr lang="zh-CN" altLang="en-US"/>
+        </a:p>
+      </dgm:t>
+    </dgm:pt>
+    <dgm:pt modelId="{0868BA6E-0465-4E24-A427-B5B7722501BD}" type="pres">
+      <dgm:prSet presAssocID="{9E759CD3-135E-4431-86F5-D80469B8C9CB}" presName="vert2" presStyleCnt="0"/>
+      <dgm:spPr/>
+    </dgm:pt>
+    <dgm:pt modelId="{AA5FB783-BFFD-46A3-9B52-91139F18505F}" type="pres">
+      <dgm:prSet presAssocID="{9E759CD3-135E-4431-86F5-D80469B8C9CB}" presName="thinLine2b" presStyleLbl="callout" presStyleIdx="1" presStyleCnt="3"/>
+      <dgm:spPr/>
+    </dgm:pt>
+    <dgm:pt modelId="{80CE3818-4804-4ED5-87E5-B5F718A2F125}" type="pres">
+      <dgm:prSet presAssocID="{9E759CD3-135E-4431-86F5-D80469B8C9CB}" presName="vertSpace2b" presStyleCnt="0"/>
+      <dgm:spPr/>
+    </dgm:pt>
+    <dgm:pt modelId="{1F665F64-9B0E-44F1-8333-E6514BD0F255}" type="pres">
+      <dgm:prSet presAssocID="{EB40E5C7-C432-4C79-A319-9F791CF80179}" presName="horz2" presStyleCnt="0"/>
+      <dgm:spPr/>
+    </dgm:pt>
+    <dgm:pt modelId="{BE6CE632-248C-4E34-8975-9A7AF35161E4}" type="pres">
+      <dgm:prSet presAssocID="{EB40E5C7-C432-4C79-A319-9F791CF80179}" presName="horzSpace2" presStyleCnt="0"/>
+      <dgm:spPr/>
+    </dgm:pt>
+    <dgm:pt modelId="{897E0714-F230-476B-8B1C-AA732F25A9C4}" type="pres">
+      <dgm:prSet presAssocID="{EB40E5C7-C432-4C79-A319-9F791CF80179}" presName="tx2" presStyleLbl="revTx" presStyleIdx="3" presStyleCnt="4"/>
+      <dgm:spPr/>
+      <dgm:t>
+        <a:bodyPr/>
+        <a:lstStyle/>
+        <a:p>
+          <a:endParaRPr lang="zh-CN" altLang="en-US"/>
+        </a:p>
+      </dgm:t>
+    </dgm:pt>
+    <dgm:pt modelId="{C292222B-1BA9-45D9-9D0E-1AAB46397D54}" type="pres">
+      <dgm:prSet presAssocID="{EB40E5C7-C432-4C79-A319-9F791CF80179}" presName="vert2" presStyleCnt="0"/>
+      <dgm:spPr/>
+    </dgm:pt>
+    <dgm:pt modelId="{DD862EBD-2D79-4754-AAAE-9A6D9A49E0E1}" type="pres">
+      <dgm:prSet presAssocID="{EB40E5C7-C432-4C79-A319-9F791CF80179}" presName="thinLine2b" presStyleLbl="callout" presStyleIdx="2" presStyleCnt="3"/>
+      <dgm:spPr/>
+    </dgm:pt>
+    <dgm:pt modelId="{321AF0D8-1B22-4603-8498-CF4C2FBA2469}" type="pres">
+      <dgm:prSet presAssocID="{EB40E5C7-C432-4C79-A319-9F791CF80179}" presName="vertSpace2b" presStyleCnt="0"/>
+      <dgm:spPr/>
+    </dgm:pt>
+  </dgm:ptLst>
+  <dgm:cxnLst>
+    <dgm:cxn modelId="{75B34B4B-0227-4F5D-97E8-FADF5708498C}" type="presOf" srcId="{9E759CD3-135E-4431-86F5-D80469B8C9CB}" destId="{6D0D0177-F5CB-45CA-A528-017B38410B19}" srcOrd="0" destOrd="0" presId="urn:microsoft.com/office/officeart/2008/layout/LinedList"/>
+    <dgm:cxn modelId="{31E1ABBE-2E00-4A8A-8D27-66D540179AFB}" srcId="{3EDB9A97-E085-437A-9CC1-5D17F450EE88}" destId="{9E759CD3-135E-4431-86F5-D80469B8C9CB}" srcOrd="1" destOrd="0" parTransId="{82CF8761-321A-48CF-88FD-284CAEF0CC03}" sibTransId="{1ADB387F-89F4-4553-BEAB-387648C78C8B}"/>
+    <dgm:cxn modelId="{6BDAB81E-4558-4263-8735-09A9E4FCE639}" srcId="{3EDB9A97-E085-437A-9CC1-5D17F450EE88}" destId="{2339FCF9-060F-4FBD-B264-97DC033A7EF2}" srcOrd="0" destOrd="0" parTransId="{64671D2D-0E90-42F7-8235-F9182DA60383}" sibTransId="{7669CAC6-2E56-418C-87F7-680BF1626529}"/>
+    <dgm:cxn modelId="{6FB78590-B293-44C3-A732-D022148303D7}" type="presOf" srcId="{3EDB9A97-E085-437A-9CC1-5D17F450EE88}" destId="{4514401C-7652-4DDB-8E99-7E91233BEF4B}" srcOrd="0" destOrd="0" presId="urn:microsoft.com/office/officeart/2008/layout/LinedList"/>
+    <dgm:cxn modelId="{1BF81EAC-CB28-4958-A8AB-8A66FBC3BEF4}" srcId="{3EDB9A97-E085-437A-9CC1-5D17F450EE88}" destId="{EB40E5C7-C432-4C79-A319-9F791CF80179}" srcOrd="2" destOrd="0" parTransId="{F0AD7697-D6F7-4E4B-8A8A-E39AC1E32C8F}" sibTransId="{7E0193CA-4A06-4DA4-BBF3-4D5FF2A8AFE6}"/>
+    <dgm:cxn modelId="{A08C1F4F-EA6A-4423-A991-16D91C33A5DF}" type="presOf" srcId="{2339FCF9-060F-4FBD-B264-97DC033A7EF2}" destId="{7653F2B5-7B98-46A5-B566-28B3E9A38806}" srcOrd="0" destOrd="0" presId="urn:microsoft.com/office/officeart/2008/layout/LinedList"/>
+    <dgm:cxn modelId="{639FA482-627F-4117-91F7-E1D65AF7823F}" type="presOf" srcId="{EB40E5C7-C432-4C79-A319-9F791CF80179}" destId="{897E0714-F230-476B-8B1C-AA732F25A9C4}" srcOrd="0" destOrd="0" presId="urn:microsoft.com/office/officeart/2008/layout/LinedList"/>
+    <dgm:cxn modelId="{40D678BF-FBC6-449E-A172-5D34C1717DF1}" type="presOf" srcId="{1721CE27-736F-4F7A-BA67-38A0091F9BA8}" destId="{0022A7D1-23EC-4E6C-B418-273BDEF04EEF}" srcOrd="0" destOrd="0" presId="urn:microsoft.com/office/officeart/2008/layout/LinedList"/>
+    <dgm:cxn modelId="{23C195C0-02FD-41B2-ABF2-4E958B5ECB63}" srcId="{1721CE27-736F-4F7A-BA67-38A0091F9BA8}" destId="{3EDB9A97-E085-437A-9CC1-5D17F450EE88}" srcOrd="0" destOrd="0" parTransId="{5C56F35D-DA58-42EA-A920-5075DA101404}" sibTransId="{5BE46FB8-C437-4BDD-A661-8645CED2FDDA}"/>
+    <dgm:cxn modelId="{1E31EE23-7EE4-4E8C-8764-FCC6BD642189}" type="presParOf" srcId="{0022A7D1-23EC-4E6C-B418-273BDEF04EEF}" destId="{C61CC36F-7E8B-46DE-B89E-35931BDACE7E}" srcOrd="0" destOrd="0" presId="urn:microsoft.com/office/officeart/2008/layout/LinedList"/>
+    <dgm:cxn modelId="{B958EA4E-21A1-431B-8062-4BB795FFF027}" type="presParOf" srcId="{0022A7D1-23EC-4E6C-B418-273BDEF04EEF}" destId="{EA162E8F-9A35-4AFD-A892-9204B70C1998}" srcOrd="1" destOrd="0" presId="urn:microsoft.com/office/officeart/2008/layout/LinedList"/>
+    <dgm:cxn modelId="{CEA1DD75-F134-4072-B7B5-9460690992CF}" type="presParOf" srcId="{EA162E8F-9A35-4AFD-A892-9204B70C1998}" destId="{4514401C-7652-4DDB-8E99-7E91233BEF4B}" srcOrd="0" destOrd="0" presId="urn:microsoft.com/office/officeart/2008/layout/LinedList"/>
+    <dgm:cxn modelId="{0786B274-E511-45FA-8BB5-0B76349B0237}" type="presParOf" srcId="{EA162E8F-9A35-4AFD-A892-9204B70C1998}" destId="{458C6477-ACDA-41F5-B75B-8B8725F22338}" srcOrd="1" destOrd="0" presId="urn:microsoft.com/office/officeart/2008/layout/LinedList"/>
+    <dgm:cxn modelId="{6814D5DD-166E-4231-8620-90ED732338A0}" type="presParOf" srcId="{458C6477-ACDA-41F5-B75B-8B8725F22338}" destId="{2014C56A-9102-4B4B-96EC-E136243F528F}" srcOrd="0" destOrd="0" presId="urn:microsoft.com/office/officeart/2008/layout/LinedList"/>
+    <dgm:cxn modelId="{984A2A7C-EB00-44E1-A508-98CD433D539D}" type="presParOf" srcId="{458C6477-ACDA-41F5-B75B-8B8725F22338}" destId="{42E256C6-9CCB-409D-9002-99BCA042F000}" srcOrd="1" destOrd="0" presId="urn:microsoft.com/office/officeart/2008/layout/LinedList"/>
+    <dgm:cxn modelId="{432B9D86-85A4-4678-8E8B-82A9472B4984}" type="presParOf" srcId="{42E256C6-9CCB-409D-9002-99BCA042F000}" destId="{6729DC3A-A761-44B8-A10F-97F9866160DB}" srcOrd="0" destOrd="0" presId="urn:microsoft.com/office/officeart/2008/layout/LinedList"/>
+    <dgm:cxn modelId="{767E731F-E237-467A-A018-782660DE5972}" type="presParOf" srcId="{42E256C6-9CCB-409D-9002-99BCA042F000}" destId="{7653F2B5-7B98-46A5-B566-28B3E9A38806}" srcOrd="1" destOrd="0" presId="urn:microsoft.com/office/officeart/2008/layout/LinedList"/>
+    <dgm:cxn modelId="{D6CB1EE4-46FA-4D19-ACFF-BB8CFA97709E}" type="presParOf" srcId="{42E256C6-9CCB-409D-9002-99BCA042F000}" destId="{CC0AD1DD-BBAC-46EF-BD3A-74AFD08E5DF6}" srcOrd="2" destOrd="0" presId="urn:microsoft.com/office/officeart/2008/layout/LinedList"/>
+    <dgm:cxn modelId="{AE1B2943-3E07-4F03-B9E8-E1CE47FD357F}" type="presParOf" srcId="{458C6477-ACDA-41F5-B75B-8B8725F22338}" destId="{1FD8943C-A368-40F6-8A58-68C271648730}" srcOrd="2" destOrd="0" presId="urn:microsoft.com/office/officeart/2008/layout/LinedList"/>
+    <dgm:cxn modelId="{ED2082C9-EE15-49FC-B654-EEF6E852EF69}" type="presParOf" srcId="{458C6477-ACDA-41F5-B75B-8B8725F22338}" destId="{C9147A76-5B5B-4493-9D95-EFC5C794756E}" srcOrd="3" destOrd="0" presId="urn:microsoft.com/office/officeart/2008/layout/LinedList"/>
+    <dgm:cxn modelId="{1BF079A8-79EB-4B2E-9924-BA9D18DEC3D7}" type="presParOf" srcId="{458C6477-ACDA-41F5-B75B-8B8725F22338}" destId="{4B10C1E2-B40C-4E2E-8A81-ACCCA7AAEA0F}" srcOrd="4" destOrd="0" presId="urn:microsoft.com/office/officeart/2008/layout/LinedList"/>
+    <dgm:cxn modelId="{244C3092-7D8E-428F-BA03-9D9B8A0F69F7}" type="presParOf" srcId="{4B10C1E2-B40C-4E2E-8A81-ACCCA7AAEA0F}" destId="{768B9D23-1DC8-414E-8138-F7795725C24B}" srcOrd="0" destOrd="0" presId="urn:microsoft.com/office/officeart/2008/layout/LinedList"/>
+    <dgm:cxn modelId="{35CF90F2-60E0-4404-861C-E8D77BB9337B}" type="presParOf" srcId="{4B10C1E2-B40C-4E2E-8A81-ACCCA7AAEA0F}" destId="{6D0D0177-F5CB-45CA-A528-017B38410B19}" srcOrd="1" destOrd="0" presId="urn:microsoft.com/office/officeart/2008/layout/LinedList"/>
+    <dgm:cxn modelId="{482E7E9D-27E1-41D1-B9F8-2458FD257493}" type="presParOf" srcId="{4B10C1E2-B40C-4E2E-8A81-ACCCA7AAEA0F}" destId="{0868BA6E-0465-4E24-A427-B5B7722501BD}" srcOrd="2" destOrd="0" presId="urn:microsoft.com/office/officeart/2008/layout/LinedList"/>
+    <dgm:cxn modelId="{DF4FBFFD-9B0B-488E-A9F0-263B0CABCAEA}" type="presParOf" srcId="{458C6477-ACDA-41F5-B75B-8B8725F22338}" destId="{AA5FB783-BFFD-46A3-9B52-91139F18505F}" srcOrd="5" destOrd="0" presId="urn:microsoft.com/office/officeart/2008/layout/LinedList"/>
+    <dgm:cxn modelId="{CF6E96DB-6B63-408B-8CAB-33C06E7834F8}" type="presParOf" srcId="{458C6477-ACDA-41F5-B75B-8B8725F22338}" destId="{80CE3818-4804-4ED5-87E5-B5F718A2F125}" srcOrd="6" destOrd="0" presId="urn:microsoft.com/office/officeart/2008/layout/LinedList"/>
+    <dgm:cxn modelId="{E0BDFC90-828E-48ED-9148-2348D3762FFB}" type="presParOf" srcId="{458C6477-ACDA-41F5-B75B-8B8725F22338}" destId="{1F665F64-9B0E-44F1-8333-E6514BD0F255}" srcOrd="7" destOrd="0" presId="urn:microsoft.com/office/officeart/2008/layout/LinedList"/>
+    <dgm:cxn modelId="{555E8781-3C8A-448E-B370-C8C298BD0FF1}" type="presParOf" srcId="{1F665F64-9B0E-44F1-8333-E6514BD0F255}" destId="{BE6CE632-248C-4E34-8975-9A7AF35161E4}" srcOrd="0" destOrd="0" presId="urn:microsoft.com/office/officeart/2008/layout/LinedList"/>
+    <dgm:cxn modelId="{01EEE905-D165-4326-B613-D9C07DC2B41E}" type="presParOf" srcId="{1F665F64-9B0E-44F1-8333-E6514BD0F255}" destId="{897E0714-F230-476B-8B1C-AA732F25A9C4}" srcOrd="1" destOrd="0" presId="urn:microsoft.com/office/officeart/2008/layout/LinedList"/>
+    <dgm:cxn modelId="{F1A75C6E-493F-41A6-9BA7-ACBEFAADB242}" type="presParOf" srcId="{1F665F64-9B0E-44F1-8333-E6514BD0F255}" destId="{C292222B-1BA9-45D9-9D0E-1AAB46397D54}" srcOrd="2" destOrd="0" presId="urn:microsoft.com/office/officeart/2008/layout/LinedList"/>
+    <dgm:cxn modelId="{297488FC-388F-4DE4-9D06-717399E4D35D}" type="presParOf" srcId="{458C6477-ACDA-41F5-B75B-8B8725F22338}" destId="{DD862EBD-2D79-4754-AAAE-9A6D9A49E0E1}" srcOrd="8" destOrd="0" presId="urn:microsoft.com/office/officeart/2008/layout/LinedList"/>
+    <dgm:cxn modelId="{5941AD97-AE84-4265-B533-EE4641E224BA}" type="presParOf" srcId="{458C6477-ACDA-41F5-B75B-8B8725F22338}" destId="{321AF0D8-1B22-4603-8498-CF4C2FBA2469}" srcOrd="9" destOrd="0" presId="urn:microsoft.com/office/officeart/2008/layout/LinedList"/>
+  </dgm:cxnLst>
+  <dgm:bg/>
+  <dgm:whole/>
+  <dgm:extLst>
+    <a:ext uri="http://schemas.microsoft.com/office/drawing/2008/diagram">
+      <dsp:dataModelExt xmlns:dsp="http://schemas.microsoft.com/office/drawing/2008/diagram" relId="rId11" minVer="http://schemas.openxmlformats.org/drawingml/2006/diagram"/>
+    </a:ext>
+  </dgm:extLst>
+</dgm:dataModel>
+</file>
+
+<file path=ppt/diagrams/drawing1.xml><?xml version="1.0" encoding="utf-8"?>
+<dsp:drawing xmlns:dgm="http://schemas.openxmlformats.org/drawingml/2006/diagram" xmlns:dsp="http://schemas.microsoft.com/office/drawing/2008/diagram" xmlns:a="http://schemas.openxmlformats.org/drawingml/2006/main">
+  <dsp:spTree>
+    <dsp:nvGrpSpPr>
+      <dsp:cNvPr id="0" name=""/>
+      <dsp:cNvGrpSpPr/>
+    </dsp:nvGrpSpPr>
+    <dsp:grpSpPr/>
+    <dsp:sp modelId="{C61CC36F-7E8B-46DE-B89E-35931BDACE7E}">
+      <dsp:nvSpPr>
+        <dsp:cNvPr id="0" name=""/>
+        <dsp:cNvSpPr/>
+      </dsp:nvSpPr>
+      <dsp:spPr>
+        <a:xfrm>
+          <a:off x="0" y="1984"/>
+          <a:ext cx="6096000" cy="0"/>
+        </a:xfrm>
+        <a:prstGeom prst="line">
+          <a:avLst/>
+        </a:prstGeom>
+        <a:solidFill>
+          <a:schemeClr val="accent1">
+            <a:hueOff val="0"/>
+            <a:satOff val="0"/>
+            <a:lumOff val="0"/>
+            <a:alphaOff val="0"/>
+          </a:schemeClr>
+        </a:solidFill>
+        <a:ln w="19050" cap="flat" cmpd="sng" algn="ctr">
+          <a:solidFill>
+            <a:schemeClr val="accent1">
+              <a:hueOff val="0"/>
+              <a:satOff val="0"/>
+              <a:lumOff val="0"/>
+              <a:alphaOff val="0"/>
+            </a:schemeClr>
+          </a:solidFill>
+          <a:prstDash val="solid"/>
+        </a:ln>
+        <a:effectLst/>
+      </dsp:spPr>
+      <dsp:style>
+        <a:lnRef idx="2">
+          <a:scrgbClr r="0" g="0" b="0"/>
+        </a:lnRef>
+        <a:fillRef idx="1">
+          <a:scrgbClr r="0" g="0" b="0"/>
+        </a:fillRef>
+        <a:effectRef idx="0">
+          <a:scrgbClr r="0" g="0" b="0"/>
+        </a:effectRef>
+        <a:fontRef idx="minor">
+          <a:schemeClr val="lt1"/>
+        </a:fontRef>
+      </dsp:style>
+    </dsp:sp>
+    <dsp:sp modelId="{4514401C-7652-4DDB-8E99-7E91233BEF4B}">
+      <dsp:nvSpPr>
+        <dsp:cNvPr id="0" name=""/>
+        <dsp:cNvSpPr/>
+      </dsp:nvSpPr>
+      <dsp:spPr>
+        <a:xfrm>
+          <a:off x="0" y="1984"/>
+          <a:ext cx="1219200" cy="4060031"/>
+        </a:xfrm>
+        <a:prstGeom prst="rect">
+          <a:avLst/>
+        </a:prstGeom>
+        <a:noFill/>
+        <a:ln>
+          <a:noFill/>
+        </a:ln>
+        <a:effectLst/>
+      </dsp:spPr>
+      <dsp:style>
+        <a:lnRef idx="0">
+          <a:scrgbClr r="0" g="0" b="0"/>
+        </a:lnRef>
+        <a:fillRef idx="0">
+          <a:scrgbClr r="0" g="0" b="0"/>
+        </a:fillRef>
+        <a:effectRef idx="0">
+          <a:scrgbClr r="0" g="0" b="0"/>
+        </a:effectRef>
+        <a:fontRef idx="minor"/>
+      </dsp:style>
+      <dsp:txBody>
+        <a:bodyPr spcFirstLastPara="0" vert="horz" wrap="square" lIns="182880" tIns="182880" rIns="182880" bIns="182880" numCol="1" spcCol="1270" anchor="ctr" anchorCtr="0">
+          <a:noAutofit/>
+        </a:bodyPr>
+        <a:lstStyle/>
+        <a:p>
+          <a:pPr lvl="0" algn="l" defTabSz="2133600">
+            <a:lnSpc>
+              <a:spcPct val="90000"/>
+            </a:lnSpc>
+            <a:spcBef>
+              <a:spcPct val="0"/>
+            </a:spcBef>
+            <a:spcAft>
+              <a:spcPct val="35000"/>
+            </a:spcAft>
+          </a:pPr>
+          <a:r>
+            <a:rPr lang="zh-CN" altLang="en-US" sz="4800" b="0" kern="1200" dirty="0" smtClean="0">
+              <a:solidFill>
+                <a:schemeClr val="accent2">
+                  <a:lumMod val="50000"/>
+                </a:schemeClr>
+              </a:solidFill>
+              <a:latin typeface="微软雅黑" pitchFamily="34" charset="-122"/>
+              <a:ea typeface="微软雅黑" pitchFamily="34" charset="-122"/>
+            </a:rPr>
+            <a:t>前期准备</a:t>
+          </a:r>
+          <a:endParaRPr lang="zh-CN" altLang="en-US" sz="4800" b="0" kern="1200" dirty="0">
+            <a:solidFill>
+              <a:schemeClr val="accent2">
+                <a:lumMod val="50000"/>
+              </a:schemeClr>
+            </a:solidFill>
+            <a:latin typeface="微软雅黑" pitchFamily="34" charset="-122"/>
+            <a:ea typeface="微软雅黑" pitchFamily="34" charset="-122"/>
+          </a:endParaRPr>
+        </a:p>
+      </dsp:txBody>
+      <dsp:txXfrm>
+        <a:off x="0" y="1984"/>
+        <a:ext cx="1219200" cy="4060031"/>
+      </dsp:txXfrm>
+    </dsp:sp>
+    <dsp:sp modelId="{7653F2B5-7B98-46A5-B566-28B3E9A38806}">
+      <dsp:nvSpPr>
+        <dsp:cNvPr id="0" name=""/>
+        <dsp:cNvSpPr/>
+      </dsp:nvSpPr>
+      <dsp:spPr>
+        <a:xfrm>
+          <a:off x="1310640" y="65422"/>
+          <a:ext cx="4785360" cy="1268759"/>
+        </a:xfrm>
+        <a:prstGeom prst="rect">
+          <a:avLst/>
+        </a:prstGeom>
+        <a:noFill/>
+        <a:ln>
+          <a:noFill/>
+        </a:ln>
+        <a:effectLst/>
+      </dsp:spPr>
+      <dsp:style>
+        <a:lnRef idx="0">
+          <a:scrgbClr r="0" g="0" b="0"/>
+        </a:lnRef>
+        <a:fillRef idx="0">
+          <a:scrgbClr r="0" g="0" b="0"/>
+        </a:fillRef>
+        <a:effectRef idx="0">
+          <a:scrgbClr r="0" g="0" b="0"/>
+        </a:effectRef>
+        <a:fontRef idx="minor"/>
+      </dsp:style>
+      <dsp:txBody>
+        <a:bodyPr spcFirstLastPara="0" vert="horz" wrap="square" lIns="106680" tIns="106680" rIns="106680" bIns="106680" numCol="1" spcCol="1270" anchor="b" anchorCtr="0">
+          <a:noAutofit/>
+        </a:bodyPr>
+        <a:lstStyle/>
+        <a:p>
+          <a:pPr lvl="0" algn="l" defTabSz="1244600">
+            <a:lnSpc>
+              <a:spcPct val="90000"/>
+            </a:lnSpc>
+            <a:spcBef>
+              <a:spcPct val="0"/>
+            </a:spcBef>
+            <a:spcAft>
+              <a:spcPct val="35000"/>
+            </a:spcAft>
+          </a:pPr>
+          <a:r>
+            <a:rPr lang="zh-CN" altLang="en-US" sz="2800" b="0" kern="1200" dirty="0" smtClean="0">
+              <a:solidFill>
+                <a:schemeClr val="accent6">
+                  <a:lumMod val="50000"/>
+                </a:schemeClr>
+              </a:solidFill>
+              <a:latin typeface="方正美黑简体" pitchFamily="65" charset="-122"/>
+              <a:ea typeface="方正美黑简体" pitchFamily="65" charset="-122"/>
+            </a:rPr>
+            <a:t>查找资料的方向</a:t>
+          </a:r>
+          <a:endParaRPr lang="zh-CN" altLang="en-US" sz="2800" b="0" kern="1200" dirty="0">
+            <a:solidFill>
+              <a:schemeClr val="accent6">
+                <a:lumMod val="50000"/>
+              </a:schemeClr>
+            </a:solidFill>
+            <a:latin typeface="方正美黑简体" pitchFamily="65" charset="-122"/>
+            <a:ea typeface="方正美黑简体" pitchFamily="65" charset="-122"/>
+          </a:endParaRPr>
+        </a:p>
+      </dsp:txBody>
+      <dsp:txXfrm>
+        <a:off x="1310640" y="65422"/>
+        <a:ext cx="4785360" cy="1268759"/>
+      </dsp:txXfrm>
+    </dsp:sp>
+    <dsp:sp modelId="{1FD8943C-A368-40F6-8A58-68C271648730}">
+      <dsp:nvSpPr>
+        <dsp:cNvPr id="0" name=""/>
+        <dsp:cNvSpPr/>
+      </dsp:nvSpPr>
+      <dsp:spPr>
+        <a:xfrm>
+          <a:off x="1219199" y="1334182"/>
+          <a:ext cx="4876800" cy="0"/>
+        </a:xfrm>
+        <a:prstGeom prst="line">
+          <a:avLst/>
+        </a:prstGeom>
+        <a:solidFill>
+          <a:schemeClr val="accent1">
+            <a:hueOff val="0"/>
+            <a:satOff val="0"/>
+            <a:lumOff val="0"/>
+            <a:alphaOff val="0"/>
+          </a:schemeClr>
+        </a:solidFill>
+        <a:ln w="19050" cap="flat" cmpd="sng" algn="ctr">
+          <a:solidFill>
+            <a:schemeClr val="accent1">
+              <a:tint val="50000"/>
+              <a:hueOff val="0"/>
+              <a:satOff val="0"/>
+              <a:lumOff val="0"/>
+              <a:alphaOff val="0"/>
+            </a:schemeClr>
+          </a:solidFill>
+          <a:prstDash val="solid"/>
+        </a:ln>
+        <a:effectLst/>
+      </dsp:spPr>
+      <dsp:style>
+        <a:lnRef idx="2">
+          <a:scrgbClr r="0" g="0" b="0"/>
+        </a:lnRef>
+        <a:fillRef idx="1">
+          <a:scrgbClr r="0" g="0" b="0"/>
+        </a:fillRef>
+        <a:effectRef idx="0">
+          <a:scrgbClr r="0" g="0" b="0"/>
+        </a:effectRef>
+        <a:fontRef idx="minor"/>
+      </dsp:style>
+    </dsp:sp>
+    <dsp:sp modelId="{6D0D0177-F5CB-45CA-A528-017B38410B19}">
+      <dsp:nvSpPr>
+        <dsp:cNvPr id="0" name=""/>
+        <dsp:cNvSpPr/>
+      </dsp:nvSpPr>
+      <dsp:spPr>
+        <a:xfrm>
+          <a:off x="1310640" y="1397620"/>
+          <a:ext cx="4785360" cy="1268759"/>
+        </a:xfrm>
+        <a:prstGeom prst="rect">
+          <a:avLst/>
+        </a:prstGeom>
+        <a:noFill/>
+        <a:ln>
+          <a:noFill/>
+        </a:ln>
+        <a:effectLst/>
+      </dsp:spPr>
+      <dsp:style>
+        <a:lnRef idx="0">
+          <a:scrgbClr r="0" g="0" b="0"/>
+        </a:lnRef>
+        <a:fillRef idx="0">
+          <a:scrgbClr r="0" g="0" b="0"/>
+        </a:fillRef>
+        <a:effectRef idx="0">
+          <a:scrgbClr r="0" g="0" b="0"/>
+        </a:effectRef>
+        <a:fontRef idx="minor"/>
+      </dsp:style>
+      <dsp:txBody>
+        <a:bodyPr spcFirstLastPara="0" vert="horz" wrap="square" lIns="106680" tIns="106680" rIns="106680" bIns="106680" numCol="1" spcCol="1270" anchor="b" anchorCtr="0">
+          <a:noAutofit/>
+        </a:bodyPr>
+        <a:lstStyle/>
+        <a:p>
+          <a:pPr lvl="0" algn="l" defTabSz="1244600">
+            <a:lnSpc>
+              <a:spcPct val="90000"/>
+            </a:lnSpc>
+            <a:spcBef>
+              <a:spcPct val="0"/>
+            </a:spcBef>
+            <a:spcAft>
+              <a:spcPct val="35000"/>
+            </a:spcAft>
+          </a:pPr>
+          <a:r>
+            <a:rPr lang="zh-CN" altLang="en-US" sz="2800" b="0" kern="1200" dirty="0" smtClean="0">
+              <a:solidFill>
+                <a:schemeClr val="accent6">
+                  <a:lumMod val="50000"/>
+                </a:schemeClr>
+              </a:solidFill>
+              <a:latin typeface="方正美黑简体" pitchFamily="65" charset="-122"/>
+              <a:ea typeface="方正美黑简体" pitchFamily="65" charset="-122"/>
+            </a:rPr>
+            <a:t>实际事故现场状况</a:t>
+          </a:r>
+          <a:endParaRPr lang="zh-CN" altLang="en-US" sz="2800" b="0" kern="1200" dirty="0">
+            <a:solidFill>
+              <a:schemeClr val="accent6">
+                <a:lumMod val="50000"/>
+              </a:schemeClr>
+            </a:solidFill>
+            <a:latin typeface="方正美黑简体" pitchFamily="65" charset="-122"/>
+            <a:ea typeface="方正美黑简体" pitchFamily="65" charset="-122"/>
+          </a:endParaRPr>
+        </a:p>
+      </dsp:txBody>
+      <dsp:txXfrm>
+        <a:off x="1310640" y="1397620"/>
+        <a:ext cx="4785360" cy="1268759"/>
+      </dsp:txXfrm>
+    </dsp:sp>
+    <dsp:sp modelId="{AA5FB783-BFFD-46A3-9B52-91139F18505F}">
+      <dsp:nvSpPr>
+        <dsp:cNvPr id="0" name=""/>
+        <dsp:cNvSpPr/>
+      </dsp:nvSpPr>
+      <dsp:spPr>
+        <a:xfrm>
+          <a:off x="1219199" y="2666379"/>
+          <a:ext cx="4876800" cy="0"/>
+        </a:xfrm>
+        <a:prstGeom prst="line">
+          <a:avLst/>
+        </a:prstGeom>
+        <a:solidFill>
+          <a:schemeClr val="accent1">
+            <a:hueOff val="0"/>
+            <a:satOff val="0"/>
+            <a:lumOff val="0"/>
+            <a:alphaOff val="0"/>
+          </a:schemeClr>
+        </a:solidFill>
+        <a:ln w="19050" cap="flat" cmpd="sng" algn="ctr">
+          <a:solidFill>
+            <a:schemeClr val="accent1">
+              <a:tint val="50000"/>
+              <a:hueOff val="0"/>
+              <a:satOff val="0"/>
+              <a:lumOff val="0"/>
+              <a:alphaOff val="0"/>
+            </a:schemeClr>
+          </a:solidFill>
+          <a:prstDash val="solid"/>
+        </a:ln>
+        <a:effectLst/>
+      </dsp:spPr>
+      <dsp:style>
+        <a:lnRef idx="2">
+          <a:scrgbClr r="0" g="0" b="0"/>
+        </a:lnRef>
+        <a:fillRef idx="1">
+          <a:scrgbClr r="0" g="0" b="0"/>
+        </a:fillRef>
+        <a:effectRef idx="0">
+          <a:scrgbClr r="0" g="0" b="0"/>
+        </a:effectRef>
+        <a:fontRef idx="minor"/>
+      </dsp:style>
+    </dsp:sp>
+    <dsp:sp modelId="{897E0714-F230-476B-8B1C-AA732F25A9C4}">
+      <dsp:nvSpPr>
+        <dsp:cNvPr id="0" name=""/>
+        <dsp:cNvSpPr/>
+      </dsp:nvSpPr>
+      <dsp:spPr>
+        <a:xfrm>
+          <a:off x="1310640" y="2729817"/>
+          <a:ext cx="4785360" cy="1268759"/>
+        </a:xfrm>
+        <a:prstGeom prst="rect">
+          <a:avLst/>
+        </a:prstGeom>
+        <a:noFill/>
+        <a:ln>
+          <a:noFill/>
+        </a:ln>
+        <a:effectLst/>
+      </dsp:spPr>
+      <dsp:style>
+        <a:lnRef idx="0">
+          <a:scrgbClr r="0" g="0" b="0"/>
+        </a:lnRef>
+        <a:fillRef idx="0">
+          <a:scrgbClr r="0" g="0" b="0"/>
+        </a:fillRef>
+        <a:effectRef idx="0">
+          <a:scrgbClr r="0" g="0" b="0"/>
+        </a:effectRef>
+        <a:fontRef idx="minor"/>
+      </dsp:style>
+      <dsp:txBody>
+        <a:bodyPr spcFirstLastPara="0" vert="horz" wrap="square" lIns="106680" tIns="106680" rIns="106680" bIns="106680" numCol="1" spcCol="1270" anchor="b" anchorCtr="0">
+          <a:noAutofit/>
+        </a:bodyPr>
+        <a:lstStyle/>
+        <a:p>
+          <a:pPr lvl="0" algn="l" defTabSz="1244600">
+            <a:lnSpc>
+              <a:spcPct val="90000"/>
+            </a:lnSpc>
+            <a:spcBef>
+              <a:spcPct val="0"/>
+            </a:spcBef>
+            <a:spcAft>
+              <a:spcPct val="35000"/>
+            </a:spcAft>
+          </a:pPr>
+          <a:r>
+            <a:rPr lang="zh-CN" altLang="en-US" sz="2800" b="0" kern="1200" dirty="0" smtClean="0">
+              <a:solidFill>
+                <a:schemeClr val="accent6">
+                  <a:lumMod val="50000"/>
+                </a:schemeClr>
+              </a:solidFill>
+              <a:latin typeface="方正美黑简体" pitchFamily="65" charset="-122"/>
+              <a:ea typeface="方正美黑简体" pitchFamily="65" charset="-122"/>
+            </a:rPr>
+            <a:t>对处理流程的分析，各环节的具体解决方法</a:t>
+          </a:r>
+          <a:endParaRPr lang="zh-CN" altLang="en-US" sz="2800" b="0" kern="1200" dirty="0">
+            <a:solidFill>
+              <a:schemeClr val="accent6">
+                <a:lumMod val="50000"/>
+              </a:schemeClr>
+            </a:solidFill>
+            <a:latin typeface="方正美黑简体" pitchFamily="65" charset="-122"/>
+            <a:ea typeface="方正美黑简体" pitchFamily="65" charset="-122"/>
+          </a:endParaRPr>
+        </a:p>
+      </dsp:txBody>
+      <dsp:txXfrm>
+        <a:off x="1310640" y="2729817"/>
+        <a:ext cx="4785360" cy="1268759"/>
+      </dsp:txXfrm>
+    </dsp:sp>
+    <dsp:sp modelId="{DD862EBD-2D79-4754-AAAE-9A6D9A49E0E1}">
+      <dsp:nvSpPr>
+        <dsp:cNvPr id="0" name=""/>
+        <dsp:cNvSpPr/>
+      </dsp:nvSpPr>
+      <dsp:spPr>
+        <a:xfrm>
+          <a:off x="1219199" y="3998577"/>
+          <a:ext cx="4876800" cy="0"/>
+        </a:xfrm>
+        <a:prstGeom prst="line">
+          <a:avLst/>
+        </a:prstGeom>
+        <a:solidFill>
+          <a:schemeClr val="accent1">
+            <a:hueOff val="0"/>
+            <a:satOff val="0"/>
+            <a:lumOff val="0"/>
+            <a:alphaOff val="0"/>
+          </a:schemeClr>
+        </a:solidFill>
+        <a:ln w="19050" cap="flat" cmpd="sng" algn="ctr">
+          <a:solidFill>
+            <a:schemeClr val="accent1">
+              <a:tint val="50000"/>
+              <a:hueOff val="0"/>
+              <a:satOff val="0"/>
+              <a:lumOff val="0"/>
+              <a:alphaOff val="0"/>
+            </a:schemeClr>
+          </a:solidFill>
+          <a:prstDash val="solid"/>
+        </a:ln>
+        <a:effectLst/>
+      </dsp:spPr>
+      <dsp:style>
+        <a:lnRef idx="2">
+          <a:scrgbClr r="0" g="0" b="0"/>
+        </a:lnRef>
+        <a:fillRef idx="1">
+          <a:scrgbClr r="0" g="0" b="0"/>
+        </a:fillRef>
+        <a:effectRef idx="0">
+          <a:scrgbClr r="0" g="0" b="0"/>
+        </a:effectRef>
+        <a:fontRef idx="minor"/>
+      </dsp:style>
+    </dsp:sp>
+  </dsp:spTree>
+</dsp:drawing>
+</file>
+
+<file path=ppt/diagrams/drawing2.xml><?xml version="1.0" encoding="utf-8"?>
+<dsp:drawing xmlns:dgm="http://schemas.openxmlformats.org/drawingml/2006/diagram" xmlns:dsp="http://schemas.microsoft.com/office/drawing/2008/diagram" xmlns:a="http://schemas.openxmlformats.org/drawingml/2006/main">
+  <dsp:spTree>
+    <dsp:nvGrpSpPr>
+      <dsp:cNvPr id="0" name=""/>
+      <dsp:cNvGrpSpPr/>
+    </dsp:nvGrpSpPr>
+    <dsp:grpSpPr/>
+    <dsp:sp modelId="{C61CC36F-7E8B-46DE-B89E-35931BDACE7E}">
+      <dsp:nvSpPr>
+        <dsp:cNvPr id="0" name=""/>
+        <dsp:cNvSpPr/>
+      </dsp:nvSpPr>
+      <dsp:spPr>
+        <a:xfrm>
+          <a:off x="0" y="1984"/>
+          <a:ext cx="6096000" cy="0"/>
+        </a:xfrm>
+        <a:prstGeom prst="line">
+          <a:avLst/>
+        </a:prstGeom>
+        <a:solidFill>
+          <a:schemeClr val="accent1">
+            <a:hueOff val="0"/>
+            <a:satOff val="0"/>
+            <a:lumOff val="0"/>
+            <a:alphaOff val="0"/>
+          </a:schemeClr>
+        </a:solidFill>
+        <a:ln w="19050" cap="flat" cmpd="sng" algn="ctr">
+          <a:solidFill>
+            <a:schemeClr val="accent1">
+              <a:hueOff val="0"/>
+              <a:satOff val="0"/>
+              <a:lumOff val="0"/>
+              <a:alphaOff val="0"/>
+            </a:schemeClr>
+          </a:solidFill>
+          <a:prstDash val="solid"/>
+        </a:ln>
+        <a:effectLst/>
+      </dsp:spPr>
+      <dsp:style>
+        <a:lnRef idx="2">
+          <a:scrgbClr r="0" g="0" b="0"/>
+        </a:lnRef>
+        <a:fillRef idx="1">
+          <a:scrgbClr r="0" g="0" b="0"/>
+        </a:fillRef>
+        <a:effectRef idx="0">
+          <a:scrgbClr r="0" g="0" b="0"/>
+        </a:effectRef>
+        <a:fontRef idx="minor">
+          <a:schemeClr val="lt1"/>
+        </a:fontRef>
+      </dsp:style>
+    </dsp:sp>
+    <dsp:sp modelId="{4514401C-7652-4DDB-8E99-7E91233BEF4B}">
+      <dsp:nvSpPr>
+        <dsp:cNvPr id="0" name=""/>
+        <dsp:cNvSpPr/>
+      </dsp:nvSpPr>
+      <dsp:spPr>
+        <a:xfrm>
+          <a:off x="0" y="1984"/>
+          <a:ext cx="1219200" cy="4060031"/>
+        </a:xfrm>
+        <a:prstGeom prst="rect">
+          <a:avLst/>
+        </a:prstGeom>
+        <a:noFill/>
+        <a:ln>
+          <a:noFill/>
+        </a:ln>
+        <a:effectLst/>
+      </dsp:spPr>
+      <dsp:style>
+        <a:lnRef idx="0">
+          <a:scrgbClr r="0" g="0" b="0"/>
+        </a:lnRef>
+        <a:fillRef idx="0">
+          <a:scrgbClr r="0" g="0" b="0"/>
+        </a:fillRef>
+        <a:effectRef idx="0">
+          <a:scrgbClr r="0" g="0" b="0"/>
+        </a:effectRef>
+        <a:fontRef idx="minor"/>
+      </dsp:style>
+      <dsp:txBody>
+        <a:bodyPr spcFirstLastPara="0" vert="horz" wrap="square" lIns="182880" tIns="182880" rIns="182880" bIns="182880" numCol="1" spcCol="1270" anchor="ctr" anchorCtr="0">
+          <a:noAutofit/>
+        </a:bodyPr>
+        <a:lstStyle/>
+        <a:p>
+          <a:pPr lvl="0" algn="l" defTabSz="2133600">
+            <a:lnSpc>
+              <a:spcPct val="90000"/>
+            </a:lnSpc>
+            <a:spcBef>
+              <a:spcPct val="0"/>
+            </a:spcBef>
+            <a:spcAft>
+              <a:spcPct val="35000"/>
+            </a:spcAft>
+          </a:pPr>
+          <a:r>
+            <a:rPr lang="zh-CN" altLang="en-US" sz="4800" b="0" kern="1200" dirty="0" smtClean="0">
+              <a:solidFill>
+                <a:schemeClr val="accent2">
+                  <a:lumMod val="50000"/>
+                </a:schemeClr>
+              </a:solidFill>
+              <a:latin typeface="微软雅黑" pitchFamily="34" charset="-122"/>
+              <a:ea typeface="微软雅黑" pitchFamily="34" charset="-122"/>
+            </a:rPr>
+            <a:t>程序编写</a:t>
+          </a:r>
+          <a:endParaRPr lang="zh-CN" altLang="en-US" sz="4800" b="0" kern="1200" dirty="0">
+            <a:solidFill>
+              <a:schemeClr val="accent2">
+                <a:lumMod val="50000"/>
+              </a:schemeClr>
+            </a:solidFill>
+            <a:latin typeface="微软雅黑" pitchFamily="34" charset="-122"/>
+            <a:ea typeface="微软雅黑" pitchFamily="34" charset="-122"/>
+          </a:endParaRPr>
+        </a:p>
+      </dsp:txBody>
+      <dsp:txXfrm>
+        <a:off x="0" y="1984"/>
+        <a:ext cx="1219200" cy="4060031"/>
+      </dsp:txXfrm>
+    </dsp:sp>
+    <dsp:sp modelId="{7653F2B5-7B98-46A5-B566-28B3E9A38806}">
+      <dsp:nvSpPr>
+        <dsp:cNvPr id="0" name=""/>
+        <dsp:cNvSpPr/>
+      </dsp:nvSpPr>
+      <dsp:spPr>
+        <a:xfrm>
+          <a:off x="1310640" y="65422"/>
+          <a:ext cx="4785360" cy="1268759"/>
+        </a:xfrm>
+        <a:prstGeom prst="rect">
+          <a:avLst/>
+        </a:prstGeom>
+        <a:noFill/>
+        <a:ln>
+          <a:noFill/>
+        </a:ln>
+        <a:effectLst/>
+      </dsp:spPr>
+      <dsp:style>
+        <a:lnRef idx="0">
+          <a:scrgbClr r="0" g="0" b="0"/>
+        </a:lnRef>
+        <a:fillRef idx="0">
+          <a:scrgbClr r="0" g="0" b="0"/>
+        </a:fillRef>
+        <a:effectRef idx="0">
+          <a:scrgbClr r="0" g="0" b="0"/>
+        </a:effectRef>
+        <a:fontRef idx="minor"/>
+      </dsp:style>
+      <dsp:txBody>
+        <a:bodyPr spcFirstLastPara="0" vert="horz" wrap="square" lIns="106680" tIns="106680" rIns="106680" bIns="106680" numCol="1" spcCol="1270" anchor="b" anchorCtr="0">
+          <a:noAutofit/>
+        </a:bodyPr>
+        <a:lstStyle/>
+        <a:p>
+          <a:pPr lvl="0" algn="l" defTabSz="1244600">
+            <a:lnSpc>
+              <a:spcPct val="90000"/>
+            </a:lnSpc>
+            <a:spcBef>
+              <a:spcPct val="0"/>
+            </a:spcBef>
+            <a:spcAft>
+              <a:spcPct val="35000"/>
+            </a:spcAft>
+          </a:pPr>
+          <a:r>
+            <a:rPr lang="zh-CN" altLang="en-US" sz="2800" b="0" kern="1200" dirty="0" smtClean="0">
+              <a:solidFill>
+                <a:schemeClr val="accent6">
+                  <a:lumMod val="50000"/>
+                </a:schemeClr>
+              </a:solidFill>
+              <a:latin typeface="方正美黑简体" pitchFamily="65" charset="-122"/>
+              <a:ea typeface="方正美黑简体" pitchFamily="65" charset="-122"/>
+            </a:rPr>
+            <a:t>语言选择</a:t>
+          </a:r>
+          <a:endParaRPr lang="zh-CN" altLang="en-US" sz="2800" b="0" kern="1200" dirty="0">
+            <a:solidFill>
+              <a:schemeClr val="accent6">
+                <a:lumMod val="50000"/>
+              </a:schemeClr>
+            </a:solidFill>
+            <a:latin typeface="方正美黑简体" pitchFamily="65" charset="-122"/>
+            <a:ea typeface="方正美黑简体" pitchFamily="65" charset="-122"/>
+          </a:endParaRPr>
+        </a:p>
+      </dsp:txBody>
+      <dsp:txXfrm>
+        <a:off x="1310640" y="65422"/>
+        <a:ext cx="4785360" cy="1268759"/>
+      </dsp:txXfrm>
+    </dsp:sp>
+    <dsp:sp modelId="{1FD8943C-A368-40F6-8A58-68C271648730}">
+      <dsp:nvSpPr>
+        <dsp:cNvPr id="0" name=""/>
+        <dsp:cNvSpPr/>
+      </dsp:nvSpPr>
+      <dsp:spPr>
+        <a:xfrm>
+          <a:off x="1219199" y="1334182"/>
+          <a:ext cx="4876800" cy="0"/>
+        </a:xfrm>
+        <a:prstGeom prst="line">
+          <a:avLst/>
+        </a:prstGeom>
+        <a:solidFill>
+          <a:schemeClr val="accent1">
+            <a:hueOff val="0"/>
+            <a:satOff val="0"/>
+            <a:lumOff val="0"/>
+            <a:alphaOff val="0"/>
+          </a:schemeClr>
+        </a:solidFill>
+        <a:ln w="19050" cap="flat" cmpd="sng" algn="ctr">
+          <a:solidFill>
+            <a:schemeClr val="accent1">
+              <a:tint val="50000"/>
+              <a:hueOff val="0"/>
+              <a:satOff val="0"/>
+              <a:lumOff val="0"/>
+              <a:alphaOff val="0"/>
+            </a:schemeClr>
+          </a:solidFill>
+          <a:prstDash val="solid"/>
+        </a:ln>
+        <a:effectLst/>
+      </dsp:spPr>
+      <dsp:style>
+        <a:lnRef idx="2">
+          <a:scrgbClr r="0" g="0" b="0"/>
+        </a:lnRef>
+        <a:fillRef idx="1">
+          <a:scrgbClr r="0" g="0" b="0"/>
+        </a:fillRef>
+        <a:effectRef idx="0">
+          <a:scrgbClr r="0" g="0" b="0"/>
+        </a:effectRef>
+        <a:fontRef idx="minor"/>
+      </dsp:style>
+    </dsp:sp>
+    <dsp:sp modelId="{6D0D0177-F5CB-45CA-A528-017B38410B19}">
+      <dsp:nvSpPr>
+        <dsp:cNvPr id="0" name=""/>
+        <dsp:cNvSpPr/>
+      </dsp:nvSpPr>
+      <dsp:spPr>
+        <a:xfrm>
+          <a:off x="1310640" y="1397620"/>
+          <a:ext cx="4785360" cy="1268759"/>
+        </a:xfrm>
+        <a:prstGeom prst="rect">
+          <a:avLst/>
+        </a:prstGeom>
+        <a:noFill/>
+        <a:ln>
+          <a:noFill/>
+        </a:ln>
+        <a:effectLst/>
+      </dsp:spPr>
+      <dsp:style>
+        <a:lnRef idx="0">
+          <a:scrgbClr r="0" g="0" b="0"/>
+        </a:lnRef>
+        <a:fillRef idx="0">
+          <a:scrgbClr r="0" g="0" b="0"/>
+        </a:fillRef>
+        <a:effectRef idx="0">
+          <a:scrgbClr r="0" g="0" b="0"/>
+        </a:effectRef>
+        <a:fontRef idx="minor"/>
+      </dsp:style>
+      <dsp:txBody>
+        <a:bodyPr spcFirstLastPara="0" vert="horz" wrap="square" lIns="106680" tIns="106680" rIns="106680" bIns="106680" numCol="1" spcCol="1270" anchor="b" anchorCtr="0">
+          <a:noAutofit/>
+        </a:bodyPr>
+        <a:lstStyle/>
+        <a:p>
+          <a:pPr lvl="0" algn="l" defTabSz="1244600">
+            <a:lnSpc>
+              <a:spcPct val="90000"/>
+            </a:lnSpc>
+            <a:spcBef>
+              <a:spcPct val="0"/>
+            </a:spcBef>
+            <a:spcAft>
+              <a:spcPct val="35000"/>
+            </a:spcAft>
+          </a:pPr>
+          <a:r>
+            <a:rPr lang="zh-CN" altLang="en-US" sz="2800" b="0" kern="1200" dirty="0" smtClean="0">
+              <a:solidFill>
+                <a:schemeClr val="accent6">
+                  <a:lumMod val="50000"/>
+                </a:schemeClr>
+              </a:solidFill>
+              <a:latin typeface="方正美黑简体" pitchFamily="65" charset="-122"/>
+              <a:ea typeface="方正美黑简体" pitchFamily="65" charset="-122"/>
+            </a:rPr>
+            <a:t>新的库的学习</a:t>
+          </a:r>
+          <a:endParaRPr lang="zh-CN" altLang="en-US" sz="2800" b="0" kern="1200" dirty="0">
+            <a:solidFill>
+              <a:schemeClr val="accent6">
+                <a:lumMod val="50000"/>
+              </a:schemeClr>
+            </a:solidFill>
+            <a:latin typeface="方正美黑简体" pitchFamily="65" charset="-122"/>
+            <a:ea typeface="方正美黑简体" pitchFamily="65" charset="-122"/>
+          </a:endParaRPr>
+        </a:p>
+      </dsp:txBody>
+      <dsp:txXfrm>
+        <a:off x="1310640" y="1397620"/>
+        <a:ext cx="4785360" cy="1268759"/>
+      </dsp:txXfrm>
+    </dsp:sp>
+    <dsp:sp modelId="{AA5FB783-BFFD-46A3-9B52-91139F18505F}">
+      <dsp:nvSpPr>
+        <dsp:cNvPr id="0" name=""/>
+        <dsp:cNvSpPr/>
+      </dsp:nvSpPr>
+      <dsp:spPr>
+        <a:xfrm>
+          <a:off x="1219199" y="2666379"/>
+          <a:ext cx="4876800" cy="0"/>
+        </a:xfrm>
+        <a:prstGeom prst="line">
+          <a:avLst/>
+        </a:prstGeom>
+        <a:solidFill>
+          <a:schemeClr val="accent1">
+            <a:hueOff val="0"/>
+            <a:satOff val="0"/>
+            <a:lumOff val="0"/>
+            <a:alphaOff val="0"/>
+          </a:schemeClr>
+        </a:solidFill>
+        <a:ln w="19050" cap="flat" cmpd="sng" algn="ctr">
+          <a:solidFill>
+            <a:schemeClr val="accent1">
+              <a:tint val="50000"/>
+              <a:hueOff val="0"/>
+              <a:satOff val="0"/>
+              <a:lumOff val="0"/>
+              <a:alphaOff val="0"/>
+            </a:schemeClr>
+          </a:solidFill>
+          <a:prstDash val="solid"/>
+        </a:ln>
+        <a:effectLst/>
+      </dsp:spPr>
+      <dsp:style>
+        <a:lnRef idx="2">
+          <a:scrgbClr r="0" g="0" b="0"/>
+        </a:lnRef>
+        <a:fillRef idx="1">
+          <a:scrgbClr r="0" g="0" b="0"/>
+        </a:fillRef>
+        <a:effectRef idx="0">
+          <a:scrgbClr r="0" g="0" b="0"/>
+        </a:effectRef>
+        <a:fontRef idx="minor"/>
+      </dsp:style>
+    </dsp:sp>
+    <dsp:sp modelId="{897E0714-F230-476B-8B1C-AA732F25A9C4}">
+      <dsp:nvSpPr>
+        <dsp:cNvPr id="0" name=""/>
+        <dsp:cNvSpPr/>
+      </dsp:nvSpPr>
+      <dsp:spPr>
+        <a:xfrm>
+          <a:off x="1310640" y="2729817"/>
+          <a:ext cx="4785360" cy="1268759"/>
+        </a:xfrm>
+        <a:prstGeom prst="rect">
+          <a:avLst/>
+        </a:prstGeom>
+        <a:noFill/>
+        <a:ln>
+          <a:noFill/>
+        </a:ln>
+        <a:effectLst/>
+      </dsp:spPr>
+      <dsp:style>
+        <a:lnRef idx="0">
+          <a:scrgbClr r="0" g="0" b="0"/>
+        </a:lnRef>
+        <a:fillRef idx="0">
+          <a:scrgbClr r="0" g="0" b="0"/>
+        </a:fillRef>
+        <a:effectRef idx="0">
+          <a:scrgbClr r="0" g="0" b="0"/>
+        </a:effectRef>
+        <a:fontRef idx="minor"/>
+      </dsp:style>
+      <dsp:txBody>
+        <a:bodyPr spcFirstLastPara="0" vert="horz" wrap="square" lIns="106680" tIns="106680" rIns="106680" bIns="106680" numCol="1" spcCol="1270" anchor="b" anchorCtr="0">
+          <a:noAutofit/>
+        </a:bodyPr>
+        <a:lstStyle/>
+        <a:p>
+          <a:pPr lvl="0" algn="l" defTabSz="1244600">
+            <a:lnSpc>
+              <a:spcPct val="90000"/>
+            </a:lnSpc>
+            <a:spcBef>
+              <a:spcPct val="0"/>
+            </a:spcBef>
+            <a:spcAft>
+              <a:spcPct val="35000"/>
+            </a:spcAft>
+          </a:pPr>
+          <a:r>
+            <a:rPr lang="zh-CN" altLang="en-US" sz="2800" b="0" kern="1200" dirty="0" smtClean="0">
+              <a:solidFill>
+                <a:schemeClr val="accent6">
+                  <a:lumMod val="50000"/>
+                </a:schemeClr>
+              </a:solidFill>
+              <a:latin typeface="方正美黑简体" pitchFamily="65" charset="-122"/>
+              <a:ea typeface="方正美黑简体" pitchFamily="65" charset="-122"/>
+            </a:rPr>
+            <a:t>实践操作遇到的各种问题。。</a:t>
+          </a:r>
+          <a:endParaRPr lang="zh-CN" altLang="en-US" sz="2800" b="0" kern="1200" dirty="0">
+            <a:solidFill>
+              <a:schemeClr val="accent6">
+                <a:lumMod val="50000"/>
+              </a:schemeClr>
+            </a:solidFill>
+            <a:latin typeface="方正美黑简体" pitchFamily="65" charset="-122"/>
+            <a:ea typeface="方正美黑简体" pitchFamily="65" charset="-122"/>
+          </a:endParaRPr>
+        </a:p>
+      </dsp:txBody>
+      <dsp:txXfrm>
+        <a:off x="1310640" y="2729817"/>
+        <a:ext cx="4785360" cy="1268759"/>
+      </dsp:txXfrm>
+    </dsp:sp>
+    <dsp:sp modelId="{DD862EBD-2D79-4754-AAAE-9A6D9A49E0E1}">
+      <dsp:nvSpPr>
+        <dsp:cNvPr id="0" name=""/>
+        <dsp:cNvSpPr/>
+      </dsp:nvSpPr>
+      <dsp:spPr>
+        <a:xfrm>
+          <a:off x="1219199" y="3998577"/>
+          <a:ext cx="4876800" cy="0"/>
+        </a:xfrm>
+        <a:prstGeom prst="line">
+          <a:avLst/>
+        </a:prstGeom>
+        <a:solidFill>
+          <a:schemeClr val="accent1">
+            <a:hueOff val="0"/>
+            <a:satOff val="0"/>
+            <a:lumOff val="0"/>
+            <a:alphaOff val="0"/>
+          </a:schemeClr>
+        </a:solidFill>
+        <a:ln w="19050" cap="flat" cmpd="sng" algn="ctr">
+          <a:solidFill>
+            <a:schemeClr val="accent1">
+              <a:tint val="50000"/>
+              <a:hueOff val="0"/>
+              <a:satOff val="0"/>
+              <a:lumOff val="0"/>
+              <a:alphaOff val="0"/>
+            </a:schemeClr>
+          </a:solidFill>
+          <a:prstDash val="solid"/>
+        </a:ln>
+        <a:effectLst/>
+      </dsp:spPr>
+      <dsp:style>
+        <a:lnRef idx="2">
+          <a:scrgbClr r="0" g="0" b="0"/>
+        </a:lnRef>
+        <a:fillRef idx="1">
+          <a:scrgbClr r="0" g="0" b="0"/>
+        </a:fillRef>
+        <a:effectRef idx="0">
+          <a:scrgbClr r="0" g="0" b="0"/>
+        </a:effectRef>
+        <a:fontRef idx="minor"/>
+      </dsp:style>
+    </dsp:sp>
+  </dsp:spTree>
+</dsp:drawing>
+</file>
+
+<file path=ppt/diagrams/layout1.xml><?xml version="1.0" encoding="utf-8"?>
+<dgm:layoutDef xmlns:dgm="http://schemas.openxmlformats.org/drawingml/2006/diagram" xmlns:a="http://schemas.openxmlformats.org/drawingml/2006/main" uniqueId="urn:microsoft.com/office/officeart/2008/layout/LinedList">
+  <dgm:title val=""/>
+  <dgm:desc val=""/>
+  <dgm:catLst>
+    <dgm:cat type="hierarchy" pri="8000"/>
+    <dgm:cat type="list" pri="2500"/>
+  </dgm:catLst>
+  <dgm:sampData>
+    <dgm:dataModel>
+      <dgm:ptLst>
+        <dgm:pt modelId="0" type="doc"/>
+        <dgm:pt modelId="1">
+          <dgm:prSet phldr="1"/>
+        </dgm:pt>
+        <dgm:pt modelId="11">
+          <dgm:prSet phldr="1"/>
+        </dgm:pt>
+        <dgm:pt modelId="12">
+          <dgm:prSet phldr="1"/>
+        </dgm:pt>
+        <dgm:pt modelId="13">
+          <dgm:prSet phldr="1"/>
+        </dgm:pt>
+      </dgm:ptLst>
+      <dgm:cxnLst>
+        <dgm:cxn modelId="2" srcId="0" destId="1" srcOrd="0" destOrd="0"/>
+        <dgm:cxn modelId="3" srcId="1" destId="11" srcOrd="0" destOrd="0"/>
+        <dgm:cxn modelId="4" srcId="1" destId="12" srcOrd="1" destOrd="0"/>
+        <dgm:cxn modelId="5" srcId="1" destId="13" srcOrd="2" destOrd="0"/>
+      </dgm:cxnLst>
+      <dgm:bg/>
+      <dgm:whole/>
+    </dgm:dataModel>
+  </dgm:sampData>
+  <dgm:styleData>
+    <dgm:dataModel>
+      <dgm:ptLst>
+        <dgm:pt modelId="0" type="doc"/>
+        <dgm:pt modelId="1">
+          <dgm:prSet phldr="1"/>
+        </dgm:pt>
+        <dgm:pt modelId="11">
+          <dgm:prSet phldr="1"/>
+        </dgm:pt>
+        <dgm:pt modelId="12">
+          <dgm:prSet phldr="1"/>
+        </dgm:pt>
+      </dgm:ptLst>
+      <dgm:cxnLst>
+        <dgm:cxn modelId="2" srcId="0" destId="1" srcOrd="0" destOrd="0"/>
+        <dgm:cxn modelId="3" srcId="1" destId="11" srcOrd="0" destOrd="0"/>
+        <dgm:cxn modelId="4" srcId="1" destId="12" srcOrd="1" destOrd="0"/>
+      </dgm:cxnLst>
+      <dgm:bg/>
+      <dgm:whole/>
+    </dgm:dataModel>
+  </dgm:styleData>
+  <dgm:clrData>
+    <dgm:dataModel>
+      <dgm:ptLst>
+        <dgm:pt modelId="0" type="doc"/>
+        <dgm:pt modelId="1">
+          <dgm:prSet phldr="1"/>
+        </dgm:pt>
+        <dgm:pt modelId="11">
+          <dgm:prSet phldr="1"/>
+        </dgm:pt>
+        <dgm:pt modelId="12">
+          <dgm:prSet phldr="1"/>
+        </dgm:pt>
+      </dgm:ptLst>
+      <dgm:cxnLst>
+        <dgm:cxn modelId="2" srcId="0" destId="1" srcOrd="0" destOrd="0"/>
+        <dgm:cxn modelId="3" srcId="1" destId="11" srcOrd="0" destOrd="0"/>
+        <dgm:cxn modelId="4" srcId="1" destId="12" srcOrd="1" destOrd="0"/>
+      </dgm:cxnLst>
+      <dgm:bg/>
+      <dgm:whole/>
+    </dgm:dataModel>
+  </dgm:clrData>
+  <dgm:layoutNode name="vert0">
+    <dgm:varLst>
+      <dgm:dir/>
+      <dgm:animOne val="branch"/>
+      <dgm:animLvl val="lvl"/>
+    </dgm:varLst>
+    <dgm:choose name="Name0">
+      <dgm:if name="Name1" func="var" arg="dir" op="equ" val="norm">
+        <dgm:alg type="lin">
+          <dgm:param type="linDir" val="fromT"/>
+          <dgm:param type="nodeHorzAlign" val="l"/>
+        </dgm:alg>
+      </dgm:if>
+      <dgm:else name="Name2">
+        <dgm:alg type="lin">
+          <dgm:param type="linDir" val="fromT"/>
+          <dgm:param type="nodeHorzAlign" val="r"/>
+        </dgm:alg>
+      </dgm:else>
+    </dgm:choose>
+    <dgm:shape xmlns:r="http://schemas.openxmlformats.org/officeDocument/2006/relationships" r:blip="">
+      <dgm:adjLst/>
+    </dgm:shape>
+    <dgm:presOf/>
+    <dgm:constrLst>
+      <dgm:constr type="w" for="ch" forName="horz1" refType="w"/>
+      <dgm:constr type="h" for="ch" forName="horz1" refType="h"/>
+      <dgm:constr type="h" for="des" forName="vert1" refType="h"/>
+      <dgm:constr type="h" for="des" forName="tx1" refType="h"/>
+      <dgm:constr type="h" for="des" forName="horz2" refType="h"/>
+      <dgm:constr type="h" for="des" forName="vert2" refType="h"/>
+      <dgm:constr type="h" for="des" forName="horz3" refType="h"/>
+      <dgm:constr type="h" for="des" forName="vert3" refType="h"/>
+      <dgm:constr type="h" for="des" forName="horz4" refType="h"/>
+      <dgm:constr type="h" for="des" ptType="node" refType="h"/>
+      <dgm:constr type="primFontSz" for="des" forName="tx1" op="equ" val="65"/>
+      <dgm:constr type="primFontSz" for="des" forName="tx2" op="equ" val="65"/>
+      <dgm:constr type="primFontSz" for="des" forName="tx3" op="equ" val="65"/>
+      <dgm:constr type="primFontSz" for="des" forName="tx4" op="equ" val="65"/>
+      <dgm:constr type="w" for="des" forName="thickLine" refType="w"/>
+      <dgm:constr type="h" for="des" forName="thickLine"/>
+      <dgm:constr type="h" for="des" forName="thinLine1"/>
+      <dgm:constr type="h" for="des" forName="thinLine2b"/>
+      <dgm:constr type="h" for="des" forName="thinLine3"/>
+      <dgm:constr type="h" for="des" forName="vertSpace2a" refType="h" fact="0.05"/>
+      <dgm:constr type="h" for="des" forName="vertSpace2b" refType="h" refFor="des" refForName="vertSpace2a"/>
+    </dgm:constrLst>
+    <dgm:forEach name="Name3" axis="ch" ptType="node">
+      <dgm:layoutNode name="thickLine" styleLbl="alignNode1">
+        <dgm:alg type="sp"/>
+        <dgm:shape xmlns:r="http://schemas.openxmlformats.org/officeDocument/2006/relationships" type="line" r:blip="">
+          <dgm:adjLst/>
+        </dgm:shape>
+        <dgm:presOf/>
+      </dgm:layoutNode>
+      <dgm:layoutNode name="horz1">
+        <dgm:choose name="Name4">
+          <dgm:if name="Name5" func="var" arg="dir" op="equ" val="norm">
+            <dgm:alg type="lin">
+              <dgm:param type="linDir" val="fromL"/>
+              <dgm:param type="nodeVertAlign" val="t"/>
+            </dgm:alg>
+          </dgm:if>
+          <dgm:else name="Name6">
+            <dgm:alg type="lin">
+              <dgm:param type="linDir" val="fromR"/>
+              <dgm:param type="nodeVertAlign" val="t"/>
+            </dgm:alg>
+          </dgm:else>
+        </dgm:choose>
+        <dgm:shape xmlns:r="http://schemas.openxmlformats.org/officeDocument/2006/relationships" r:blip="">
+          <dgm:adjLst/>
+        </dgm:shape>
+        <dgm:presOf/>
+        <dgm:choose name="Name7">
+          <dgm:if name="Name8" axis="root des" func="maxDepth" op="equ" val="1">
+            <dgm:constrLst>
+              <dgm:constr type="w" for="ch" forName="tx1" refType="w"/>
+            </dgm:constrLst>
+          </dgm:if>
+          <dgm:if name="Name9" axis="root des" func="maxDepth" op="equ" val="2">
+            <dgm:constrLst>
+              <dgm:constr type="w" for="ch" forName="tx1" refType="w" fact="0.2"/>
+              <dgm:constr type="w" for="des" forName="tx2" refType="w" fact="0.785"/>
+              <dgm:constr type="w" for="des" forName="horzSpace2" refType="w" fact="0.015"/>
+              <dgm:constr type="w" for="des" forName="thinLine2b" refType="w" fact="0.8"/>
+            </dgm:constrLst>
+          </dgm:if>
+          <dgm:if name="Name10" axis="root des" func="maxDepth" op="equ" val="3">
+            <dgm:constrLst>
+              <dgm:constr type="w" for="ch" forName="tx1" refType="w" fact="0.2"/>
+              <dgm:constr type="w" for="des" forName="tx2" refType="w" fact="0.385"/>
+              <dgm:constr type="w" for="des" forName="tx3" refType="w" fact="0.385"/>
+              <dgm:constr type="w" for="des" forName="horzSpace2" refType="w" fact="0.015"/>
+              <dgm:constr type="w" for="des" forName="horzSpace3" refType="w" fact="0.015"/>
+              <dgm:constr type="w" for="des" forName="thinLine2b" refType="w" fact="0.8"/>
+              <dgm:constr type="w" for="des" forName="thinLine3" refType="w" fact="0.385"/>
+            </dgm:constrLst>
+          </dgm:if>
+          <dgm:if name="Name11" axis="root des" func="maxDepth" op="gte" val="4">
+            <dgm:constrLst>
+              <dgm:constr type="w" for="ch" forName="tx1" refType="w" fact="0.2"/>
+              <dgm:constr type="w" for="des" forName="tx2" refType="w" fact="0.2516"/>
+              <dgm:constr type="w" for="des" forName="tx3" refType="w" fact="0.2516"/>
+              <dgm:constr type="w" for="des" forName="tx4" refType="w" fact="0.2516"/>
+              <dgm:constr type="w" for="des" forName="horzSpace2" refType="w" fact="0.015"/>
+              <dgm:constr type="w" for="des" forName="horzSpace3" refType="w" fact="0.015"/>
+              <dgm:constr type="w" for="des" forName="horzSpace4" refType="w" fact="0.015"/>
+              <dgm:constr type="w" for="des" forName="thinLine2b" refType="w" fact="0.8"/>
+              <dgm:constr type="w" for="des" forName="thinLine3" refType="w" fact="0.5332"/>
+            </dgm:constrLst>
+          </dgm:if>
+          <dgm:else name="Name12"/>
+        </dgm:choose>
+        <dgm:layoutNode name="tx1" styleLbl="revTx">
+          <dgm:alg type="tx">
+            <dgm:param type="parTxLTRAlign" val="l"/>
+            <dgm:param type="parTxRTLAlign" val="r"/>
+            <dgm:param type="txAnchorVert" val="t"/>
+          </dgm:alg>
+          <dgm:shape xmlns:r="http://schemas.openxmlformats.org/officeDocument/2006/relationships" type="rect" r:blip="">
+            <dgm:adjLst/>
+          </dgm:shape>
+          <dgm:presOf axis="self"/>
+          <dgm:constrLst>
+            <dgm:constr type="tMarg" refType="primFontSz" fact="0.3"/>
+            <dgm:constr type="bMarg" refType="primFontSz" fact="0.3"/>
+            <dgm:constr type="lMarg" refType="primFontSz" fact="0.3"/>
+            <dgm:constr type="rMarg" refType="primFontSz" fact="0.3"/>
+          </dgm:constrLst>
+          <dgm:ruleLst>
+            <dgm:rule type="primFontSz" val="5" fact="NaN" max="NaN"/>
+          </dgm:ruleLst>
+        </dgm:layoutNode>
+        <dgm:layoutNode name="vert1">
+          <dgm:choose name="Name13">
+            <dgm:if name="Name14" func="var" arg="dir" op="equ" val="norm">
+              <dgm:alg type="lin">
+                <dgm:param type="linDir" val="fromT"/>
+                <dgm:param type="nodeHorzAlign" val="l"/>
+              </dgm:alg>
+            </dgm:if>
+            <dgm:else name="Name15">
+              <dgm:alg type="lin">
+                <dgm:param type="linDir" val="fromT"/>
+                <dgm:param type="nodeHorzAlign" val="r"/>
+              </dgm:alg>
+            </dgm:else>
+          </dgm:choose>
+          <dgm:shape xmlns:r="http://schemas.openxmlformats.org/officeDocument/2006/relationships" r:blip="">
+            <dgm:adjLst/>
+          </dgm:shape>
+          <dgm:presOf/>
+          <dgm:forEach name="Name16" axis="ch" ptType="node">
+            <dgm:choose name="Name17">
+              <dgm:if name="Name18" axis="self" ptType="node" func="pos" op="equ" val="1">
+                <dgm:layoutNode name="vertSpace2a">
+                  <dgm:alg type="sp"/>
+                  <dgm:shape xmlns:r="http://schemas.openxmlformats.org/officeDocument/2006/relationships" r:blip="">
+                    <dgm:adjLst/>
+                  </dgm:shape>
+                  <dgm:presOf/>
+                </dgm:layoutNode>
+              </dgm:if>
+              <dgm:else name="Name19"/>
+            </dgm:choose>
+            <dgm:layoutNode name="horz2">
+              <dgm:choose name="Name20">
+                <dgm:if name="Name21" func="var" arg="dir" op="equ" val="norm">
+                  <dgm:alg type="lin">
+                    <dgm:param type="linDir" val="fromL"/>
+                    <dgm:param type="nodeVertAlign" val="t"/>
+                  </dgm:alg>
+                </dgm:if>
+                <dgm:else name="Name22">
+                  <dgm:alg type="lin">
+                    <dgm:param type="linDir" val="fromR"/>
+                    <dgm:param type="nodeVertAlign" val="t"/>
+                  </dgm:alg>
+                </dgm:else>
+              </dgm:choose>
+              <dgm:shape xmlns:r="http://schemas.openxmlformats.org/officeDocument/2006/relationships" r:blip="">
+                <dgm:adjLst/>
+              </dgm:shape>
+              <dgm:presOf/>
+              <dgm:layoutNode name="horzSpace2">
+                <dgm:alg type="sp"/>
+                <dgm:shape xmlns:r="http://schemas.openxmlformats.org/officeDocument/2006/relationships" r:blip="">
+                  <dgm:adjLst/>
+                </dgm:shape>
+                <dgm:presOf/>
+              </dgm:layoutNode>
+              <dgm:layoutNode name="tx2" styleLbl="revTx">
+                <dgm:alg type="tx">
+                  <dgm:param type="parTxLTRAlign" val="l"/>
+                  <dgm:param type="parTxRTLAlign" val="r"/>
+                  <dgm:param type="txAnchorVert" val="t"/>
+                </dgm:alg>
+                <dgm:shape xmlns:r="http://schemas.openxmlformats.org/officeDocument/2006/relationships" type="rect" r:blip="">
+                  <dgm:adjLst/>
+                </dgm:shape>
+                <dgm:presOf axis="self"/>
+                <dgm:constrLst>
+                  <dgm:constr type="tMarg" refType="primFontSz" fact="0.3"/>
+                  <dgm:constr type="bMarg" refType="primFontSz" fact="0.3"/>
+                  <dgm:constr type="lMarg" refType="primFontSz" fact="0.3"/>
+                  <dgm:constr type="rMarg" refType="primFontSz" fact="0.3"/>
+                </dgm:constrLst>
+                <dgm:ruleLst>
+                  <dgm:rule type="primFontSz" val="5" fact="NaN" max="NaN"/>
+                </dgm:ruleLst>
+              </dgm:layoutNode>
+              <dgm:layoutNode name="vert2">
+                <dgm:choose name="Name23">
+                  <dgm:if name="Name24" func="var" arg="dir" op="equ" val="norm">
+                    <dgm:alg type="lin">
+                      <dgm:param type="linDir" val="fromT"/>
+                      <dgm:param type="nodeHorzAlign" val="l"/>
+                    </dgm:alg>
+                  </dgm:if>
+                  <dgm:else name="Name25">
+                    <dgm:alg type="lin">
+                      <dgm:param type="linDir" val="fromT"/>
+                      <dgm:param type="nodeHorzAlign" val="r"/>
+                    </dgm:alg>
+                  </dgm:else>
+                </dgm:choose>
+                <dgm:shape xmlns:r="http://schemas.openxmlformats.org/officeDocument/2006/relationships" r:blip="">
+                  <dgm:adjLst/>
+                </dgm:shape>
+                <dgm:presOf/>
+                <dgm:forEach name="Name26" axis="ch" ptType="node">
+                  <dgm:layoutNode name="horz3">
+                    <dgm:choose name="Name27">
+                      <dgm:if name="Name28" func="var" arg="dir" op="equ" val="norm">
+                        <dgm:alg type="lin">
+                          <dgm:param type="linDir" val="fromL"/>
+                          <dgm:param type="nodeVertAlign" val="t"/>
+                        </dgm:alg>
+                      </dgm:if>
+                      <dgm:else name="Name29">
+                        <dgm:alg type="lin">
+                          <dgm:param type="linDir" val="fromR"/>
+                          <dgm:param type="nodeVertAlign" val="t"/>
+                        </dgm:alg>
+                      </dgm:else>
+                    </dgm:choose>
+                    <dgm:shape xmlns:r="http://schemas.openxmlformats.org/officeDocument/2006/relationships" r:blip="">
+                      <dgm:adjLst/>
+                    </dgm:shape>
+                    <dgm:presOf/>
+                    <dgm:layoutNode name="horzSpace3">
+                      <dgm:alg type="sp"/>
+                      <dgm:shape xmlns:r="http://schemas.openxmlformats.org/officeDocument/2006/relationships" r:blip="">
+                        <dgm:adjLst/>
+                      </dgm:shape>
+                      <dgm:presOf/>
+                    </dgm:layoutNode>
+                    <dgm:layoutNode name="tx3" styleLbl="revTx">
+                      <dgm:alg type="tx">
+                        <dgm:param type="parTxLTRAlign" val="l"/>
+                        <dgm:param type="parTxRTLAlign" val="r"/>
+                        <dgm:param type="txAnchorVert" val="t"/>
+                      </dgm:alg>
+                      <dgm:shape xmlns:r="http://schemas.openxmlformats.org/officeDocument/2006/relationships" type="rect" r:blip="">
+                        <dgm:adjLst/>
+                      </dgm:shape>
+                      <dgm:presOf axis="self"/>
+                      <dgm:constrLst>
+                        <dgm:constr type="tMarg" refType="primFontSz" fact="0.3"/>
+                        <dgm:constr type="bMarg" refType="primFontSz" fact="0.3"/>
+                        <dgm:constr type="lMarg" refType="primFontSz" fact="0.3"/>
+                        <dgm:constr type="rMarg" refType="primFontSz" fact="0.3"/>
+                      </dgm:constrLst>
+                      <dgm:ruleLst>
+                        <dgm:rule type="primFontSz" val="5" fact="NaN" max="NaN"/>
+                      </dgm:ruleLst>
+                    </dgm:layoutNode>
+                    <dgm:layoutNode name="vert3">
+                      <dgm:choose name="Name30">
+                        <dgm:if name="Name31" func="var" arg="dir" op="equ" val="norm">
+                          <dgm:alg type="lin">
+                            <dgm:param type="linDir" val="fromT"/>
+                            <dgm:param type="nodeHorzAlign" val="l"/>
+                          </dgm:alg>
+                        </dgm:if>
+                        <dgm:else name="Name32">
+                          <dgm:alg type="lin">
+                            <dgm:param type="linDir" val="fromT"/>
+                            <dgm:param type="nodeHorzAlign" val="r"/>
+                          </dgm:alg>
+                        </dgm:else>
+                      </dgm:choose>
+                      <dgm:shape xmlns:r="http://schemas.openxmlformats.org/officeDocument/2006/relationships" r:blip="">
+                        <dgm:adjLst/>
+                      </dgm:shape>
+                      <dgm:presOf/>
+                      <dgm:forEach name="Name33" axis="ch" ptType="node">
+                        <dgm:layoutNode name="horz4">
+                          <dgm:choose name="Name34">
+                            <dgm:if name="Name35" func="var" arg="dir" op="equ" val="norm">
+                              <dgm:alg type="lin">
+                                <dgm:param type="linDir" val="fromL"/>
+                                <dgm:param type="nodeVertAlign" val="t"/>
+                              </dgm:alg>
+                            </dgm:if>
+                            <dgm:else name="Name36">
+                              <dgm:alg type="lin">
+                                <dgm:param type="linDir" val="fromR"/>
+                                <dgm:param type="nodeVertAlign" val="t"/>
+                              </dgm:alg>
+                            </dgm:else>
+                          </dgm:choose>
+                          <dgm:shape xmlns:r="http://schemas.openxmlformats.org/officeDocument/2006/relationships" r:blip="">
+                            <dgm:adjLst/>
+                          </dgm:shape>
+                          <dgm:presOf/>
+                          <dgm:layoutNode name="horzSpace4">
+                            <dgm:alg type="sp"/>
+                            <dgm:shape xmlns:r="http://schemas.openxmlformats.org/officeDocument/2006/relationships" r:blip="">
+                              <dgm:adjLst/>
+                            </dgm:shape>
+                            <dgm:presOf/>
+                          </dgm:layoutNode>
+                          <dgm:layoutNode name="tx4" styleLbl="revTx">
+                            <dgm:varLst>
+                              <dgm:bulletEnabled val="1"/>
+                            </dgm:varLst>
+                            <dgm:alg type="tx">
+                              <dgm:param type="parTxLTRAlign" val="l"/>
+                              <dgm:param type="parTxRTLAlign" val="r"/>
+                              <dgm:param type="txAnchorVert" val="t"/>
+                            </dgm:alg>
+                            <dgm:shape xmlns:r="http://schemas.openxmlformats.org/officeDocument/2006/relationships" type="rect" r:blip="">
+                              <dgm:adjLst/>
+                            </dgm:shape>
+                            <dgm:presOf axis="desOrSelf" ptType="node"/>
+                            <dgm:constrLst>
+                              <dgm:constr type="tMarg" refType="primFontSz" fact="0.3"/>
+                              <dgm:constr type="bMarg" refType="primFontSz" fact="0.3"/>
+                              <dgm:constr type="lMarg" refType="primFontSz" fact="0.3"/>
+                              <dgm:constr type="rMarg" refType="primFontSz" fact="0.3"/>
+                            </dgm:constrLst>
+                            <dgm:ruleLst>
+                              <dgm:rule type="primFontSz" val="5" fact="NaN" max="NaN"/>
+                            </dgm:ruleLst>
+                          </dgm:layoutNode>
+                        </dgm:layoutNode>
+                      </dgm:forEach>
+                    </dgm:layoutNode>
+                  </dgm:layoutNode>
+                  <dgm:forEach name="Name37" axis="followSib" ptType="sibTrans" cnt="1">
+                    <dgm:layoutNode name="thinLine3" styleLbl="callout">
+                      <dgm:alg type="sp"/>
+                      <dgm:shape xmlns:r="http://schemas.openxmlformats.org/officeDocument/2006/relationships" type="line" r:blip="">
+                        <dgm:adjLst/>
+                      </dgm:shape>
+                      <dgm:presOf/>
+                    </dgm:layoutNode>
+                  </dgm:forEach>
+                </dgm:forEach>
+              </dgm:layoutNode>
+            </dgm:layoutNode>
+            <dgm:layoutNode name="thinLine2b" styleLbl="callout">
+              <dgm:alg type="sp"/>
+              <dgm:shape xmlns:r="http://schemas.openxmlformats.org/officeDocument/2006/relationships" type="line" r:blip="">
+                <dgm:adjLst/>
+              </dgm:shape>
+              <dgm:presOf/>
+            </dgm:layoutNode>
+            <dgm:layoutNode name="vertSpace2b">
+              <dgm:alg type="sp"/>
+              <dgm:shape xmlns:r="http://schemas.openxmlformats.org/officeDocument/2006/relationships" r:blip="">
+                <dgm:adjLst/>
+              </dgm:shape>
+              <dgm:presOf/>
+            </dgm:layoutNode>
+          </dgm:forEach>
+        </dgm:layoutNode>
+      </dgm:layoutNode>
+    </dgm:forEach>
+  </dgm:layoutNode>
+</dgm:layoutDef>
+</file>
+
+<file path=ppt/diagrams/layout2.xml><?xml version="1.0" encoding="utf-8"?>
+<dgm:layoutDef xmlns:dgm="http://schemas.openxmlformats.org/drawingml/2006/diagram" xmlns:a="http://schemas.openxmlformats.org/drawingml/2006/main" uniqueId="urn:microsoft.com/office/officeart/2008/layout/LinedList">
+  <dgm:title val=""/>
+  <dgm:desc val=""/>
+  <dgm:catLst>
+    <dgm:cat type="hierarchy" pri="8000"/>
+    <dgm:cat type="list" pri="2500"/>
+  </dgm:catLst>
+  <dgm:sampData>
+    <dgm:dataModel>
+      <dgm:ptLst>
+        <dgm:pt modelId="0" type="doc"/>
+        <dgm:pt modelId="1">
+          <dgm:prSet phldr="1"/>
+        </dgm:pt>
+        <dgm:pt modelId="11">
+          <dgm:prSet phldr="1"/>
+        </dgm:pt>
+        <dgm:pt modelId="12">
+          <dgm:prSet phldr="1"/>
+        </dgm:pt>
+        <dgm:pt modelId="13">
+          <dgm:prSet phldr="1"/>
+        </dgm:pt>
+      </dgm:ptLst>
+      <dgm:cxnLst>
+        <dgm:cxn modelId="2" srcId="0" destId="1" srcOrd="0" destOrd="0"/>
+        <dgm:cxn modelId="3" srcId="1" destId="11" srcOrd="0" destOrd="0"/>
+        <dgm:cxn modelId="4" srcId="1" destId="12" srcOrd="1" destOrd="0"/>
+        <dgm:cxn modelId="5" srcId="1" destId="13" srcOrd="2" destOrd="0"/>
+      </dgm:cxnLst>
+      <dgm:bg/>
+      <dgm:whole/>
+    </dgm:dataModel>
+  </dgm:sampData>
+  <dgm:styleData>
+    <dgm:dataModel>
+      <dgm:ptLst>
+        <dgm:pt modelId="0" type="doc"/>
+        <dgm:pt modelId="1">
+          <dgm:prSet phldr="1"/>
+        </dgm:pt>
+        <dgm:pt modelId="11">
+          <dgm:prSet phldr="1"/>
+        </dgm:pt>
+        <dgm:pt modelId="12">
+          <dgm:prSet phldr="1"/>
+        </dgm:pt>
+      </dgm:ptLst>
+      <dgm:cxnLst>
+        <dgm:cxn modelId="2" srcId="0" destId="1" srcOrd="0" destOrd="0"/>
+        <dgm:cxn modelId="3" srcId="1" destId="11" srcOrd="0" destOrd="0"/>
+        <dgm:cxn modelId="4" srcId="1" destId="12" srcOrd="1" destOrd="0"/>
+      </dgm:cxnLst>
+      <dgm:bg/>
+      <dgm:whole/>
+    </dgm:dataModel>
+  </dgm:styleData>
+  <dgm:clrData>
+    <dgm:dataModel>
+      <dgm:ptLst>
+        <dgm:pt modelId="0" type="doc"/>
+        <dgm:pt modelId="1">
+          <dgm:prSet phldr="1"/>
+        </dgm:pt>
+        <dgm:pt modelId="11">
+          <dgm:prSet phldr="1"/>
+        </dgm:pt>
+        <dgm:pt modelId="12">
+          <dgm:prSet phldr="1"/>
+        </dgm:pt>
+      </dgm:ptLst>
+      <dgm:cxnLst>
+        <dgm:cxn modelId="2" srcId="0" destId="1" srcOrd="0" destOrd="0"/>
+        <dgm:cxn modelId="3" srcId="1" destId="11" srcOrd="0" destOrd="0"/>
+        <dgm:cxn modelId="4" srcId="1" destId="12" srcOrd="1" destOrd="0"/>
+      </dgm:cxnLst>
+      <dgm:bg/>
+      <dgm:whole/>
+    </dgm:dataModel>
+  </dgm:clrData>
+  <dgm:layoutNode name="vert0">
+    <dgm:varLst>
+      <dgm:dir/>
+      <dgm:animOne val="branch"/>
+      <dgm:animLvl val="lvl"/>
+    </dgm:varLst>
+    <dgm:choose name="Name0">
+      <dgm:if name="Name1" func="var" arg="dir" op="equ" val="norm">
+        <dgm:alg type="lin">
+          <dgm:param type="linDir" val="fromT"/>
+          <dgm:param type="nodeHorzAlign" val="l"/>
+        </dgm:alg>
+      </dgm:if>
+      <dgm:else name="Name2">
+        <dgm:alg type="lin">
+          <dgm:param type="linDir" val="fromT"/>
+          <dgm:param type="nodeHorzAlign" val="r"/>
+        </dgm:alg>
+      </dgm:else>
+    </dgm:choose>
+    <dgm:shape xmlns:r="http://schemas.openxmlformats.org/officeDocument/2006/relationships" r:blip="">
+      <dgm:adjLst/>
+    </dgm:shape>
+    <dgm:presOf/>
+    <dgm:constrLst>
+      <dgm:constr type="w" for="ch" forName="horz1" refType="w"/>
+      <dgm:constr type="h" for="ch" forName="horz1" refType="h"/>
+      <dgm:constr type="h" for="des" forName="vert1" refType="h"/>
+      <dgm:constr type="h" for="des" forName="tx1" refType="h"/>
+      <dgm:constr type="h" for="des" forName="horz2" refType="h"/>
+      <dgm:constr type="h" for="des" forName="vert2" refType="h"/>
+      <dgm:constr type="h" for="des" forName="horz3" refType="h"/>
+      <dgm:constr type="h" for="des" forName="vert3" refType="h"/>
+      <dgm:constr type="h" for="des" forName="horz4" refType="h"/>
+      <dgm:constr type="h" for="des" ptType="node" refType="h"/>
+      <dgm:constr type="primFontSz" for="des" forName="tx1" op="equ" val="65"/>
+      <dgm:constr type="primFontSz" for="des" forName="tx2" op="equ" val="65"/>
+      <dgm:constr type="primFontSz" for="des" forName="tx3" op="equ" val="65"/>
+      <dgm:constr type="primFontSz" for="des" forName="tx4" op="equ" val="65"/>
+      <dgm:constr type="w" for="des" forName="thickLine" refType="w"/>
+      <dgm:constr type="h" for="des" forName="thickLine"/>
+      <dgm:constr type="h" for="des" forName="thinLine1"/>
+      <dgm:constr type="h" for="des" forName="thinLine2b"/>
+      <dgm:constr type="h" for="des" forName="thinLine3"/>
+      <dgm:constr type="h" for="des" forName="vertSpace2a" refType="h" fact="0.05"/>
+      <dgm:constr type="h" for="des" forName="vertSpace2b" refType="h" refFor="des" refForName="vertSpace2a"/>
+    </dgm:constrLst>
+    <dgm:forEach name="Name3" axis="ch" ptType="node">
+      <dgm:layoutNode name="thickLine" styleLbl="alignNode1">
+        <dgm:alg type="sp"/>
+        <dgm:shape xmlns:r="http://schemas.openxmlformats.org/officeDocument/2006/relationships" type="line" r:blip="">
+          <dgm:adjLst/>
+        </dgm:shape>
+        <dgm:presOf/>
+      </dgm:layoutNode>
+      <dgm:layoutNode name="horz1">
+        <dgm:choose name="Name4">
+          <dgm:if name="Name5" func="var" arg="dir" op="equ" val="norm">
+            <dgm:alg type="lin">
+              <dgm:param type="linDir" val="fromL"/>
+              <dgm:param type="nodeVertAlign" val="t"/>
+            </dgm:alg>
+          </dgm:if>
+          <dgm:else name="Name6">
+            <dgm:alg type="lin">
+              <dgm:param type="linDir" val="fromR"/>
+              <dgm:param type="nodeVertAlign" val="t"/>
+            </dgm:alg>
+          </dgm:else>
+        </dgm:choose>
+        <dgm:shape xmlns:r="http://schemas.openxmlformats.org/officeDocument/2006/relationships" r:blip="">
+          <dgm:adjLst/>
+        </dgm:shape>
+        <dgm:presOf/>
+        <dgm:choose name="Name7">
+          <dgm:if name="Name8" axis="root des" func="maxDepth" op="equ" val="1">
+            <dgm:constrLst>
+              <dgm:constr type="w" for="ch" forName="tx1" refType="w"/>
+            </dgm:constrLst>
+          </dgm:if>
+          <dgm:if name="Name9" axis="root des" func="maxDepth" op="equ" val="2">
+            <dgm:constrLst>
+              <dgm:constr type="w" for="ch" forName="tx1" refType="w" fact="0.2"/>
+              <dgm:constr type="w" for="des" forName="tx2" refType="w" fact="0.785"/>
+              <dgm:constr type="w" for="des" forName="horzSpace2" refType="w" fact="0.015"/>
+              <dgm:constr type="w" for="des" forName="thinLine2b" refType="w" fact="0.8"/>
+            </dgm:constrLst>
+          </dgm:if>
+          <dgm:if name="Name10" axis="root des" func="maxDepth" op="equ" val="3">
+            <dgm:constrLst>
+              <dgm:constr type="w" for="ch" forName="tx1" refType="w" fact="0.2"/>
+              <dgm:constr type="w" for="des" forName="tx2" refType="w" fact="0.385"/>
+              <dgm:constr type="w" for="des" forName="tx3" refType="w" fact="0.385"/>
+              <dgm:constr type="w" for="des" forName="horzSpace2" refType="w" fact="0.015"/>
+              <dgm:constr type="w" for="des" forName="horzSpace3" refType="w" fact="0.015"/>
+              <dgm:constr type="w" for="des" forName="thinLine2b" refType="w" fact="0.8"/>
+              <dgm:constr type="w" for="des" forName="thinLine3" refType="w" fact="0.385"/>
+            </dgm:constrLst>
+          </dgm:if>
+          <dgm:if name="Name11" axis="root des" func="maxDepth" op="gte" val="4">
+            <dgm:constrLst>
+              <dgm:constr type="w" for="ch" forName="tx1" refType="w" fact="0.2"/>
+              <dgm:constr type="w" for="des" forName="tx2" refType="w" fact="0.2516"/>
+              <dgm:constr type="w" for="des" forName="tx3" refType="w" fact="0.2516"/>
+              <dgm:constr type="w" for="des" forName="tx4" refType="w" fact="0.2516"/>
+              <dgm:constr type="w" for="des" forName="horzSpace2" refType="w" fact="0.015"/>
+              <dgm:constr type="w" for="des" forName="horzSpace3" refType="w" fact="0.015"/>
+              <dgm:constr type="w" for="des" forName="horzSpace4" refType="w" fact="0.015"/>
+              <dgm:constr type="w" for="des" forName="thinLine2b" refType="w" fact="0.8"/>
+              <dgm:constr type="w" for="des" forName="thinLine3" refType="w" fact="0.5332"/>
+            </dgm:constrLst>
+          </dgm:if>
+          <dgm:else name="Name12"/>
+        </dgm:choose>
+        <dgm:layoutNode name="tx1" styleLbl="revTx">
+          <dgm:alg type="tx">
+            <dgm:param type="parTxLTRAlign" val="l"/>
+            <dgm:param type="parTxRTLAlign" val="r"/>
+            <dgm:param type="txAnchorVert" val="t"/>
+          </dgm:alg>
+          <dgm:shape xmlns:r="http://schemas.openxmlformats.org/officeDocument/2006/relationships" type="rect" r:blip="">
+            <dgm:adjLst/>
+          </dgm:shape>
+          <dgm:presOf axis="self"/>
+          <dgm:constrLst>
+            <dgm:constr type="tMarg" refType="primFontSz" fact="0.3"/>
+            <dgm:constr type="bMarg" refType="primFontSz" fact="0.3"/>
+            <dgm:constr type="lMarg" refType="primFontSz" fact="0.3"/>
+            <dgm:constr type="rMarg" refType="primFontSz" fact="0.3"/>
+          </dgm:constrLst>
+          <dgm:ruleLst>
+            <dgm:rule type="primFontSz" val="5" fact="NaN" max="NaN"/>
+          </dgm:ruleLst>
+        </dgm:layoutNode>
+        <dgm:layoutNode name="vert1">
+          <dgm:choose name="Name13">
+            <dgm:if name="Name14" func="var" arg="dir" op="equ" val="norm">
+              <dgm:alg type="lin">
+                <dgm:param type="linDir" val="fromT"/>
+                <dgm:param type="nodeHorzAlign" val="l"/>
+              </dgm:alg>
+            </dgm:if>
+            <dgm:else name="Name15">
+              <dgm:alg type="lin">
+                <dgm:param type="linDir" val="fromT"/>
+                <dgm:param type="nodeHorzAlign" val="r"/>
+              </dgm:alg>
+            </dgm:else>
+          </dgm:choose>
+          <dgm:shape xmlns:r="http://schemas.openxmlformats.org/officeDocument/2006/relationships" r:blip="">
+            <dgm:adjLst/>
+          </dgm:shape>
+          <dgm:presOf/>
+          <dgm:forEach name="Name16" axis="ch" ptType="node">
+            <dgm:choose name="Name17">
+              <dgm:if name="Name18" axis="self" ptType="node" func="pos" op="equ" val="1">
+                <dgm:layoutNode name="vertSpace2a">
+                  <dgm:alg type="sp"/>
+                  <dgm:shape xmlns:r="http://schemas.openxmlformats.org/officeDocument/2006/relationships" r:blip="">
+                    <dgm:adjLst/>
+                  </dgm:shape>
+                  <dgm:presOf/>
+                </dgm:layoutNode>
+              </dgm:if>
+              <dgm:else name="Name19"/>
+            </dgm:choose>
+            <dgm:layoutNode name="horz2">
+              <dgm:choose name="Name20">
+                <dgm:if name="Name21" func="var" arg="dir" op="equ" val="norm">
+                  <dgm:alg type="lin">
+                    <dgm:param type="linDir" val="fromL"/>
+                    <dgm:param type="nodeVertAlign" val="t"/>
+                  </dgm:alg>
+                </dgm:if>
+                <dgm:else name="Name22">
+                  <dgm:alg type="lin">
+                    <dgm:param type="linDir" val="fromR"/>
+                    <dgm:param type="nodeVertAlign" val="t"/>
+                  </dgm:alg>
+                </dgm:else>
+              </dgm:choose>
+              <dgm:shape xmlns:r="http://schemas.openxmlformats.org/officeDocument/2006/relationships" r:blip="">
+                <dgm:adjLst/>
+              </dgm:shape>
+              <dgm:presOf/>
+              <dgm:layoutNode name="horzSpace2">
+                <dgm:alg type="sp"/>
+                <dgm:shape xmlns:r="http://schemas.openxmlformats.org/officeDocument/2006/relationships" r:blip="">
+                  <dgm:adjLst/>
+                </dgm:shape>
+                <dgm:presOf/>
+              </dgm:layoutNode>
+              <dgm:layoutNode name="tx2" styleLbl="revTx">
+                <dgm:alg type="tx">
+                  <dgm:param type="parTxLTRAlign" val="l"/>
+                  <dgm:param type="parTxRTLAlign" val="r"/>
+                  <dgm:param type="txAnchorVert" val="t"/>
+                </dgm:alg>
+                <dgm:shape xmlns:r="http://schemas.openxmlformats.org/officeDocument/2006/relationships" type="rect" r:blip="">
+                  <dgm:adjLst/>
+                </dgm:shape>
+                <dgm:presOf axis="self"/>
+                <dgm:constrLst>
+                  <dgm:constr type="tMarg" refType="primFontSz" fact="0.3"/>
+                  <dgm:constr type="bMarg" refType="primFontSz" fact="0.3"/>
+                  <dgm:constr type="lMarg" refType="primFontSz" fact="0.3"/>
+                  <dgm:constr type="rMarg" refType="primFontSz" fact="0.3"/>
+                </dgm:constrLst>
+                <dgm:ruleLst>
+                  <dgm:rule type="primFontSz" val="5" fact="NaN" max="NaN"/>
+                </dgm:ruleLst>
+              </dgm:layoutNode>
+              <dgm:layoutNode name="vert2">
+                <dgm:choose name="Name23">
+                  <dgm:if name="Name24" func="var" arg="dir" op="equ" val="norm">
+                    <dgm:alg type="lin">
+                      <dgm:param type="linDir" val="fromT"/>
+                      <dgm:param type="nodeHorzAlign" val="l"/>
+                    </dgm:alg>
+                  </dgm:if>
+                  <dgm:else name="Name25">
+                    <dgm:alg type="lin">
+                      <dgm:param type="linDir" val="fromT"/>
+                      <dgm:param type="nodeHorzAlign" val="r"/>
+                    </dgm:alg>
+                  </dgm:else>
+                </dgm:choose>
+                <dgm:shape xmlns:r="http://schemas.openxmlformats.org/officeDocument/2006/relationships" r:blip="">
+                  <dgm:adjLst/>
+                </dgm:shape>
+                <dgm:presOf/>
+                <dgm:forEach name="Name26" axis="ch" ptType="node">
+                  <dgm:layoutNode name="horz3">
+                    <dgm:choose name="Name27">
+                      <dgm:if name="Name28" func="var" arg="dir" op="equ" val="norm">
+                        <dgm:alg type="lin">
+                          <dgm:param type="linDir" val="fromL"/>
+                          <dgm:param type="nodeVertAlign" val="t"/>
+                        </dgm:alg>
+                      </dgm:if>
+                      <dgm:else name="Name29">
+                        <dgm:alg type="lin">
+                          <dgm:param type="linDir" val="fromR"/>
+                          <dgm:param type="nodeVertAlign" val="t"/>
+                        </dgm:alg>
+                      </dgm:else>
+                    </dgm:choose>
+                    <dgm:shape xmlns:r="http://schemas.openxmlformats.org/officeDocument/2006/relationships" r:blip="">
+                      <dgm:adjLst/>
+                    </dgm:shape>
+                    <dgm:presOf/>
+                    <dgm:layoutNode name="horzSpace3">
+                      <dgm:alg type="sp"/>
+                      <dgm:shape xmlns:r="http://schemas.openxmlformats.org/officeDocument/2006/relationships" r:blip="">
+                        <dgm:adjLst/>
+                      </dgm:shape>
+                      <dgm:presOf/>
+                    </dgm:layoutNode>
+                    <dgm:layoutNode name="tx3" styleLbl="revTx">
+                      <dgm:alg type="tx">
+                        <dgm:param type="parTxLTRAlign" val="l"/>
+                        <dgm:param type="parTxRTLAlign" val="r"/>
+                        <dgm:param type="txAnchorVert" val="t"/>
+                      </dgm:alg>
+                      <dgm:shape xmlns:r="http://schemas.openxmlformats.org/officeDocument/2006/relationships" type="rect" r:blip="">
+                        <dgm:adjLst/>
+                      </dgm:shape>
+                      <dgm:presOf axis="self"/>
+                      <dgm:constrLst>
+                        <dgm:constr type="tMarg" refType="primFontSz" fact="0.3"/>
+                        <dgm:constr type="bMarg" refType="primFontSz" fact="0.3"/>
+                        <dgm:constr type="lMarg" refType="primFontSz" fact="0.3"/>
+                        <dgm:constr type="rMarg" refType="primFontSz" fact="0.3"/>
+                      </dgm:constrLst>
+                      <dgm:ruleLst>
+                        <dgm:rule type="primFontSz" val="5" fact="NaN" max="NaN"/>
+                      </dgm:ruleLst>
+                    </dgm:layoutNode>
+                    <dgm:layoutNode name="vert3">
+                      <dgm:choose name="Name30">
+                        <dgm:if name="Name31" func="var" arg="dir" op="equ" val="norm">
+                          <dgm:alg type="lin">
+                            <dgm:param type="linDir" val="fromT"/>
+                            <dgm:param type="nodeHorzAlign" val="l"/>
+                          </dgm:alg>
+                        </dgm:if>
+                        <dgm:else name="Name32">
+                          <dgm:alg type="lin">
+                            <dgm:param type="linDir" val="fromT"/>
+                            <dgm:param type="nodeHorzAlign" val="r"/>
+                          </dgm:alg>
+                        </dgm:else>
+                      </dgm:choose>
+                      <dgm:shape xmlns:r="http://schemas.openxmlformats.org/officeDocument/2006/relationships" r:blip="">
+                        <dgm:adjLst/>
+                      </dgm:shape>
+                      <dgm:presOf/>
+                      <dgm:forEach name="Name33" axis="ch" ptType="node">
+                        <dgm:layoutNode name="horz4">
+                          <dgm:choose name="Name34">
+                            <dgm:if name="Name35" func="var" arg="dir" op="equ" val="norm">
+                              <dgm:alg type="lin">
+                                <dgm:param type="linDir" val="fromL"/>
+                                <dgm:param type="nodeVertAlign" val="t"/>
+                              </dgm:alg>
+                            </dgm:if>
+                            <dgm:else name="Name36">
+                              <dgm:alg type="lin">
+                                <dgm:param type="linDir" val="fromR"/>
+                                <dgm:param type="nodeVertAlign" val="t"/>
+                              </dgm:alg>
+                            </dgm:else>
+                          </dgm:choose>
+                          <dgm:shape xmlns:r="http://schemas.openxmlformats.org/officeDocument/2006/relationships" r:blip="">
+                            <dgm:adjLst/>
+                          </dgm:shape>
+                          <dgm:presOf/>
+                          <dgm:layoutNode name="horzSpace4">
+                            <dgm:alg type="sp"/>
+                            <dgm:shape xmlns:r="http://schemas.openxmlformats.org/officeDocument/2006/relationships" r:blip="">
+                              <dgm:adjLst/>
+                            </dgm:shape>
+                            <dgm:presOf/>
+                          </dgm:layoutNode>
+                          <dgm:layoutNode name="tx4" styleLbl="revTx">
+                            <dgm:varLst>
+                              <dgm:bulletEnabled val="1"/>
+                            </dgm:varLst>
+                            <dgm:alg type="tx">
+                              <dgm:param type="parTxLTRAlign" val="l"/>
+                              <dgm:param type="parTxRTLAlign" val="r"/>
+                              <dgm:param type="txAnchorVert" val="t"/>
+                            </dgm:alg>
+                            <dgm:shape xmlns:r="http://schemas.openxmlformats.org/officeDocument/2006/relationships" type="rect" r:blip="">
+                              <dgm:adjLst/>
+                            </dgm:shape>
+                            <dgm:presOf axis="desOrSelf" ptType="node"/>
+                            <dgm:constrLst>
+                              <dgm:constr type="tMarg" refType="primFontSz" fact="0.3"/>
+                              <dgm:constr type="bMarg" refType="primFontSz" fact="0.3"/>
+                              <dgm:constr type="lMarg" refType="primFontSz" fact="0.3"/>
+                              <dgm:constr type="rMarg" refType="primFontSz" fact="0.3"/>
+                            </dgm:constrLst>
+                            <dgm:ruleLst>
+                              <dgm:rule type="primFontSz" val="5" fact="NaN" max="NaN"/>
+                            </dgm:ruleLst>
+                          </dgm:layoutNode>
+                        </dgm:layoutNode>
+                      </dgm:forEach>
+                    </dgm:layoutNode>
+                  </dgm:layoutNode>
+                  <dgm:forEach name="Name37" axis="followSib" ptType="sibTrans" cnt="1">
+                    <dgm:layoutNode name="thinLine3" styleLbl="callout">
+                      <dgm:alg type="sp"/>
+                      <dgm:shape xmlns:r="http://schemas.openxmlformats.org/officeDocument/2006/relationships" type="line" r:blip="">
+                        <dgm:adjLst/>
+                      </dgm:shape>
+                      <dgm:presOf/>
+                    </dgm:layoutNode>
+                  </dgm:forEach>
+                </dgm:forEach>
+              </dgm:layoutNode>
+            </dgm:layoutNode>
+            <dgm:layoutNode name="thinLine2b" styleLbl="callout">
+              <dgm:alg type="sp"/>
+              <dgm:shape xmlns:r="http://schemas.openxmlformats.org/officeDocument/2006/relationships" type="line" r:blip="">
+                <dgm:adjLst/>
+              </dgm:shape>
+              <dgm:presOf/>
+            </dgm:layoutNode>
+            <dgm:layoutNode name="vertSpace2b">
+              <dgm:alg type="sp"/>
+              <dgm:shape xmlns:r="http://schemas.openxmlformats.org/officeDocument/2006/relationships" r:blip="">
+                <dgm:adjLst/>
+              </dgm:shape>
+              <dgm:presOf/>
+            </dgm:layoutNode>
+          </dgm:forEach>
+        </dgm:layoutNode>
+      </dgm:layoutNode>
+    </dgm:forEach>
+  </dgm:layoutNode>
+</dgm:layoutDef>
+</file>
+
+<file path=ppt/diagrams/quickStyle1.xml><?xml version="1.0" encoding="utf-8"?>
+<dgm:styleDef xmlns:dgm="http://schemas.openxmlformats.org/drawingml/2006/diagram" xmlns:a="http://schemas.openxmlformats.org/drawingml/2006/main" uniqueId="urn:microsoft.com/office/officeart/2005/8/quickstyle/simple1">
+  <dgm:title val=""/>
+  <dgm:desc val=""/>
+  <dgm:catLst>
+    <dgm:cat type="simple" pri="10100"/>
+  </dgm:catLst>
+  <dgm:scene3d>
+    <a:camera prst="orthographicFront"/>
+    <a:lightRig rig="threePt" dir="t"/>
+  </dgm:scene3d>
+  <dgm:styleLbl name="node0">
+    <dgm:scene3d>
+      <a:camera prst="orthographicFront"/>
+      <a:lightRig rig="threePt" dir="t"/>
+    </dgm:scene3d>
+    <dgm:sp3d/>
+    <dgm:txPr/>
+    <dgm:style>
+      <a:lnRef idx="2">
+        <a:scrgbClr r="0" g="0" b="0"/>
+      </a:lnRef>
+      <a:fillRef idx="1">
+        <a:scrgbClr r="0" g="0" b="0"/>
+      </a:fillRef>
+      <a:effectRef idx="0">
+        <a:scrgbClr r="0" g="0" b="0"/>
+      </a:effectRef>
+      <a:fontRef idx="minor">
+        <a:schemeClr val="lt1"/>
+      </a:fontRef>
+    </dgm:style>
+  </dgm:styleLbl>
+  <dgm:styleLbl name="lnNode1">
+    <dgm:scene3d>
+      <a:camera prst="orthographicFront"/>
+      <a:lightRig rig="threePt" dir="t"/>
+    </dgm:scene3d>
+    <dgm:sp3d/>
+    <dgm:txPr/>
+    <dgm:style>
+      <a:lnRef idx="2">
+        <a:scrgbClr r="0" g="0" b="0"/>
+      </a:lnRef>
+      <a:fillRef idx="1">
+        <a:scrgbClr r="0" g="0" b="0"/>
+      </a:fillRef>
+      <a:effectRef idx="0">
+        <a:scrgbClr r="0" g="0" b="0"/>
+      </a:effectRef>
+      <a:fontRef idx="minor">
+        <a:schemeClr val="lt1"/>
+      </a:fontRef>
+    </dgm:style>
+  </dgm:styleLbl>
+  <dgm:styleLbl name="vennNode1">
+    <dgm:scene3d>
+      <a:camera prst="orthographicFront"/>
+      <a:lightRig rig="threePt" dir="t"/>
+    </dgm:scene3d>
+    <dgm:sp3d/>
+    <dgm:txPr/>
+    <dgm:style>
+      <a:lnRef idx="2">
+        <a:scrgbClr r="0" g="0" b="0"/>
+      </a:lnRef>
+      <a:fillRef idx="1">
+        <a:scrgbClr r="0" g="0" b="0"/>
+      </a:fillRef>
+      <a:effectRef idx="0">
+        <a:scrgbClr r="0" g="0" b="0"/>
+      </a:effectRef>
+      <a:fontRef idx="minor">
+        <a:schemeClr val="tx1"/>
+      </a:fontRef>
+    </dgm:style>
+  </dgm:styleLbl>
+  <dgm:styleLbl name="alignNode1">
+    <dgm:scene3d>
+      <a:camera prst="orthographicFront"/>
+      <a:lightRig rig="threePt" dir="t"/>
+    </dgm:scene3d>
+    <dgm:sp3d/>
+    <dgm:txPr/>
+    <dgm:style>
+      <a:lnRef idx="2">
+        <a:scrgbClr r="0" g="0" b="0"/>
+      </a:lnRef>
+      <a:fillRef idx="1">
+        <a:scrgbClr r="0" g="0" b="0"/>
+      </a:fillRef>
+      <a:effectRef idx="0">
+        <a:scrgbClr r="0" g="0" b="0"/>
+      </a:effectRef>
+      <a:fontRef idx="minor">
+        <a:schemeClr val="lt1"/>
+      </a:fontRef>
+    </dgm:style>
+  </dgm:styleLbl>
+  <dgm:styleLbl name="node1">
+    <dgm:scene3d>
+      <a:camera prst="orthographicFront"/>
+      <a:lightRig rig="threePt" dir="t"/>
+    </dgm:scene3d>
+    <dgm:sp3d/>
+    <dgm:txPr/>
+    <dgm:style>
+      <a:lnRef idx="2">
+        <a:scrgbClr r="0" g="0" b="0"/>
+      </a:lnRef>
+      <a:fillRef idx="1">
+        <a:scrgbClr r="0" g="0" b="0"/>
+      </a:fillRef>
+      <a:effectRef idx="0">
+        <a:scrgbClr r="0" g="0" b="0"/>
+      </a:effectRef>
+      <a:fontRef idx="minor">
+        <a:schemeClr val="lt1"/>
+      </a:fontRef>
+    </dgm:style>
+  </dgm:styleLbl>
+  <dgm:styleLbl name="node2">
+    <dgm:scene3d>
+      <a:camera prst="orthographicFront"/>
+      <a:lightRig rig="threePt" dir="t"/>
+    </dgm:scene3d>
+    <dgm:sp3d/>
+    <dgm:txPr/>
+    <dgm:style>
+      <a:lnRef idx="2">
+        <a:scrgbClr r="0" g="0" b="0"/>
+      </a:lnRef>
+      <a:fillRef idx="1">
+        <a:scrgbClr r="0" g="0" b="0"/>
+      </a:fillRef>
+      <a:effectRef idx="0">
+        <a:scrgbClr r="0" g="0" b="0"/>
+      </a:effectRef>
+      <a:fontRef idx="minor">
+        <a:schemeClr val="lt1"/>
+      </a:fontRef>
+    </dgm:style>
+  </dgm:styleLbl>
+  <dgm:styleLbl name="node3">
+    <dgm:scene3d>
+      <a:camera prst="orthographicFront"/>
+      <a:lightRig rig="threePt" dir="t"/>
+    </dgm:scene3d>
+    <dgm:sp3d/>
+    <dgm:txPr/>
+    <dgm:style>
+      <a:lnRef idx="2">
+        <a:scrgbClr r="0" g="0" b="0"/>
+      </a:lnRef>
+      <a:fillRef idx="1">
+        <a:scrgbClr r="0" g="0" b="0"/>
+      </a:fillRef>
+      <a:effectRef idx="0">
+        <a:scrgbClr r="0" g="0" b="0"/>
+      </a:effectRef>
+      <a:fontRef idx="minor">
+        <a:schemeClr val="lt1"/>
+      </a:fontRef>
+    </dgm:style>
+  </dgm:styleLbl>
+  <dgm:styleLbl name="node4">
+    <dgm:scene3d>
+      <a:camera prst="orthographicFront"/>
+      <a:lightRig rig="threePt" dir="t"/>
+    </dgm:scene3d>
+    <dgm:sp3d/>
+    <dgm:txPr/>
+    <dgm:style>
+      <a:lnRef idx="2">
+        <a:scrgbClr r="0" g="0" b="0"/>
+      </a:lnRef>
+      <a:fillRef idx="1">
+        <a:scrgbClr r="0" g="0" b="0"/>
+      </a:fillRef>
+      <a:effectRef idx="0">
+        <a:scrgbClr r="0" g="0" b="0"/>
+      </a:effectRef>
+      <a:fontRef idx="minor">
+        <a:schemeClr val="lt1"/>
+      </a:fontRef>
+    </dgm:style>
+  </dgm:styleLbl>
+  <dgm:styleLbl name="fgImgPlace1">
+    <dgm:scene3d>
+      <a:camera prst="orthographicFront"/>
+      <a:lightRig rig="threePt" dir="t"/>
+    </dgm:scene3d>
+    <dgm:sp3d/>
+    <dgm:txPr/>
+    <dgm:style>
+      <a:lnRef idx="2">
+        <a:scrgbClr r="0" g="0" b="0"/>
+      </a:lnRef>
+      <a:fillRef idx="1">
+        <a:scrgbClr r="0" g="0" b="0"/>
+      </a:fillRef>
+      <a:effectRef idx="0">
+        <a:scrgbClr r="0" g="0" b="0"/>
+      </a:effectRef>
+      <a:fontRef idx="minor"/>
+    </dgm:style>
+  </dgm:styleLbl>
+  <dgm:styleLbl name="alignImgPlace1">
+    <dgm:scene3d>
+      <a:camera prst="orthographicFront"/>
+      <a:lightRig rig="threePt" dir="t"/>
+    </dgm:scene3d>
+    <dgm:sp3d/>
+    <dgm:txPr/>
+    <dgm:style>
+      <a:lnRef idx="2">
+        <a:scrgbClr r="0" g="0" b="0"/>
+      </a:lnRef>
+      <a:fillRef idx="1">
+        <a:scrgbClr r="0" g="0" b="0"/>
+      </a:fillRef>
+      <a:effectRef idx="0">
+        <a:scrgbClr r="0" g="0" b="0"/>
+      </a:effectRef>
+      <a:fontRef idx="minor"/>
+    </dgm:style>
+  </dgm:styleLbl>
+  <dgm:styleLbl name="bgImgPlace1">
+    <dgm:scene3d>
+      <a:camera prst="orthographicFront"/>
+      <a:lightRig rig="threePt" dir="t"/>
+    </dgm:scene3d>
+    <dgm:sp3d/>
+    <dgm:txPr/>
+    <dgm:style>
+      <a:lnRef idx="2">
+        <a:scrgbClr r="0" g="0" b="0"/>
+      </a:lnRef>
+      <a:fillRef idx="1">
+        <a:scrgbClr r="0" g="0" b="0"/>
+      </a:fillRef>
+      <a:effectRef idx="0">
+        <a:scrgbClr r="0" g="0" b="0"/>
+      </a:effectRef>
+      <a:fontRef idx="minor"/>
+    </dgm:style>
+  </dgm:styleLbl>
+  <dgm:styleLbl name="sibTrans2D1">
+    <dgm:scene3d>
+      <a:camera prst="orthographicFront"/>
+      <a:lightRig rig="threePt" dir="t"/>
+    </dgm:scene3d>
+    <dgm:sp3d/>
+    <dgm:txPr/>
+    <dgm:style>
+      <a:lnRef idx="0">
+        <a:scrgbClr r="0" g="0" b="0"/>
+      </a:lnRef>
+      <a:fillRef idx="1">
+        <a:scrgbClr r="0" g="0" b="0"/>
+      </a:fillRef>
+      <a:effectRef idx="0">
+        <a:scrgbClr r="0" g="0" b="0"/>
+      </a:effectRef>
+      <a:fontRef idx="minor">
+        <a:schemeClr val="lt1"/>
+      </a:fontRef>
+    </dgm:style>
+  </dgm:styleLbl>
+  <dgm:styleLbl name="fgSibTrans2D1">
+    <dgm:scene3d>
+      <a:camera prst="orthographicFront"/>
+      <a:lightRig rig="threePt" dir="t"/>
+    </dgm:scene3d>
+    <dgm:sp3d/>
+    <dgm:txPr/>
+    <dgm:style>
+      <a:lnRef idx="0">
+        <a:scrgbClr r="0" g="0" b="0"/>
+      </a:lnRef>
+      <a:fillRef idx="1">
+        <a:scrgbClr r="0" g="0" b="0"/>
+      </a:fillRef>
+      <a:effectRef idx="0">
+        <a:scrgbClr r="0" g="0" b="0"/>
+      </a:effectRef>
+      <a:fontRef idx="minor">
+        <a:schemeClr val="lt1"/>
+      </a:fontRef>
+    </dgm:style>
+  </dgm:styleLbl>
+  <dgm:styleLbl name="bgSibTrans2D1">
+    <dgm:scene3d>
+      <a:camera prst="orthographicFront"/>
+      <a:lightRig rig="threePt" dir="t"/>
+    </dgm:scene3d>
+    <dgm:sp3d/>
+    <dgm:txPr/>
+    <dgm:style>
+      <a:lnRef idx="0">
+        <a:scrgbClr r="0" g="0" b="0"/>
+      </a:lnRef>
+      <a:fillRef idx="1">
+        <a:scrgbClr r="0" g="0" b="0"/>
+      </a:fillRef>
+      <a:effectRef idx="0">
+        <a:scrgbClr r="0" g="0" b="0"/>
+      </a:effectRef>
+      <a:fontRef idx="minor">
+        <a:schemeClr val="lt1"/>
+      </a:fontRef>
+    </dgm:style>
+  </dgm:styleLbl>
+  <dgm:styleLbl name="sibTrans1D1">
+    <dgm:scene3d>
+      <a:camera prst="orthographicFront"/>
+      <a:lightRig rig="threePt" dir="t"/>
+    </dgm:scene3d>
+    <dgm:sp3d/>
+    <dgm:txPr/>
+    <dgm:style>
+      <a:lnRef idx="1">
+        <a:scrgbClr r="0" g="0" b="0"/>
+      </a:lnRef>
+      <a:fillRef idx="0">
+        <a:scrgbClr r="0" g="0" b="0"/>
+      </a:fillRef>
+      <a:effectRef idx="0">
+        <a:scrgbClr r="0" g="0" b="0"/>
+      </a:effectRef>
+      <a:fontRef idx="minor"/>
+    </dgm:style>
+  </dgm:styleLbl>
+  <dgm:styleLbl name="callout">
+    <dgm:scene3d>
+      <a:camera prst="orthographicFront"/>
+      <a:lightRig rig="threePt" dir="t"/>
+    </dgm:scene3d>
+    <dgm:sp3d/>
+    <dgm:txPr/>
+    <dgm:style>
+      <a:lnRef idx="2">
+        <a:scrgbClr r="0" g="0" b="0"/>
+      </a:lnRef>
+      <a:fillRef idx="1">
+        <a:scrgbClr r="0" g="0" b="0"/>
+      </a:fillRef>
+      <a:effectRef idx="0">
+        <a:scrgbClr r="0" g="0" b="0"/>
+      </a:effectRef>
+      <a:fontRef idx="minor"/>
+    </dgm:style>
+  </dgm:styleLbl>
+  <dgm:styleLbl name="asst0">
+    <dgm:scene3d>
+      <a:camera prst="orthographicFront"/>
+      <a:lightRig rig="threePt" dir="t"/>
+    </dgm:scene3d>
+    <dgm:sp3d/>
+    <dgm:txPr/>
+    <dgm:style>
+      <a:lnRef idx="2">
+        <a:scrgbClr r="0" g="0" b="0"/>
+      </a:lnRef>
+      <a:fillRef idx="1">
+        <a:scrgbClr r="0" g="0" b="0"/>
+      </a:fillRef>
+      <a:effectRef idx="0">
+        <a:scrgbClr r="0" g="0" b="0"/>
+      </a:effectRef>
+      <a:fontRef idx="minor">
+        <a:schemeClr val="lt1"/>
+      </a:fontRef>
+    </dgm:style>
+  </dgm:styleLbl>
+  <dgm:styleLbl name="asst1">
+    <dgm:scene3d>
+      <a:camera prst="orthographicFront"/>
+      <a:lightRig rig="threePt" dir="t"/>
+    </dgm:scene3d>
+    <dgm:sp3d/>
+    <dgm:txPr/>
+    <dgm:style>
+      <a:lnRef idx="2">
+        <a:scrgbClr r="0" g="0" b="0"/>
+      </a:lnRef>
+      <a:fillRef idx="1">
+        <a:scrgbClr r="0" g="0" b="0"/>
+      </a:fillRef>
+      <a:effectRef idx="0">
+        <a:scrgbClr r="0" g="0" b="0"/>
+      </a:effectRef>
+      <a:fontRef idx="minor">
+        <a:schemeClr val="lt1"/>
+      </a:fontRef>
+    </dgm:style>
+  </dgm:styleLbl>
+  <dgm:styleLbl name="asst2">
+    <dgm:scene3d>
+      <a:camera prst="orthographicFront"/>
+      <a:lightRig rig="threePt" dir="t"/>
+    </dgm:scene3d>
+    <dgm:sp3d/>
+    <dgm:txPr/>
+    <dgm:style>
+      <a:lnRef idx="2">
+        <a:scrgbClr r="0" g="0" b="0"/>
+      </a:lnRef>
+      <a:fillRef idx="1">
+        <a:scrgbClr r="0" g="0" b="0"/>
+      </a:fillRef>
+      <a:effectRef idx="0">
+        <a:scrgbClr r="0" g="0" b="0"/>
+      </a:effectRef>
+      <a:fontRef idx="minor">
+        <a:schemeClr val="lt1"/>
+      </a:fontRef>
+    </dgm:style>
+  </dgm:styleLbl>
+  <dgm:styleLbl name="asst3">
+    <dgm:scene3d>
+      <a:camera prst="orthographicFront"/>
+      <a:lightRig rig="threePt" dir="t"/>
+    </dgm:scene3d>
+    <dgm:sp3d/>
+    <dgm:txPr/>
+    <dgm:style>
+      <a:lnRef idx="2">
+        <a:scrgbClr r="0" g="0" b="0"/>
+      </a:lnRef>
+      <a:fillRef idx="1">
+        <a:scrgbClr r="0" g="0" b="0"/>
+      </a:fillRef>
+      <a:effectRef idx="0">
+        <a:scrgbClr r="0" g="0" b="0"/>
+      </a:effectRef>
+      <a:fontRef idx="minor">
+        <a:schemeClr val="lt1"/>
+      </a:fontRef>
+    </dgm:style>
+  </dgm:styleLbl>
+  <dgm:styleLbl name="asst4">
+    <dgm:scene3d>
+      <a:camera prst="orthographicFront"/>
+      <a:lightRig rig="threePt" dir="t"/>
+    </dgm:scene3d>
+    <dgm:sp3d/>
+    <dgm:txPr/>
+    <dgm:style>
+      <a:lnRef idx="2">
+        <a:scrgbClr r="0" g="0" b="0"/>
+      </a:lnRef>
+      <a:fillRef idx="1">
+        <a:scrgbClr r="0" g="0" b="0"/>
+      </a:fillRef>
+      <a:effectRef idx="0">
+        <a:scrgbClr r="0" g="0" b="0"/>
+      </a:effectRef>
+      <a:fontRef idx="minor">
+        <a:schemeClr val="lt1"/>
+      </a:fontRef>
+    </dgm:style>
+  </dgm:styleLbl>
+  <dgm:styleLbl name="parChTrans2D1">
+    <dgm:scene3d>
+      <a:camera prst="orthographicFront"/>
+      <a:lightRig rig="threePt" dir="t"/>
+    </dgm:scene3d>
+    <dgm:sp3d/>
+    <dgm:txPr/>
+    <dgm:style>
+      <a:lnRef idx="2">
+        <a:scrgbClr r="0" g="0" b="0"/>
+      </a:lnRef>
+      <a:fillRef idx="1">
+        <a:scrgbClr r="0" g="0" b="0"/>
+      </a:fillRef>
+      <a:effectRef idx="0">
+        <a:scrgbClr r="0" g="0" b="0"/>
+      </a:effectRef>
+      <a:fontRef idx="minor">
+        <a:schemeClr val="lt1"/>
+      </a:fontRef>
+    </dgm:style>
+  </dgm:styleLbl>
+  <dgm:styleLbl name="parChTrans2D2">
+    <dgm:scene3d>
+      <a:camera prst="orthographicFront"/>
+      <a:lightRig rig="threePt" dir="t"/>
+    </dgm:scene3d>
+    <dgm:sp3d/>
+    <dgm:txPr/>
+    <dgm:style>
+      <a:lnRef idx="2">
+        <a:scrgbClr r="0" g="0" b="0"/>
+      </a:lnRef>
+      <a:fillRef idx="1">
+        <a:scrgbClr r="0" g="0" b="0"/>
+      </a:fillRef>
+      <a:effectRef idx="0">
+        <a:scrgbClr r="0" g="0" b="0"/>
+      </a:effectRef>
+      <a:fontRef idx="minor">
+        <a:schemeClr val="lt1"/>
+      </a:fontRef>
+    </dgm:style>
+  </dgm:styleLbl>
+  <dgm:styleLbl name="parChTrans2D3">
+    <dgm:scene3d>
+      <a:camera prst="orthographicFront"/>
+      <a:lightRig rig="threePt" dir="t"/>
+    </dgm:scene3d>
+    <dgm:sp3d/>
+    <dgm:txPr/>
+    <dgm:style>
+      <a:lnRef idx="2">
+        <a:scrgbClr r="0" g="0" b="0"/>
+      </a:lnRef>
+      <a:fillRef idx="1">
+        <a:scrgbClr r="0" g="0" b="0"/>
+      </a:fillRef>
+      <a:effectRef idx="0">
+        <a:scrgbClr r="0" g="0" b="0"/>
+      </a:effectRef>
+      <a:fontRef idx="minor">
+        <a:schemeClr val="lt1"/>
+      </a:fontRef>
+    </dgm:style>
+  </dgm:styleLbl>
+  <dgm:styleLbl name="parChTrans2D4">
+    <dgm:scene3d>
+      <a:camera prst="orthographicFront"/>
+      <a:lightRig rig="threePt" dir="t"/>
+    </dgm:scene3d>
+    <dgm:sp3d/>
+    <dgm:txPr/>
+    <dgm:style>
+      <a:lnRef idx="2">
+        <a:scrgbClr r="0" g="0" b="0"/>
+      </a:lnRef>
+      <a:fillRef idx="1">
+        <a:scrgbClr r="0" g="0" b="0"/>
+      </a:fillRef>
+      <a:effectRef idx="0">
+        <a:scrgbClr r="0" g="0" b="0"/>
+      </a:effectRef>
+      <a:fontRef idx="minor">
+        <a:schemeClr val="lt1"/>
+      </a:fontRef>
+    </dgm:style>
+  </dgm:styleLbl>
+  <dgm:styleLbl name="parChTrans1D1">
+    <dgm:scene3d>
+      <a:camera prst="orthographicFront"/>
+      <a:lightRig rig="threePt" dir="t"/>
+    </dgm:scene3d>
+    <dgm:sp3d/>
+    <dgm:txPr/>
+    <dgm:style>
+      <a:lnRef idx="2">
+        <a:scrgbClr r="0" g="0" b="0"/>
+      </a:lnRef>
+      <a:fillRef idx="0">
+        <a:scrgbClr r="0" g="0" b="0"/>
+      </a:fillRef>
+      <a:effectRef idx="0">
+        <a:scrgbClr r="0" g="0" b="0"/>
+      </a:effectRef>
+      <a:fontRef idx="minor"/>
+    </dgm:style>
+  </dgm:styleLbl>
+  <dgm:styleLbl name="parChTrans1D2">
+    <dgm:scene3d>
+      <a:camera prst="orthographicFront"/>
+      <a:lightRig rig="threePt" dir="t"/>
+    </dgm:scene3d>
+    <dgm:sp3d/>
+    <dgm:txPr/>
+    <dgm:style>
+      <a:lnRef idx="2">
+        <a:scrgbClr r="0" g="0" b="0"/>
+      </a:lnRef>
+      <a:fillRef idx="0">
+        <a:scrgbClr r="0" g="0" b="0"/>
+      </a:fillRef>
+      <a:effectRef idx="0">
+        <a:scrgbClr r="0" g="0" b="0"/>
+      </a:effectRef>
+      <a:fontRef idx="minor"/>
+    </dgm:style>
+  </dgm:styleLbl>
+  <dgm:styleLbl name="parChTrans1D3">
+    <dgm:scene3d>
+      <a:camera prst="orthographicFront"/>
+      <a:lightRig rig="threePt" dir="t"/>
+    </dgm:scene3d>
+    <dgm:sp3d/>
+    <dgm:txPr/>
+    <dgm:style>
+      <a:lnRef idx="2">
+        <a:scrgbClr r="0" g="0" b="0"/>
+      </a:lnRef>
+      <a:fillRef idx="0">
+        <a:scrgbClr r="0" g="0" b="0"/>
+      </a:fillRef>
+      <a:effectRef idx="0">
+        <a:scrgbClr r="0" g="0" b="0"/>
+      </a:effectRef>
+      <a:fontRef idx="minor"/>
+    </dgm:style>
+  </dgm:styleLbl>
+  <dgm:styleLbl name="parChTrans1D4">
+    <dgm:scene3d>
+      <a:camera prst="orthographicFront"/>
+      <a:lightRig rig="threePt" dir="t"/>
+    </dgm:scene3d>
+    <dgm:sp3d/>
+    <dgm:txPr/>
+    <dgm:style>
+      <a:lnRef idx="2">
+        <a:scrgbClr r="0" g="0" b="0"/>
+      </a:lnRef>
+      <a:fillRef idx="0">
+        <a:scrgbClr r="0" g="0" b="0"/>
+      </a:fillRef>
+      <a:effectRef idx="0">
+        <a:scrgbClr r="0" g="0" b="0"/>
+      </a:effectRef>
+      <a:fontRef idx="minor"/>
+    </dgm:style>
+  </dgm:styleLbl>
+  <dgm:styleLbl name="fgAcc1">
+    <dgm:scene3d>
+      <a:camera prst="orthographicFront"/>
+      <a:lightRig rig="threePt" dir="t"/>
+    </dgm:scene3d>
+    <dgm:sp3d/>
+    <dgm:txPr/>
+    <dgm:style>
+      <a:lnRef idx="2">
+        <a:scrgbClr r="0" g="0" b="0"/>
+      </a:lnRef>
+      <a:fillRef idx="1">
+        <a:scrgbClr r="0" g="0" b="0"/>
+      </a:fillRef>
+      <a:effectRef idx="0">
+        <a:scrgbClr r="0" g="0" b="0"/>
+      </a:effectRef>
+      <a:fontRef idx="minor"/>
+    </dgm:style>
+  </dgm:styleLbl>
+  <dgm:styleLbl name="conFgAcc1">
+    <dgm:scene3d>
+      <a:camera prst="orthographicFront"/>
+      <a:lightRig rig="threePt" dir="t"/>
+    </dgm:scene3d>
+    <dgm:sp3d/>
+    <dgm:txPr/>
+    <dgm:style>
+      <a:lnRef idx="2">
+        <a:scrgbClr r="0" g="0" b="0"/>
+      </a:lnRef>
+      <a:fillRef idx="1">
+        <a:scrgbClr r="0" g="0" b="0"/>
+      </a:fillRef>
+      <a:effectRef idx="0">
+        <a:scrgbClr r="0" g="0" b="0"/>
+      </a:effectRef>
+      <a:fontRef idx="minor"/>
+    </dgm:style>
+  </dgm:styleLbl>
+  <dgm:styleLbl name="alignAcc1">
+    <dgm:scene3d>
+      <a:camera prst="orthographicFront"/>
+      <a:lightRig rig="threePt" dir="t"/>
+    </dgm:scene3d>
+    <dgm:sp3d/>
+    <dgm:txPr/>
+    <dgm:style>
+      <a:lnRef idx="2">
+        <a:scrgbClr r="0" g="0" b="0"/>
+      </a:lnRef>
+      <a:fillRef idx="1">
+        <a:scrgbClr r="0" g="0" b="0"/>
+      </a:fillRef>
+      <a:effectRef idx="0">
+        <a:scrgbClr r="0" g="0" b="0"/>
+      </a:effectRef>
+      <a:fontRef idx="minor"/>
+    </dgm:style>
+  </dgm:styleLbl>
+  <dgm:styleLbl name="trAlignAcc1">
+    <dgm:scene3d>
+      <a:camera prst="orthographicFront"/>
+      <a:lightRig rig="threePt" dir="t"/>
+    </dgm:scene3d>
+    <dgm:sp3d/>
+    <dgm:txPr/>
+    <dgm:style>
+      <a:lnRef idx="1">
+        <a:scrgbClr r="0" g="0" b="0"/>
+      </a:lnRef>
+      <a:fillRef idx="1">
+        <a:scrgbClr r="0" g="0" b="0"/>
+      </a:fillRef>
+      <a:effectRef idx="0">
+        <a:scrgbClr r="0" g="0" b="0"/>
+      </a:effectRef>
+      <a:fontRef idx="minor"/>
+    </dgm:style>
+  </dgm:styleLbl>
+  <dgm:styleLbl name="bgAcc1">
+    <dgm:scene3d>
+      <a:camera prst="orthographicFront"/>
+      <a:lightRig rig="threePt" dir="t"/>
+    </dgm:scene3d>
+    <dgm:sp3d/>
+    <dgm:txPr/>
+    <dgm:style>
+      <a:lnRef idx="2">
+        <a:scrgbClr r="0" g="0" b="0"/>
+      </a:lnRef>
+      <a:fillRef idx="1">
+        <a:scrgbClr r="0" g="0" b="0"/>
+      </a:fillRef>
+      <a:effectRef idx="0">
+        <a:scrgbClr r="0" g="0" b="0"/>
+      </a:effectRef>
+      <a:fontRef idx="minor"/>
+    </dgm:style>
+  </dgm:styleLbl>
+  <dgm:styleLbl name="solidFgAcc1">
+    <dgm:scene3d>
+      <a:camera prst="orthographicFront"/>
+      <a:lightRig rig="threePt" dir="t"/>
+    </dgm:scene3d>
+    <dgm:sp3d/>
+    <dgm:txPr/>
+    <dgm:style>
+      <a:lnRef idx="2">
+        <a:scrgbClr r="0" g="0" b="0"/>
+      </a:lnRef>
+      <a:fillRef idx="1">
+        <a:scrgbClr r="0" g="0" b="0"/>
+      </a:fillRef>
+      <a:effectRef idx="0">
+        <a:scrgbClr r="0" g="0" b="0"/>
+      </a:effectRef>
+      <a:fontRef idx="minor"/>
+    </dgm:style>
+  </dgm:styleLbl>
+  <dgm:styleLbl name="solidAlignAcc1">
+    <dgm:scene3d>
+      <a:camera prst="orthographicFront"/>
+      <a:lightRig rig="threePt" dir="t"/>
+    </dgm:scene3d>
+    <dgm:sp3d/>
+    <dgm:txPr/>
+    <dgm:style>
+      <a:lnRef idx="2">
+        <a:scrgbClr r="0" g="0" b="0"/>
+      </a:lnRef>
+      <a:fillRef idx="1">
+        <a:scrgbClr r="0" g="0" b="0"/>
+      </a:fillRef>
+      <a:effectRef idx="0">
+        <a:scrgbClr r="0" g="0" b="0"/>
+      </a:effectRef>
+      <a:fontRef idx="minor"/>
+    </dgm:style>
+  </dgm:styleLbl>
+  <dgm:styleLbl name="solidBgAcc1">
+    <dgm:scene3d>
+      <a:camera prst="orthographicFront"/>
+      <a:lightRig rig="threePt" dir="t"/>
+    </dgm:scene3d>
+    <dgm:sp3d/>
+    <dgm:txPr/>
+    <dgm:style>
+      <a:lnRef idx="2">
+        <a:scrgbClr r="0" g="0" b="0"/>
+      </a:lnRef>
+      <a:fillRef idx="1">
+        <a:scrgbClr r="0" g="0" b="0"/>
+      </a:fillRef>
+      <a:effectRef idx="0">
+        <a:scrgbClr r="0" g="0" b="0"/>
+      </a:effectRef>
+      <a:fontRef idx="minor"/>
+    </dgm:style>
+  </dgm:styleLbl>
+  <dgm:styleLbl name="fgAccFollowNode1">
+    <dgm:scene3d>
+      <a:camera prst="orthographicFront"/>
+      <a:lightRig rig="threePt" dir="t"/>
+    </dgm:scene3d>
+    <dgm:sp3d/>
+    <dgm:txPr/>
+    <dgm:style>
+      <a:lnRef idx="2">
+        <a:scrgbClr r="0" g="0" b="0"/>
+      </a:lnRef>
+      <a:fillRef idx="1">
+        <a:scrgbClr r="0" g="0" b="0"/>
+      </a:fillRef>
+      <a:effectRef idx="0">
+        <a:scrgbClr r="0" g="0" b="0"/>
+      </a:effectRef>
+      <a:fontRef idx="minor"/>
+    </dgm:style>
+  </dgm:styleLbl>
+  <dgm:styleLbl name="alignAccFollowNode1">
+    <dgm:scene3d>
+      <a:camera prst="orthographicFront"/>
+      <a:lightRig rig="threePt" dir="t"/>
+    </dgm:scene3d>
+    <dgm:sp3d/>
+    <dgm:txPr/>
+    <dgm:style>
+      <a:lnRef idx="2">
+        <a:scrgbClr r="0" g="0" b="0"/>
+      </a:lnRef>
+      <a:fillRef idx="1">
+        <a:scrgbClr r="0" g="0" b="0"/>
+      </a:fillRef>
+      <a:effectRef idx="0">
+        <a:scrgbClr r="0" g="0" b="0"/>
+      </a:effectRef>
+      <a:fontRef idx="minor"/>
+    </dgm:style>
+  </dgm:styleLbl>
+  <dgm:styleLbl name="bgAccFollowNode1">
+    <dgm:scene3d>
+      <a:camera prst="orthographicFront"/>
+      <a:lightRig rig="threePt" dir="t"/>
+    </dgm:scene3d>
+    <dgm:sp3d/>
+    <dgm:txPr/>
+    <dgm:style>
+      <a:lnRef idx="2">
+        <a:scrgbClr r="0" g="0" b="0"/>
+      </a:lnRef>
+      <a:fillRef idx="1">
+        <a:scrgbClr r="0" g="0" b="0"/>
+      </a:fillRef>
+      <a:effectRef idx="0">
+        <a:scrgbClr r="0" g="0" b="0"/>
+      </a:effectRef>
+      <a:fontRef idx="minor"/>
+    </dgm:style>
+  </dgm:styleLbl>
+  <dgm:styleLbl name="fgAcc0">
+    <dgm:scene3d>
+      <a:camera prst="orthographicFront"/>
+      <a:lightRig rig="threePt" dir="t"/>
+    </dgm:scene3d>
+    <dgm:sp3d/>
+    <dgm:txPr/>
+    <dgm:style>
+      <a:lnRef idx="2">
+        <a:scrgbClr r="0" g="0" b="0"/>
+      </a:lnRef>
+      <a:fillRef idx="1">
+        <a:scrgbClr r="0" g="0" b="0"/>
+      </a:fillRef>
+      <a:effectRef idx="0">
+        <a:scrgbClr r="0" g="0" b="0"/>
+      </a:effectRef>
+      <a:fontRef idx="minor"/>
+    </dgm:style>
+  </dgm:styleLbl>
+  <dgm:styleLbl name="fgAcc2">
+    <dgm:scene3d>
+      <a:camera prst="orthographicFront"/>
+      <a:lightRig rig="threePt" dir="t"/>
+    </dgm:scene3d>
+    <dgm:sp3d/>
+    <dgm:txPr/>
+    <dgm:style>
+      <a:lnRef idx="2">
+        <a:scrgbClr r="0" g="0" b="0"/>
+      </a:lnRef>
+      <a:fillRef idx="1">
+        <a:scrgbClr r="0" g="0" b="0"/>
+      </a:fillRef>
+      <a:effectRef idx="0">
+        <a:scrgbClr r="0" g="0" b="0"/>
+      </a:effectRef>
+      <a:fontRef idx="minor"/>
+    </dgm:style>
+  </dgm:styleLbl>
+  <dgm:styleLbl name="fgAcc3">
+    <dgm:scene3d>
+      <a:camera prst="orthographicFront"/>
+      <a:lightRig rig="threePt" dir="t"/>
+    </dgm:scene3d>
+    <dgm:sp3d/>
+    <dgm:txPr/>
+    <dgm:style>
+      <a:lnRef idx="2">
+        <a:scrgbClr r="0" g="0" b="0"/>
+      </a:lnRef>
+      <a:fillRef idx="1">
+        <a:scrgbClr r="0" g="0" b="0"/>
+      </a:fillRef>
+      <a:effectRef idx="0">
+        <a:scrgbClr r="0" g="0" b="0"/>
+      </a:effectRef>
+      <a:fontRef idx="minor"/>
+    </dgm:style>
+  </dgm:styleLbl>
+  <dgm:styleLbl name="fgAcc4">
+    <dgm:scene3d>
+      <a:camera prst="orthographicFront"/>
+      <a:lightRig rig="threePt" dir="t"/>
+    </dgm:scene3d>
+    <dgm:sp3d/>
+    <dgm:txPr/>
+    <dgm:style>
+      <a:lnRef idx="2">
+        <a:scrgbClr r="0" g="0" b="0"/>
+      </a:lnRef>
+      <a:fillRef idx="1">
+        <a:scrgbClr r="0" g="0" b="0"/>
+      </a:fillRef>
+      <a:effectRef idx="0">
+        <a:scrgbClr r="0" g="0" b="0"/>
+      </a:effectRef>
+      <a:fontRef idx="minor"/>
+    </dgm:style>
+  </dgm:styleLbl>
+  <dgm:styleLbl name="bgShp">
+    <dgm:scene3d>
+      <a:camera prst="orthographicFront"/>
+      <a:lightRig rig="threePt" dir="t"/>
+    </dgm:scene3d>
+    <dgm:sp3d/>
+    <dgm:txPr/>
+    <dgm:style>
+      <a:lnRef idx="0">
+        <a:scrgbClr r="0" g="0" b="0"/>
+      </a:lnRef>
+      <a:fillRef idx="1">
+        <a:scrgbClr r="0" g="0" b="0"/>
+      </a:fillRef>
+      <a:effectRef idx="0">
+        <a:scrgbClr r="0" g="0" b="0"/>
+      </a:effectRef>
+      <a:fontRef idx="minor"/>
+    </dgm:style>
+  </dgm:styleLbl>
+  <dgm:styleLbl name="dkBgShp">
+    <dgm:scene3d>
+      <a:camera prst="orthographicFront"/>
+      <a:lightRig rig="threePt" dir="t"/>
+    </dgm:scene3d>
+    <dgm:sp3d/>
+    <dgm:txPr/>
+    <dgm:style>
+      <a:lnRef idx="0">
+        <a:scrgbClr r="0" g="0" b="0"/>
+      </a:lnRef>
+      <a:fillRef idx="1">
+        <a:scrgbClr r="0" g="0" b="0"/>
+      </a:fillRef>
+      <a:effectRef idx="0">
+        <a:scrgbClr r="0" g="0" b="0"/>
+      </a:effectRef>
+      <a:fontRef idx="minor"/>
+    </dgm:style>
+  </dgm:styleLbl>
+  <dgm:styleLbl name="trBgShp">
+    <dgm:scene3d>
+      <a:camera prst="orthographicFront"/>
+      <a:lightRig rig="threePt" dir="t"/>
+    </dgm:scene3d>
+    <dgm:sp3d/>
+    <dgm:txPr/>
+    <dgm:style>
+      <a:lnRef idx="0">
+        <a:scrgbClr r="0" g="0" b="0"/>
+      </a:lnRef>
+      <a:fillRef idx="1">
+        <a:scrgbClr r="0" g="0" b="0"/>
+      </a:fillRef>
+      <a:effectRef idx="0">
+        <a:scrgbClr r="0" g="0" b="0"/>
+      </a:effectRef>
+      <a:fontRef idx="minor"/>
+    </dgm:style>
+  </dgm:styleLbl>
+  <dgm:styleLbl name="fgShp">
+    <dgm:scene3d>
+      <a:camera prst="orthographicFront"/>
+      <a:lightRig rig="threePt" dir="t"/>
+    </dgm:scene3d>
+    <dgm:sp3d/>
+    <dgm:txPr/>
+    <dgm:style>
+      <a:lnRef idx="2">
+        <a:scrgbClr r="0" g="0" b="0"/>
+      </a:lnRef>
+      <a:fillRef idx="1">
+        <a:scrgbClr r="0" g="0" b="0"/>
+      </a:fillRef>
+      <a:effectRef idx="0">
+        <a:scrgbClr r="0" g="0" b="0"/>
+      </a:effectRef>
+      <a:fontRef idx="minor"/>
+    </dgm:style>
+  </dgm:styleLbl>
+  <dgm:styleLbl name="revTx">
+    <dgm:scene3d>
+      <a:camera prst="orthographicFront"/>
+      <a:lightRig rig="threePt" dir="t"/>
+    </dgm:scene3d>
+    <dgm:sp3d/>
+    <dgm:txPr/>
+    <dgm:style>
+      <a:lnRef idx="0">
+        <a:scrgbClr r="0" g="0" b="0"/>
+      </a:lnRef>
+      <a:fillRef idx="0">
+        <a:scrgbClr r="0" g="0" b="0"/>
+      </a:fillRef>
+      <a:effectRef idx="0">
+        <a:scrgbClr r="0" g="0" b="0"/>
+      </a:effectRef>
+      <a:fontRef idx="minor"/>
+    </dgm:style>
+  </dgm:styleLbl>
+</dgm:styleDef>
+</file>
+
+<file path=ppt/diagrams/quickStyle2.xml><?xml version="1.0" encoding="utf-8"?>
+<dgm:styleDef xmlns:dgm="http://schemas.openxmlformats.org/drawingml/2006/diagram" xmlns:a="http://schemas.openxmlformats.org/drawingml/2006/main" uniqueId="urn:microsoft.com/office/officeart/2005/8/quickstyle/simple1">
+  <dgm:title val=""/>
+  <dgm:desc val=""/>
+  <dgm:catLst>
+    <dgm:cat type="simple" pri="10100"/>
+  </dgm:catLst>
+  <dgm:scene3d>
+    <a:camera prst="orthographicFront"/>
+    <a:lightRig rig="threePt" dir="t"/>
+  </dgm:scene3d>
+  <dgm:styleLbl name="node0">
+    <dgm:scene3d>
+      <a:camera prst="orthographicFront"/>
+      <a:lightRig rig="threePt" dir="t"/>
+    </dgm:scene3d>
+    <dgm:sp3d/>
+    <dgm:txPr/>
+    <dgm:style>
+      <a:lnRef idx="2">
+        <a:scrgbClr r="0" g="0" b="0"/>
+      </a:lnRef>
+      <a:fillRef idx="1">
+        <a:scrgbClr r="0" g="0" b="0"/>
+      </a:fillRef>
+      <a:effectRef idx="0">
+        <a:scrgbClr r="0" g="0" b="0"/>
+      </a:effectRef>
+      <a:fontRef idx="minor">
+        <a:schemeClr val="lt1"/>
+      </a:fontRef>
+    </dgm:style>
+  </dgm:styleLbl>
+  <dgm:styleLbl name="lnNode1">
+    <dgm:scene3d>
+      <a:camera prst="orthographicFront"/>
+      <a:lightRig rig="threePt" dir="t"/>
+    </dgm:scene3d>
+    <dgm:sp3d/>
+    <dgm:txPr/>
+    <dgm:style>
+      <a:lnRef idx="2">
+        <a:scrgbClr r="0" g="0" b="0"/>
+      </a:lnRef>
+      <a:fillRef idx="1">
+        <a:scrgbClr r="0" g="0" b="0"/>
+      </a:fillRef>
+      <a:effectRef idx="0">
+        <a:scrgbClr r="0" g="0" b="0"/>
+      </a:effectRef>
+      <a:fontRef idx="minor">
+        <a:schemeClr val="lt1"/>
+      </a:fontRef>
+    </dgm:style>
+  </dgm:styleLbl>
+  <dgm:styleLbl name="vennNode1">
+    <dgm:scene3d>
+      <a:camera prst="orthographicFront"/>
+      <a:lightRig rig="threePt" dir="t"/>
+    </dgm:scene3d>
+    <dgm:sp3d/>
+    <dgm:txPr/>
+    <dgm:style>
+      <a:lnRef idx="2">
+        <a:scrgbClr r="0" g="0" b="0"/>
+      </a:lnRef>
+      <a:fillRef idx="1">
+        <a:scrgbClr r="0" g="0" b="0"/>
+      </a:fillRef>
+      <a:effectRef idx="0">
+        <a:scrgbClr r="0" g="0" b="0"/>
+      </a:effectRef>
+      <a:fontRef idx="minor">
+        <a:schemeClr val="tx1"/>
+      </a:fontRef>
+    </dgm:style>
+  </dgm:styleLbl>
+  <dgm:styleLbl name="alignNode1">
+    <dgm:scene3d>
+      <a:camera prst="orthographicFront"/>
+      <a:lightRig rig="threePt" dir="t"/>
+    </dgm:scene3d>
+    <dgm:sp3d/>
+    <dgm:txPr/>
+    <dgm:style>
+      <a:lnRef idx="2">
+        <a:scrgbClr r="0" g="0" b="0"/>
+      </a:lnRef>
+      <a:fillRef idx="1">
+        <a:scrgbClr r="0" g="0" b="0"/>
+      </a:fillRef>
+      <a:effectRef idx="0">
+        <a:scrgbClr r="0" g="0" b="0"/>
+      </a:effectRef>
+      <a:fontRef idx="minor">
+        <a:schemeClr val="lt1"/>
+      </a:fontRef>
+    </dgm:style>
+  </dgm:styleLbl>
+  <dgm:styleLbl name="node1">
+    <dgm:scene3d>
+      <a:camera prst="orthographicFront"/>
+      <a:lightRig rig="threePt" dir="t"/>
+    </dgm:scene3d>
+    <dgm:sp3d/>
+    <dgm:txPr/>
+    <dgm:style>
+      <a:lnRef idx="2">
+        <a:scrgbClr r="0" g="0" b="0"/>
+      </a:lnRef>
+      <a:fillRef idx="1">
+        <a:scrgbClr r="0" g="0" b="0"/>
+      </a:fillRef>
+      <a:effectRef idx="0">
+        <a:scrgbClr r="0" g="0" b="0"/>
+      </a:effectRef>
+      <a:fontRef idx="minor">
+        <a:schemeClr val="lt1"/>
+      </a:fontRef>
+    </dgm:style>
+  </dgm:styleLbl>
+  <dgm:styleLbl name="node2">
+    <dgm:scene3d>
+      <a:camera prst="orthographicFront"/>
+      <a:lightRig rig="threePt" dir="t"/>
+    </dgm:scene3d>
+    <dgm:sp3d/>
+    <dgm:txPr/>
+    <dgm:style>
+      <a:lnRef idx="2">
+        <a:scrgbClr r="0" g="0" b="0"/>
+      </a:lnRef>
+      <a:fillRef idx="1">
+        <a:scrgbClr r="0" g="0" b="0"/>
+      </a:fillRef>
+      <a:effectRef idx="0">
+        <a:scrgbClr r="0" g="0" b="0"/>
+      </a:effectRef>
+      <a:fontRef idx="minor">
+        <a:schemeClr val="lt1"/>
+      </a:fontRef>
+    </dgm:style>
+  </dgm:styleLbl>
+  <dgm:styleLbl name="node3">
+    <dgm:scene3d>
+      <a:camera prst="orthographicFront"/>
+      <a:lightRig rig="threePt" dir="t"/>
+    </dgm:scene3d>
+    <dgm:sp3d/>
+    <dgm:txPr/>
+    <dgm:style>
+      <a:lnRef idx="2">
+        <a:scrgbClr r="0" g="0" b="0"/>
+      </a:lnRef>
+      <a:fillRef idx="1">
+        <a:scrgbClr r="0" g="0" b="0"/>
+      </a:fillRef>
+      <a:effectRef idx="0">
+        <a:scrgbClr r="0" g="0" b="0"/>
+      </a:effectRef>
+      <a:fontRef idx="minor">
+        <a:schemeClr val="lt1"/>
+      </a:fontRef>
+    </dgm:style>
+  </dgm:styleLbl>
+  <dgm:styleLbl name="node4">
+    <dgm:scene3d>
+      <a:camera prst="orthographicFront"/>
+      <a:lightRig rig="threePt" dir="t"/>
+    </dgm:scene3d>
+    <dgm:sp3d/>
+    <dgm:txPr/>
+    <dgm:style>
+      <a:lnRef idx="2">
+        <a:scrgbClr r="0" g="0" b="0"/>
+      </a:lnRef>
+      <a:fillRef idx="1">
+        <a:scrgbClr r="0" g="0" b="0"/>
+      </a:fillRef>
+      <a:effectRef idx="0">
+        <a:scrgbClr r="0" g="0" b="0"/>
+      </a:effectRef>
+      <a:fontRef idx="minor">
+        <a:schemeClr val="lt1"/>
+      </a:fontRef>
+    </dgm:style>
+  </dgm:styleLbl>
+  <dgm:styleLbl name="fgImgPlace1">
+    <dgm:scene3d>
+      <a:camera prst="orthographicFront"/>
+      <a:lightRig rig="threePt" dir="t"/>
+    </dgm:scene3d>
+    <dgm:sp3d/>
+    <dgm:txPr/>
+    <dgm:style>
+      <a:lnRef idx="2">
+        <a:scrgbClr r="0" g="0" b="0"/>
+      </a:lnRef>
+      <a:fillRef idx="1">
+        <a:scrgbClr r="0" g="0" b="0"/>
+      </a:fillRef>
+      <a:effectRef idx="0">
+        <a:scrgbClr r="0" g="0" b="0"/>
+      </a:effectRef>
+      <a:fontRef idx="minor"/>
+    </dgm:style>
+  </dgm:styleLbl>
+  <dgm:styleLbl name="alignImgPlace1">
+    <dgm:scene3d>
+      <a:camera prst="orthographicFront"/>
+      <a:lightRig rig="threePt" dir="t"/>
+    </dgm:scene3d>
+    <dgm:sp3d/>
+    <dgm:txPr/>
+    <dgm:style>
+      <a:lnRef idx="2">
+        <a:scrgbClr r="0" g="0" b="0"/>
+      </a:lnRef>
+      <a:fillRef idx="1">
+        <a:scrgbClr r="0" g="0" b="0"/>
+      </a:fillRef>
+      <a:effectRef idx="0">
+        <a:scrgbClr r="0" g="0" b="0"/>
+      </a:effectRef>
+      <a:fontRef idx="minor"/>
+    </dgm:style>
+  </dgm:styleLbl>
+  <dgm:styleLbl name="bgImgPlace1">
+    <dgm:scene3d>
+      <a:camera prst="orthographicFront"/>
+      <a:lightRig rig="threePt" dir="t"/>
+    </dgm:scene3d>
+    <dgm:sp3d/>
+    <dgm:txPr/>
+    <dgm:style>
+      <a:lnRef idx="2">
+        <a:scrgbClr r="0" g="0" b="0"/>
+      </a:lnRef>
+      <a:fillRef idx="1">
+        <a:scrgbClr r="0" g="0" b="0"/>
+      </a:fillRef>
+      <a:effectRef idx="0">
+        <a:scrgbClr r="0" g="0" b="0"/>
+      </a:effectRef>
+      <a:fontRef idx="minor"/>
+    </dgm:style>
+  </dgm:styleLbl>
+  <dgm:styleLbl name="sibTrans2D1">
+    <dgm:scene3d>
+      <a:camera prst="orthographicFront"/>
+      <a:lightRig rig="threePt" dir="t"/>
+    </dgm:scene3d>
+    <dgm:sp3d/>
+    <dgm:txPr/>
+    <dgm:style>
+      <a:lnRef idx="0">
+        <a:scrgbClr r="0" g="0" b="0"/>
+      </a:lnRef>
+      <a:fillRef idx="1">
+        <a:scrgbClr r="0" g="0" b="0"/>
+      </a:fillRef>
+      <a:effectRef idx="0">
+        <a:scrgbClr r="0" g="0" b="0"/>
+      </a:effectRef>
+      <a:fontRef idx="minor">
+        <a:schemeClr val="lt1"/>
+      </a:fontRef>
+    </dgm:style>
+  </dgm:styleLbl>
+  <dgm:styleLbl name="fgSibTrans2D1">
+    <dgm:scene3d>
+      <a:camera prst="orthographicFront"/>
+      <a:lightRig rig="threePt" dir="t"/>
+    </dgm:scene3d>
+    <dgm:sp3d/>
+    <dgm:txPr/>
+    <dgm:style>
+      <a:lnRef idx="0">
+        <a:scrgbClr r="0" g="0" b="0"/>
+      </a:lnRef>
+      <a:fillRef idx="1">
+        <a:scrgbClr r="0" g="0" b="0"/>
+      </a:fillRef>
+      <a:effectRef idx="0">
+        <a:scrgbClr r="0" g="0" b="0"/>
+      </a:effectRef>
+      <a:fontRef idx="minor">
+        <a:schemeClr val="lt1"/>
+      </a:fontRef>
+    </dgm:style>
+  </dgm:styleLbl>
+  <dgm:styleLbl name="bgSibTrans2D1">
+    <dgm:scene3d>
+      <a:camera prst="orthographicFront"/>
+      <a:lightRig rig="threePt" dir="t"/>
+    </dgm:scene3d>
+    <dgm:sp3d/>
+    <dgm:txPr/>
+    <dgm:style>
+      <a:lnRef idx="0">
+        <a:scrgbClr r="0" g="0" b="0"/>
+      </a:lnRef>
+      <a:fillRef idx="1">
+        <a:scrgbClr r="0" g="0" b="0"/>
+      </a:fillRef>
+      <a:effectRef idx="0">
+        <a:scrgbClr r="0" g="0" b="0"/>
+      </a:effectRef>
+      <a:fontRef idx="minor">
+        <a:schemeClr val="lt1"/>
+      </a:fontRef>
+    </dgm:style>
+  </dgm:styleLbl>
+  <dgm:styleLbl name="sibTrans1D1">
+    <dgm:scene3d>
+      <a:camera prst="orthographicFront"/>
+      <a:lightRig rig="threePt" dir="t"/>
+    </dgm:scene3d>
+    <dgm:sp3d/>
+    <dgm:txPr/>
+    <dgm:style>
+      <a:lnRef idx="1">
+        <a:scrgbClr r="0" g="0" b="0"/>
+      </a:lnRef>
+      <a:fillRef idx="0">
+        <a:scrgbClr r="0" g="0" b="0"/>
+      </a:fillRef>
+      <a:effectRef idx="0">
+        <a:scrgbClr r="0" g="0" b="0"/>
+      </a:effectRef>
+      <a:fontRef idx="minor"/>
+    </dgm:style>
+  </dgm:styleLbl>
+  <dgm:styleLbl name="callout">
+    <dgm:scene3d>
+      <a:camera prst="orthographicFront"/>
+      <a:lightRig rig="threePt" dir="t"/>
+    </dgm:scene3d>
+    <dgm:sp3d/>
+    <dgm:txPr/>
+    <dgm:style>
+      <a:lnRef idx="2">
+        <a:scrgbClr r="0" g="0" b="0"/>
+      </a:lnRef>
+      <a:fillRef idx="1">
+        <a:scrgbClr r="0" g="0" b="0"/>
+      </a:fillRef>
+      <a:effectRef idx="0">
+        <a:scrgbClr r="0" g="0" b="0"/>
+      </a:effectRef>
+      <a:fontRef idx="minor"/>
+    </dgm:style>
+  </dgm:styleLbl>
+  <dgm:styleLbl name="asst0">
+    <dgm:scene3d>
+      <a:camera prst="orthographicFront"/>
+      <a:lightRig rig="threePt" dir="t"/>
+    </dgm:scene3d>
+    <dgm:sp3d/>
+    <dgm:txPr/>
+    <dgm:style>
+      <a:lnRef idx="2">
+        <a:scrgbClr r="0" g="0" b="0"/>
+      </a:lnRef>
+      <a:fillRef idx="1">
+        <a:scrgbClr r="0" g="0" b="0"/>
+      </a:fillRef>
+      <a:effectRef idx="0">
+        <a:scrgbClr r="0" g="0" b="0"/>
+      </a:effectRef>
+      <a:fontRef idx="minor">
+        <a:schemeClr val="lt1"/>
+      </a:fontRef>
+    </dgm:style>
+  </dgm:styleLbl>
+  <dgm:styleLbl name="asst1">
+    <dgm:scene3d>
+      <a:camera prst="orthographicFront"/>
+      <a:lightRig rig="threePt" dir="t"/>
+    </dgm:scene3d>
+    <dgm:sp3d/>
+    <dgm:txPr/>
+    <dgm:style>
+      <a:lnRef idx="2">
+        <a:scrgbClr r="0" g="0" b="0"/>
+      </a:lnRef>
+      <a:fillRef idx="1">
+        <a:scrgbClr r="0" g="0" b="0"/>
+      </a:fillRef>
+      <a:effectRef idx="0">
+        <a:scrgbClr r="0" g="0" b="0"/>
+      </a:effectRef>
+      <a:fontRef idx="minor">
+        <a:schemeClr val="lt1"/>
+      </a:fontRef>
+    </dgm:style>
+  </dgm:styleLbl>
+  <dgm:styleLbl name="asst2">
+    <dgm:scene3d>
+      <a:camera prst="orthographicFront"/>
+      <a:lightRig rig="threePt" dir="t"/>
+    </dgm:scene3d>
+    <dgm:sp3d/>
+    <dgm:txPr/>
+    <dgm:style>
+      <a:lnRef idx="2">
+        <a:scrgbClr r="0" g="0" b="0"/>
+      </a:lnRef>
+      <a:fillRef idx="1">
+        <a:scrgbClr r="0" g="0" b="0"/>
+      </a:fillRef>
+      <a:effectRef idx="0">
+        <a:scrgbClr r="0" g="0" b="0"/>
+      </a:effectRef>
+      <a:fontRef idx="minor">
+        <a:schemeClr val="lt1"/>
+      </a:fontRef>
+    </dgm:style>
+  </dgm:styleLbl>
+  <dgm:styleLbl name="asst3">
+    <dgm:scene3d>
+      <a:camera prst="orthographicFront"/>
+      <a:lightRig rig="threePt" dir="t"/>
+    </dgm:scene3d>
+    <dgm:sp3d/>
+    <dgm:txPr/>
+    <dgm:style>
+      <a:lnRef idx="2">
+        <a:scrgbClr r="0" g="0" b="0"/>
+      </a:lnRef>
+      <a:fillRef idx="1">
+        <a:scrgbClr r="0" g="0" b="0"/>
+      </a:fillRef>
+      <a:effectRef idx="0">
+        <a:scrgbClr r="0" g="0" b="0"/>
+      </a:effectRef>
+      <a:fontRef idx="minor">
+        <a:schemeClr val="lt1"/>
+      </a:fontRef>
+    </dgm:style>
+  </dgm:styleLbl>
+  <dgm:styleLbl name="asst4">
+    <dgm:scene3d>
+      <a:camera prst="orthographicFront"/>
+      <a:lightRig rig="threePt" dir="t"/>
+    </dgm:scene3d>
+    <dgm:sp3d/>
+    <dgm:txPr/>
+    <dgm:style>
+      <a:lnRef idx="2">
+        <a:scrgbClr r="0" g="0" b="0"/>
+      </a:lnRef>
+      <a:fillRef idx="1">
+        <a:scrgbClr r="0" g="0" b="0"/>
+      </a:fillRef>
+      <a:effectRef idx="0">
+        <a:scrgbClr r="0" g="0" b="0"/>
+      </a:effectRef>
+      <a:fontRef idx="minor">
+        <a:schemeClr val="lt1"/>
+      </a:fontRef>
+    </dgm:style>
+  </dgm:styleLbl>
+  <dgm:styleLbl name="parChTrans2D1">
+    <dgm:scene3d>
+      <a:camera prst="orthographicFront"/>
+      <a:lightRig rig="threePt" dir="t"/>
+    </dgm:scene3d>
+    <dgm:sp3d/>
+    <dgm:txPr/>
+    <dgm:style>
+      <a:lnRef idx="2">
+        <a:scrgbClr r="0" g="0" b="0"/>
+      </a:lnRef>
+      <a:fillRef idx="1">
+        <a:scrgbClr r="0" g="0" b="0"/>
+      </a:fillRef>
+      <a:effectRef idx="0">
+        <a:scrgbClr r="0" g="0" b="0"/>
+      </a:effectRef>
+      <a:fontRef idx="minor">
+        <a:schemeClr val="lt1"/>
+      </a:fontRef>
+    </dgm:style>
+  </dgm:styleLbl>
+  <dgm:styleLbl name="parChTrans2D2">
+    <dgm:scene3d>
+      <a:camera prst="orthographicFront"/>
+      <a:lightRig rig="threePt" dir="t"/>
+    </dgm:scene3d>
+    <dgm:sp3d/>
+    <dgm:txPr/>
+    <dgm:style>
+      <a:lnRef idx="2">
+        <a:scrgbClr r="0" g="0" b="0"/>
+      </a:lnRef>
+      <a:fillRef idx="1">
+        <a:scrgbClr r="0" g="0" b="0"/>
+      </a:fillRef>
+      <a:effectRef idx="0">
+        <a:scrgbClr r="0" g="0" b="0"/>
+      </a:effectRef>
+      <a:fontRef idx="minor">
+        <a:schemeClr val="lt1"/>
+      </a:fontRef>
+    </dgm:style>
+  </dgm:styleLbl>
+  <dgm:styleLbl name="parChTrans2D3">
+    <dgm:scene3d>
+      <a:camera prst="orthographicFront"/>
+      <a:lightRig rig="threePt" dir="t"/>
+    </dgm:scene3d>
+    <dgm:sp3d/>
+    <dgm:txPr/>
+    <dgm:style>
+      <a:lnRef idx="2">
+        <a:scrgbClr r="0" g="0" b="0"/>
+      </a:lnRef>
+      <a:fillRef idx="1">
+        <a:scrgbClr r="0" g="0" b="0"/>
+      </a:fillRef>
+      <a:effectRef idx="0">
+        <a:scrgbClr r="0" g="0" b="0"/>
+      </a:effectRef>
+      <a:fontRef idx="minor">
+        <a:schemeClr val="lt1"/>
+      </a:fontRef>
+    </dgm:style>
+  </dgm:styleLbl>
+  <dgm:styleLbl name="parChTrans2D4">
+    <dgm:scene3d>
+      <a:camera prst="orthographicFront"/>
+      <a:lightRig rig="threePt" dir="t"/>
+    </dgm:scene3d>
+    <dgm:sp3d/>
+    <dgm:txPr/>
+    <dgm:style>
+      <a:lnRef idx="2">
+        <a:scrgbClr r="0" g="0" b="0"/>
+      </a:lnRef>
+      <a:fillRef idx="1">
+        <a:scrgbClr r="0" g="0" b="0"/>
+      </a:fillRef>
+      <a:effectRef idx="0">
+        <a:scrgbClr r="0" g="0" b="0"/>
+      </a:effectRef>
+      <a:fontRef idx="minor">
+        <a:schemeClr val="lt1"/>
+      </a:fontRef>
+    </dgm:style>
+  </dgm:styleLbl>
+  <dgm:styleLbl name="parChTrans1D1">
+    <dgm:scene3d>
+      <a:camera prst="orthographicFront"/>
+      <a:lightRig rig="threePt" dir="t"/>
+    </dgm:scene3d>
+    <dgm:sp3d/>
+    <dgm:txPr/>
+    <dgm:style>
+      <a:lnRef idx="2">
+        <a:scrgbClr r="0" g="0" b="0"/>
+      </a:lnRef>
+      <a:fillRef idx="0">
+        <a:scrgbClr r="0" g="0" b="0"/>
+      </a:fillRef>
+      <a:effectRef idx="0">
+        <a:scrgbClr r="0" g="0" b="0"/>
+      </a:effectRef>
+      <a:fontRef idx="minor"/>
+    </dgm:style>
+  </dgm:styleLbl>
+  <dgm:styleLbl name="parChTrans1D2">
+    <dgm:scene3d>
+      <a:camera prst="orthographicFront"/>
+      <a:lightRig rig="threePt" dir="t"/>
+    </dgm:scene3d>
+    <dgm:sp3d/>
+    <dgm:txPr/>
+    <dgm:style>
+      <a:lnRef idx="2">
+        <a:scrgbClr r="0" g="0" b="0"/>
+      </a:lnRef>
+      <a:fillRef idx="0">
+        <a:scrgbClr r="0" g="0" b="0"/>
+      </a:fillRef>
+      <a:effectRef idx="0">
+        <a:scrgbClr r="0" g="0" b="0"/>
+      </a:effectRef>
+      <a:fontRef idx="minor"/>
+    </dgm:style>
+  </dgm:styleLbl>
+  <dgm:styleLbl name="parChTrans1D3">
+    <dgm:scene3d>
+      <a:camera prst="orthographicFront"/>
+      <a:lightRig rig="threePt" dir="t"/>
+    </dgm:scene3d>
+    <dgm:sp3d/>
+    <dgm:txPr/>
+    <dgm:style>
+      <a:lnRef idx="2">
+        <a:scrgbClr r="0" g="0" b="0"/>
+      </a:lnRef>
+      <a:fillRef idx="0">
+        <a:scrgbClr r="0" g="0" b="0"/>
+      </a:fillRef>
+      <a:effectRef idx="0">
+        <a:scrgbClr r="0" g="0" b="0"/>
+      </a:effectRef>
+      <a:fontRef idx="minor"/>
+    </dgm:style>
+  </dgm:styleLbl>
+  <dgm:styleLbl name="parChTrans1D4">
+    <dgm:scene3d>
+      <a:camera prst="orthographicFront"/>
+      <a:lightRig rig="threePt" dir="t"/>
+    </dgm:scene3d>
+    <dgm:sp3d/>
+    <dgm:txPr/>
+    <dgm:style>
+      <a:lnRef idx="2">
+        <a:scrgbClr r="0" g="0" b="0"/>
+      </a:lnRef>
+      <a:fillRef idx="0">
+        <a:scrgbClr r="0" g="0" b="0"/>
+      </a:fillRef>
+      <a:effectRef idx="0">
+        <a:scrgbClr r="0" g="0" b="0"/>
+      </a:effectRef>
+      <a:fontRef idx="minor"/>
+    </dgm:style>
+  </dgm:styleLbl>
+  <dgm:styleLbl name="fgAcc1">
+    <dgm:scene3d>
+      <a:camera prst="orthographicFront"/>
+      <a:lightRig rig="threePt" dir="t"/>
+    </dgm:scene3d>
+    <dgm:sp3d/>
+    <dgm:txPr/>
+    <dgm:style>
+      <a:lnRef idx="2">
+        <a:scrgbClr r="0" g="0" b="0"/>
+      </a:lnRef>
+      <a:fillRef idx="1">
+        <a:scrgbClr r="0" g="0" b="0"/>
+      </a:fillRef>
+      <a:effectRef idx="0">
+        <a:scrgbClr r="0" g="0" b="0"/>
+      </a:effectRef>
+      <a:fontRef idx="minor"/>
+    </dgm:style>
+  </dgm:styleLbl>
+  <dgm:styleLbl name="conFgAcc1">
+    <dgm:scene3d>
+      <a:camera prst="orthographicFront"/>
+      <a:lightRig rig="threePt" dir="t"/>
+    </dgm:scene3d>
+    <dgm:sp3d/>
+    <dgm:txPr/>
+    <dgm:style>
+      <a:lnRef idx="2">
+        <a:scrgbClr r="0" g="0" b="0"/>
+      </a:lnRef>
+      <a:fillRef idx="1">
+        <a:scrgbClr r="0" g="0" b="0"/>
+      </a:fillRef>
+      <a:effectRef idx="0">
+        <a:scrgbClr r="0" g="0" b="0"/>
+      </a:effectRef>
+      <a:fontRef idx="minor"/>
+    </dgm:style>
+  </dgm:styleLbl>
+  <dgm:styleLbl name="alignAcc1">
+    <dgm:scene3d>
+      <a:camera prst="orthographicFront"/>
+      <a:lightRig rig="threePt" dir="t"/>
+    </dgm:scene3d>
+    <dgm:sp3d/>
+    <dgm:txPr/>
+    <dgm:style>
+      <a:lnRef idx="2">
+        <a:scrgbClr r="0" g="0" b="0"/>
+      </a:lnRef>
+      <a:fillRef idx="1">
+        <a:scrgbClr r="0" g="0" b="0"/>
+      </a:fillRef>
+      <a:effectRef idx="0">
+        <a:scrgbClr r="0" g="0" b="0"/>
+      </a:effectRef>
+      <a:fontRef idx="minor"/>
+    </dgm:style>
+  </dgm:styleLbl>
+  <dgm:styleLbl name="trAlignAcc1">
+    <dgm:scene3d>
+      <a:camera prst="orthographicFront"/>
+      <a:lightRig rig="threePt" dir="t"/>
+    </dgm:scene3d>
+    <dgm:sp3d/>
+    <dgm:txPr/>
+    <dgm:style>
+      <a:lnRef idx="1">
+        <a:scrgbClr r="0" g="0" b="0"/>
+      </a:lnRef>
+      <a:fillRef idx="1">
+        <a:scrgbClr r="0" g="0" b="0"/>
+      </a:fillRef>
+      <a:effectRef idx="0">
+        <a:scrgbClr r="0" g="0" b="0"/>
+      </a:effectRef>
+      <a:fontRef idx="minor"/>
+    </dgm:style>
+  </dgm:styleLbl>
+  <dgm:styleLbl name="bgAcc1">
+    <dgm:scene3d>
+      <a:camera prst="orthographicFront"/>
+      <a:lightRig rig="threePt" dir="t"/>
+    </dgm:scene3d>
+    <dgm:sp3d/>
+    <dgm:txPr/>
+    <dgm:style>
+      <a:lnRef idx="2">
+        <a:scrgbClr r="0" g="0" b="0"/>
+      </a:lnRef>
+      <a:fillRef idx="1">
+        <a:scrgbClr r="0" g="0" b="0"/>
+      </a:fillRef>
+      <a:effectRef idx="0">
+        <a:scrgbClr r="0" g="0" b="0"/>
+      </a:effectRef>
+      <a:fontRef idx="minor"/>
+    </dgm:style>
+  </dgm:styleLbl>
+  <dgm:styleLbl name="solidFgAcc1">
+    <dgm:scene3d>
+      <a:camera prst="orthographicFront"/>
+      <a:lightRig rig="threePt" dir="t"/>
+    </dgm:scene3d>
+    <dgm:sp3d/>
+    <dgm:txPr/>
+    <dgm:style>
+      <a:lnRef idx="2">
+        <a:scrgbClr r="0" g="0" b="0"/>
+      </a:lnRef>
+      <a:fillRef idx="1">
+        <a:scrgbClr r="0" g="0" b="0"/>
+      </a:fillRef>
+      <a:effectRef idx="0">
+        <a:scrgbClr r="0" g="0" b="0"/>
+      </a:effectRef>
+      <a:fontRef idx="minor"/>
+    </dgm:style>
+  </dgm:styleLbl>
+  <dgm:styleLbl name="solidAlignAcc1">
+    <dgm:scene3d>
+      <a:camera prst="orthographicFront"/>
+      <a:lightRig rig="threePt" dir="t"/>
+    </dgm:scene3d>
+    <dgm:sp3d/>
+    <dgm:txPr/>
+    <dgm:style>
+      <a:lnRef idx="2">
+        <a:scrgbClr r="0" g="0" b="0"/>
+      </a:lnRef>
+      <a:fillRef idx="1">
+        <a:scrgbClr r="0" g="0" b="0"/>
+      </a:fillRef>
+      <a:effectRef idx="0">
+        <a:scrgbClr r="0" g="0" b="0"/>
+      </a:effectRef>
+      <a:fontRef idx="minor"/>
+    </dgm:style>
+  </dgm:styleLbl>
+  <dgm:styleLbl name="solidBgAcc1">
+    <dgm:scene3d>
+      <a:camera prst="orthographicFront"/>
+      <a:lightRig rig="threePt" dir="t"/>
+    </dgm:scene3d>
+    <dgm:sp3d/>
+    <dgm:txPr/>
+    <dgm:style>
+      <a:lnRef idx="2">
+        <a:scrgbClr r="0" g="0" b="0"/>
+      </a:lnRef>
+      <a:fillRef idx="1">
+        <a:scrgbClr r="0" g="0" b="0"/>
+      </a:fillRef>
+      <a:effectRef idx="0">
+        <a:scrgbClr r="0" g="0" b="0"/>
+      </a:effectRef>
+      <a:fontRef idx="minor"/>
+    </dgm:style>
+  </dgm:styleLbl>
+  <dgm:styleLbl name="fgAccFollowNode1">
+    <dgm:scene3d>
+      <a:camera prst="orthographicFront"/>
+      <a:lightRig rig="threePt" dir="t"/>
+    </dgm:scene3d>
+    <dgm:sp3d/>
+    <dgm:txPr/>
+    <dgm:style>
+      <a:lnRef idx="2">
+        <a:scrgbClr r="0" g="0" b="0"/>
+      </a:lnRef>
+      <a:fillRef idx="1">
+        <a:scrgbClr r="0" g="0" b="0"/>
+      </a:fillRef>
+      <a:effectRef idx="0">
+        <a:scrgbClr r="0" g="0" b="0"/>
+      </a:effectRef>
+      <a:fontRef idx="minor"/>
+    </dgm:style>
+  </dgm:styleLbl>
+  <dgm:styleLbl name="alignAccFollowNode1">
+    <dgm:scene3d>
+      <a:camera prst="orthographicFront"/>
+      <a:lightRig rig="threePt" dir="t"/>
+    </dgm:scene3d>
+    <dgm:sp3d/>
+    <dgm:txPr/>
+    <dgm:style>
+      <a:lnRef idx="2">
+        <a:scrgbClr r="0" g="0" b="0"/>
+      </a:lnRef>
+      <a:fillRef idx="1">
+        <a:scrgbClr r="0" g="0" b="0"/>
+      </a:fillRef>
+      <a:effectRef idx="0">
+        <a:scrgbClr r="0" g="0" b="0"/>
+      </a:effectRef>
+      <a:fontRef idx="minor"/>
+    </dgm:style>
+  </dgm:styleLbl>
+  <dgm:styleLbl name="bgAccFollowNode1">
+    <dgm:scene3d>
+      <a:camera prst="orthographicFront"/>
+      <a:lightRig rig="threePt" dir="t"/>
+    </dgm:scene3d>
+    <dgm:sp3d/>
+    <dgm:txPr/>
+    <dgm:style>
+      <a:lnRef idx="2">
+        <a:scrgbClr r="0" g="0" b="0"/>
+      </a:lnRef>
+      <a:fillRef idx="1">
+        <a:scrgbClr r="0" g="0" b="0"/>
+      </a:fillRef>
+      <a:effectRef idx="0">
+        <a:scrgbClr r="0" g="0" b="0"/>
+      </a:effectRef>
+      <a:fontRef idx="minor"/>
+    </dgm:style>
+  </dgm:styleLbl>
+  <dgm:styleLbl name="fgAcc0">
+    <dgm:scene3d>
+      <a:camera prst="orthographicFront"/>
+      <a:lightRig rig="threePt" dir="t"/>
+    </dgm:scene3d>
+    <dgm:sp3d/>
+    <dgm:txPr/>
+    <dgm:style>
+      <a:lnRef idx="2">
+        <a:scrgbClr r="0" g="0" b="0"/>
+      </a:lnRef>
+      <a:fillRef idx="1">
+        <a:scrgbClr r="0" g="0" b="0"/>
+      </a:fillRef>
+      <a:effectRef idx="0">
+        <a:scrgbClr r="0" g="0" b="0"/>
+      </a:effectRef>
+      <a:fontRef idx="minor"/>
+    </dgm:style>
+  </dgm:styleLbl>
+  <dgm:styleLbl name="fgAcc2">
+    <dgm:scene3d>
+      <a:camera prst="orthographicFront"/>
+      <a:lightRig rig="threePt" dir="t"/>
+    </dgm:scene3d>
+    <dgm:sp3d/>
+    <dgm:txPr/>
+    <dgm:style>
+      <a:lnRef idx="2">
+        <a:scrgbClr r="0" g="0" b="0"/>
+      </a:lnRef>
+      <a:fillRef idx="1">
+        <a:scrgbClr r="0" g="0" b="0"/>
+      </a:fillRef>
+      <a:effectRef idx="0">
+        <a:scrgbClr r="0" g="0" b="0"/>
+      </a:effectRef>
+      <a:fontRef idx="minor"/>
+    </dgm:style>
+  </dgm:styleLbl>
+  <dgm:styleLbl name="fgAcc3">
+    <dgm:scene3d>
+      <a:camera prst="orthographicFront"/>
+      <a:lightRig rig="threePt" dir="t"/>
+    </dgm:scene3d>
+    <dgm:sp3d/>
+    <dgm:txPr/>
+    <dgm:style>
+      <a:lnRef idx="2">
+        <a:scrgbClr r="0" g="0" b="0"/>
+      </a:lnRef>
+      <a:fillRef idx="1">
+        <a:scrgbClr r="0" g="0" b="0"/>
+      </a:fillRef>
+      <a:effectRef idx="0">
+        <a:scrgbClr r="0" g="0" b="0"/>
+      </a:effectRef>
+      <a:fontRef idx="minor"/>
+    </dgm:style>
+  </dgm:styleLbl>
+  <dgm:styleLbl name="fgAcc4">
+    <dgm:scene3d>
+      <a:camera prst="orthographicFront"/>
+      <a:lightRig rig="threePt" dir="t"/>
+    </dgm:scene3d>
+    <dgm:sp3d/>
+    <dgm:txPr/>
+    <dgm:style>
+      <a:lnRef idx="2">
+        <a:scrgbClr r="0" g="0" b="0"/>
+      </a:lnRef>
+      <a:fillRef idx="1">
+        <a:scrgbClr r="0" g="0" b="0"/>
+      </a:fillRef>
+      <a:effectRef idx="0">
+        <a:scrgbClr r="0" g="0" b="0"/>
+      </a:effectRef>
+      <a:fontRef idx="minor"/>
+    </dgm:style>
+  </dgm:styleLbl>
+  <dgm:styleLbl name="bgShp">
+    <dgm:scene3d>
+      <a:camera prst="orthographicFront"/>
+      <a:lightRig rig="threePt" dir="t"/>
+    </dgm:scene3d>
+    <dgm:sp3d/>
+    <dgm:txPr/>
+    <dgm:style>
+      <a:lnRef idx="0">
+        <a:scrgbClr r="0" g="0" b="0"/>
+      </a:lnRef>
+      <a:fillRef idx="1">
+        <a:scrgbClr r="0" g="0" b="0"/>
+      </a:fillRef>
+      <a:effectRef idx="0">
+        <a:scrgbClr r="0" g="0" b="0"/>
+      </a:effectRef>
+      <a:fontRef idx="minor"/>
+    </dgm:style>
+  </dgm:styleLbl>
+  <dgm:styleLbl name="dkBgShp">
+    <dgm:scene3d>
+      <a:camera prst="orthographicFront"/>
+      <a:lightRig rig="threePt" dir="t"/>
+    </dgm:scene3d>
+    <dgm:sp3d/>
+    <dgm:txPr/>
+    <dgm:style>
+      <a:lnRef idx="0">
+        <a:scrgbClr r="0" g="0" b="0"/>
+      </a:lnRef>
+      <a:fillRef idx="1">
+        <a:scrgbClr r="0" g="0" b="0"/>
+      </a:fillRef>
+      <a:effectRef idx="0">
+        <a:scrgbClr r="0" g="0" b="0"/>
+      </a:effectRef>
+      <a:fontRef idx="minor"/>
+    </dgm:style>
+  </dgm:styleLbl>
+  <dgm:styleLbl name="trBgShp">
+    <dgm:scene3d>
+      <a:camera prst="orthographicFront"/>
+      <a:lightRig rig="threePt" dir="t"/>
+    </dgm:scene3d>
+    <dgm:sp3d/>
+    <dgm:txPr/>
+    <dgm:style>
+      <a:lnRef idx="0">
+        <a:scrgbClr r="0" g="0" b="0"/>
+      </a:lnRef>
+      <a:fillRef idx="1">
+        <a:scrgbClr r="0" g="0" b="0"/>
+      </a:fillRef>
+      <a:effectRef idx="0">
+        <a:scrgbClr r="0" g="0" b="0"/>
+      </a:effectRef>
+      <a:fontRef idx="minor"/>
+    </dgm:style>
+  </dgm:styleLbl>
+  <dgm:styleLbl name="fgShp">
+    <dgm:scene3d>
+      <a:camera prst="orthographicFront"/>
+      <a:lightRig rig="threePt" dir="t"/>
+    </dgm:scene3d>
+    <dgm:sp3d/>
+    <dgm:txPr/>
+    <dgm:style>
+      <a:lnRef idx="2">
+        <a:scrgbClr r="0" g="0" b="0"/>
+      </a:lnRef>
+      <a:fillRef idx="1">
+        <a:scrgbClr r="0" g="0" b="0"/>
+      </a:fillRef>
+      <a:effectRef idx="0">
+        <a:scrgbClr r="0" g="0" b="0"/>
+      </a:effectRef>
+      <a:fontRef idx="minor"/>
+    </dgm:style>
+  </dgm:styleLbl>
+  <dgm:styleLbl name="revTx">
+    <dgm:scene3d>
+      <a:camera prst="orthographicFront"/>
+      <a:lightRig rig="threePt" dir="t"/>
+    </dgm:scene3d>
+    <dgm:sp3d/>
+    <dgm:txPr/>
+    <dgm:style>
+      <a:lnRef idx="0">
+        <a:scrgbClr r="0" g="0" b="0"/>
+      </a:lnRef>
+      <a:fillRef idx="0">
+        <a:scrgbClr r="0" g="0" b="0"/>
+      </a:fillRef>
+      <a:effectRef idx="0">
+        <a:scrgbClr r="0" g="0" b="0"/>
+      </a:effectRef>
+      <a:fontRef idx="minor"/>
+    </dgm:style>
+  </dgm:styleLbl>
+</dgm:styleDef>
 </file>
 
 <file path=ppt/slideLayouts/slideLayout1.xml><?xml version="1.0" encoding="utf-8"?>
@@ -7767,7 +14095,7 @@
         <p:spPr>
           <a:xfrm>
             <a:off x="1187623" y="2067471"/>
-            <a:ext cx="4248279" cy="1323439"/>
+            <a:ext cx="4416594" cy="1275542"/>
           </a:xfrm>
           <a:prstGeom prst="rect">
             <a:avLst/>
@@ -7786,19 +14114,21 @@
               </a:lnSpc>
             </a:pPr>
             <a:r>
-              <a:rPr lang="zh-CN" altLang="en-US" sz="2000" b="1" spc="100" dirty="0" smtClean="0">
+              <a:rPr lang="zh-CN" altLang="en-US" sz="2000" b="1" spc="200" dirty="0" smtClean="0">
                 <a:solidFill>
                   <a:schemeClr val="bg1"/>
                 </a:solidFill>
                 <a:latin typeface="+mn-ea"/>
+                <a:ea typeface="创艺简细圆" pitchFamily="2" charset="-122"/>
               </a:rPr>
               <a:t>生活中难免会发生这样的事情</a:t>
             </a:r>
-            <a:endParaRPr lang="en-US" altLang="zh-CN" sz="2000" b="1" spc="100" dirty="0" smtClean="0">
+            <a:endParaRPr lang="en-US" altLang="zh-CN" sz="2000" b="1" spc="200" dirty="0" smtClean="0">
               <a:solidFill>
                 <a:schemeClr val="bg1"/>
               </a:solidFill>
               <a:latin typeface="+mn-ea"/>
+              <a:ea typeface="创艺简细圆" pitchFamily="2" charset="-122"/>
             </a:endParaRPr>
           </a:p>
           <a:p>
@@ -7808,19 +14138,21 @@
               </a:lnSpc>
             </a:pPr>
             <a:r>
-              <a:rPr lang="zh-CN" altLang="en-US" sz="2000" b="1" spc="100" dirty="0" smtClean="0">
+              <a:rPr lang="zh-CN" altLang="en-US" sz="2000" b="1" spc="200" dirty="0" smtClean="0">
                 <a:solidFill>
                   <a:schemeClr val="bg1"/>
                 </a:solidFill>
                 <a:latin typeface="+mn-ea"/>
+                <a:ea typeface="创艺简细圆" pitchFamily="2" charset="-122"/>
               </a:rPr>
               <a:t>为了能这块牌子竖立的时间少一点</a:t>
             </a:r>
-            <a:endParaRPr lang="en-US" altLang="zh-CN" sz="2000" b="1" spc="100" dirty="0" smtClean="0">
+            <a:endParaRPr lang="en-US" altLang="zh-CN" sz="2000" b="1" spc="200" dirty="0" smtClean="0">
               <a:solidFill>
                 <a:schemeClr val="bg1"/>
               </a:solidFill>
               <a:latin typeface="+mn-ea"/>
+              <a:ea typeface="创艺简细圆" pitchFamily="2" charset="-122"/>
             </a:endParaRPr>
           </a:p>
           <a:p>
@@ -7830,28 +14162,31 @@
               </a:lnSpc>
             </a:pPr>
             <a:r>
-              <a:rPr lang="zh-CN" altLang="en-US" sz="2000" b="1" spc="100" dirty="0" smtClean="0">
+              <a:rPr lang="zh-CN" altLang="en-US" sz="2000" b="1" spc="200" dirty="0" smtClean="0">
                 <a:solidFill>
                   <a:schemeClr val="bg1"/>
                 </a:solidFill>
                 <a:latin typeface="+mn-ea"/>
+                <a:ea typeface="创艺简细圆" pitchFamily="2" charset="-122"/>
               </a:rPr>
               <a:t>我们开始了这个项目</a:t>
             </a:r>
             <a:r>
-              <a:rPr lang="en-US" altLang="zh-CN" sz="2000" b="1" spc="100" dirty="0" smtClean="0">
+              <a:rPr lang="en-US" altLang="zh-CN" sz="2000" b="1" spc="200" dirty="0" smtClean="0">
                 <a:solidFill>
                   <a:schemeClr val="bg1"/>
                 </a:solidFill>
                 <a:latin typeface="+mn-ea"/>
+                <a:ea typeface="创艺简细圆" pitchFamily="2" charset="-122"/>
               </a:rPr>
               <a:t>…</a:t>
             </a:r>
-            <a:endParaRPr lang="zh-CN" altLang="en-US" sz="2000" b="1" spc="100" dirty="0">
+            <a:endParaRPr lang="zh-CN" altLang="en-US" sz="2000" b="1" spc="200" dirty="0">
               <a:solidFill>
                 <a:schemeClr val="bg1"/>
               </a:solidFill>
               <a:latin typeface="+mn-ea"/>
+              <a:ea typeface="创艺简细圆" pitchFamily="2" charset="-122"/>
             </a:endParaRPr>
           </a:p>
         </p:txBody>
@@ -11208,10 +17543,14 @@
               </a:spcAft>
             </a:pPr>
             <a:r>
-              <a:rPr lang="zh-CN" altLang="en-US" sz="2400" dirty="0" smtClean="0"/>
+              <a:rPr lang="zh-CN" altLang="en-US" sz="2400" dirty="0" smtClean="0">
+                <a:ea typeface="创艺简中圆" pitchFamily="2" charset="-122"/>
+              </a:rPr>
               <a:t>计算机视觉</a:t>
             </a:r>
-            <a:endParaRPr lang="zh-CN" altLang="en-US" sz="2400" kern="1200" dirty="0"/>
+            <a:endParaRPr lang="zh-CN" altLang="en-US" sz="2400" kern="1200" dirty="0">
+              <a:ea typeface="创艺简中圆" pitchFamily="2" charset="-122"/>
+            </a:endParaRPr>
           </a:p>
         </p:txBody>
       </p:sp>
@@ -11323,10 +17662,14 @@
               </a:spcAft>
             </a:pPr>
             <a:r>
-              <a:rPr lang="zh-CN" altLang="en-US" sz="2400" dirty="0"/>
+              <a:rPr lang="zh-CN" altLang="en-US" sz="2400" dirty="0">
+                <a:ea typeface="创艺简中圆" pitchFamily="2" charset="-122"/>
+              </a:rPr>
               <a:t>图像处理</a:t>
             </a:r>
-            <a:endParaRPr lang="zh-CN" altLang="en-US" sz="2400" kern="1200" dirty="0"/>
+            <a:endParaRPr lang="zh-CN" altLang="en-US" sz="2400" kern="1200" dirty="0">
+              <a:ea typeface="创艺简中圆" pitchFamily="2" charset="-122"/>
+            </a:endParaRPr>
           </a:p>
         </p:txBody>
       </p:sp>
@@ -11438,10 +17781,14 @@
               </a:spcAft>
             </a:pPr>
             <a:r>
-              <a:rPr lang="zh-CN" altLang="en-US" sz="2400" kern="1200" dirty="0" smtClean="0"/>
+              <a:rPr lang="zh-CN" altLang="en-US" sz="2400" kern="1200" dirty="0" smtClean="0">
+                <a:ea typeface="创艺简中圆" pitchFamily="2" charset="-122"/>
+              </a:rPr>
               <a:t>特征提取</a:t>
             </a:r>
-            <a:endParaRPr lang="zh-CN" altLang="en-US" sz="2400" kern="1200" dirty="0"/>
+            <a:endParaRPr lang="zh-CN" altLang="en-US" sz="2400" kern="1200" dirty="0">
+              <a:ea typeface="创艺简中圆" pitchFamily="2" charset="-122"/>
+            </a:endParaRPr>
           </a:p>
         </p:txBody>
       </p:sp>
@@ -11553,10 +17900,14 @@
               </a:spcAft>
             </a:pPr>
             <a:r>
-              <a:rPr lang="zh-CN" altLang="en-US" sz="2400" kern="1200" dirty="0" smtClean="0"/>
+              <a:rPr lang="zh-CN" altLang="en-US" sz="2400" kern="1200" dirty="0" smtClean="0">
+                <a:ea typeface="创艺简中圆" pitchFamily="2" charset="-122"/>
+              </a:rPr>
               <a:t>半自动模式识别</a:t>
             </a:r>
-            <a:endParaRPr lang="zh-CN" altLang="en-US" sz="2400" kern="1200" dirty="0"/>
+            <a:endParaRPr lang="zh-CN" altLang="en-US" sz="2400" kern="1200" dirty="0">
+              <a:ea typeface="创艺简中圆" pitchFamily="2" charset="-122"/>
+            </a:endParaRPr>
           </a:p>
         </p:txBody>
       </p:sp>
@@ -20111,8 +26462,8 @@
         </p:nvSpPr>
         <p:spPr>
           <a:xfrm>
-            <a:off x="3043108" y="731448"/>
-            <a:ext cx="1861407" cy="584775"/>
+            <a:off x="2910606" y="731448"/>
+            <a:ext cx="2098651" cy="584775"/>
           </a:xfrm>
           <a:prstGeom prst="rect">
             <a:avLst/>
@@ -20126,10 +26477,18 @@
           <a:lstStyle/>
           <a:p>
             <a:r>
-              <a:rPr lang="en-US" altLang="zh-CN" sz="3200" dirty="0" smtClean="0"/>
+              <a:rPr lang="en-US" altLang="zh-CN" sz="3200" dirty="0" smtClean="0">
+                <a:latin typeface="Arial Unicode MS" pitchFamily="34" charset="-122"/>
+                <a:ea typeface="Arial Unicode MS" pitchFamily="34" charset="-122"/>
+                <a:cs typeface="Arial Unicode MS" pitchFamily="34" charset="-122"/>
+              </a:rPr>
               <a:t>Select File</a:t>
             </a:r>
-            <a:endParaRPr lang="zh-CN" altLang="en-US" sz="3200" dirty="0"/>
+            <a:endParaRPr lang="zh-CN" altLang="en-US" sz="3200" dirty="0">
+              <a:latin typeface="Arial Unicode MS" pitchFamily="34" charset="-122"/>
+              <a:ea typeface="Arial Unicode MS" pitchFamily="34" charset="-122"/>
+              <a:cs typeface="Arial Unicode MS" pitchFamily="34" charset="-122"/>
+            </a:endParaRPr>
           </a:p>
         </p:txBody>
       </p:sp>
@@ -20218,8 +26577,8 @@
         </p:nvSpPr>
         <p:spPr>
           <a:xfrm>
-            <a:off x="3288367" y="2352269"/>
-            <a:ext cx="1370888" cy="584775"/>
+            <a:off x="3155865" y="2352269"/>
+            <a:ext cx="1505540" cy="584775"/>
           </a:xfrm>
           <a:prstGeom prst="rect">
             <a:avLst/>
@@ -20233,10 +26592,18 @@
           <a:lstStyle/>
           <a:p>
             <a:r>
-              <a:rPr lang="en-US" altLang="zh-CN" sz="3200" dirty="0" smtClean="0"/>
+              <a:rPr lang="en-US" altLang="zh-CN" sz="3200" dirty="0" smtClean="0">
+                <a:latin typeface="Arial Unicode MS" pitchFamily="34" charset="-122"/>
+                <a:ea typeface="Arial Unicode MS" pitchFamily="34" charset="-122"/>
+                <a:cs typeface="Arial Unicode MS" pitchFamily="34" charset="-122"/>
+              </a:rPr>
               <a:t>choose</a:t>
             </a:r>
-            <a:endParaRPr lang="zh-CN" altLang="en-US" sz="3200" dirty="0"/>
+            <a:endParaRPr lang="zh-CN" altLang="en-US" sz="3200" dirty="0">
+              <a:latin typeface="Arial Unicode MS" pitchFamily="34" charset="-122"/>
+              <a:ea typeface="Arial Unicode MS" pitchFamily="34" charset="-122"/>
+              <a:cs typeface="Arial Unicode MS" pitchFamily="34" charset="-122"/>
+            </a:endParaRPr>
           </a:p>
         </p:txBody>
       </p:sp>
@@ -20281,8 +26648,8 @@
         </p:nvSpPr>
         <p:spPr>
           <a:xfrm>
-            <a:off x="3274488" y="4170700"/>
-            <a:ext cx="1342419" cy="584775"/>
+            <a:off x="3141986" y="4170700"/>
+            <a:ext cx="1460656" cy="584775"/>
           </a:xfrm>
           <a:prstGeom prst="rect">
             <a:avLst/>
@@ -20296,10 +26663,18 @@
           <a:lstStyle/>
           <a:p>
             <a:r>
-              <a:rPr lang="en-US" altLang="zh-CN" sz="3200" dirty="0" smtClean="0"/>
+              <a:rPr lang="en-US" altLang="zh-CN" sz="3200" dirty="0" smtClean="0">
+                <a:latin typeface="Arial Unicode MS" pitchFamily="34" charset="-122"/>
+                <a:ea typeface="Arial Unicode MS" pitchFamily="34" charset="-122"/>
+                <a:cs typeface="Arial Unicode MS" pitchFamily="34" charset="-122"/>
+              </a:rPr>
               <a:t>display</a:t>
             </a:r>
-            <a:endParaRPr lang="zh-CN" altLang="en-US" sz="3200" dirty="0"/>
+            <a:endParaRPr lang="zh-CN" altLang="en-US" sz="3200" dirty="0">
+              <a:latin typeface="Arial Unicode MS" pitchFamily="34" charset="-122"/>
+              <a:ea typeface="Arial Unicode MS" pitchFamily="34" charset="-122"/>
+              <a:cs typeface="Arial Unicode MS" pitchFamily="34" charset="-122"/>
+            </a:endParaRPr>
           </a:p>
         </p:txBody>
       </p:sp>
@@ -21672,6 +28047,116 @@
           </a:p>
         </p:txBody>
       </p:sp>
+      <p:graphicFrame>
+        <p:nvGraphicFramePr>
+          <p:cNvPr id="3" name="图示 2"/>
+          <p:cNvGraphicFramePr/>
+          <p:nvPr>
+            <p:extLst>
+              <p:ext uri="{D42A27DB-BD31-4B8C-83A1-F6EECF244321}">
+                <p14:modId xmlns:p14="http://schemas.microsoft.com/office/powerpoint/2010/main" val="3264800779"/>
+              </p:ext>
+            </p:extLst>
+          </p:nvPr>
+        </p:nvGraphicFramePr>
+        <p:xfrm>
+          <a:off x="1331640" y="2132856"/>
+          <a:ext cx="6096000" cy="4064000"/>
+        </p:xfrm>
+        <a:graphic>
+          <a:graphicData uri="http://schemas.openxmlformats.org/drawingml/2006/diagram">
+            <dgm:relIds xmlns:dgm="http://schemas.openxmlformats.org/drawingml/2006/diagram" xmlns:r="http://schemas.openxmlformats.org/officeDocument/2006/relationships" r:dm="rId2" r:lo="rId3" r:qs="rId4" r:cs="rId5"/>
+          </a:graphicData>
+        </a:graphic>
+      </p:graphicFrame>
+      <p:graphicFrame>
+        <p:nvGraphicFramePr>
+          <p:cNvPr id="5" name="图示 4"/>
+          <p:cNvGraphicFramePr/>
+          <p:nvPr>
+            <p:extLst>
+              <p:ext uri="{D42A27DB-BD31-4B8C-83A1-F6EECF244321}">
+                <p14:modId xmlns:p14="http://schemas.microsoft.com/office/powerpoint/2010/main" val="3834092202"/>
+              </p:ext>
+            </p:extLst>
+          </p:nvPr>
+        </p:nvGraphicFramePr>
+        <p:xfrm>
+          <a:off x="1484040" y="2285256"/>
+          <a:ext cx="6096000" cy="4064000"/>
+        </p:xfrm>
+        <a:graphic>
+          <a:graphicData uri="http://schemas.openxmlformats.org/drawingml/2006/diagram">
+            <dgm:relIds xmlns:dgm="http://schemas.openxmlformats.org/drawingml/2006/diagram" xmlns:r="http://schemas.openxmlformats.org/officeDocument/2006/relationships" r:dm="rId7" r:lo="rId8" r:qs="rId9" r:cs="rId10"/>
+          </a:graphicData>
+        </a:graphic>
+      </p:graphicFrame>
+      <p:sp>
+        <p:nvSpPr>
+          <p:cNvPr id="4" name="圆角矩形 3"/>
+          <p:cNvSpPr/>
+          <p:nvPr/>
+        </p:nvSpPr>
+        <p:spPr>
+          <a:xfrm>
+            <a:off x="628707" y="862699"/>
+            <a:ext cx="6967630" cy="720080"/>
+          </a:xfrm>
+          <a:prstGeom prst="roundRect">
+            <a:avLst/>
+          </a:prstGeom>
+          <a:solidFill>
+            <a:schemeClr val="accent2">
+              <a:lumMod val="20000"/>
+              <a:lumOff val="80000"/>
+            </a:schemeClr>
+          </a:solidFill>
+        </p:spPr>
+        <p:style>
+          <a:lnRef idx="2">
+            <a:schemeClr val="accent1">
+              <a:shade val="50000"/>
+            </a:schemeClr>
+          </a:lnRef>
+          <a:fillRef idx="1">
+            <a:schemeClr val="accent1"/>
+          </a:fillRef>
+          <a:effectRef idx="0">
+            <a:schemeClr val="accent1"/>
+          </a:effectRef>
+          <a:fontRef idx="minor">
+            <a:schemeClr val="lt1"/>
+          </a:fontRef>
+        </p:style>
+        <p:txBody>
+          <a:bodyPr rtlCol="0" anchor="ctr"/>
+          <a:lstStyle/>
+          <a:p>
+            <a:pPr algn="ctr"/>
+            <a:r>
+              <a:rPr lang="zh-CN" altLang="en-US" sz="3200" b="1" spc="1000" dirty="0" smtClean="0">
+                <a:solidFill>
+                  <a:schemeClr val="accent2">
+                    <a:lumMod val="75000"/>
+                  </a:schemeClr>
+                </a:solidFill>
+                <a:latin typeface="微软雅黑" pitchFamily="34" charset="-122"/>
+                <a:ea typeface="微软雅黑" pitchFamily="34" charset="-122"/>
+              </a:rPr>
+              <a:t>遇到的问题</a:t>
+            </a:r>
+            <a:endParaRPr lang="zh-CN" altLang="en-US" sz="3200" b="1" spc="1000" dirty="0">
+              <a:solidFill>
+                <a:schemeClr val="accent2">
+                  <a:lumMod val="75000"/>
+                </a:schemeClr>
+              </a:solidFill>
+              <a:latin typeface="微软雅黑" pitchFamily="34" charset="-122"/>
+              <a:ea typeface="微软雅黑" pitchFamily="34" charset="-122"/>
+            </a:endParaRPr>
+          </a:p>
+        </p:txBody>
+      </p:sp>
     </p:spTree>
     <p:extLst>
       <p:ext uri="{BB962C8B-B14F-4D97-AF65-F5344CB8AC3E}">
@@ -21682,13 +28167,13 @@
   <p:clrMapOvr>
     <a:masterClrMapping/>
   </p:clrMapOvr>
-  <mc:AlternateContent xmlns:mc="http://schemas.openxmlformats.org/markup-compatibility/2006">
-    <mc:Choice xmlns:p14="http://schemas.microsoft.com/office/powerpoint/2010/main" Requires="p14">
+  <mc:AlternateContent xmlns:mc="http://schemas.openxmlformats.org/markup-compatibility/2006" xmlns:p14="http://schemas.microsoft.com/office/powerpoint/2010/main">
+    <mc:Choice Requires="p14">
       <p:transition spd="slow" p14:dur="1200">
         <p14:flip dir="r"/>
       </p:transition>
     </mc:Choice>
-    <mc:Fallback>
+    <mc:Fallback xmlns="">
       <p:transition spd="slow">
         <p:fade/>
       </p:transition>
@@ -21697,9 +28182,280 @@
   <p:timing>
     <p:tnLst>
       <p:par>
-        <p:cTn id="1" dur="indefinite" restart="never" nodeType="tmRoot"/>
+        <p:cTn id="1" dur="indefinite" restart="never" nodeType="tmRoot">
+          <p:childTnLst>
+            <p:seq concurrent="1" nextAc="seek">
+              <p:cTn id="2" dur="indefinite" nodeType="mainSeq">
+                <p:childTnLst>
+                  <p:par>
+                    <p:cTn id="3" fill="hold">
+                      <p:stCondLst>
+                        <p:cond delay="indefinite"/>
+                        <p:cond evt="onBegin" delay="0">
+                          <p:tn val="2"/>
+                        </p:cond>
+                      </p:stCondLst>
+                      <p:childTnLst>
+                        <p:par>
+                          <p:cTn id="4" fill="hold">
+                            <p:stCondLst>
+                              <p:cond delay="0"/>
+                            </p:stCondLst>
+                            <p:childTnLst>
+                              <p:par>
+                                <p:cTn id="5" presetID="10" presetClass="entr" presetSubtype="0" fill="hold" grpId="0" nodeType="afterEffect">
+                                  <p:stCondLst>
+                                    <p:cond delay="0"/>
+                                  </p:stCondLst>
+                                  <p:childTnLst>
+                                    <p:set>
+                                      <p:cBhvr>
+                                        <p:cTn id="6" dur="1" fill="hold">
+                                          <p:stCondLst>
+                                            <p:cond delay="0"/>
+                                          </p:stCondLst>
+                                        </p:cTn>
+                                        <p:tgtEl>
+                                          <p:spTgt spid="3"/>
+                                        </p:tgtEl>
+                                        <p:attrNameLst>
+                                          <p:attrName>style.visibility</p:attrName>
+                                        </p:attrNameLst>
+                                      </p:cBhvr>
+                                      <p:to>
+                                        <p:strVal val="visible"/>
+                                      </p:to>
+                                    </p:set>
+                                    <p:animEffect transition="in" filter="fade">
+                                      <p:cBhvr>
+                                        <p:cTn id="7" dur="500"/>
+                                        <p:tgtEl>
+                                          <p:spTgt spid="3"/>
+                                        </p:tgtEl>
+                                      </p:cBhvr>
+                                    </p:animEffect>
+                                  </p:childTnLst>
+                                </p:cTn>
+                              </p:par>
+                            </p:childTnLst>
+                          </p:cTn>
+                        </p:par>
+                      </p:childTnLst>
+                    </p:cTn>
+                  </p:par>
+                  <p:par>
+                    <p:cTn id="8" fill="hold">
+                      <p:stCondLst>
+                        <p:cond delay="indefinite"/>
+                      </p:stCondLst>
+                      <p:childTnLst>
+                        <p:par>
+                          <p:cTn id="9" fill="hold">
+                            <p:stCondLst>
+                              <p:cond delay="0"/>
+                            </p:stCondLst>
+                            <p:childTnLst>
+                              <p:par>
+                                <p:cTn id="10" presetID="2" presetClass="exit" presetSubtype="4" fill="hold" grpId="1" nodeType="clickEffect">
+                                  <p:stCondLst>
+                                    <p:cond delay="0"/>
+                                  </p:stCondLst>
+                                  <p:childTnLst>
+                                    <p:anim calcmode="lin" valueType="num">
+                                      <p:cBhvr additive="base">
+                                        <p:cTn id="11" dur="500"/>
+                                        <p:tgtEl>
+                                          <p:spTgt spid="3"/>
+                                        </p:tgtEl>
+                                        <p:attrNameLst>
+                                          <p:attrName>ppt_x</p:attrName>
+                                        </p:attrNameLst>
+                                      </p:cBhvr>
+                                      <p:tavLst>
+                                        <p:tav tm="0">
+                                          <p:val>
+                                            <p:strVal val="ppt_x"/>
+                                          </p:val>
+                                        </p:tav>
+                                        <p:tav tm="100000">
+                                          <p:val>
+                                            <p:strVal val="ppt_x"/>
+                                          </p:val>
+                                        </p:tav>
+                                      </p:tavLst>
+                                    </p:anim>
+                                    <p:anim calcmode="lin" valueType="num">
+                                      <p:cBhvr additive="base">
+                                        <p:cTn id="12" dur="500"/>
+                                        <p:tgtEl>
+                                          <p:spTgt spid="3"/>
+                                        </p:tgtEl>
+                                        <p:attrNameLst>
+                                          <p:attrName>ppt_y</p:attrName>
+                                        </p:attrNameLst>
+                                      </p:cBhvr>
+                                      <p:tavLst>
+                                        <p:tav tm="0">
+                                          <p:val>
+                                            <p:strVal val="ppt_y"/>
+                                          </p:val>
+                                        </p:tav>
+                                        <p:tav tm="100000">
+                                          <p:val>
+                                            <p:strVal val="1+ppt_h/2"/>
+                                          </p:val>
+                                        </p:tav>
+                                      </p:tavLst>
+                                    </p:anim>
+                                    <p:set>
+                                      <p:cBhvr>
+                                        <p:cTn id="13" dur="1" fill="hold">
+                                          <p:stCondLst>
+                                            <p:cond delay="499"/>
+                                          </p:stCondLst>
+                                        </p:cTn>
+                                        <p:tgtEl>
+                                          <p:spTgt spid="3"/>
+                                        </p:tgtEl>
+                                        <p:attrNameLst>
+                                          <p:attrName>style.visibility</p:attrName>
+                                        </p:attrNameLst>
+                                      </p:cBhvr>
+                                      <p:to>
+                                        <p:strVal val="hidden"/>
+                                      </p:to>
+                                    </p:set>
+                                  </p:childTnLst>
+                                </p:cTn>
+                              </p:par>
+                            </p:childTnLst>
+                          </p:cTn>
+                        </p:par>
+                        <p:par>
+                          <p:cTn id="14" fill="hold">
+                            <p:stCondLst>
+                              <p:cond delay="500"/>
+                            </p:stCondLst>
+                            <p:childTnLst>
+                              <p:par>
+                                <p:cTn id="15" presetID="42" presetClass="entr" presetSubtype="0" fill="hold" grpId="0" nodeType="afterEffect">
+                                  <p:stCondLst>
+                                    <p:cond delay="0"/>
+                                  </p:stCondLst>
+                                  <p:childTnLst>
+                                    <p:set>
+                                      <p:cBhvr>
+                                        <p:cTn id="16" dur="1" fill="hold">
+                                          <p:stCondLst>
+                                            <p:cond delay="0"/>
+                                          </p:stCondLst>
+                                        </p:cTn>
+                                        <p:tgtEl>
+                                          <p:spTgt spid="5"/>
+                                        </p:tgtEl>
+                                        <p:attrNameLst>
+                                          <p:attrName>style.visibility</p:attrName>
+                                        </p:attrNameLst>
+                                      </p:cBhvr>
+                                      <p:to>
+                                        <p:strVal val="visible"/>
+                                      </p:to>
+                                    </p:set>
+                                    <p:animEffect transition="in" filter="fade">
+                                      <p:cBhvr>
+                                        <p:cTn id="17" dur="500"/>
+                                        <p:tgtEl>
+                                          <p:spTgt spid="5"/>
+                                        </p:tgtEl>
+                                      </p:cBhvr>
+                                    </p:animEffect>
+                                    <p:anim calcmode="lin" valueType="num">
+                                      <p:cBhvr>
+                                        <p:cTn id="18" dur="500" fill="hold"/>
+                                        <p:tgtEl>
+                                          <p:spTgt spid="5"/>
+                                        </p:tgtEl>
+                                        <p:attrNameLst>
+                                          <p:attrName>ppt_x</p:attrName>
+                                        </p:attrNameLst>
+                                      </p:cBhvr>
+                                      <p:tavLst>
+                                        <p:tav tm="0">
+                                          <p:val>
+                                            <p:strVal val="#ppt_x"/>
+                                          </p:val>
+                                        </p:tav>
+                                        <p:tav tm="100000">
+                                          <p:val>
+                                            <p:strVal val="#ppt_x"/>
+                                          </p:val>
+                                        </p:tav>
+                                      </p:tavLst>
+                                    </p:anim>
+                                    <p:anim calcmode="lin" valueType="num">
+                                      <p:cBhvr>
+                                        <p:cTn id="19" dur="500" fill="hold"/>
+                                        <p:tgtEl>
+                                          <p:spTgt spid="5"/>
+                                        </p:tgtEl>
+                                        <p:attrNameLst>
+                                          <p:attrName>ppt_y</p:attrName>
+                                        </p:attrNameLst>
+                                      </p:cBhvr>
+                                      <p:tavLst>
+                                        <p:tav tm="0">
+                                          <p:val>
+                                            <p:strVal val="#ppt_y+.1"/>
+                                          </p:val>
+                                        </p:tav>
+                                        <p:tav tm="100000">
+                                          <p:val>
+                                            <p:strVal val="#ppt_y"/>
+                                          </p:val>
+                                        </p:tav>
+                                      </p:tavLst>
+                                    </p:anim>
+                                  </p:childTnLst>
+                                </p:cTn>
+                              </p:par>
+                            </p:childTnLst>
+                          </p:cTn>
+                        </p:par>
+                      </p:childTnLst>
+                    </p:cTn>
+                  </p:par>
+                </p:childTnLst>
+              </p:cTn>
+              <p:prevCondLst>
+                <p:cond evt="onPrev" delay="0">
+                  <p:tgtEl>
+                    <p:sldTgt/>
+                  </p:tgtEl>
+                </p:cond>
+              </p:prevCondLst>
+              <p:nextCondLst>
+                <p:cond evt="onNext" delay="0">
+                  <p:tgtEl>
+                    <p:sldTgt/>
+                  </p:tgtEl>
+                </p:cond>
+              </p:nextCondLst>
+            </p:seq>
+          </p:childTnLst>
+        </p:cTn>
       </p:par>
     </p:tnLst>
+    <p:bldLst>
+      <p:bldGraphic spid="3" grpId="0">
+        <p:bldAsOne/>
+      </p:bldGraphic>
+      <p:bldGraphic spid="3" grpId="1">
+        <p:bldAsOne/>
+      </p:bldGraphic>
+      <p:bldGraphic spid="5" grpId="0">
+        <p:bldAsOne/>
+      </p:bldGraphic>
+    </p:bldLst>
   </p:timing>
 </p:sld>
 </file>
